--- a/N1.pptx
+++ b/N1.pptx
@@ -5,7 +5,7 @@
     <p:sldMasterId id="2147483648" r:id="rId1"/>
   </p:sldMasterIdLst>
   <p:notesMasterIdLst>
-    <p:notesMasterId r:id="rId25"/>
+    <p:notesMasterId r:id="rId27"/>
   </p:notesMasterIdLst>
   <p:sldIdLst>
     <p:sldId id="256" r:id="rId2"/>
@@ -21,16 +21,18 @@
     <p:sldId id="280" r:id="rId12"/>
     <p:sldId id="269" r:id="rId13"/>
     <p:sldId id="281" r:id="rId14"/>
-    <p:sldId id="282" r:id="rId15"/>
-    <p:sldId id="279" r:id="rId16"/>
-    <p:sldId id="271" r:id="rId17"/>
-    <p:sldId id="272" r:id="rId18"/>
-    <p:sldId id="273" r:id="rId19"/>
-    <p:sldId id="274" r:id="rId20"/>
-    <p:sldId id="276" r:id="rId21"/>
-    <p:sldId id="277" r:id="rId22"/>
-    <p:sldId id="270" r:id="rId23"/>
-    <p:sldId id="275" r:id="rId24"/>
+    <p:sldId id="284" r:id="rId15"/>
+    <p:sldId id="285" r:id="rId16"/>
+    <p:sldId id="282" r:id="rId17"/>
+    <p:sldId id="279" r:id="rId18"/>
+    <p:sldId id="271" r:id="rId19"/>
+    <p:sldId id="272" r:id="rId20"/>
+    <p:sldId id="273" r:id="rId21"/>
+    <p:sldId id="274" r:id="rId22"/>
+    <p:sldId id="276" r:id="rId23"/>
+    <p:sldId id="277" r:id="rId24"/>
+    <p:sldId id="270" r:id="rId25"/>
+    <p:sldId id="275" r:id="rId26"/>
   </p:sldIdLst>
   <p:sldSz cx="12192000" cy="6858000"/>
   <p:notesSz cx="6858000" cy="9144000"/>
@@ -231,7 +233,7 @@
             <a:fld id="{F56AEA39-9498-4FCA-B33C-4312124B84ED}" type="datetimeFigureOut">
               <a:rPr lang="fr-FR" smtClean="0"/>
               <a:pPr/>
-              <a:t>31/03/2022</a:t>
+              <a:t>05/04/2022</a:t>
             </a:fld>
             <a:endParaRPr lang="fr-FR"/>
           </a:p>
@@ -774,7 +776,7 @@
             <a:fld id="{6B6607F0-2372-40D2-9255-61C780155E2B}" type="datetime1">
               <a:rPr lang="en-US" smtClean="0"/>
               <a:pPr/>
-              <a:t>3/31/2022</a:t>
+              <a:t>4/5/2022</a:t>
             </a:fld>
             <a:endParaRPr lang="en-US" dirty="0"/>
           </a:p>
@@ -1109,7 +1111,7 @@
             <a:fld id="{62AE4DF1-A014-41C7-83FD-CEC8AD6D19E7}" type="datetime1">
               <a:rPr lang="en-US" smtClean="0"/>
               <a:pPr/>
-              <a:t>3/31/2022</a:t>
+              <a:t>4/5/2022</a:t>
             </a:fld>
             <a:endParaRPr lang="en-US" dirty="0"/>
           </a:p>
@@ -1507,7 +1509,7 @@
             <a:fld id="{DD5C5C09-23AE-42F4-9FF8-E9887FF5AB21}" type="datetime1">
               <a:rPr lang="en-US" smtClean="0"/>
               <a:pPr/>
-              <a:t>3/31/2022</a:t>
+              <a:t>4/5/2022</a:t>
             </a:fld>
             <a:endParaRPr lang="en-US" dirty="0"/>
           </a:p>
@@ -1840,7 +1842,7 @@
             <a:fld id="{FBA9A64C-4363-4D29-AF62-0AF078BF4DEB}" type="datetime1">
               <a:rPr lang="en-US" smtClean="0"/>
               <a:pPr/>
-              <a:t>3/31/2022</a:t>
+              <a:t>4/5/2022</a:t>
             </a:fld>
             <a:endParaRPr lang="en-US" dirty="0"/>
           </a:p>
@@ -2157,7 +2159,7 @@
             <a:fld id="{823AA076-EE84-4336-A3F4-132885F9F98A}" type="datetime1">
               <a:rPr lang="en-US" smtClean="0"/>
               <a:pPr/>
-              <a:t>3/31/2022</a:t>
+              <a:t>4/5/2022</a:t>
             </a:fld>
             <a:endParaRPr lang="en-US" dirty="0"/>
           </a:p>
@@ -2550,7 +2552,7 @@
             <a:fld id="{08CDE7AC-32EF-4147-B739-D24792018E30}" type="datetime1">
               <a:rPr lang="en-US" smtClean="0"/>
               <a:pPr/>
-              <a:t>3/31/2022</a:t>
+              <a:t>4/5/2022</a:t>
             </a:fld>
             <a:endParaRPr lang="en-US" dirty="0"/>
           </a:p>
@@ -2804,7 +2806,7 @@
             <a:fld id="{4FB0C1C4-C408-4323-9B58-95D9CB252497}" type="datetime1">
               <a:rPr lang="en-US" smtClean="0"/>
               <a:pPr/>
-              <a:t>3/31/2022</a:t>
+              <a:t>4/5/2022</a:t>
             </a:fld>
             <a:endParaRPr lang="en-US" dirty="0"/>
           </a:p>
@@ -3063,7 +3065,7 @@
             <a:fld id="{33A753D1-A681-455F-A087-29BE400C8828}" type="datetime1">
               <a:rPr lang="en-US" smtClean="0"/>
               <a:pPr/>
-              <a:t>3/31/2022</a:t>
+              <a:t>4/5/2022</a:t>
             </a:fld>
             <a:endParaRPr lang="en-US" dirty="0"/>
           </a:p>
@@ -3322,7 +3324,7 @@
             <a:fld id="{667A7B24-BF5D-4B93-B822-3F8E933A9370}" type="datetime1">
               <a:rPr lang="en-US" smtClean="0"/>
               <a:pPr/>
-              <a:t>3/31/2022</a:t>
+              <a:t>4/5/2022</a:t>
             </a:fld>
             <a:endParaRPr lang="en-US" dirty="0"/>
           </a:p>
@@ -3648,7 +3650,7 @@
             <a:fld id="{1FACF992-E665-4C99-81E7-25F1C78B7D4C}" type="datetime1">
               <a:rPr lang="en-US" smtClean="0"/>
               <a:pPr/>
-              <a:t>3/31/2022</a:t>
+              <a:t>4/5/2022</a:t>
             </a:fld>
             <a:endParaRPr lang="en-US" dirty="0"/>
           </a:p>
@@ -3968,7 +3970,7 @@
             <a:fld id="{61411115-743C-4335-AEB6-57B14653E396}" type="datetime1">
               <a:rPr lang="en-US" smtClean="0"/>
               <a:pPr/>
-              <a:t>3/31/2022</a:t>
+              <a:t>4/5/2022</a:t>
             </a:fld>
             <a:endParaRPr lang="en-US" dirty="0"/>
           </a:p>
@@ -4422,7 +4424,7 @@
             <a:fld id="{1019BFC1-A3BC-41B2-8676-187CA29F2787}" type="datetime1">
               <a:rPr lang="en-US" smtClean="0"/>
               <a:pPr/>
-              <a:t>3/31/2022</a:t>
+              <a:t>4/5/2022</a:t>
             </a:fld>
             <a:endParaRPr lang="en-US" dirty="0"/>
           </a:p>
@@ -4624,7 +4626,7 @@
             <a:fld id="{2D4FD715-157B-4FB4-BC8A-8D496A32A594}" type="datetime1">
               <a:rPr lang="en-US" smtClean="0"/>
               <a:pPr/>
-              <a:t>3/31/2022</a:t>
+              <a:t>4/5/2022</a:t>
             </a:fld>
             <a:endParaRPr lang="en-US" dirty="0"/>
           </a:p>
@@ -4798,7 +4800,7 @@
             <a:fld id="{1B17ACFB-D0C9-462B-A9FD-3385E1BEB218}" type="datetime1">
               <a:rPr lang="en-US" smtClean="0"/>
               <a:pPr/>
-              <a:t>3/31/2022</a:t>
+              <a:t>4/5/2022</a:t>
             </a:fld>
             <a:endParaRPr lang="en-US" dirty="0"/>
           </a:p>
@@ -5128,7 +5130,7 @@
             <a:fld id="{1F2D63D7-F1B3-4C1F-AD43-1933E6DB83D4}" type="datetime1">
               <a:rPr lang="en-US" smtClean="0"/>
               <a:pPr/>
-              <a:t>3/31/2022</a:t>
+              <a:t>4/5/2022</a:t>
             </a:fld>
             <a:endParaRPr lang="en-US" dirty="0"/>
           </a:p>
@@ -5470,7 +5472,7 @@
             <a:fld id="{1C787478-02B5-46C1-B3E1-A172458226B2}" type="datetime1">
               <a:rPr lang="en-US" smtClean="0"/>
               <a:pPr/>
-              <a:t>3/31/2022</a:t>
+              <a:t>4/5/2022</a:t>
             </a:fld>
             <a:endParaRPr lang="en-US" dirty="0"/>
           </a:p>
@@ -7584,7 +7586,7 @@
             <a:fld id="{566BAA2A-DD73-4939-9BB2-411A9375FFB5}" type="datetime1">
               <a:rPr lang="en-US" smtClean="0"/>
               <a:pPr/>
-              <a:t>3/31/2022</a:t>
+              <a:t>4/5/2022</a:t>
             </a:fld>
             <a:endParaRPr lang="en-US" dirty="0"/>
           </a:p>
@@ -8116,31 +8118,20 @@
         </p:spPr>
         <p:txBody>
           <a:bodyPr>
-            <a:normAutofit fontScale="90000"/>
+            <a:normAutofit/>
           </a:bodyPr>
           <a:lstStyle/>
           <a:p>
             <a:r>
               <a:rPr lang="fr-FR" dirty="0" smtClean="0"/>
-              <a:t>Agrégation interne SII </a:t>
+              <a:t/>
             </a:r>
             <a:br>
               <a:rPr lang="fr-FR" dirty="0" smtClean="0"/>
             </a:br>
             <a:r>
               <a:rPr lang="fr-FR" dirty="0" smtClean="0"/>
-              <a:t/>
-            </a:r>
-            <a:br>
-              <a:rPr lang="fr-FR" dirty="0" smtClean="0"/>
-            </a:br>
-            <a:r>
-              <a:rPr lang="fr-FR" dirty="0" smtClean="0"/>
-              <a:t>Activité pratique et exploitation pédagogique d’un système </a:t>
-            </a:r>
-            <a:r>
-              <a:rPr lang="fr-FR" dirty="0" err="1" smtClean="0"/>
-              <a:t>pluritechnologique</a:t>
+              <a:t>titre de la présentation</a:t>
             </a:r>
             <a:endParaRPr lang="fr-FR" dirty="0"/>
           </a:p>
@@ -8163,7 +8154,7 @@
           <a:p>
             <a:r>
               <a:rPr lang="fr-FR" dirty="0" smtClean="0"/>
-              <a:t>Bertrand GRISOUARD</a:t>
+              <a:t>Nom</a:t>
             </a:r>
             <a:endParaRPr lang="fr-FR" dirty="0"/>
           </a:p>
@@ -8717,7 +8708,7 @@
         </p:nvSpPr>
         <p:spPr>
           <a:xfrm>
-            <a:off x="2928133" y="2684111"/>
+            <a:off x="2592924" y="1518700"/>
             <a:ext cx="8037778" cy="2031325"/>
           </a:xfrm>
           <a:prstGeom prst="rect">
@@ -8769,6 +8760,567 @@
               <a:rPr lang="fr-FR" dirty="0" smtClean="0"/>
               <a:t>JUSTIFIER</a:t>
             </a:r>
+          </a:p>
+        </p:txBody>
+      </p:sp>
+      <p:sp>
+        <p:nvSpPr>
+          <p:cNvPr id="6" name="ZoneTexte 5"/>
+          <p:cNvSpPr txBox="1"/>
+          <p:nvPr/>
+        </p:nvSpPr>
+        <p:spPr>
+          <a:xfrm>
+            <a:off x="2521206" y="3591853"/>
+            <a:ext cx="6465231" cy="369332"/>
+          </a:xfrm>
+          <a:prstGeom prst="rect">
+            <a:avLst/>
+          </a:prstGeom>
+          <a:noFill/>
+        </p:spPr>
+        <p:txBody>
+          <a:bodyPr wrap="none" rtlCol="0">
+            <a:spAutoFit/>
+          </a:bodyPr>
+          <a:lstStyle/>
+          <a:p>
+            <a:r>
+              <a:rPr lang="fr-FR" b="1" u="sng" dirty="0" smtClean="0"/>
+              <a:t>Ex GEII</a:t>
+            </a:r>
+            <a:r>
+              <a:rPr lang="fr-FR" b="1" dirty="0" smtClean="0"/>
+              <a:t> (CM=6h (4x1,5h)  TD=14h (4x3,5h) TP=10h(4x2,5h)</a:t>
+            </a:r>
+          </a:p>
+        </p:txBody>
+      </p:sp>
+      <p:sp>
+        <p:nvSpPr>
+          <p:cNvPr id="4" name="Rectangle à coins arrondis 3"/>
+          <p:cNvSpPr/>
+          <p:nvPr/>
+        </p:nvSpPr>
+        <p:spPr>
+          <a:xfrm>
+            <a:off x="2592924" y="4003013"/>
+            <a:ext cx="1326776" cy="439270"/>
+          </a:xfrm>
+          <a:prstGeom prst="roundRect">
+            <a:avLst/>
+          </a:prstGeom>
+        </p:spPr>
+        <p:style>
+          <a:lnRef idx="2">
+            <a:schemeClr val="accent1">
+              <a:shade val="50000"/>
+            </a:schemeClr>
+          </a:lnRef>
+          <a:fillRef idx="1">
+            <a:schemeClr val="accent1"/>
+          </a:fillRef>
+          <a:effectRef idx="0">
+            <a:schemeClr val="accent1"/>
+          </a:effectRef>
+          <a:fontRef idx="minor">
+            <a:schemeClr val="lt1"/>
+          </a:fontRef>
+        </p:style>
+        <p:txBody>
+          <a:bodyPr rtlCol="0" anchor="ctr"/>
+          <a:lstStyle/>
+          <a:p>
+            <a:pPr algn="ctr"/>
+            <a:r>
+              <a:rPr lang="fr-FR" dirty="0" smtClean="0"/>
+              <a:t>CM (1,5h)</a:t>
+            </a:r>
+            <a:endParaRPr lang="fr-FR" dirty="0"/>
+          </a:p>
+        </p:txBody>
+      </p:sp>
+      <p:sp>
+        <p:nvSpPr>
+          <p:cNvPr id="7" name="Rectangle à coins arrondis 6"/>
+          <p:cNvSpPr/>
+          <p:nvPr/>
+        </p:nvSpPr>
+        <p:spPr>
+          <a:xfrm>
+            <a:off x="4081065" y="4003013"/>
+            <a:ext cx="1326776" cy="439270"/>
+          </a:xfrm>
+          <a:prstGeom prst="roundRect">
+            <a:avLst/>
+          </a:prstGeom>
+        </p:spPr>
+        <p:style>
+          <a:lnRef idx="2">
+            <a:schemeClr val="accent1">
+              <a:shade val="50000"/>
+            </a:schemeClr>
+          </a:lnRef>
+          <a:fillRef idx="1">
+            <a:schemeClr val="accent1"/>
+          </a:fillRef>
+          <a:effectRef idx="0">
+            <a:schemeClr val="accent1"/>
+          </a:effectRef>
+          <a:fontRef idx="minor">
+            <a:schemeClr val="lt1"/>
+          </a:fontRef>
+        </p:style>
+        <p:txBody>
+          <a:bodyPr rtlCol="0" anchor="ctr"/>
+          <a:lstStyle/>
+          <a:p>
+            <a:pPr algn="ctr"/>
+            <a:r>
+              <a:rPr lang="fr-FR" dirty="0" smtClean="0"/>
+              <a:t>TD1 (2h)  </a:t>
+            </a:r>
+            <a:endParaRPr lang="fr-FR" dirty="0"/>
+          </a:p>
+        </p:txBody>
+      </p:sp>
+      <p:sp>
+        <p:nvSpPr>
+          <p:cNvPr id="8" name="Rectangle à coins arrondis 7"/>
+          <p:cNvSpPr/>
+          <p:nvPr/>
+        </p:nvSpPr>
+        <p:spPr>
+          <a:xfrm>
+            <a:off x="5589643" y="4003013"/>
+            <a:ext cx="1326776" cy="439270"/>
+          </a:xfrm>
+          <a:prstGeom prst="roundRect">
+            <a:avLst/>
+          </a:prstGeom>
+        </p:spPr>
+        <p:style>
+          <a:lnRef idx="2">
+            <a:schemeClr val="accent1">
+              <a:shade val="50000"/>
+            </a:schemeClr>
+          </a:lnRef>
+          <a:fillRef idx="1">
+            <a:schemeClr val="accent1"/>
+          </a:fillRef>
+          <a:effectRef idx="0">
+            <a:schemeClr val="accent1"/>
+          </a:effectRef>
+          <a:fontRef idx="minor">
+            <a:schemeClr val="lt1"/>
+          </a:fontRef>
+        </p:style>
+        <p:txBody>
+          <a:bodyPr rtlCol="0" anchor="ctr"/>
+          <a:lstStyle/>
+          <a:p>
+            <a:pPr algn="ctr"/>
+            <a:r>
+              <a:rPr lang="fr-FR" dirty="0" smtClean="0"/>
+              <a:t>TD2 (1,5h)  </a:t>
+            </a:r>
+            <a:endParaRPr lang="fr-FR" dirty="0"/>
+          </a:p>
+        </p:txBody>
+      </p:sp>
+      <p:sp>
+        <p:nvSpPr>
+          <p:cNvPr id="9" name="Rectangle à coins arrondis 8"/>
+          <p:cNvSpPr/>
+          <p:nvPr/>
+        </p:nvSpPr>
+        <p:spPr>
+          <a:xfrm>
+            <a:off x="7053398" y="4003013"/>
+            <a:ext cx="1326776" cy="439270"/>
+          </a:xfrm>
+          <a:prstGeom prst="roundRect">
+            <a:avLst/>
+          </a:prstGeom>
+        </p:spPr>
+        <p:style>
+          <a:lnRef idx="2">
+            <a:schemeClr val="accent1">
+              <a:shade val="50000"/>
+            </a:schemeClr>
+          </a:lnRef>
+          <a:fillRef idx="1">
+            <a:schemeClr val="accent1"/>
+          </a:fillRef>
+          <a:effectRef idx="0">
+            <a:schemeClr val="accent1"/>
+          </a:effectRef>
+          <a:fontRef idx="minor">
+            <a:schemeClr val="lt1"/>
+          </a:fontRef>
+        </p:style>
+        <p:txBody>
+          <a:bodyPr rtlCol="0" anchor="ctr"/>
+          <a:lstStyle/>
+          <a:p>
+            <a:pPr algn="ctr"/>
+            <a:r>
+              <a:rPr lang="fr-FR" dirty="0" smtClean="0"/>
+              <a:t>TP (2,5h)  </a:t>
+            </a:r>
+            <a:endParaRPr lang="fr-FR" dirty="0"/>
+          </a:p>
+        </p:txBody>
+      </p:sp>
+      <p:sp>
+        <p:nvSpPr>
+          <p:cNvPr id="10" name="Rectangle à coins arrondis 9"/>
+          <p:cNvSpPr/>
+          <p:nvPr/>
+        </p:nvSpPr>
+        <p:spPr>
+          <a:xfrm>
+            <a:off x="2592924" y="4539934"/>
+            <a:ext cx="1326776" cy="439270"/>
+          </a:xfrm>
+          <a:prstGeom prst="roundRect">
+            <a:avLst/>
+          </a:prstGeom>
+        </p:spPr>
+        <p:style>
+          <a:lnRef idx="2">
+            <a:schemeClr val="accent1">
+              <a:shade val="50000"/>
+            </a:schemeClr>
+          </a:lnRef>
+          <a:fillRef idx="1">
+            <a:schemeClr val="accent1"/>
+          </a:fillRef>
+          <a:effectRef idx="0">
+            <a:schemeClr val="accent1"/>
+          </a:effectRef>
+          <a:fontRef idx="minor">
+            <a:schemeClr val="lt1"/>
+          </a:fontRef>
+        </p:style>
+        <p:txBody>
+          <a:bodyPr rtlCol="0" anchor="ctr"/>
+          <a:lstStyle/>
+          <a:p>
+            <a:pPr algn="ctr"/>
+            <a:r>
+              <a:rPr lang="fr-FR" dirty="0" smtClean="0"/>
+              <a:t>CM (1,5h)</a:t>
+            </a:r>
+            <a:endParaRPr lang="fr-FR" dirty="0"/>
+          </a:p>
+        </p:txBody>
+      </p:sp>
+      <p:sp>
+        <p:nvSpPr>
+          <p:cNvPr id="11" name="Rectangle à coins arrondis 10"/>
+          <p:cNvSpPr/>
+          <p:nvPr/>
+        </p:nvSpPr>
+        <p:spPr>
+          <a:xfrm>
+            <a:off x="4081065" y="4539934"/>
+            <a:ext cx="1326776" cy="439270"/>
+          </a:xfrm>
+          <a:prstGeom prst="roundRect">
+            <a:avLst/>
+          </a:prstGeom>
+        </p:spPr>
+        <p:style>
+          <a:lnRef idx="2">
+            <a:schemeClr val="accent1">
+              <a:shade val="50000"/>
+            </a:schemeClr>
+          </a:lnRef>
+          <a:fillRef idx="1">
+            <a:schemeClr val="accent1"/>
+          </a:fillRef>
+          <a:effectRef idx="0">
+            <a:schemeClr val="accent1"/>
+          </a:effectRef>
+          <a:fontRef idx="minor">
+            <a:schemeClr val="lt1"/>
+          </a:fontRef>
+        </p:style>
+        <p:txBody>
+          <a:bodyPr rtlCol="0" anchor="ctr"/>
+          <a:lstStyle/>
+          <a:p>
+            <a:pPr algn="ctr"/>
+            <a:r>
+              <a:rPr lang="fr-FR" dirty="0" smtClean="0"/>
+              <a:t>TD1 (2h)  </a:t>
+            </a:r>
+            <a:endParaRPr lang="fr-FR" dirty="0"/>
+          </a:p>
+        </p:txBody>
+      </p:sp>
+      <p:sp>
+        <p:nvSpPr>
+          <p:cNvPr id="12" name="Rectangle à coins arrondis 11"/>
+          <p:cNvSpPr/>
+          <p:nvPr/>
+        </p:nvSpPr>
+        <p:spPr>
+          <a:xfrm>
+            <a:off x="5589643" y="4539934"/>
+            <a:ext cx="1326776" cy="439270"/>
+          </a:xfrm>
+          <a:prstGeom prst="roundRect">
+            <a:avLst/>
+          </a:prstGeom>
+        </p:spPr>
+        <p:style>
+          <a:lnRef idx="2">
+            <a:schemeClr val="accent1">
+              <a:shade val="50000"/>
+            </a:schemeClr>
+          </a:lnRef>
+          <a:fillRef idx="1">
+            <a:schemeClr val="accent1"/>
+          </a:fillRef>
+          <a:effectRef idx="0">
+            <a:schemeClr val="accent1"/>
+          </a:effectRef>
+          <a:fontRef idx="minor">
+            <a:schemeClr val="lt1"/>
+          </a:fontRef>
+        </p:style>
+        <p:txBody>
+          <a:bodyPr rtlCol="0" anchor="ctr"/>
+          <a:lstStyle/>
+          <a:p>
+            <a:pPr algn="ctr"/>
+            <a:r>
+              <a:rPr lang="fr-FR" dirty="0" smtClean="0"/>
+              <a:t>TD2 (1,5h)  </a:t>
+            </a:r>
+            <a:endParaRPr lang="fr-FR" dirty="0"/>
+          </a:p>
+        </p:txBody>
+      </p:sp>
+      <p:sp>
+        <p:nvSpPr>
+          <p:cNvPr id="13" name="Rectangle à coins arrondis 12"/>
+          <p:cNvSpPr/>
+          <p:nvPr/>
+        </p:nvSpPr>
+        <p:spPr>
+          <a:xfrm>
+            <a:off x="7053398" y="4539934"/>
+            <a:ext cx="1326776" cy="439270"/>
+          </a:xfrm>
+          <a:prstGeom prst="roundRect">
+            <a:avLst/>
+          </a:prstGeom>
+        </p:spPr>
+        <p:style>
+          <a:lnRef idx="2">
+            <a:schemeClr val="accent1">
+              <a:shade val="50000"/>
+            </a:schemeClr>
+          </a:lnRef>
+          <a:fillRef idx="1">
+            <a:schemeClr val="accent1"/>
+          </a:fillRef>
+          <a:effectRef idx="0">
+            <a:schemeClr val="accent1"/>
+          </a:effectRef>
+          <a:fontRef idx="minor">
+            <a:schemeClr val="lt1"/>
+          </a:fontRef>
+        </p:style>
+        <p:txBody>
+          <a:bodyPr rtlCol="0" anchor="ctr"/>
+          <a:lstStyle/>
+          <a:p>
+            <a:pPr algn="ctr"/>
+            <a:r>
+              <a:rPr lang="fr-FR" dirty="0" smtClean="0"/>
+              <a:t>TP (2,5h)  </a:t>
+            </a:r>
+            <a:endParaRPr lang="fr-FR" dirty="0"/>
+          </a:p>
+        </p:txBody>
+      </p:sp>
+      <p:sp>
+        <p:nvSpPr>
+          <p:cNvPr id="14" name="Rectangle à coins arrondis 13"/>
+          <p:cNvSpPr/>
+          <p:nvPr/>
+        </p:nvSpPr>
+        <p:spPr>
+          <a:xfrm>
+            <a:off x="2592924" y="5076855"/>
+            <a:ext cx="1326776" cy="439270"/>
+          </a:xfrm>
+          <a:prstGeom prst="roundRect">
+            <a:avLst/>
+          </a:prstGeom>
+        </p:spPr>
+        <p:style>
+          <a:lnRef idx="2">
+            <a:schemeClr val="accent1">
+              <a:shade val="50000"/>
+            </a:schemeClr>
+          </a:lnRef>
+          <a:fillRef idx="1">
+            <a:schemeClr val="accent1"/>
+          </a:fillRef>
+          <a:effectRef idx="0">
+            <a:schemeClr val="accent1"/>
+          </a:effectRef>
+          <a:fontRef idx="minor">
+            <a:schemeClr val="lt1"/>
+          </a:fontRef>
+        </p:style>
+        <p:txBody>
+          <a:bodyPr rtlCol="0" anchor="ctr"/>
+          <a:lstStyle/>
+          <a:p>
+            <a:pPr algn="ctr"/>
+            <a:r>
+              <a:rPr lang="fr-FR" dirty="0" smtClean="0"/>
+              <a:t>CM (1,5h)</a:t>
+            </a:r>
+            <a:endParaRPr lang="fr-FR" dirty="0"/>
+          </a:p>
+        </p:txBody>
+      </p:sp>
+      <p:sp>
+        <p:nvSpPr>
+          <p:cNvPr id="15" name="Rectangle à coins arrondis 14"/>
+          <p:cNvSpPr/>
+          <p:nvPr/>
+        </p:nvSpPr>
+        <p:spPr>
+          <a:xfrm>
+            <a:off x="4081065" y="5076855"/>
+            <a:ext cx="1326776" cy="439270"/>
+          </a:xfrm>
+          <a:prstGeom prst="roundRect">
+            <a:avLst/>
+          </a:prstGeom>
+        </p:spPr>
+        <p:style>
+          <a:lnRef idx="2">
+            <a:schemeClr val="accent1">
+              <a:shade val="50000"/>
+            </a:schemeClr>
+          </a:lnRef>
+          <a:fillRef idx="1">
+            <a:schemeClr val="accent1"/>
+          </a:fillRef>
+          <a:effectRef idx="0">
+            <a:schemeClr val="accent1"/>
+          </a:effectRef>
+          <a:fontRef idx="minor">
+            <a:schemeClr val="lt1"/>
+          </a:fontRef>
+        </p:style>
+        <p:txBody>
+          <a:bodyPr rtlCol="0" anchor="ctr"/>
+          <a:lstStyle/>
+          <a:p>
+            <a:pPr algn="ctr"/>
+            <a:r>
+              <a:rPr lang="fr-FR" dirty="0" smtClean="0"/>
+              <a:t>TD1 (2h)  </a:t>
+            </a:r>
+            <a:endParaRPr lang="fr-FR" dirty="0"/>
+          </a:p>
+        </p:txBody>
+      </p:sp>
+      <p:sp>
+        <p:nvSpPr>
+          <p:cNvPr id="16" name="Rectangle à coins arrondis 15"/>
+          <p:cNvSpPr/>
+          <p:nvPr/>
+        </p:nvSpPr>
+        <p:spPr>
+          <a:xfrm>
+            <a:off x="5589643" y="5076855"/>
+            <a:ext cx="1326776" cy="439270"/>
+          </a:xfrm>
+          <a:prstGeom prst="roundRect">
+            <a:avLst/>
+          </a:prstGeom>
+        </p:spPr>
+        <p:style>
+          <a:lnRef idx="2">
+            <a:schemeClr val="accent1">
+              <a:shade val="50000"/>
+            </a:schemeClr>
+          </a:lnRef>
+          <a:fillRef idx="1">
+            <a:schemeClr val="accent1"/>
+          </a:fillRef>
+          <a:effectRef idx="0">
+            <a:schemeClr val="accent1"/>
+          </a:effectRef>
+          <a:fontRef idx="minor">
+            <a:schemeClr val="lt1"/>
+          </a:fontRef>
+        </p:style>
+        <p:txBody>
+          <a:bodyPr rtlCol="0" anchor="ctr"/>
+          <a:lstStyle/>
+          <a:p>
+            <a:pPr algn="ctr"/>
+            <a:r>
+              <a:rPr lang="fr-FR" dirty="0" smtClean="0"/>
+              <a:t>TD2 (1,5h)  </a:t>
+            </a:r>
+            <a:endParaRPr lang="fr-FR" dirty="0"/>
+          </a:p>
+        </p:txBody>
+      </p:sp>
+      <p:sp>
+        <p:nvSpPr>
+          <p:cNvPr id="17" name="Rectangle à coins arrondis 16"/>
+          <p:cNvSpPr/>
+          <p:nvPr/>
+        </p:nvSpPr>
+        <p:spPr>
+          <a:xfrm>
+            <a:off x="7053398" y="5076855"/>
+            <a:ext cx="1326776" cy="439270"/>
+          </a:xfrm>
+          <a:prstGeom prst="roundRect">
+            <a:avLst/>
+          </a:prstGeom>
+        </p:spPr>
+        <p:style>
+          <a:lnRef idx="2">
+            <a:schemeClr val="accent1">
+              <a:shade val="50000"/>
+            </a:schemeClr>
+          </a:lnRef>
+          <a:fillRef idx="1">
+            <a:schemeClr val="accent1"/>
+          </a:fillRef>
+          <a:effectRef idx="0">
+            <a:schemeClr val="accent1"/>
+          </a:effectRef>
+          <a:fontRef idx="minor">
+            <a:schemeClr val="lt1"/>
+          </a:fontRef>
+        </p:style>
+        <p:txBody>
+          <a:bodyPr rtlCol="0" anchor="ctr"/>
+          <a:lstStyle/>
+          <a:p>
+            <a:pPr algn="ctr"/>
+            <a:r>
+              <a:rPr lang="fr-FR" dirty="0" smtClean="0"/>
+              <a:t>TP (2,5h)  </a:t>
+            </a:r>
+            <a:endParaRPr lang="fr-FR" dirty="0"/>
           </a:p>
         </p:txBody>
       </p:sp>
@@ -8824,7 +9376,7 @@
           <a:p>
             <a:r>
               <a:rPr lang="fr-FR" dirty="0" smtClean="0"/>
-              <a:t>3.8 – Supports d’apprentissage</a:t>
+              <a:t>3.7 – Organisation de la séquence</a:t>
             </a:r>
             <a:endParaRPr lang="fr-FR" dirty="0"/>
           </a:p>
@@ -8856,14 +9408,14 @@
       </p:sp>
       <p:sp>
         <p:nvSpPr>
-          <p:cNvPr id="5" name="ZoneTexte 4"/>
+          <p:cNvPr id="18" name="ZoneTexte 17"/>
           <p:cNvSpPr txBox="1"/>
           <p:nvPr/>
         </p:nvSpPr>
         <p:spPr>
           <a:xfrm>
-            <a:off x="2928133" y="2684111"/>
-            <a:ext cx="8488221" cy="1200329"/>
+            <a:off x="2519181" y="1691034"/>
+            <a:ext cx="6720109" cy="369332"/>
           </a:xfrm>
           <a:prstGeom prst="rect">
             <a:avLst/>
@@ -8877,31 +9429,761 @@
           <a:lstStyle/>
           <a:p>
             <a:r>
-              <a:rPr lang="fr-FR" dirty="0" smtClean="0"/>
-              <a:t>Attention au nombre de support dispo</a:t>
-            </a:r>
-          </a:p>
-          <a:p>
-            <a:r>
-              <a:rPr lang="fr-FR" dirty="0" smtClean="0"/>
-              <a:t>(plusieurs support peuvent conduire aux même apport de connaissance , </a:t>
-            </a:r>
-          </a:p>
-          <a:p>
-            <a:r>
-              <a:rPr lang="fr-FR" dirty="0" smtClean="0"/>
-              <a:t>développement de compétence</a:t>
-            </a:r>
-          </a:p>
-          <a:p>
-            <a:endParaRPr lang="fr-FR" dirty="0" smtClean="0"/>
+              <a:rPr lang="fr-FR" b="1" u="sng" dirty="0" smtClean="0"/>
+              <a:t>Ex BTS SN </a:t>
+            </a:r>
+            <a:r>
+              <a:rPr lang="fr-FR" b="1" dirty="0" smtClean="0"/>
+              <a:t> (CM=6h (4x1,5h)  TD=14h (4x3,5h) TP=10h(4x2,5h)</a:t>
+            </a:r>
+          </a:p>
+        </p:txBody>
+      </p:sp>
+      <p:grpSp>
+        <p:nvGrpSpPr>
+          <p:cNvPr id="20" name="Groupe 19"/>
+          <p:cNvGrpSpPr/>
+          <p:nvPr/>
+        </p:nvGrpSpPr>
+        <p:grpSpPr>
+          <a:xfrm>
+            <a:off x="2548688" y="2481308"/>
+            <a:ext cx="8285723" cy="3288236"/>
+            <a:chOff x="433017" y="336511"/>
+            <a:chExt cx="8285723" cy="3288236"/>
+          </a:xfrm>
+        </p:grpSpPr>
+        <p:sp>
+          <p:nvSpPr>
+            <p:cNvPr id="22" name="Rectangle à coins arrondis 21"/>
+            <p:cNvSpPr/>
+            <p:nvPr/>
+          </p:nvSpPr>
+          <p:spPr>
+            <a:xfrm>
+              <a:off x="969154" y="1199122"/>
+              <a:ext cx="1336010" cy="689907"/>
+            </a:xfrm>
+            <a:prstGeom prst="roundRect">
+              <a:avLst/>
+            </a:prstGeom>
+          </p:spPr>
+          <p:style>
+            <a:lnRef idx="2">
+              <a:schemeClr val="accent1">
+                <a:shade val="50000"/>
+              </a:schemeClr>
+            </a:lnRef>
+            <a:fillRef idx="1">
+              <a:schemeClr val="accent1"/>
+            </a:fillRef>
+            <a:effectRef idx="0">
+              <a:schemeClr val="accent1"/>
+            </a:effectRef>
+            <a:fontRef idx="minor">
+              <a:schemeClr val="lt1"/>
+            </a:fontRef>
+          </p:style>
+          <p:txBody>
+            <a:bodyPr rtlCol="0" anchor="ctr"/>
+            <a:lstStyle/>
+            <a:p>
+              <a:pPr algn="ctr"/>
+              <a:r>
+                <a:rPr lang="fr-FR" b="1" dirty="0" smtClean="0"/>
+                <a:t>Cours (2h)</a:t>
+              </a:r>
+            </a:p>
+          </p:txBody>
+        </p:sp>
+        <p:sp>
+          <p:nvSpPr>
+            <p:cNvPr id="23" name="Rectangle à coins arrondis 22"/>
+            <p:cNvSpPr/>
+            <p:nvPr/>
+          </p:nvSpPr>
+          <p:spPr>
+            <a:xfrm>
+              <a:off x="2572548" y="1199123"/>
+              <a:ext cx="1336010" cy="854170"/>
+            </a:xfrm>
+            <a:prstGeom prst="roundRect">
+              <a:avLst/>
+            </a:prstGeom>
+            <a:solidFill>
+              <a:schemeClr val="accent1">
+                <a:alpha val="37000"/>
+              </a:schemeClr>
+            </a:solidFill>
+          </p:spPr>
+          <p:style>
+            <a:lnRef idx="2">
+              <a:schemeClr val="accent1">
+                <a:shade val="50000"/>
+              </a:schemeClr>
+            </a:lnRef>
+            <a:fillRef idx="1">
+              <a:schemeClr val="accent1"/>
+            </a:fillRef>
+            <a:effectRef idx="0">
+              <a:schemeClr val="accent1"/>
+            </a:effectRef>
+            <a:fontRef idx="minor">
+              <a:schemeClr val="lt1"/>
+            </a:fontRef>
+          </p:style>
+          <p:txBody>
+            <a:bodyPr rtlCol="0" anchor="ctr"/>
+            <a:lstStyle/>
+            <a:p>
+              <a:pPr algn="ctr"/>
+              <a:r>
+                <a:rPr lang="fr-FR" b="1" dirty="0" smtClean="0"/>
+                <a:t>TP (2h30)</a:t>
+              </a:r>
+            </a:p>
+          </p:txBody>
+        </p:sp>
+        <p:sp>
+          <p:nvSpPr>
+            <p:cNvPr id="24" name="Rectangle à coins arrondis 23"/>
+            <p:cNvSpPr/>
+            <p:nvPr/>
+          </p:nvSpPr>
+          <p:spPr>
+            <a:xfrm>
+              <a:off x="4175942" y="1199121"/>
+              <a:ext cx="1336010" cy="689907"/>
+            </a:xfrm>
+            <a:prstGeom prst="roundRect">
+              <a:avLst/>
+            </a:prstGeom>
+          </p:spPr>
+          <p:style>
+            <a:lnRef idx="2">
+              <a:schemeClr val="accent1">
+                <a:shade val="50000"/>
+              </a:schemeClr>
+            </a:lnRef>
+            <a:fillRef idx="1">
+              <a:schemeClr val="accent1"/>
+            </a:fillRef>
+            <a:effectRef idx="0">
+              <a:schemeClr val="accent1"/>
+            </a:effectRef>
+            <a:fontRef idx="minor">
+              <a:schemeClr val="lt1"/>
+            </a:fontRef>
+          </p:style>
+          <p:txBody>
+            <a:bodyPr rtlCol="0" anchor="ctr"/>
+            <a:lstStyle/>
+            <a:p>
+              <a:pPr algn="ctr"/>
+              <a:r>
+                <a:rPr lang="fr-FR" b="1" dirty="0" smtClean="0"/>
+                <a:t>Cours (2h)</a:t>
+              </a:r>
+            </a:p>
+          </p:txBody>
+        </p:sp>
+        <p:sp>
+          <p:nvSpPr>
+            <p:cNvPr id="25" name="Rectangle à coins arrondis 24"/>
+            <p:cNvSpPr/>
+            <p:nvPr/>
+          </p:nvSpPr>
+          <p:spPr>
+            <a:xfrm>
+              <a:off x="2572548" y="2523269"/>
+              <a:ext cx="1336010" cy="854170"/>
+            </a:xfrm>
+            <a:prstGeom prst="roundRect">
+              <a:avLst/>
+            </a:prstGeom>
+            <a:solidFill>
+              <a:schemeClr val="accent1">
+                <a:alpha val="37000"/>
+              </a:schemeClr>
+            </a:solidFill>
+          </p:spPr>
+          <p:style>
+            <a:lnRef idx="2">
+              <a:schemeClr val="accent1">
+                <a:shade val="50000"/>
+              </a:schemeClr>
+            </a:lnRef>
+            <a:fillRef idx="1">
+              <a:schemeClr val="accent1"/>
+            </a:fillRef>
+            <a:effectRef idx="0">
+              <a:schemeClr val="accent1"/>
+            </a:effectRef>
+            <a:fontRef idx="minor">
+              <a:schemeClr val="lt1"/>
+            </a:fontRef>
+          </p:style>
+          <p:txBody>
+            <a:bodyPr rtlCol="0" anchor="ctr"/>
+            <a:lstStyle/>
+            <a:p>
+              <a:pPr algn="ctr"/>
+              <a:r>
+                <a:rPr lang="fr-FR" b="1" dirty="0" smtClean="0"/>
+                <a:t>TP (2h30)</a:t>
+              </a:r>
+            </a:p>
+          </p:txBody>
+        </p:sp>
+        <p:sp>
+          <p:nvSpPr>
+            <p:cNvPr id="26" name="Rectangle à coins arrondis 25"/>
+            <p:cNvSpPr/>
+            <p:nvPr/>
+          </p:nvSpPr>
+          <p:spPr>
+            <a:xfrm>
+              <a:off x="5720018" y="1199123"/>
+              <a:ext cx="1336010" cy="854170"/>
+            </a:xfrm>
+            <a:prstGeom prst="roundRect">
+              <a:avLst/>
+            </a:prstGeom>
+            <a:solidFill>
+              <a:schemeClr val="accent1">
+                <a:alpha val="37000"/>
+              </a:schemeClr>
+            </a:solidFill>
+          </p:spPr>
+          <p:style>
+            <a:lnRef idx="2">
+              <a:schemeClr val="accent1">
+                <a:shade val="50000"/>
+              </a:schemeClr>
+            </a:lnRef>
+            <a:fillRef idx="1">
+              <a:schemeClr val="accent1"/>
+            </a:fillRef>
+            <a:effectRef idx="0">
+              <a:schemeClr val="accent1"/>
+            </a:effectRef>
+            <a:fontRef idx="minor">
+              <a:schemeClr val="lt1"/>
+            </a:fontRef>
+          </p:style>
+          <p:txBody>
+            <a:bodyPr rtlCol="0" anchor="ctr"/>
+            <a:lstStyle/>
+            <a:p>
+              <a:pPr algn="ctr"/>
+              <a:r>
+                <a:rPr lang="fr-FR" b="1" dirty="0" smtClean="0"/>
+                <a:t>TP (2h30)</a:t>
+              </a:r>
+            </a:p>
+          </p:txBody>
+        </p:sp>
+        <p:sp>
+          <p:nvSpPr>
+            <p:cNvPr id="27" name="Rectangle à coins arrondis 26"/>
+            <p:cNvSpPr/>
+            <p:nvPr/>
+          </p:nvSpPr>
+          <p:spPr>
+            <a:xfrm>
+              <a:off x="5720018" y="2523269"/>
+              <a:ext cx="1336010" cy="854170"/>
+            </a:xfrm>
+            <a:prstGeom prst="roundRect">
+              <a:avLst/>
+            </a:prstGeom>
+            <a:solidFill>
+              <a:schemeClr val="accent1">
+                <a:alpha val="37000"/>
+              </a:schemeClr>
+            </a:solidFill>
+          </p:spPr>
+          <p:style>
+            <a:lnRef idx="2">
+              <a:schemeClr val="accent1">
+                <a:shade val="50000"/>
+              </a:schemeClr>
+            </a:lnRef>
+            <a:fillRef idx="1">
+              <a:schemeClr val="accent1"/>
+            </a:fillRef>
+            <a:effectRef idx="0">
+              <a:schemeClr val="accent1"/>
+            </a:effectRef>
+            <a:fontRef idx="minor">
+              <a:schemeClr val="lt1"/>
+            </a:fontRef>
+          </p:style>
+          <p:txBody>
+            <a:bodyPr rtlCol="0" anchor="ctr"/>
+            <a:lstStyle/>
+            <a:p>
+              <a:pPr algn="ctr"/>
+              <a:r>
+                <a:rPr lang="fr-FR" b="1" dirty="0" smtClean="0"/>
+                <a:t>TP (2h30)</a:t>
+              </a:r>
+            </a:p>
+          </p:txBody>
+        </p:sp>
+        <p:sp>
+          <p:nvSpPr>
+            <p:cNvPr id="28" name="Rectangle 27"/>
+            <p:cNvSpPr/>
+            <p:nvPr/>
+          </p:nvSpPr>
+          <p:spPr>
+            <a:xfrm>
+              <a:off x="969154" y="336512"/>
+              <a:ext cx="1336010" cy="268297"/>
+            </a:xfrm>
+            <a:prstGeom prst="rect">
+              <a:avLst/>
+            </a:prstGeom>
+            <a:solidFill>
+              <a:srgbClr val="C00000"/>
+            </a:solidFill>
+          </p:spPr>
+          <p:style>
+            <a:lnRef idx="2">
+              <a:schemeClr val="accent2">
+                <a:shade val="50000"/>
+              </a:schemeClr>
+            </a:lnRef>
+            <a:fillRef idx="1">
+              <a:schemeClr val="accent2"/>
+            </a:fillRef>
+            <a:effectRef idx="0">
+              <a:schemeClr val="accent2"/>
+            </a:effectRef>
+            <a:fontRef idx="minor">
+              <a:schemeClr val="lt1"/>
+            </a:fontRef>
+          </p:style>
+          <p:txBody>
+            <a:bodyPr rtlCol="0" anchor="ctr"/>
+            <a:lstStyle/>
+            <a:p>
+              <a:pPr algn="ctr"/>
+              <a:r>
+                <a:rPr lang="fr-FR" dirty="0"/>
+                <a:t>Lundi</a:t>
+              </a:r>
+            </a:p>
+          </p:txBody>
+        </p:sp>
+        <p:sp>
+          <p:nvSpPr>
+            <p:cNvPr id="29" name="Rectangle 28"/>
+            <p:cNvSpPr/>
+            <p:nvPr/>
+          </p:nvSpPr>
+          <p:spPr>
+            <a:xfrm>
+              <a:off x="2572548" y="336511"/>
+              <a:ext cx="1336010" cy="268297"/>
+            </a:xfrm>
+            <a:prstGeom prst="rect">
+              <a:avLst/>
+            </a:prstGeom>
+            <a:solidFill>
+              <a:srgbClr val="C00000"/>
+            </a:solidFill>
+          </p:spPr>
+          <p:style>
+            <a:lnRef idx="2">
+              <a:schemeClr val="accent2">
+                <a:shade val="50000"/>
+              </a:schemeClr>
+            </a:lnRef>
+            <a:fillRef idx="1">
+              <a:schemeClr val="accent2"/>
+            </a:fillRef>
+            <a:effectRef idx="0">
+              <a:schemeClr val="accent2"/>
+            </a:effectRef>
+            <a:fontRef idx="minor">
+              <a:schemeClr val="lt1"/>
+            </a:fontRef>
+          </p:style>
+          <p:txBody>
+            <a:bodyPr rtlCol="0" anchor="ctr"/>
+            <a:lstStyle/>
+            <a:p>
+              <a:pPr algn="ctr"/>
+              <a:r>
+                <a:rPr lang="fr-FR" dirty="0" smtClean="0"/>
+                <a:t>Mardi</a:t>
+              </a:r>
+              <a:endParaRPr lang="fr-FR" dirty="0"/>
+            </a:p>
+          </p:txBody>
+        </p:sp>
+        <p:sp>
+          <p:nvSpPr>
+            <p:cNvPr id="30" name="Rectangle 29"/>
+            <p:cNvSpPr/>
+            <p:nvPr/>
+          </p:nvSpPr>
+          <p:spPr>
+            <a:xfrm>
+              <a:off x="4175942" y="336511"/>
+              <a:ext cx="1336010" cy="268297"/>
+            </a:xfrm>
+            <a:prstGeom prst="rect">
+              <a:avLst/>
+            </a:prstGeom>
+            <a:solidFill>
+              <a:srgbClr val="C00000"/>
+            </a:solidFill>
+          </p:spPr>
+          <p:style>
+            <a:lnRef idx="2">
+              <a:schemeClr val="accent2">
+                <a:shade val="50000"/>
+              </a:schemeClr>
+            </a:lnRef>
+            <a:fillRef idx="1">
+              <a:schemeClr val="accent2"/>
+            </a:fillRef>
+            <a:effectRef idx="0">
+              <a:schemeClr val="accent2"/>
+            </a:effectRef>
+            <a:fontRef idx="minor">
+              <a:schemeClr val="lt1"/>
+            </a:fontRef>
+          </p:style>
+          <p:txBody>
+            <a:bodyPr rtlCol="0" anchor="ctr"/>
+            <a:lstStyle/>
+            <a:p>
+              <a:pPr algn="ctr"/>
+              <a:r>
+                <a:rPr lang="fr-FR" dirty="0" smtClean="0"/>
+                <a:t>Mercredi</a:t>
+              </a:r>
+              <a:endParaRPr lang="fr-FR" dirty="0"/>
+            </a:p>
+          </p:txBody>
+        </p:sp>
+        <p:sp>
+          <p:nvSpPr>
+            <p:cNvPr id="31" name="Rectangle 30"/>
+            <p:cNvSpPr/>
+            <p:nvPr/>
+          </p:nvSpPr>
+          <p:spPr>
+            <a:xfrm>
+              <a:off x="5779336" y="336511"/>
+              <a:ext cx="1336010" cy="268297"/>
+            </a:xfrm>
+            <a:prstGeom prst="rect">
+              <a:avLst/>
+            </a:prstGeom>
+            <a:solidFill>
+              <a:srgbClr val="C00000"/>
+            </a:solidFill>
+          </p:spPr>
+          <p:style>
+            <a:lnRef idx="2">
+              <a:schemeClr val="accent2">
+                <a:shade val="50000"/>
+              </a:schemeClr>
+            </a:lnRef>
+            <a:fillRef idx="1">
+              <a:schemeClr val="accent2"/>
+            </a:fillRef>
+            <a:effectRef idx="0">
+              <a:schemeClr val="accent2"/>
+            </a:effectRef>
+            <a:fontRef idx="minor">
+              <a:schemeClr val="lt1"/>
+            </a:fontRef>
+          </p:style>
+          <p:txBody>
+            <a:bodyPr rtlCol="0" anchor="ctr"/>
+            <a:lstStyle/>
+            <a:p>
+              <a:pPr algn="ctr"/>
+              <a:r>
+                <a:rPr lang="fr-FR" dirty="0" smtClean="0"/>
+                <a:t>Jeudi</a:t>
+              </a:r>
+              <a:endParaRPr lang="fr-FR" dirty="0"/>
+            </a:p>
+          </p:txBody>
+        </p:sp>
+        <p:sp>
+          <p:nvSpPr>
+            <p:cNvPr id="32" name="Rectangle 31"/>
+            <p:cNvSpPr/>
+            <p:nvPr/>
+          </p:nvSpPr>
+          <p:spPr>
+            <a:xfrm>
+              <a:off x="7382730" y="336511"/>
+              <a:ext cx="1336010" cy="268297"/>
+            </a:xfrm>
+            <a:prstGeom prst="rect">
+              <a:avLst/>
+            </a:prstGeom>
+            <a:solidFill>
+              <a:srgbClr val="C00000"/>
+            </a:solidFill>
+          </p:spPr>
+          <p:style>
+            <a:lnRef idx="2">
+              <a:schemeClr val="accent2">
+                <a:shade val="50000"/>
+              </a:schemeClr>
+            </a:lnRef>
+            <a:fillRef idx="1">
+              <a:schemeClr val="accent2"/>
+            </a:fillRef>
+            <a:effectRef idx="0">
+              <a:schemeClr val="accent2"/>
+            </a:effectRef>
+            <a:fontRef idx="minor">
+              <a:schemeClr val="lt1"/>
+            </a:fontRef>
+          </p:style>
+          <p:txBody>
+            <a:bodyPr rtlCol="0" anchor="ctr"/>
+            <a:lstStyle/>
+            <a:p>
+              <a:pPr algn="ctr"/>
+              <a:r>
+                <a:rPr lang="fr-FR" dirty="0" smtClean="0"/>
+                <a:t>Vendredi</a:t>
+              </a:r>
+              <a:endParaRPr lang="fr-FR" dirty="0"/>
+            </a:p>
+          </p:txBody>
+        </p:sp>
+        <p:sp>
+          <p:nvSpPr>
+            <p:cNvPr id="33" name="Rectangle 32"/>
+            <p:cNvSpPr/>
+            <p:nvPr/>
+          </p:nvSpPr>
+          <p:spPr>
+            <a:xfrm>
+              <a:off x="969154" y="2197936"/>
+              <a:ext cx="7749586" cy="180690"/>
+            </a:xfrm>
+            <a:prstGeom prst="rect">
+              <a:avLst/>
+            </a:prstGeom>
+            <a:pattFill prst="wdUpDiag">
+              <a:fgClr>
+                <a:schemeClr val="bg2">
+                  <a:lumMod val="90000"/>
+                </a:schemeClr>
+              </a:fgClr>
+              <a:bgClr>
+                <a:schemeClr val="bg1"/>
+              </a:bgClr>
+            </a:pattFill>
+            <a:ln>
+              <a:solidFill>
+                <a:schemeClr val="bg1">
+                  <a:lumMod val="75000"/>
+                </a:schemeClr>
+              </a:solidFill>
+            </a:ln>
+          </p:spPr>
+          <p:style>
+            <a:lnRef idx="2">
+              <a:schemeClr val="accent1">
+                <a:shade val="50000"/>
+              </a:schemeClr>
+            </a:lnRef>
+            <a:fillRef idx="1">
+              <a:schemeClr val="accent1"/>
+            </a:fillRef>
+            <a:effectRef idx="0">
+              <a:schemeClr val="accent1"/>
+            </a:effectRef>
+            <a:fontRef idx="minor">
+              <a:schemeClr val="lt1"/>
+            </a:fontRef>
+          </p:style>
+          <p:txBody>
+            <a:bodyPr rtlCol="0" anchor="ctr"/>
+            <a:lstStyle/>
+            <a:p>
+              <a:pPr algn="ctr"/>
+              <a:endParaRPr lang="fr-FR"/>
+            </a:p>
+          </p:txBody>
+        </p:sp>
+        <p:sp>
+          <p:nvSpPr>
+            <p:cNvPr id="34" name="Rectangle 33"/>
+            <p:cNvSpPr/>
+            <p:nvPr/>
+          </p:nvSpPr>
+          <p:spPr>
+            <a:xfrm rot="16200000">
+              <a:off x="-229398" y="1267222"/>
+              <a:ext cx="1593128" cy="268297"/>
+            </a:xfrm>
+            <a:prstGeom prst="rect">
+              <a:avLst/>
+            </a:prstGeom>
+            <a:solidFill>
+              <a:schemeClr val="bg1">
+                <a:lumMod val="95000"/>
+              </a:schemeClr>
+            </a:solidFill>
+            <a:ln>
+              <a:noFill/>
+            </a:ln>
+          </p:spPr>
+          <p:style>
+            <a:lnRef idx="2">
+              <a:schemeClr val="accent2">
+                <a:shade val="50000"/>
+              </a:schemeClr>
+            </a:lnRef>
+            <a:fillRef idx="1">
+              <a:schemeClr val="accent2"/>
+            </a:fillRef>
+            <a:effectRef idx="0">
+              <a:schemeClr val="accent2"/>
+            </a:effectRef>
+            <a:fontRef idx="minor">
+              <a:schemeClr val="lt1"/>
+            </a:fontRef>
+          </p:style>
+          <p:txBody>
+            <a:bodyPr rtlCol="0" anchor="ctr"/>
+            <a:lstStyle/>
+            <a:p>
+              <a:pPr algn="ctr"/>
+              <a:r>
+                <a:rPr lang="fr-FR" dirty="0">
+                  <a:solidFill>
+                    <a:schemeClr val="tx1"/>
+                  </a:solidFill>
+                </a:rPr>
+                <a:t>Matin</a:t>
+              </a:r>
+            </a:p>
+          </p:txBody>
+        </p:sp>
+        <p:sp>
+          <p:nvSpPr>
+            <p:cNvPr id="35" name="Rectangle 34"/>
+            <p:cNvSpPr/>
+            <p:nvPr/>
+          </p:nvSpPr>
+          <p:spPr>
+            <a:xfrm rot="16200000">
+              <a:off x="-55893" y="2867537"/>
+              <a:ext cx="1246122" cy="268297"/>
+            </a:xfrm>
+            <a:prstGeom prst="rect">
+              <a:avLst/>
+            </a:prstGeom>
+            <a:solidFill>
+              <a:schemeClr val="bg1">
+                <a:lumMod val="95000"/>
+              </a:schemeClr>
+            </a:solidFill>
+            <a:ln>
+              <a:noFill/>
+            </a:ln>
+          </p:spPr>
+          <p:style>
+            <a:lnRef idx="2">
+              <a:schemeClr val="accent2">
+                <a:shade val="50000"/>
+              </a:schemeClr>
+            </a:lnRef>
+            <a:fillRef idx="1">
+              <a:schemeClr val="accent2"/>
+            </a:fillRef>
+            <a:effectRef idx="0">
+              <a:schemeClr val="accent2"/>
+            </a:effectRef>
+            <a:fontRef idx="minor">
+              <a:schemeClr val="lt1"/>
+            </a:fontRef>
+          </p:style>
+          <p:txBody>
+            <a:bodyPr rtlCol="0" anchor="ctr"/>
+            <a:lstStyle/>
+            <a:p>
+              <a:pPr algn="ctr"/>
+              <a:r>
+                <a:rPr lang="fr-FR" dirty="0" smtClean="0">
+                  <a:solidFill>
+                    <a:schemeClr val="tx1"/>
+                  </a:solidFill>
+                </a:rPr>
+                <a:t>Après-midi</a:t>
+              </a:r>
+              <a:endParaRPr lang="fr-FR" dirty="0">
+                <a:solidFill>
+                  <a:schemeClr val="tx1"/>
+                </a:solidFill>
+              </a:endParaRPr>
+            </a:p>
+          </p:txBody>
+        </p:sp>
+      </p:grpSp>
+      <p:sp>
+        <p:nvSpPr>
+          <p:cNvPr id="21" name="Rectangle à coins arrondis 20"/>
+          <p:cNvSpPr/>
+          <p:nvPr/>
+        </p:nvSpPr>
+        <p:spPr>
+          <a:xfrm>
+            <a:off x="2378227" y="2302025"/>
+            <a:ext cx="8839200" cy="3757718"/>
+          </a:xfrm>
+          <a:prstGeom prst="roundRect">
+            <a:avLst/>
+          </a:prstGeom>
+          <a:noFill/>
+          <a:ln cap="flat"/>
+        </p:spPr>
+        <p:style>
+          <a:lnRef idx="2">
+            <a:schemeClr val="accent1">
+              <a:shade val="50000"/>
+            </a:schemeClr>
+          </a:lnRef>
+          <a:fillRef idx="1">
+            <a:schemeClr val="accent1"/>
+          </a:fillRef>
+          <a:effectRef idx="0">
+            <a:schemeClr val="accent1"/>
+          </a:effectRef>
+          <a:fontRef idx="minor">
+            <a:schemeClr val="lt1"/>
+          </a:fontRef>
+        </p:style>
+        <p:txBody>
+          <a:bodyPr rtlCol="0" anchor="ctr"/>
+          <a:lstStyle/>
+          <a:p>
+            <a:pPr algn="ctr"/>
+            <a:endParaRPr lang="fr-FR"/>
           </a:p>
         </p:txBody>
       </p:sp>
     </p:spTree>
     <p:extLst>
       <p:ext uri="{BB962C8B-B14F-4D97-AF65-F5344CB8AC3E}">
-        <p14:creationId xmlns:p14="http://schemas.microsoft.com/office/powerpoint/2010/main" val="970161856"/>
+        <p14:creationId xmlns:p14="http://schemas.microsoft.com/office/powerpoint/2010/main" val="2451383920"/>
       </p:ext>
     </p:extLst>
   </p:cSld>
@@ -8938,14 +10220,19 @@
             <p:ph type="title"/>
           </p:nvPr>
         </p:nvSpPr>
-        <p:spPr/>
+        <p:spPr>
+          <a:xfrm>
+            <a:off x="2592924" y="624110"/>
+            <a:ext cx="8911687" cy="668096"/>
+          </a:xfrm>
+        </p:spPr>
         <p:txBody>
           <a:bodyPr/>
           <a:lstStyle/>
           <a:p>
             <a:r>
               <a:rPr lang="fr-FR" dirty="0" smtClean="0"/>
-              <a:t>3.9 – Détail de la séance</a:t>
+              <a:t>3.7 – Organisation de la séquence</a:t>
             </a:r>
             <a:endParaRPr lang="fr-FR" dirty="0"/>
           </a:p>
@@ -8977,14 +10264,14 @@
       </p:sp>
       <p:sp>
         <p:nvSpPr>
-          <p:cNvPr id="4" name="ZoneTexte 3"/>
+          <p:cNvPr id="18" name="ZoneTexte 17"/>
           <p:cNvSpPr txBox="1"/>
           <p:nvPr/>
         </p:nvSpPr>
         <p:spPr>
           <a:xfrm>
-            <a:off x="3331400" y="1796952"/>
-            <a:ext cx="3639138" cy="1754326"/>
+            <a:off x="2558299" y="1263018"/>
+            <a:ext cx="5152373" cy="923330"/>
           </a:xfrm>
           <a:prstGeom prst="rect">
             <a:avLst/>
@@ -8998,46 +10285,456 @@
           <a:lstStyle/>
           <a:p>
             <a:r>
-              <a:rPr lang="fr-FR" dirty="0" smtClean="0"/>
-              <a:t>3.9.1 : Objectifs visés</a:t>
-            </a:r>
-          </a:p>
-          <a:p>
-            <a:r>
-              <a:rPr lang="fr-FR" dirty="0" smtClean="0"/>
-              <a:t>3.9.2 : Mise en situation</a:t>
-            </a:r>
-          </a:p>
-          <a:p>
-            <a:r>
-              <a:rPr lang="fr-FR" dirty="0" smtClean="0"/>
-              <a:t>3.9.3 : Déroulé de l’activité </a:t>
-            </a:r>
-          </a:p>
-          <a:p>
-            <a:r>
-              <a:rPr lang="fr-FR" dirty="0" smtClean="0"/>
-              <a:t>3.9.4 : Rendu élève</a:t>
-            </a:r>
-          </a:p>
-          <a:p>
-            <a:r>
-              <a:rPr lang="fr-FR" dirty="0" smtClean="0"/>
-              <a:t>3.9.5 : Ingénierie pédagogique</a:t>
-            </a:r>
-          </a:p>
-          <a:p>
-            <a:r>
-              <a:rPr lang="fr-FR" dirty="0" smtClean="0"/>
-              <a:t>3.9.6 : Différenciations possibles</a:t>
-            </a:r>
+              <a:rPr lang="fr-FR" b="1" u="sng" dirty="0" smtClean="0"/>
+              <a:t>Ex </a:t>
+            </a:r>
+            <a:r>
+              <a:rPr lang="fr-FR" b="1" u="sng" dirty="0" err="1" smtClean="0"/>
+              <a:t>Tle</a:t>
+            </a:r>
+            <a:r>
+              <a:rPr lang="fr-FR" b="1" u="sng" dirty="0" smtClean="0"/>
+              <a:t> STI2D </a:t>
+            </a:r>
+            <a:r>
+              <a:rPr lang="fr-FR" b="1" dirty="0" smtClean="0"/>
+              <a:t>: 212D TC = 2 x 2h 2I2D E.S=2 x 4h</a:t>
+            </a:r>
+          </a:p>
+          <a:p>
+            <a:r>
+              <a:rPr lang="fr-FR" b="1" dirty="0" smtClean="0"/>
+              <a:t>T.C. en Classe entière</a:t>
+            </a:r>
+          </a:p>
+          <a:p>
+            <a:r>
+              <a:rPr lang="fr-FR" b="1" dirty="0" smtClean="0"/>
+              <a:t>E.S. en demi-effectifs</a:t>
+            </a:r>
+          </a:p>
+        </p:txBody>
+      </p:sp>
+      <p:sp>
+        <p:nvSpPr>
+          <p:cNvPr id="22" name="Rectangle à coins arrondis 21"/>
+          <p:cNvSpPr/>
+          <p:nvPr/>
+        </p:nvSpPr>
+        <p:spPr>
+          <a:xfrm>
+            <a:off x="2592924" y="3419570"/>
+            <a:ext cx="1336010" cy="689907"/>
+          </a:xfrm>
+          <a:prstGeom prst="roundRect">
+            <a:avLst/>
+          </a:prstGeom>
+        </p:spPr>
+        <p:style>
+          <a:lnRef idx="2">
+            <a:schemeClr val="accent1">
+              <a:shade val="50000"/>
+            </a:schemeClr>
+          </a:lnRef>
+          <a:fillRef idx="1">
+            <a:schemeClr val="accent1"/>
+          </a:fillRef>
+          <a:effectRef idx="0">
+            <a:schemeClr val="accent1"/>
+          </a:effectRef>
+          <a:fontRef idx="minor">
+            <a:schemeClr val="lt1"/>
+          </a:fontRef>
+        </p:style>
+        <p:txBody>
+          <a:bodyPr rtlCol="0" anchor="ctr"/>
+          <a:lstStyle/>
+          <a:p>
+            <a:pPr algn="ctr"/>
+            <a:r>
+              <a:rPr lang="fr-FR" b="1" dirty="0" smtClean="0"/>
+              <a:t>Cours (2h)</a:t>
+            </a:r>
+          </a:p>
+        </p:txBody>
+      </p:sp>
+      <p:sp>
+        <p:nvSpPr>
+          <p:cNvPr id="23" name="Rectangle à coins arrondis 22"/>
+          <p:cNvSpPr/>
+          <p:nvPr/>
+        </p:nvSpPr>
+        <p:spPr>
+          <a:xfrm>
+            <a:off x="4196318" y="3419570"/>
+            <a:ext cx="1336010" cy="1505111"/>
+          </a:xfrm>
+          <a:prstGeom prst="roundRect">
+            <a:avLst/>
+          </a:prstGeom>
+          <a:solidFill>
+            <a:schemeClr val="accent1">
+              <a:alpha val="37000"/>
+            </a:schemeClr>
+          </a:solidFill>
+        </p:spPr>
+        <p:style>
+          <a:lnRef idx="2">
+            <a:schemeClr val="accent1">
+              <a:shade val="50000"/>
+            </a:schemeClr>
+          </a:lnRef>
+          <a:fillRef idx="1">
+            <a:schemeClr val="accent1"/>
+          </a:fillRef>
+          <a:effectRef idx="0">
+            <a:schemeClr val="accent1"/>
+          </a:effectRef>
+          <a:fontRef idx="minor">
+            <a:schemeClr val="lt1"/>
+          </a:fontRef>
+        </p:style>
+        <p:txBody>
+          <a:bodyPr rtlCol="0" anchor="ctr"/>
+          <a:lstStyle/>
+          <a:p>
+            <a:pPr algn="ctr"/>
+            <a:r>
+              <a:rPr lang="fr-FR" b="1" dirty="0" smtClean="0"/>
+              <a:t>TP (4h00)</a:t>
+            </a:r>
+          </a:p>
+        </p:txBody>
+      </p:sp>
+      <p:sp>
+        <p:nvSpPr>
+          <p:cNvPr id="24" name="Rectangle à coins arrondis 23"/>
+          <p:cNvSpPr/>
+          <p:nvPr/>
+        </p:nvSpPr>
+        <p:spPr>
+          <a:xfrm>
+            <a:off x="5799712" y="3419569"/>
+            <a:ext cx="1336010" cy="689908"/>
+          </a:xfrm>
+          <a:prstGeom prst="roundRect">
+            <a:avLst/>
+          </a:prstGeom>
+        </p:spPr>
+        <p:style>
+          <a:lnRef idx="2">
+            <a:schemeClr val="accent1">
+              <a:shade val="50000"/>
+            </a:schemeClr>
+          </a:lnRef>
+          <a:fillRef idx="1">
+            <a:schemeClr val="accent1"/>
+          </a:fillRef>
+          <a:effectRef idx="0">
+            <a:schemeClr val="accent1"/>
+          </a:effectRef>
+          <a:fontRef idx="minor">
+            <a:schemeClr val="lt1"/>
+          </a:fontRef>
+        </p:style>
+        <p:txBody>
+          <a:bodyPr rtlCol="0" anchor="ctr"/>
+          <a:lstStyle/>
+          <a:p>
+            <a:pPr algn="ctr"/>
+            <a:r>
+              <a:rPr lang="fr-FR" b="1" dirty="0" smtClean="0"/>
+              <a:t>Cours (2h)</a:t>
+            </a:r>
+          </a:p>
+        </p:txBody>
+      </p:sp>
+      <p:sp>
+        <p:nvSpPr>
+          <p:cNvPr id="26" name="Rectangle à coins arrondis 25"/>
+          <p:cNvSpPr/>
+          <p:nvPr/>
+        </p:nvSpPr>
+        <p:spPr>
+          <a:xfrm>
+            <a:off x="7343788" y="3419571"/>
+            <a:ext cx="1336010" cy="1505110"/>
+          </a:xfrm>
+          <a:prstGeom prst="roundRect">
+            <a:avLst/>
+          </a:prstGeom>
+          <a:solidFill>
+            <a:schemeClr val="accent1">
+              <a:alpha val="37000"/>
+            </a:schemeClr>
+          </a:solidFill>
+        </p:spPr>
+        <p:style>
+          <a:lnRef idx="2">
+            <a:schemeClr val="accent1">
+              <a:shade val="50000"/>
+            </a:schemeClr>
+          </a:lnRef>
+          <a:fillRef idx="1">
+            <a:schemeClr val="accent1"/>
+          </a:fillRef>
+          <a:effectRef idx="0">
+            <a:schemeClr val="accent1"/>
+          </a:effectRef>
+          <a:fontRef idx="minor">
+            <a:schemeClr val="lt1"/>
+          </a:fontRef>
+        </p:style>
+        <p:txBody>
+          <a:bodyPr rtlCol="0" anchor="ctr"/>
+          <a:lstStyle/>
+          <a:p>
+            <a:pPr algn="ctr"/>
+            <a:r>
+              <a:rPr lang="fr-FR" b="1" dirty="0" smtClean="0"/>
+              <a:t>TP (4h00)</a:t>
+            </a:r>
+          </a:p>
+        </p:txBody>
+      </p:sp>
+      <p:sp>
+        <p:nvSpPr>
+          <p:cNvPr id="28" name="Rectangle 27"/>
+          <p:cNvSpPr/>
+          <p:nvPr/>
+        </p:nvSpPr>
+        <p:spPr>
+          <a:xfrm>
+            <a:off x="2592924" y="2556960"/>
+            <a:ext cx="1336010" cy="268297"/>
+          </a:xfrm>
+          <a:prstGeom prst="rect">
+            <a:avLst/>
+          </a:prstGeom>
+          <a:solidFill>
+            <a:srgbClr val="C00000"/>
+          </a:solidFill>
+        </p:spPr>
+        <p:style>
+          <a:lnRef idx="2">
+            <a:schemeClr val="accent2">
+              <a:shade val="50000"/>
+            </a:schemeClr>
+          </a:lnRef>
+          <a:fillRef idx="1">
+            <a:schemeClr val="accent2"/>
+          </a:fillRef>
+          <a:effectRef idx="0">
+            <a:schemeClr val="accent2"/>
+          </a:effectRef>
+          <a:fontRef idx="minor">
+            <a:schemeClr val="lt1"/>
+          </a:fontRef>
+        </p:style>
+        <p:txBody>
+          <a:bodyPr rtlCol="0" anchor="ctr"/>
+          <a:lstStyle/>
+          <a:p>
+            <a:pPr algn="ctr"/>
+            <a:r>
+              <a:rPr lang="fr-FR" dirty="0"/>
+              <a:t>Lundi</a:t>
+            </a:r>
+          </a:p>
+        </p:txBody>
+      </p:sp>
+      <p:sp>
+        <p:nvSpPr>
+          <p:cNvPr id="29" name="Rectangle 28"/>
+          <p:cNvSpPr/>
+          <p:nvPr/>
+        </p:nvSpPr>
+        <p:spPr>
+          <a:xfrm>
+            <a:off x="4196318" y="2556959"/>
+            <a:ext cx="1336010" cy="268297"/>
+          </a:xfrm>
+          <a:prstGeom prst="rect">
+            <a:avLst/>
+          </a:prstGeom>
+          <a:solidFill>
+            <a:srgbClr val="C00000"/>
+          </a:solidFill>
+        </p:spPr>
+        <p:style>
+          <a:lnRef idx="2">
+            <a:schemeClr val="accent2">
+              <a:shade val="50000"/>
+            </a:schemeClr>
+          </a:lnRef>
+          <a:fillRef idx="1">
+            <a:schemeClr val="accent2"/>
+          </a:fillRef>
+          <a:effectRef idx="0">
+            <a:schemeClr val="accent2"/>
+          </a:effectRef>
+          <a:fontRef idx="minor">
+            <a:schemeClr val="lt1"/>
+          </a:fontRef>
+        </p:style>
+        <p:txBody>
+          <a:bodyPr rtlCol="0" anchor="ctr"/>
+          <a:lstStyle/>
+          <a:p>
+            <a:pPr algn="ctr"/>
+            <a:r>
+              <a:rPr lang="fr-FR" dirty="0" smtClean="0"/>
+              <a:t>Mardi</a:t>
+            </a:r>
+            <a:endParaRPr lang="fr-FR" dirty="0"/>
+          </a:p>
+        </p:txBody>
+      </p:sp>
+      <p:sp>
+        <p:nvSpPr>
+          <p:cNvPr id="30" name="Rectangle 29"/>
+          <p:cNvSpPr/>
+          <p:nvPr/>
+        </p:nvSpPr>
+        <p:spPr>
+          <a:xfrm>
+            <a:off x="5799712" y="2556959"/>
+            <a:ext cx="1336010" cy="268297"/>
+          </a:xfrm>
+          <a:prstGeom prst="rect">
+            <a:avLst/>
+          </a:prstGeom>
+          <a:solidFill>
+            <a:srgbClr val="C00000"/>
+          </a:solidFill>
+        </p:spPr>
+        <p:style>
+          <a:lnRef idx="2">
+            <a:schemeClr val="accent2">
+              <a:shade val="50000"/>
+            </a:schemeClr>
+          </a:lnRef>
+          <a:fillRef idx="1">
+            <a:schemeClr val="accent2"/>
+          </a:fillRef>
+          <a:effectRef idx="0">
+            <a:schemeClr val="accent2"/>
+          </a:effectRef>
+          <a:fontRef idx="minor">
+            <a:schemeClr val="lt1"/>
+          </a:fontRef>
+        </p:style>
+        <p:txBody>
+          <a:bodyPr rtlCol="0" anchor="ctr"/>
+          <a:lstStyle/>
+          <a:p>
+            <a:pPr algn="ctr"/>
+            <a:r>
+              <a:rPr lang="fr-FR" dirty="0" smtClean="0"/>
+              <a:t>Mercredi</a:t>
+            </a:r>
+            <a:endParaRPr lang="fr-FR" dirty="0"/>
+          </a:p>
+        </p:txBody>
+      </p:sp>
+      <p:sp>
+        <p:nvSpPr>
+          <p:cNvPr id="31" name="Rectangle 30"/>
+          <p:cNvSpPr/>
+          <p:nvPr/>
+        </p:nvSpPr>
+        <p:spPr>
+          <a:xfrm>
+            <a:off x="7403106" y="2556959"/>
+            <a:ext cx="1336010" cy="268297"/>
+          </a:xfrm>
+          <a:prstGeom prst="rect">
+            <a:avLst/>
+          </a:prstGeom>
+          <a:solidFill>
+            <a:srgbClr val="C00000"/>
+          </a:solidFill>
+        </p:spPr>
+        <p:style>
+          <a:lnRef idx="2">
+            <a:schemeClr val="accent2">
+              <a:shade val="50000"/>
+            </a:schemeClr>
+          </a:lnRef>
+          <a:fillRef idx="1">
+            <a:schemeClr val="accent2"/>
+          </a:fillRef>
+          <a:effectRef idx="0">
+            <a:schemeClr val="accent2"/>
+          </a:effectRef>
+          <a:fontRef idx="minor">
+            <a:schemeClr val="lt1"/>
+          </a:fontRef>
+        </p:style>
+        <p:txBody>
+          <a:bodyPr rtlCol="0" anchor="ctr"/>
+          <a:lstStyle/>
+          <a:p>
+            <a:pPr algn="ctr"/>
+            <a:r>
+              <a:rPr lang="fr-FR" dirty="0" smtClean="0"/>
+              <a:t>Jeudi</a:t>
+            </a:r>
+            <a:endParaRPr lang="fr-FR" dirty="0"/>
+          </a:p>
+        </p:txBody>
+      </p:sp>
+      <p:sp>
+        <p:nvSpPr>
+          <p:cNvPr id="32" name="Rectangle 31"/>
+          <p:cNvSpPr/>
+          <p:nvPr/>
+        </p:nvSpPr>
+        <p:spPr>
+          <a:xfrm>
+            <a:off x="9006500" y="2556959"/>
+            <a:ext cx="1336010" cy="268297"/>
+          </a:xfrm>
+          <a:prstGeom prst="rect">
+            <a:avLst/>
+          </a:prstGeom>
+          <a:solidFill>
+            <a:srgbClr val="C00000"/>
+          </a:solidFill>
+        </p:spPr>
+        <p:style>
+          <a:lnRef idx="2">
+            <a:schemeClr val="accent2">
+              <a:shade val="50000"/>
+            </a:schemeClr>
+          </a:lnRef>
+          <a:fillRef idx="1">
+            <a:schemeClr val="accent2"/>
+          </a:fillRef>
+          <a:effectRef idx="0">
+            <a:schemeClr val="accent2"/>
+          </a:effectRef>
+          <a:fontRef idx="minor">
+            <a:schemeClr val="lt1"/>
+          </a:fontRef>
+        </p:style>
+        <p:txBody>
+          <a:bodyPr rtlCol="0" anchor="ctr"/>
+          <a:lstStyle/>
+          <a:p>
+            <a:pPr algn="ctr"/>
+            <a:r>
+              <a:rPr lang="fr-FR" dirty="0" smtClean="0"/>
+              <a:t>Vendredi</a:t>
+            </a:r>
+            <a:endParaRPr lang="fr-FR" dirty="0"/>
           </a:p>
         </p:txBody>
       </p:sp>
     </p:spTree>
     <p:extLst>
       <p:ext uri="{BB962C8B-B14F-4D97-AF65-F5344CB8AC3E}">
-        <p14:creationId xmlns:p14="http://schemas.microsoft.com/office/powerpoint/2010/main" val="1214008063"/>
+        <p14:creationId xmlns:p14="http://schemas.microsoft.com/office/powerpoint/2010/main" val="1332731715"/>
       </p:ext>
     </p:extLst>
   </p:cSld>
@@ -9077,18 +10774,16 @@
         <p:spPr>
           <a:xfrm>
             <a:off x="2592924" y="624110"/>
-            <a:ext cx="9223095" cy="668096"/>
-          </a:xfrm>
-        </p:spPr>
-        <p:txBody>
-          <a:bodyPr>
-            <a:normAutofit/>
-          </a:bodyPr>
-          <a:lstStyle/>
-          <a:p>
-            <a:r>
-              <a:rPr lang="fr-FR" dirty="0" smtClean="0"/>
-              <a:t>3.9.1 - Objectifs visés</a:t>
+            <a:ext cx="8911687" cy="668096"/>
+          </a:xfrm>
+        </p:spPr>
+        <p:txBody>
+          <a:bodyPr/>
+          <a:lstStyle/>
+          <a:p>
+            <a:r>
+              <a:rPr lang="fr-FR" dirty="0" smtClean="0"/>
+              <a:t>3.8 – Supports d’apprentissage</a:t>
             </a:r>
             <a:endParaRPr lang="fr-FR" dirty="0"/>
           </a:p>
@@ -9120,14 +10815,14 @@
       </p:sp>
       <p:sp>
         <p:nvSpPr>
-          <p:cNvPr id="6" name="ZoneTexte 5"/>
+          <p:cNvPr id="5" name="ZoneTexte 4"/>
           <p:cNvSpPr txBox="1"/>
           <p:nvPr/>
         </p:nvSpPr>
         <p:spPr>
           <a:xfrm>
-            <a:off x="3088153" y="1960211"/>
-            <a:ext cx="5522666" cy="1200329"/>
+            <a:off x="2928133" y="2684111"/>
+            <a:ext cx="8488221" cy="1200329"/>
           </a:xfrm>
           <a:prstGeom prst="rect">
             <a:avLst/>
@@ -9142,24 +10837,19 @@
           <a:p>
             <a:r>
               <a:rPr lang="fr-FR" dirty="0" smtClean="0"/>
-              <a:t>Principales activité de la séance</a:t>
-            </a:r>
-          </a:p>
-          <a:p>
-            <a:endParaRPr lang="fr-FR" dirty="0"/>
-          </a:p>
-          <a:p>
-            <a:r>
-              <a:rPr lang="fr-FR" dirty="0" smtClean="0"/>
-              <a:t>Compétences, savoir et </a:t>
-            </a:r>
-            <a:r>
-              <a:rPr lang="fr-FR" dirty="0" smtClean="0"/>
-              <a:t>savoir-faire </a:t>
-            </a:r>
-            <a:r>
-              <a:rPr lang="fr-FR" dirty="0" smtClean="0"/>
-              <a:t>à acquérir</a:t>
+              <a:t>Attention au nombre de support dispo</a:t>
+            </a:r>
+          </a:p>
+          <a:p>
+            <a:r>
+              <a:rPr lang="fr-FR" dirty="0" smtClean="0"/>
+              <a:t>(plusieurs support peuvent conduire aux même apport de connaissance , </a:t>
+            </a:r>
+          </a:p>
+          <a:p>
+            <a:r>
+              <a:rPr lang="fr-FR" dirty="0" smtClean="0"/>
+              <a:t>développement de compétence</a:t>
             </a:r>
           </a:p>
           <a:p>
@@ -9170,7 +10860,7 @@
     </p:spTree>
     <p:extLst>
       <p:ext uri="{BB962C8B-B14F-4D97-AF65-F5344CB8AC3E}">
-        <p14:creationId xmlns:p14="http://schemas.microsoft.com/office/powerpoint/2010/main" val="673099642"/>
+        <p14:creationId xmlns:p14="http://schemas.microsoft.com/office/powerpoint/2010/main" val="970161856"/>
       </p:ext>
     </p:extLst>
   </p:cSld>
@@ -9207,21 +10897,14 @@
             <p:ph type="title"/>
           </p:nvPr>
         </p:nvSpPr>
-        <p:spPr>
-          <a:xfrm>
-            <a:off x="2592924" y="624110"/>
-            <a:ext cx="9223095" cy="668096"/>
-          </a:xfrm>
-        </p:spPr>
-        <p:txBody>
-          <a:bodyPr>
-            <a:normAutofit/>
-          </a:bodyPr>
-          <a:lstStyle/>
-          <a:p>
-            <a:r>
-              <a:rPr lang="fr-FR" dirty="0" smtClean="0"/>
-              <a:t>3.9.2 - Mise en situation</a:t>
+        <p:spPr/>
+        <p:txBody>
+          <a:bodyPr/>
+          <a:lstStyle/>
+          <a:p>
+            <a:r>
+              <a:rPr lang="fr-FR" dirty="0" smtClean="0"/>
+              <a:t>3.9 – Détail de la séance</a:t>
             </a:r>
             <a:endParaRPr lang="fr-FR" dirty="0"/>
           </a:p>
@@ -9259,8 +10942,8 @@
         </p:nvSpPr>
         <p:spPr>
           <a:xfrm>
-            <a:off x="2661068" y="2546083"/>
-            <a:ext cx="9121408" cy="1754326"/>
+            <a:off x="3331400" y="1796952"/>
+            <a:ext cx="3639138" cy="1754326"/>
           </a:xfrm>
           <a:prstGeom prst="rect">
             <a:avLst/>
@@ -9275,75 +10958,45 @@
           <a:p>
             <a:r>
               <a:rPr lang="fr-FR" dirty="0" smtClean="0"/>
-              <a:t>Fiche séance : </a:t>
-            </a:r>
-          </a:p>
-          <a:p>
-            <a:pPr marL="285750" indent="-285750">
-              <a:buFont typeface="Arial" panose="020B0604020202020204" pitchFamily="34" charset="0"/>
-              <a:buChar char="•"/>
-            </a:pPr>
-            <a:r>
-              <a:rPr lang="fr-FR" dirty="0" smtClean="0"/>
-              <a:t>Organisation (individuel, binôme, trinôme)</a:t>
-            </a:r>
-          </a:p>
-          <a:p>
-            <a:pPr marL="285750" indent="-285750">
-              <a:buFont typeface="Arial" panose="020B0604020202020204" pitchFamily="34" charset="0"/>
-              <a:buChar char="•"/>
-            </a:pPr>
-            <a:r>
-              <a:rPr lang="fr-FR" dirty="0" smtClean="0"/>
-              <a:t>Matériels logiciels nécessaire (dire si ces matériels ont déjà été utilisés ou non)</a:t>
-            </a:r>
-          </a:p>
-          <a:p>
-            <a:pPr marL="285750" indent="-285750">
-              <a:buFont typeface="Arial" panose="020B0604020202020204" pitchFamily="34" charset="0"/>
-              <a:buChar char="•"/>
-            </a:pPr>
-            <a:r>
-              <a:rPr lang="fr-FR" dirty="0" smtClean="0"/>
-              <a:t>Penser aux matériels alternatif pour les autres groupes</a:t>
-            </a:r>
-          </a:p>
-          <a:p>
-            <a:pPr marL="285750" indent="-285750">
-              <a:buFont typeface="Arial" panose="020B0604020202020204" pitchFamily="34" charset="0"/>
-              <a:buChar char="•"/>
-            </a:pPr>
-            <a:r>
-              <a:rPr lang="fr-FR" dirty="0" smtClean="0"/>
-              <a:t>Déroulé (synthétique)</a:t>
-            </a:r>
-            <a:endParaRPr lang="fr-FR" dirty="0"/>
-          </a:p>
-          <a:p>
-            <a:pPr marL="285750" indent="-285750">
-              <a:buFont typeface="Arial" panose="020B0604020202020204" pitchFamily="34" charset="0"/>
-              <a:buChar char="•"/>
-            </a:pPr>
-            <a:r>
-              <a:rPr lang="fr-FR" dirty="0" smtClean="0"/>
-              <a:t>Evaluation formative (</a:t>
-            </a:r>
-            <a:r>
-              <a:rPr lang="fr-FR" dirty="0" err="1" smtClean="0"/>
-              <a:t>Plickers</a:t>
-            </a:r>
-            <a:r>
-              <a:rPr lang="fr-FR" dirty="0" smtClean="0"/>
-              <a:t> + réponse aux questions)</a:t>
-            </a:r>
-            <a:endParaRPr lang="fr-FR" dirty="0"/>
+              <a:t>3.9.1 : Objectifs visés</a:t>
+            </a:r>
+          </a:p>
+          <a:p>
+            <a:r>
+              <a:rPr lang="fr-FR" dirty="0" smtClean="0"/>
+              <a:t>3.9.2 : Mise en situation</a:t>
+            </a:r>
+          </a:p>
+          <a:p>
+            <a:r>
+              <a:rPr lang="fr-FR" dirty="0" smtClean="0"/>
+              <a:t>3.9.3 : Déroulé de l’activité </a:t>
+            </a:r>
+          </a:p>
+          <a:p>
+            <a:r>
+              <a:rPr lang="fr-FR" dirty="0" smtClean="0"/>
+              <a:t>3.9.4 : Rendu élève</a:t>
+            </a:r>
+          </a:p>
+          <a:p>
+            <a:r>
+              <a:rPr lang="fr-FR" dirty="0" smtClean="0"/>
+              <a:t>3.9.5 : Ingénierie pédagogique</a:t>
+            </a:r>
+          </a:p>
+          <a:p>
+            <a:r>
+              <a:rPr lang="fr-FR" dirty="0" smtClean="0"/>
+              <a:t>3.9.6 : Différenciations possibles</a:t>
+            </a:r>
           </a:p>
         </p:txBody>
       </p:sp>
     </p:spTree>
     <p:extLst>
       <p:ext uri="{BB962C8B-B14F-4D97-AF65-F5344CB8AC3E}">
-        <p14:creationId xmlns:p14="http://schemas.microsoft.com/office/powerpoint/2010/main" val="1190763296"/>
+        <p14:creationId xmlns:p14="http://schemas.microsoft.com/office/powerpoint/2010/main" val="1214008063"/>
       </p:ext>
     </p:extLst>
   </p:cSld>
@@ -9394,7 +11047,7 @@
           <a:p>
             <a:r>
               <a:rPr lang="fr-FR" dirty="0" smtClean="0"/>
-              <a:t>3.9.3 - Déroulé de l’activité</a:t>
+              <a:t>3.9.1 - Objectifs visés</a:t>
             </a:r>
             <a:endParaRPr lang="fr-FR" dirty="0"/>
           </a:p>
@@ -9432,8 +11085,8 @@
         </p:nvSpPr>
         <p:spPr>
           <a:xfrm>
-            <a:off x="3263367" y="2140900"/>
-            <a:ext cx="4706738" cy="1200329"/>
+            <a:off x="3088153" y="1960211"/>
+            <a:ext cx="5522666" cy="1200329"/>
           </a:xfrm>
           <a:prstGeom prst="rect">
             <a:avLst/>
@@ -9448,30 +11101,27 @@
           <a:p>
             <a:r>
               <a:rPr lang="fr-FR" dirty="0" smtClean="0"/>
-              <a:t>Si binôme trinôme : activité plutôt en //</a:t>
-            </a:r>
-          </a:p>
-          <a:p>
-            <a:r>
-              <a:rPr lang="fr-FR" dirty="0" smtClean="0"/>
-              <a:t>Activité « bonus »</a:t>
-            </a:r>
-          </a:p>
-          <a:p>
-            <a:r>
-              <a:rPr lang="fr-FR" dirty="0" smtClean="0"/>
-              <a:t>Donner les grands chapitres de l’activité</a:t>
+              <a:t>Principales activité de la séance</a:t>
             </a:r>
           </a:p>
           <a:p>
             <a:endParaRPr lang="fr-FR" dirty="0"/>
+          </a:p>
+          <a:p>
+            <a:r>
+              <a:rPr lang="fr-FR" dirty="0" smtClean="0"/>
+              <a:t>Compétences, savoir et savoir-faire à acquérir</a:t>
+            </a:r>
+          </a:p>
+          <a:p>
+            <a:endParaRPr lang="fr-FR" dirty="0" smtClean="0"/>
           </a:p>
         </p:txBody>
       </p:sp>
     </p:spTree>
     <p:extLst>
       <p:ext uri="{BB962C8B-B14F-4D97-AF65-F5344CB8AC3E}">
-        <p14:creationId xmlns:p14="http://schemas.microsoft.com/office/powerpoint/2010/main" val="3356884638"/>
+        <p14:creationId xmlns:p14="http://schemas.microsoft.com/office/powerpoint/2010/main" val="673099642"/>
       </p:ext>
     </p:extLst>
   </p:cSld>
@@ -9522,7 +11172,7 @@
           <a:p>
             <a:r>
               <a:rPr lang="fr-FR" dirty="0" smtClean="0"/>
-              <a:t>3.9.4 - Rendu élèves</a:t>
+              <a:t>3.9.2 - Mise en situation</a:t>
             </a:r>
             <a:endParaRPr lang="fr-FR" dirty="0"/>
           </a:p>
@@ -9560,8 +11210,8 @@
         </p:nvSpPr>
         <p:spPr>
           <a:xfrm>
-            <a:off x="3542616" y="2458477"/>
-            <a:ext cx="4944159" cy="1200329"/>
+            <a:off x="2661068" y="2546083"/>
+            <a:ext cx="9121408" cy="1754326"/>
           </a:xfrm>
           <a:prstGeom prst="rect">
             <a:avLst/>
@@ -9569,20 +11219,73 @@
           <a:noFill/>
         </p:spPr>
         <p:txBody>
-          <a:bodyPr wrap="square" rtlCol="0">
+          <a:bodyPr wrap="none" rtlCol="0">
             <a:spAutoFit/>
           </a:bodyPr>
           <a:lstStyle/>
           <a:p>
             <a:r>
               <a:rPr lang="fr-FR" dirty="0" smtClean="0"/>
-              <a:t>CR oral de l’activité – de ce qu’il faut retenir pour eux?</a:t>
-            </a:r>
-          </a:p>
-          <a:p>
-            <a:r>
-              <a:rPr lang="fr-FR" dirty="0" smtClean="0"/>
-              <a:t>(pyramide des apprentissages : on retient mieux lorsque l’on apprend aux autres)</a:t>
+              <a:t>Fiche séance : </a:t>
+            </a:r>
+          </a:p>
+          <a:p>
+            <a:pPr marL="285750" indent="-285750">
+              <a:buFont typeface="Arial" panose="020B0604020202020204" pitchFamily="34" charset="0"/>
+              <a:buChar char="•"/>
+            </a:pPr>
+            <a:r>
+              <a:rPr lang="fr-FR" dirty="0" smtClean="0"/>
+              <a:t>Organisation (individuel, binôme, trinôme)</a:t>
+            </a:r>
+          </a:p>
+          <a:p>
+            <a:pPr marL="285750" indent="-285750">
+              <a:buFont typeface="Arial" panose="020B0604020202020204" pitchFamily="34" charset="0"/>
+              <a:buChar char="•"/>
+            </a:pPr>
+            <a:r>
+              <a:rPr lang="fr-FR" dirty="0" smtClean="0"/>
+              <a:t>Matériels logiciels nécessaire (dire si ces matériels ont déjà été utilisés ou non)</a:t>
+            </a:r>
+          </a:p>
+          <a:p>
+            <a:pPr marL="285750" indent="-285750">
+              <a:buFont typeface="Arial" panose="020B0604020202020204" pitchFamily="34" charset="0"/>
+              <a:buChar char="•"/>
+            </a:pPr>
+            <a:r>
+              <a:rPr lang="fr-FR" dirty="0" smtClean="0"/>
+              <a:t>Penser aux matériels alternatif pour les autres groupes</a:t>
+            </a:r>
+          </a:p>
+          <a:p>
+            <a:pPr marL="285750" indent="-285750">
+              <a:buFont typeface="Arial" panose="020B0604020202020204" pitchFamily="34" charset="0"/>
+              <a:buChar char="•"/>
+            </a:pPr>
+            <a:r>
+              <a:rPr lang="fr-FR" dirty="0" smtClean="0"/>
+              <a:t>Déroulé (synthétique)</a:t>
+            </a:r>
+            <a:endParaRPr lang="fr-FR" dirty="0"/>
+          </a:p>
+          <a:p>
+            <a:pPr marL="285750" indent="-285750">
+              <a:buFont typeface="Arial" panose="020B0604020202020204" pitchFamily="34" charset="0"/>
+              <a:buChar char="•"/>
+            </a:pPr>
+            <a:r>
+              <a:rPr lang="fr-FR" dirty="0" smtClean="0"/>
+              <a:t>Evaluation formative (</a:t>
+            </a:r>
+            <a:r>
+              <a:rPr lang="fr-FR" dirty="0" err="1" smtClean="0"/>
+              <a:t>Plickers</a:t>
+            </a:r>
+            <a:r>
+              <a:rPr lang="fr-FR" dirty="0" smtClean="0"/>
+              <a:t> + réponse aux questions)</a:t>
             </a:r>
             <a:endParaRPr lang="fr-FR" dirty="0"/>
           </a:p>
@@ -9591,7 +11294,7 @@
     </p:spTree>
     <p:extLst>
       <p:ext uri="{BB962C8B-B14F-4D97-AF65-F5344CB8AC3E}">
-        <p14:creationId xmlns:p14="http://schemas.microsoft.com/office/powerpoint/2010/main" val="1379571086"/>
+        <p14:creationId xmlns:p14="http://schemas.microsoft.com/office/powerpoint/2010/main" val="1190763296"/>
       </p:ext>
     </p:extLst>
   </p:cSld>
@@ -9727,6 +11430,14 @@
   <p:clrMapOvr>
     <a:masterClrMapping/>
   </p:clrMapOvr>
+  <mc:AlternateContent xmlns:mc="http://schemas.openxmlformats.org/markup-compatibility/2006">
+    <mc:Choice xmlns:p14="http://schemas.microsoft.com/office/powerpoint/2010/main" Requires="p14">
+      <p:transition spd="slow" p14:dur="2000"/>
+    </mc:Choice>
+    <mc:Fallback>
+      <p:transition spd="slow"/>
+    </mc:Fallback>
+  </mc:AlternateContent>
 </p:sld>
 </file>
 
@@ -9771,7 +11482,7 @@
           <a:p>
             <a:r>
               <a:rPr lang="fr-FR" dirty="0" smtClean="0"/>
-              <a:t>3.9.5 - Ingénierie pédagogique</a:t>
+              <a:t>3.9.3 - Déroulé de l’activité</a:t>
             </a:r>
             <a:endParaRPr lang="fr-FR" dirty="0"/>
           </a:p>
@@ -9801,10 +11512,54 @@
           </a:p>
         </p:txBody>
       </p:sp>
+      <p:sp>
+        <p:nvSpPr>
+          <p:cNvPr id="6" name="ZoneTexte 5"/>
+          <p:cNvSpPr txBox="1"/>
+          <p:nvPr/>
+        </p:nvSpPr>
+        <p:spPr>
+          <a:xfrm>
+            <a:off x="3263367" y="2140900"/>
+            <a:ext cx="4706738" cy="1200329"/>
+          </a:xfrm>
+          <a:prstGeom prst="rect">
+            <a:avLst/>
+          </a:prstGeom>
+          <a:noFill/>
+        </p:spPr>
+        <p:txBody>
+          <a:bodyPr wrap="none" rtlCol="0">
+            <a:spAutoFit/>
+          </a:bodyPr>
+          <a:lstStyle/>
+          <a:p>
+            <a:r>
+              <a:rPr lang="fr-FR" dirty="0" smtClean="0"/>
+              <a:t>Si binôme trinôme : activité plutôt en //</a:t>
+            </a:r>
+          </a:p>
+          <a:p>
+            <a:r>
+              <a:rPr lang="fr-FR" dirty="0" smtClean="0"/>
+              <a:t>Activité « bonus »</a:t>
+            </a:r>
+          </a:p>
+          <a:p>
+            <a:r>
+              <a:rPr lang="fr-FR" dirty="0" smtClean="0"/>
+              <a:t>Donner les grands chapitres de l’activité</a:t>
+            </a:r>
+          </a:p>
+          <a:p>
+            <a:endParaRPr lang="fr-FR" dirty="0"/>
+          </a:p>
+        </p:txBody>
+      </p:sp>
     </p:spTree>
     <p:extLst>
       <p:ext uri="{BB962C8B-B14F-4D97-AF65-F5344CB8AC3E}">
-        <p14:creationId xmlns:p14="http://schemas.microsoft.com/office/powerpoint/2010/main" val="3528735941"/>
+        <p14:creationId xmlns:p14="http://schemas.microsoft.com/office/powerpoint/2010/main" val="3356884638"/>
       </p:ext>
     </p:extLst>
   </p:cSld>
@@ -9855,7 +11610,7 @@
           <a:p>
             <a:r>
               <a:rPr lang="fr-FR" dirty="0" smtClean="0"/>
-              <a:t>3.9.6 - Différenciations possibles</a:t>
+              <a:t>3.9.4 - Rendu élèves</a:t>
             </a:r>
             <a:endParaRPr lang="fr-FR" dirty="0"/>
           </a:p>
@@ -9894,7 +11649,7 @@
         <p:spPr>
           <a:xfrm>
             <a:off x="3542616" y="2458477"/>
-            <a:ext cx="1606530" cy="1200329"/>
+            <a:ext cx="4944159" cy="1200329"/>
           </a:xfrm>
           <a:prstGeom prst="rect">
             <a:avLst/>
@@ -9902,32 +11657,20 @@
           <a:noFill/>
         </p:spPr>
         <p:txBody>
-          <a:bodyPr wrap="none" rtlCol="0">
+          <a:bodyPr wrap="square" rtlCol="0">
             <a:spAutoFit/>
           </a:bodyPr>
           <a:lstStyle/>
           <a:p>
             <a:r>
               <a:rPr lang="fr-FR" dirty="0" smtClean="0"/>
-              <a:t>Contenu</a:t>
-            </a:r>
-          </a:p>
-          <a:p>
-            <a:r>
-              <a:rPr lang="fr-FR" dirty="0" smtClean="0"/>
-              <a:t>Rendu élève</a:t>
-            </a:r>
-          </a:p>
-          <a:p>
-            <a:r>
-              <a:rPr lang="fr-FR" dirty="0" smtClean="0"/>
-              <a:t>Processus</a:t>
-            </a:r>
-          </a:p>
-          <a:p>
-            <a:r>
-              <a:rPr lang="fr-FR" dirty="0" smtClean="0"/>
-              <a:t>Temps</a:t>
+              <a:t>CR oral de l’activité – de ce qu’il faut retenir pour eux?</a:t>
+            </a:r>
+          </a:p>
+          <a:p>
+            <a:r>
+              <a:rPr lang="fr-FR" dirty="0" smtClean="0"/>
+              <a:t>(pyramide des apprentissages : on retient mieux lorsque l’on apprend aux autres)</a:t>
             </a:r>
             <a:endParaRPr lang="fr-FR" dirty="0"/>
           </a:p>
@@ -9936,7 +11679,7 @@
     </p:spTree>
     <p:extLst>
       <p:ext uri="{BB962C8B-B14F-4D97-AF65-F5344CB8AC3E}">
-        <p14:creationId xmlns:p14="http://schemas.microsoft.com/office/powerpoint/2010/main" val="2384591684"/>
+        <p14:creationId xmlns:p14="http://schemas.microsoft.com/office/powerpoint/2010/main" val="1379571086"/>
       </p:ext>
     </p:extLst>
   </p:cSld>
@@ -9987,11 +11730,7 @@
           <a:p>
             <a:r>
               <a:rPr lang="fr-FR" dirty="0" smtClean="0"/>
-              <a:t>3.10 - </a:t>
-            </a:r>
-            <a:r>
-              <a:rPr lang="fr-FR" dirty="0" err="1" smtClean="0"/>
-              <a:t>Remédiation</a:t>
+              <a:t>3.9.5 - Ingénierie pédagogique</a:t>
             </a:r>
             <a:endParaRPr lang="fr-FR" dirty="0"/>
           </a:p>
@@ -10021,115 +11760,10 @@
           </a:p>
         </p:txBody>
       </p:sp>
-      <p:sp>
-        <p:nvSpPr>
-          <p:cNvPr id="5" name="ZoneTexte 4"/>
-          <p:cNvSpPr txBox="1"/>
-          <p:nvPr/>
-        </p:nvSpPr>
-        <p:spPr>
-          <a:xfrm>
-            <a:off x="3088153" y="1960211"/>
-            <a:ext cx="8730275" cy="2308324"/>
-          </a:xfrm>
-          <a:prstGeom prst="rect">
-            <a:avLst/>
-          </a:prstGeom>
-          <a:noFill/>
-        </p:spPr>
-        <p:txBody>
-          <a:bodyPr wrap="none" rtlCol="0">
-            <a:spAutoFit/>
-          </a:bodyPr>
-          <a:lstStyle/>
-          <a:p>
-            <a:r>
-              <a:rPr lang="fr-FR" dirty="0" smtClean="0"/>
-              <a:t>Plus faibles : Activités complémentaire avec aide enseignant</a:t>
-            </a:r>
-          </a:p>
-          <a:p>
-            <a:r>
-              <a:rPr lang="fr-FR" dirty="0" smtClean="0"/>
-              <a:t>Plus forts : Travail en autonomie (carte heuristique, préparer un quizz </a:t>
-            </a:r>
-            <a:r>
-              <a:rPr lang="fr-FR" dirty="0" err="1" smtClean="0"/>
-              <a:t>plickers</a:t>
-            </a:r>
-            <a:r>
-              <a:rPr lang="fr-FR" dirty="0" smtClean="0"/>
-              <a:t>)</a:t>
-            </a:r>
-          </a:p>
-          <a:p>
-            <a:endParaRPr lang="fr-FR" dirty="0" smtClean="0"/>
-          </a:p>
-          <a:p>
-            <a:r>
-              <a:rPr lang="fr-FR" u="sng" dirty="0" smtClean="0"/>
-              <a:t>Exemple de </a:t>
-            </a:r>
-            <a:r>
-              <a:rPr lang="fr-FR" u="sng" dirty="0" err="1" smtClean="0"/>
-              <a:t>remédiation</a:t>
-            </a:r>
-            <a:r>
-              <a:rPr lang="fr-FR" u="sng" dirty="0" smtClean="0"/>
-              <a:t> possible</a:t>
-            </a:r>
-          </a:p>
-          <a:p>
-            <a:pPr lvl="1">
-              <a:buFont typeface="Arial" pitchFamily="34" charset="0"/>
-              <a:buChar char="•"/>
-            </a:pPr>
-            <a:r>
-              <a:rPr lang="fr-FR" dirty="0" smtClean="0"/>
-              <a:t>Rappels des points importants de la séquence</a:t>
-            </a:r>
-          </a:p>
-          <a:p>
-            <a:pPr lvl="1">
-              <a:buFont typeface="Arial" pitchFamily="34" charset="0"/>
-              <a:buChar char="•"/>
-            </a:pPr>
-            <a:r>
-              <a:rPr lang="fr-FR" dirty="0" smtClean="0"/>
-              <a:t>Etablissement d’une fiche de synthèse par élèves. </a:t>
-            </a:r>
-          </a:p>
-          <a:p>
-            <a:pPr lvl="1">
-              <a:buFont typeface="Arial" pitchFamily="34" charset="0"/>
-              <a:buChar char="•"/>
-            </a:pPr>
-            <a:r>
-              <a:rPr lang="fr-FR" dirty="0" smtClean="0"/>
-              <a:t>Brassage des fiches et distribution à l’ensemble de la classe</a:t>
-            </a:r>
-          </a:p>
-          <a:p>
-            <a:pPr lvl="1">
-              <a:buFont typeface="Arial" pitchFamily="34" charset="0"/>
-              <a:buChar char="•"/>
-            </a:pPr>
-            <a:r>
-              <a:rPr lang="fr-FR" dirty="0" smtClean="0"/>
-              <a:t>QCM </a:t>
-            </a:r>
-            <a:r>
-              <a:rPr lang="fr-FR" dirty="0" err="1" smtClean="0"/>
-              <a:t>Plickers</a:t>
-            </a:r>
-            <a:endParaRPr lang="fr-FR" dirty="0" smtClean="0"/>
-          </a:p>
-        </p:txBody>
-      </p:sp>
     </p:spTree>
     <p:extLst>
       <p:ext uri="{BB962C8B-B14F-4D97-AF65-F5344CB8AC3E}">
-        <p14:creationId xmlns:p14="http://schemas.microsoft.com/office/powerpoint/2010/main" val="873783962"/>
+        <p14:creationId xmlns:p14="http://schemas.microsoft.com/office/powerpoint/2010/main" val="3528735941"/>
       </p:ext>
     </p:extLst>
   </p:cSld>
@@ -10180,7 +11814,7 @@
           <a:p>
             <a:r>
               <a:rPr lang="fr-FR" dirty="0" smtClean="0"/>
-              <a:t>5 – Conclusion</a:t>
+              <a:t>3.9.6 - Différenciations possibles</a:t>
             </a:r>
             <a:endParaRPr lang="fr-FR" dirty="0"/>
           </a:p>
@@ -10218,8 +11852,8 @@
         </p:nvSpPr>
         <p:spPr>
           <a:xfrm>
-            <a:off x="2592924" y="2039000"/>
-            <a:ext cx="6642210" cy="1754326"/>
+            <a:off x="3542616" y="2458477"/>
+            <a:ext cx="1606530" cy="1200329"/>
           </a:xfrm>
           <a:prstGeom prst="rect">
             <a:avLst/>
@@ -10227,6 +11861,331 @@
           <a:noFill/>
         </p:spPr>
         <p:txBody>
+          <a:bodyPr wrap="none" rtlCol="0">
+            <a:spAutoFit/>
+          </a:bodyPr>
+          <a:lstStyle/>
+          <a:p>
+            <a:r>
+              <a:rPr lang="fr-FR" dirty="0" smtClean="0"/>
+              <a:t>Contenu</a:t>
+            </a:r>
+          </a:p>
+          <a:p>
+            <a:r>
+              <a:rPr lang="fr-FR" dirty="0" smtClean="0"/>
+              <a:t>Rendu élève</a:t>
+            </a:r>
+          </a:p>
+          <a:p>
+            <a:r>
+              <a:rPr lang="fr-FR" dirty="0" smtClean="0"/>
+              <a:t>Processus</a:t>
+            </a:r>
+          </a:p>
+          <a:p>
+            <a:r>
+              <a:rPr lang="fr-FR" dirty="0" smtClean="0"/>
+              <a:t>Temps</a:t>
+            </a:r>
+            <a:endParaRPr lang="fr-FR" dirty="0"/>
+          </a:p>
+        </p:txBody>
+      </p:sp>
+    </p:spTree>
+    <p:extLst>
+      <p:ext uri="{BB962C8B-B14F-4D97-AF65-F5344CB8AC3E}">
+        <p14:creationId xmlns:p14="http://schemas.microsoft.com/office/powerpoint/2010/main" val="2384591684"/>
+      </p:ext>
+    </p:extLst>
+  </p:cSld>
+  <p:clrMapOvr>
+    <a:masterClrMapping/>
+  </p:clrMapOvr>
+</p:sld>
+</file>
+
+<file path=ppt/slides/slide24.xml><?xml version="1.0" encoding="utf-8"?>
+<p:sld xmlns:a="http://schemas.openxmlformats.org/drawingml/2006/main" xmlns:r="http://schemas.openxmlformats.org/officeDocument/2006/relationships" xmlns:p="http://schemas.openxmlformats.org/presentationml/2006/main">
+  <p:cSld>
+    <p:spTree>
+      <p:nvGrpSpPr>
+        <p:cNvPr id="1" name=""/>
+        <p:cNvGrpSpPr/>
+        <p:nvPr/>
+      </p:nvGrpSpPr>
+      <p:grpSpPr>
+        <a:xfrm>
+          <a:off x="0" y="0"/>
+          <a:ext cx="0" cy="0"/>
+          <a:chOff x="0" y="0"/>
+          <a:chExt cx="0" cy="0"/>
+        </a:xfrm>
+      </p:grpSpPr>
+      <p:sp>
+        <p:nvSpPr>
+          <p:cNvPr id="2" name="Titre 1"/>
+          <p:cNvSpPr>
+            <a:spLocks noGrp="1"/>
+          </p:cNvSpPr>
+          <p:nvPr>
+            <p:ph type="title"/>
+          </p:nvPr>
+        </p:nvSpPr>
+        <p:spPr>
+          <a:xfrm>
+            <a:off x="2592924" y="624110"/>
+            <a:ext cx="9223095" cy="668096"/>
+          </a:xfrm>
+        </p:spPr>
+        <p:txBody>
+          <a:bodyPr>
+            <a:normAutofit/>
+          </a:bodyPr>
+          <a:lstStyle/>
+          <a:p>
+            <a:r>
+              <a:rPr lang="fr-FR" dirty="0" smtClean="0"/>
+              <a:t>3.10 - </a:t>
+            </a:r>
+            <a:r>
+              <a:rPr lang="fr-FR" dirty="0" err="1" smtClean="0"/>
+              <a:t>Remédiation</a:t>
+            </a:r>
+            <a:endParaRPr lang="fr-FR" dirty="0"/>
+          </a:p>
+        </p:txBody>
+      </p:sp>
+      <p:sp>
+        <p:nvSpPr>
+          <p:cNvPr id="3" name="Espace réservé du numéro de diapositive 2"/>
+          <p:cNvSpPr>
+            <a:spLocks noGrp="1"/>
+          </p:cNvSpPr>
+          <p:nvPr>
+            <p:ph type="sldNum" sz="quarter" idx="12"/>
+          </p:nvPr>
+        </p:nvSpPr>
+        <p:spPr/>
+        <p:txBody>
+          <a:bodyPr/>
+          <a:lstStyle/>
+          <a:p>
+            <a:fld id="{D57F1E4F-1CFF-5643-939E-217C01CDF565}" type="slidenum">
+              <a:rPr lang="en-US" smtClean="0"/>
+              <a:pPr/>
+              <a:t>24</a:t>
+            </a:fld>
+            <a:endParaRPr lang="en-US" dirty="0"/>
+          </a:p>
+        </p:txBody>
+      </p:sp>
+      <p:sp>
+        <p:nvSpPr>
+          <p:cNvPr id="5" name="ZoneTexte 4"/>
+          <p:cNvSpPr txBox="1"/>
+          <p:nvPr/>
+        </p:nvSpPr>
+        <p:spPr>
+          <a:xfrm>
+            <a:off x="3088153" y="1960211"/>
+            <a:ext cx="8730275" cy="2308324"/>
+          </a:xfrm>
+          <a:prstGeom prst="rect">
+            <a:avLst/>
+          </a:prstGeom>
+          <a:noFill/>
+        </p:spPr>
+        <p:txBody>
+          <a:bodyPr wrap="none" rtlCol="0">
+            <a:spAutoFit/>
+          </a:bodyPr>
+          <a:lstStyle/>
+          <a:p>
+            <a:r>
+              <a:rPr lang="fr-FR" dirty="0" smtClean="0"/>
+              <a:t>Plus faibles : Activités complémentaire avec aide enseignant</a:t>
+            </a:r>
+          </a:p>
+          <a:p>
+            <a:r>
+              <a:rPr lang="fr-FR" dirty="0" smtClean="0"/>
+              <a:t>Plus forts : Travail en autonomie (carte heuristique, préparer un quizz </a:t>
+            </a:r>
+            <a:r>
+              <a:rPr lang="fr-FR" dirty="0" err="1" smtClean="0"/>
+              <a:t>plickers</a:t>
+            </a:r>
+            <a:r>
+              <a:rPr lang="fr-FR" dirty="0" smtClean="0"/>
+              <a:t>)</a:t>
+            </a:r>
+          </a:p>
+          <a:p>
+            <a:endParaRPr lang="fr-FR" dirty="0" smtClean="0"/>
+          </a:p>
+          <a:p>
+            <a:r>
+              <a:rPr lang="fr-FR" u="sng" dirty="0" smtClean="0"/>
+              <a:t>Exemple de </a:t>
+            </a:r>
+            <a:r>
+              <a:rPr lang="fr-FR" u="sng" dirty="0" err="1" smtClean="0"/>
+              <a:t>remédiation</a:t>
+            </a:r>
+            <a:r>
+              <a:rPr lang="fr-FR" u="sng" dirty="0" smtClean="0"/>
+              <a:t> possible</a:t>
+            </a:r>
+          </a:p>
+          <a:p>
+            <a:pPr lvl="1">
+              <a:buFont typeface="Arial" pitchFamily="34" charset="0"/>
+              <a:buChar char="•"/>
+            </a:pPr>
+            <a:r>
+              <a:rPr lang="fr-FR" dirty="0" smtClean="0"/>
+              <a:t>Rappels des points importants de la séquence</a:t>
+            </a:r>
+          </a:p>
+          <a:p>
+            <a:pPr lvl="1">
+              <a:buFont typeface="Arial" pitchFamily="34" charset="0"/>
+              <a:buChar char="•"/>
+            </a:pPr>
+            <a:r>
+              <a:rPr lang="fr-FR" dirty="0" smtClean="0"/>
+              <a:t>Etablissement d’une fiche de synthèse par élèves. </a:t>
+            </a:r>
+          </a:p>
+          <a:p>
+            <a:pPr lvl="1">
+              <a:buFont typeface="Arial" pitchFamily="34" charset="0"/>
+              <a:buChar char="•"/>
+            </a:pPr>
+            <a:r>
+              <a:rPr lang="fr-FR" dirty="0" smtClean="0"/>
+              <a:t>Brassage des fiches et distribution à l’ensemble de la classe</a:t>
+            </a:r>
+          </a:p>
+          <a:p>
+            <a:pPr lvl="1">
+              <a:buFont typeface="Arial" pitchFamily="34" charset="0"/>
+              <a:buChar char="•"/>
+            </a:pPr>
+            <a:r>
+              <a:rPr lang="fr-FR" dirty="0" smtClean="0"/>
+              <a:t>QCM </a:t>
+            </a:r>
+            <a:r>
+              <a:rPr lang="fr-FR" dirty="0" err="1" smtClean="0"/>
+              <a:t>Plickers</a:t>
+            </a:r>
+            <a:endParaRPr lang="fr-FR" dirty="0" smtClean="0"/>
+          </a:p>
+        </p:txBody>
+      </p:sp>
+    </p:spTree>
+    <p:extLst>
+      <p:ext uri="{BB962C8B-B14F-4D97-AF65-F5344CB8AC3E}">
+        <p14:creationId xmlns:p14="http://schemas.microsoft.com/office/powerpoint/2010/main" val="873783962"/>
+      </p:ext>
+    </p:extLst>
+  </p:cSld>
+  <p:clrMapOvr>
+    <a:masterClrMapping/>
+  </p:clrMapOvr>
+</p:sld>
+</file>
+
+<file path=ppt/slides/slide25.xml><?xml version="1.0" encoding="utf-8"?>
+<p:sld xmlns:a="http://schemas.openxmlformats.org/drawingml/2006/main" xmlns:r="http://schemas.openxmlformats.org/officeDocument/2006/relationships" xmlns:p="http://schemas.openxmlformats.org/presentationml/2006/main">
+  <p:cSld>
+    <p:spTree>
+      <p:nvGrpSpPr>
+        <p:cNvPr id="1" name=""/>
+        <p:cNvGrpSpPr/>
+        <p:nvPr/>
+      </p:nvGrpSpPr>
+      <p:grpSpPr>
+        <a:xfrm>
+          <a:off x="0" y="0"/>
+          <a:ext cx="0" cy="0"/>
+          <a:chOff x="0" y="0"/>
+          <a:chExt cx="0" cy="0"/>
+        </a:xfrm>
+      </p:grpSpPr>
+      <p:sp>
+        <p:nvSpPr>
+          <p:cNvPr id="2" name="Titre 1"/>
+          <p:cNvSpPr>
+            <a:spLocks noGrp="1"/>
+          </p:cNvSpPr>
+          <p:nvPr>
+            <p:ph type="title"/>
+          </p:nvPr>
+        </p:nvSpPr>
+        <p:spPr>
+          <a:xfrm>
+            <a:off x="2592924" y="624110"/>
+            <a:ext cx="9223095" cy="668096"/>
+          </a:xfrm>
+        </p:spPr>
+        <p:txBody>
+          <a:bodyPr>
+            <a:normAutofit/>
+          </a:bodyPr>
+          <a:lstStyle/>
+          <a:p>
+            <a:r>
+              <a:rPr lang="fr-FR" dirty="0" smtClean="0"/>
+              <a:t>5 – Conclusion</a:t>
+            </a:r>
+            <a:endParaRPr lang="fr-FR" dirty="0"/>
+          </a:p>
+        </p:txBody>
+      </p:sp>
+      <p:sp>
+        <p:nvSpPr>
+          <p:cNvPr id="3" name="Espace réservé du numéro de diapositive 2"/>
+          <p:cNvSpPr>
+            <a:spLocks noGrp="1"/>
+          </p:cNvSpPr>
+          <p:nvPr>
+            <p:ph type="sldNum" sz="quarter" idx="12"/>
+          </p:nvPr>
+        </p:nvSpPr>
+        <p:spPr/>
+        <p:txBody>
+          <a:bodyPr/>
+          <a:lstStyle/>
+          <a:p>
+            <a:fld id="{D57F1E4F-1CFF-5643-939E-217C01CDF565}" type="slidenum">
+              <a:rPr lang="en-US" smtClean="0"/>
+              <a:pPr/>
+              <a:t>25</a:t>
+            </a:fld>
+            <a:endParaRPr lang="en-US" dirty="0"/>
+          </a:p>
+        </p:txBody>
+      </p:sp>
+      <p:sp>
+        <p:nvSpPr>
+          <p:cNvPr id="4" name="ZoneTexte 3"/>
+          <p:cNvSpPr txBox="1"/>
+          <p:nvPr/>
+        </p:nvSpPr>
+        <p:spPr>
+          <a:xfrm>
+            <a:off x="2592924" y="2039000"/>
+            <a:ext cx="6642210" cy="1754326"/>
+          </a:xfrm>
+          <a:prstGeom prst="rect">
+            <a:avLst/>
+          </a:prstGeom>
+          <a:noFill/>
+        </p:spPr>
+        <p:txBody>
           <a:bodyPr wrap="square" rtlCol="0">
             <a:spAutoFit/>
           </a:bodyPr>
@@ -10263,11 +12222,7 @@
           <a:p>
             <a:r>
               <a:rPr lang="fr-FR" dirty="0" smtClean="0"/>
-              <a:t>Alternatives possible pour arriver aux même </a:t>
-            </a:r>
-            <a:r>
-              <a:rPr lang="fr-FR" dirty="0" smtClean="0"/>
-              <a:t>résultats</a:t>
+              <a:t>Alternatives possible pour arriver aux même résultats</a:t>
             </a:r>
           </a:p>
           <a:p>
@@ -10334,11 +12289,7 @@
           <a:p>
             <a:r>
               <a:rPr lang="fr-FR" dirty="0" smtClean="0"/>
-              <a:t>1 – Fonctionnement et structure du système </a:t>
-            </a:r>
-            <a:r>
-              <a:rPr lang="fr-FR" dirty="0" smtClean="0"/>
-              <a:t>étudié</a:t>
+              <a:t>1 – Fonctionnement et structure du système étudié</a:t>
             </a:r>
             <a:endParaRPr lang="fr-FR" dirty="0"/>
           </a:p>

--- a/N1.pptx
+++ b/N1.pptx
@@ -5,7 +5,7 @@
     <p:sldMasterId id="2147483648" r:id="rId1"/>
   </p:sldMasterIdLst>
   <p:notesMasterIdLst>
-    <p:notesMasterId r:id="rId27"/>
+    <p:notesMasterId r:id="rId28"/>
   </p:notesMasterIdLst>
   <p:sldIdLst>
     <p:sldId id="256" r:id="rId2"/>
@@ -33,6 +33,7 @@
     <p:sldId id="277" r:id="rId24"/>
     <p:sldId id="270" r:id="rId25"/>
     <p:sldId id="275" r:id="rId26"/>
+    <p:sldId id="286" r:id="rId27"/>
   </p:sldIdLst>
   <p:sldSz cx="12192000" cy="6858000"/>
   <p:notesSz cx="6858000" cy="9144000"/>
@@ -233,7 +234,7 @@
             <a:fld id="{F56AEA39-9498-4FCA-B33C-4312124B84ED}" type="datetimeFigureOut">
               <a:rPr lang="fr-FR" smtClean="0"/>
               <a:pPr/>
-              <a:t>05/04/2022</a:t>
+              <a:t>09/04/2022</a:t>
             </a:fld>
             <a:endParaRPr lang="fr-FR"/>
           </a:p>
@@ -776,7 +777,7 @@
             <a:fld id="{6B6607F0-2372-40D2-9255-61C780155E2B}" type="datetime1">
               <a:rPr lang="en-US" smtClean="0"/>
               <a:pPr/>
-              <a:t>4/5/2022</a:t>
+              <a:t>4/9/2022</a:t>
             </a:fld>
             <a:endParaRPr lang="en-US" dirty="0"/>
           </a:p>
@@ -1111,7 +1112,7 @@
             <a:fld id="{62AE4DF1-A014-41C7-83FD-CEC8AD6D19E7}" type="datetime1">
               <a:rPr lang="en-US" smtClean="0"/>
               <a:pPr/>
-              <a:t>4/5/2022</a:t>
+              <a:t>4/9/2022</a:t>
             </a:fld>
             <a:endParaRPr lang="en-US" dirty="0"/>
           </a:p>
@@ -1509,7 +1510,7 @@
             <a:fld id="{DD5C5C09-23AE-42F4-9FF8-E9887FF5AB21}" type="datetime1">
               <a:rPr lang="en-US" smtClean="0"/>
               <a:pPr/>
-              <a:t>4/5/2022</a:t>
+              <a:t>4/9/2022</a:t>
             </a:fld>
             <a:endParaRPr lang="en-US" dirty="0"/>
           </a:p>
@@ -1842,7 +1843,7 @@
             <a:fld id="{FBA9A64C-4363-4D29-AF62-0AF078BF4DEB}" type="datetime1">
               <a:rPr lang="en-US" smtClean="0"/>
               <a:pPr/>
-              <a:t>4/5/2022</a:t>
+              <a:t>4/9/2022</a:t>
             </a:fld>
             <a:endParaRPr lang="en-US" dirty="0"/>
           </a:p>
@@ -2159,7 +2160,7 @@
             <a:fld id="{823AA076-EE84-4336-A3F4-132885F9F98A}" type="datetime1">
               <a:rPr lang="en-US" smtClean="0"/>
               <a:pPr/>
-              <a:t>4/5/2022</a:t>
+              <a:t>4/9/2022</a:t>
             </a:fld>
             <a:endParaRPr lang="en-US" dirty="0"/>
           </a:p>
@@ -2552,7 +2553,7 @@
             <a:fld id="{08CDE7AC-32EF-4147-B739-D24792018E30}" type="datetime1">
               <a:rPr lang="en-US" smtClean="0"/>
               <a:pPr/>
-              <a:t>4/5/2022</a:t>
+              <a:t>4/9/2022</a:t>
             </a:fld>
             <a:endParaRPr lang="en-US" dirty="0"/>
           </a:p>
@@ -2806,7 +2807,7 @@
             <a:fld id="{4FB0C1C4-C408-4323-9B58-95D9CB252497}" type="datetime1">
               <a:rPr lang="en-US" smtClean="0"/>
               <a:pPr/>
-              <a:t>4/5/2022</a:t>
+              <a:t>4/9/2022</a:t>
             </a:fld>
             <a:endParaRPr lang="en-US" dirty="0"/>
           </a:p>
@@ -3065,7 +3066,7 @@
             <a:fld id="{33A753D1-A681-455F-A087-29BE400C8828}" type="datetime1">
               <a:rPr lang="en-US" smtClean="0"/>
               <a:pPr/>
-              <a:t>4/5/2022</a:t>
+              <a:t>4/9/2022</a:t>
             </a:fld>
             <a:endParaRPr lang="en-US" dirty="0"/>
           </a:p>
@@ -3324,7 +3325,7 @@
             <a:fld id="{667A7B24-BF5D-4B93-B822-3F8E933A9370}" type="datetime1">
               <a:rPr lang="en-US" smtClean="0"/>
               <a:pPr/>
-              <a:t>4/5/2022</a:t>
+              <a:t>4/9/2022</a:t>
             </a:fld>
             <a:endParaRPr lang="en-US" dirty="0"/>
           </a:p>
@@ -3650,7 +3651,7 @@
             <a:fld id="{1FACF992-E665-4C99-81E7-25F1C78B7D4C}" type="datetime1">
               <a:rPr lang="en-US" smtClean="0"/>
               <a:pPr/>
-              <a:t>4/5/2022</a:t>
+              <a:t>4/9/2022</a:t>
             </a:fld>
             <a:endParaRPr lang="en-US" dirty="0"/>
           </a:p>
@@ -3970,7 +3971,7 @@
             <a:fld id="{61411115-743C-4335-AEB6-57B14653E396}" type="datetime1">
               <a:rPr lang="en-US" smtClean="0"/>
               <a:pPr/>
-              <a:t>4/5/2022</a:t>
+              <a:t>4/9/2022</a:t>
             </a:fld>
             <a:endParaRPr lang="en-US" dirty="0"/>
           </a:p>
@@ -4424,7 +4425,7 @@
             <a:fld id="{1019BFC1-A3BC-41B2-8676-187CA29F2787}" type="datetime1">
               <a:rPr lang="en-US" smtClean="0"/>
               <a:pPr/>
-              <a:t>4/5/2022</a:t>
+              <a:t>4/9/2022</a:t>
             </a:fld>
             <a:endParaRPr lang="en-US" dirty="0"/>
           </a:p>
@@ -4626,7 +4627,7 @@
             <a:fld id="{2D4FD715-157B-4FB4-BC8A-8D496A32A594}" type="datetime1">
               <a:rPr lang="en-US" smtClean="0"/>
               <a:pPr/>
-              <a:t>4/5/2022</a:t>
+              <a:t>4/9/2022</a:t>
             </a:fld>
             <a:endParaRPr lang="en-US" dirty="0"/>
           </a:p>
@@ -4800,7 +4801,7 @@
             <a:fld id="{1B17ACFB-D0C9-462B-A9FD-3385E1BEB218}" type="datetime1">
               <a:rPr lang="en-US" smtClean="0"/>
               <a:pPr/>
-              <a:t>4/5/2022</a:t>
+              <a:t>4/9/2022</a:t>
             </a:fld>
             <a:endParaRPr lang="en-US" dirty="0"/>
           </a:p>
@@ -5130,7 +5131,7 @@
             <a:fld id="{1F2D63D7-F1B3-4C1F-AD43-1933E6DB83D4}" type="datetime1">
               <a:rPr lang="en-US" smtClean="0"/>
               <a:pPr/>
-              <a:t>4/5/2022</a:t>
+              <a:t>4/9/2022</a:t>
             </a:fld>
             <a:endParaRPr lang="en-US" dirty="0"/>
           </a:p>
@@ -5472,7 +5473,7 @@
             <a:fld id="{1C787478-02B5-46C1-B3E1-A172458226B2}" type="datetime1">
               <a:rPr lang="en-US" smtClean="0"/>
               <a:pPr/>
-              <a:t>4/5/2022</a:t>
+              <a:t>4/9/2022</a:t>
             </a:fld>
             <a:endParaRPr lang="en-US" dirty="0"/>
           </a:p>
@@ -7586,7 +7587,7 @@
             <a:fld id="{566BAA2A-DD73-4939-9BB2-411A9375FFB5}" type="datetime1">
               <a:rPr lang="en-US" smtClean="0"/>
               <a:pPr/>
-              <a:t>4/5/2022</a:t>
+              <a:t>4/9/2022</a:t>
             </a:fld>
             <a:endParaRPr lang="en-US" dirty="0"/>
           </a:p>
@@ -11430,11 +11431,11 @@
   <p:clrMapOvr>
     <a:masterClrMapping/>
   </p:clrMapOvr>
-  <mc:AlternateContent xmlns:mc="http://schemas.openxmlformats.org/markup-compatibility/2006">
-    <mc:Choice xmlns:p14="http://schemas.microsoft.com/office/powerpoint/2010/main" Requires="p14">
+  <mc:AlternateContent xmlns:mc="http://schemas.openxmlformats.org/markup-compatibility/2006" xmlns:p14="http://schemas.microsoft.com/office/powerpoint/2010/main">
+    <mc:Choice Requires="p14">
       <p:transition spd="slow" p14:dur="2000"/>
     </mc:Choice>
-    <mc:Fallback>
+    <mc:Fallback xmlns="">
       <p:transition spd="slow"/>
     </mc:Fallback>
   </mc:AlternateContent>
@@ -11852,7 +11853,7 @@
         </p:nvSpPr>
         <p:spPr>
           <a:xfrm>
-            <a:off x="3542616" y="2458477"/>
+            <a:off x="3564518" y="2453001"/>
             <a:ext cx="1606530" cy="1200329"/>
           </a:xfrm>
           <a:prstGeom prst="rect">
@@ -12246,6 +12247,436 @@
     <p:extLst>
       <p:ext uri="{BB962C8B-B14F-4D97-AF65-F5344CB8AC3E}">
         <p14:creationId xmlns:p14="http://schemas.microsoft.com/office/powerpoint/2010/main" val="1951364868"/>
+      </p:ext>
+    </p:extLst>
+  </p:cSld>
+  <p:clrMapOvr>
+    <a:masterClrMapping/>
+  </p:clrMapOvr>
+</p:sld>
+</file>
+
+<file path=ppt/slides/slide26.xml><?xml version="1.0" encoding="utf-8"?>
+<p:sld xmlns:a="http://schemas.openxmlformats.org/drawingml/2006/main" xmlns:r="http://schemas.openxmlformats.org/officeDocument/2006/relationships" xmlns:p="http://schemas.openxmlformats.org/presentationml/2006/main">
+  <p:cSld>
+    <p:spTree>
+      <p:nvGrpSpPr>
+        <p:cNvPr id="1" name=""/>
+        <p:cNvGrpSpPr/>
+        <p:nvPr/>
+      </p:nvGrpSpPr>
+      <p:grpSpPr>
+        <a:xfrm>
+          <a:off x="0" y="0"/>
+          <a:ext cx="0" cy="0"/>
+          <a:chOff x="0" y="0"/>
+          <a:chExt cx="0" cy="0"/>
+        </a:xfrm>
+      </p:grpSpPr>
+      <p:sp>
+        <p:nvSpPr>
+          <p:cNvPr id="3" name="Espace réservé du numéro de diapositive 2"/>
+          <p:cNvSpPr>
+            <a:spLocks noGrp="1"/>
+          </p:cNvSpPr>
+          <p:nvPr>
+            <p:ph type="sldNum" sz="quarter" idx="12"/>
+          </p:nvPr>
+        </p:nvSpPr>
+        <p:spPr/>
+        <p:txBody>
+          <a:bodyPr/>
+          <a:lstStyle/>
+          <a:p>
+            <a:fld id="{D57F1E4F-1CFF-5643-939E-217C01CDF565}" type="slidenum">
+              <a:rPr lang="en-US" smtClean="0"/>
+              <a:pPr/>
+              <a:t>26</a:t>
+            </a:fld>
+            <a:endParaRPr lang="en-US" dirty="0"/>
+          </a:p>
+        </p:txBody>
+      </p:sp>
+      <p:sp>
+        <p:nvSpPr>
+          <p:cNvPr id="4" name="ZoneTexte 3"/>
+          <p:cNvSpPr txBox="1"/>
+          <p:nvPr/>
+        </p:nvSpPr>
+        <p:spPr>
+          <a:xfrm>
+            <a:off x="1709557" y="259406"/>
+            <a:ext cx="10237872" cy="6186309"/>
+          </a:xfrm>
+          <a:prstGeom prst="rect">
+            <a:avLst/>
+          </a:prstGeom>
+          <a:noFill/>
+        </p:spPr>
+        <p:txBody>
+          <a:bodyPr wrap="square" rtlCol="0">
+            <a:spAutoFit/>
+          </a:bodyPr>
+          <a:lstStyle/>
+          <a:p>
+            <a:pPr marL="285750" indent="-285750">
+              <a:buFont typeface="Arial" panose="020B0604020202020204" pitchFamily="34" charset="0"/>
+              <a:buChar char="•"/>
+            </a:pPr>
+            <a:r>
+              <a:rPr lang="fr-FR" b="1" dirty="0" smtClean="0"/>
+              <a:t>Zone Proximale de Développement</a:t>
+            </a:r>
+          </a:p>
+          <a:p>
+            <a:pPr marL="285750" indent="-285750">
+              <a:buFont typeface="Arial" panose="020B0604020202020204" pitchFamily="34" charset="0"/>
+              <a:buChar char="•"/>
+            </a:pPr>
+            <a:r>
+              <a:rPr lang="fr-FR" b="1" dirty="0" smtClean="0"/>
+              <a:t>Approche behavioriste : </a:t>
+            </a:r>
+            <a:r>
+              <a:rPr lang="fr-FR" dirty="0" smtClean="0"/>
+              <a:t>observation </a:t>
+            </a:r>
+            <a:r>
+              <a:rPr lang="fr-FR" dirty="0"/>
+              <a:t>et </a:t>
+            </a:r>
+            <a:r>
+              <a:rPr lang="fr-FR" dirty="0" smtClean="0"/>
+              <a:t>expérimentation </a:t>
+            </a:r>
+            <a:r>
+              <a:rPr lang="fr-FR" dirty="0"/>
+              <a:t>empiriques des phénomènes comportementaux</a:t>
+            </a:r>
+            <a:r>
+              <a:rPr lang="fr-FR" b="1" dirty="0" smtClean="0"/>
+              <a:t> </a:t>
+            </a:r>
+          </a:p>
+          <a:p>
+            <a:pPr marL="285750" indent="-285750">
+              <a:buFont typeface="Arial" panose="020B0604020202020204" pitchFamily="34" charset="0"/>
+              <a:buChar char="•"/>
+            </a:pPr>
+            <a:r>
+              <a:rPr lang="fr-FR" b="1" dirty="0" smtClean="0"/>
+              <a:t>Compétences</a:t>
+            </a:r>
+            <a:r>
+              <a:rPr lang="fr-FR" dirty="0" smtClean="0"/>
+              <a:t> </a:t>
+            </a:r>
+            <a:r>
+              <a:rPr lang="fr-FR" dirty="0" smtClean="0"/>
+              <a:t>(savoirs + savoir-faire)</a:t>
+            </a:r>
+          </a:p>
+          <a:p>
+            <a:pPr marL="285750" indent="-285750">
+              <a:buFont typeface="Arial" panose="020B0604020202020204" pitchFamily="34" charset="0"/>
+              <a:buChar char="•"/>
+            </a:pPr>
+            <a:r>
+              <a:rPr lang="fr-FR" b="1" dirty="0" smtClean="0"/>
+              <a:t>Mémoire explicite </a:t>
+            </a:r>
+            <a:r>
+              <a:rPr lang="fr-FR" dirty="0" smtClean="0"/>
+              <a:t>(sémantique + épisodique </a:t>
+            </a:r>
+            <a:r>
+              <a:rPr lang="fr-FR" dirty="0" smtClean="0"/>
+              <a:t>évènementielle)</a:t>
+            </a:r>
+            <a:endParaRPr lang="fr-FR" dirty="0" smtClean="0"/>
+          </a:p>
+          <a:p>
+            <a:pPr marL="285750" indent="-285750">
+              <a:buFont typeface="Arial" panose="020B0604020202020204" pitchFamily="34" charset="0"/>
+              <a:buChar char="•"/>
+            </a:pPr>
+            <a:r>
+              <a:rPr lang="fr-FR" b="1" dirty="0" smtClean="0"/>
+              <a:t>Mémoire implicite </a:t>
+            </a:r>
+            <a:r>
+              <a:rPr lang="fr-FR" dirty="0" smtClean="0"/>
+              <a:t>(</a:t>
+            </a:r>
+            <a:r>
+              <a:rPr lang="fr-FR" dirty="0" smtClean="0"/>
+              <a:t>procédurale+ </a:t>
+            </a:r>
+            <a:r>
+              <a:rPr lang="fr-FR" dirty="0" smtClean="0"/>
+              <a:t>émotionnel)</a:t>
+            </a:r>
+          </a:p>
+          <a:p>
+            <a:pPr marL="285750" indent="-285750">
+              <a:buFont typeface="Arial" panose="020B0604020202020204" pitchFamily="34" charset="0"/>
+              <a:buChar char="•"/>
+            </a:pPr>
+            <a:r>
+              <a:rPr lang="fr-FR" b="1" dirty="0" smtClean="0"/>
+              <a:t>Protocole expérimental</a:t>
+            </a:r>
+          </a:p>
+          <a:p>
+            <a:pPr marL="285750" indent="-285750">
+              <a:buFont typeface="Arial" panose="020B0604020202020204" pitchFamily="34" charset="0"/>
+              <a:buChar char="•"/>
+            </a:pPr>
+            <a:r>
+              <a:rPr lang="fr-FR" b="1" dirty="0" smtClean="0"/>
+              <a:t>Savoir notionnel </a:t>
+            </a:r>
+            <a:r>
+              <a:rPr lang="fr-FR" dirty="0" smtClean="0"/>
+              <a:t>(mémoire explicite – Se travaille en mettant des mots)</a:t>
+            </a:r>
+          </a:p>
+          <a:p>
+            <a:pPr marL="285750" indent="-285750">
+              <a:buFont typeface="Arial" panose="020B0604020202020204" pitchFamily="34" charset="0"/>
+              <a:buChar char="•"/>
+            </a:pPr>
+            <a:r>
+              <a:rPr lang="fr-FR" b="1" dirty="0" smtClean="0"/>
+              <a:t>Méta cognition </a:t>
+            </a:r>
+            <a:r>
+              <a:rPr lang="fr-FR" dirty="0" smtClean="0"/>
+              <a:t>(représentation que l’élève a des connaissances qu’il possède et de la façon dont il peut les construire et les utiliser)</a:t>
+            </a:r>
+          </a:p>
+          <a:p>
+            <a:pPr marL="285750" indent="-285750">
+              <a:buFont typeface="Arial" panose="020B0604020202020204" pitchFamily="34" charset="0"/>
+              <a:buChar char="•"/>
+            </a:pPr>
+            <a:r>
+              <a:rPr lang="fr-FR" dirty="0" smtClean="0"/>
+              <a:t>Démarches</a:t>
+            </a:r>
+          </a:p>
+          <a:p>
+            <a:pPr marL="742950" lvl="1" indent="-285750">
+              <a:buFont typeface="Arial" panose="020B0604020202020204" pitchFamily="34" charset="0"/>
+              <a:buChar char="•"/>
+            </a:pPr>
+            <a:r>
+              <a:rPr lang="fr-FR" u="sng" dirty="0" smtClean="0"/>
+              <a:t>Investigation</a:t>
+            </a:r>
+            <a:r>
+              <a:rPr lang="fr-FR" dirty="0" smtClean="0"/>
+              <a:t> (++situation analyse / compréhension)</a:t>
+            </a:r>
+          </a:p>
+          <a:p>
+            <a:pPr marL="742950" lvl="1" indent="-285750">
+              <a:buFont typeface="Arial" panose="020B0604020202020204" pitchFamily="34" charset="0"/>
+              <a:buChar char="•"/>
+            </a:pPr>
+            <a:r>
+              <a:rPr lang="fr-FR" u="sng" dirty="0" smtClean="0"/>
+              <a:t>Résolution de </a:t>
+            </a:r>
+            <a:r>
+              <a:rPr lang="fr-FR" u="sng" dirty="0" err="1" smtClean="0"/>
+              <a:t>pb</a:t>
+            </a:r>
+            <a:r>
+              <a:rPr lang="fr-FR" u="sng" dirty="0" smtClean="0"/>
+              <a:t> </a:t>
+            </a:r>
+            <a:r>
+              <a:rPr lang="fr-FR" dirty="0" smtClean="0"/>
+              <a:t>(++ création, organisation, réalisation)</a:t>
+            </a:r>
+          </a:p>
+          <a:p>
+            <a:pPr marL="742950" lvl="1" indent="-285750">
+              <a:buFont typeface="Arial" panose="020B0604020202020204" pitchFamily="34" charset="0"/>
+              <a:buChar char="•"/>
+            </a:pPr>
+            <a:r>
+              <a:rPr lang="fr-FR" u="sng" dirty="0" smtClean="0"/>
+              <a:t>De projet</a:t>
+            </a:r>
+          </a:p>
+          <a:p>
+            <a:pPr marL="285750" indent="-285750">
+              <a:buFont typeface="Arial" panose="020B0604020202020204" pitchFamily="34" charset="0"/>
+              <a:buChar char="•"/>
+            </a:pPr>
+            <a:r>
+              <a:rPr lang="fr-FR" b="1" dirty="0" smtClean="0"/>
+              <a:t>Coup de pouce </a:t>
+            </a:r>
+            <a:r>
+              <a:rPr lang="fr-FR" dirty="0" smtClean="0"/>
+              <a:t>: expliquer les savoirs fondamentaux </a:t>
+            </a:r>
+          </a:p>
+          <a:p>
+            <a:pPr marL="285750" indent="-285750">
+              <a:buFont typeface="Arial" panose="020B0604020202020204" pitchFamily="34" charset="0"/>
+              <a:buChar char="•"/>
+            </a:pPr>
+            <a:r>
+              <a:rPr lang="fr-FR" b="1" dirty="0" smtClean="0"/>
+              <a:t>Fiche ressources </a:t>
+            </a:r>
+            <a:r>
+              <a:rPr lang="fr-FR" dirty="0" smtClean="0"/>
+              <a:t>: pour réaliser une procédure</a:t>
+            </a:r>
+          </a:p>
+          <a:p>
+            <a:pPr marL="285750" indent="-285750">
+              <a:buFont typeface="Arial" panose="020B0604020202020204" pitchFamily="34" charset="0"/>
+              <a:buChar char="•"/>
+            </a:pPr>
+            <a:r>
+              <a:rPr lang="fr-FR" b="1" dirty="0" smtClean="0"/>
+              <a:t>Questions </a:t>
+            </a:r>
+            <a:r>
+              <a:rPr lang="fr-FR" b="1" dirty="0" err="1" smtClean="0"/>
+              <a:t>élucidantes</a:t>
+            </a:r>
+            <a:r>
+              <a:rPr lang="fr-FR" b="1" dirty="0" smtClean="0"/>
+              <a:t> </a:t>
+            </a:r>
+            <a:r>
+              <a:rPr lang="fr-FR" dirty="0" smtClean="0"/>
+              <a:t>: permet aux élèves d’utiliser les savoirs fondamentaux et de les contextualiser.</a:t>
+            </a:r>
+          </a:p>
+          <a:p>
+            <a:pPr marL="285750" indent="-285750">
+              <a:buFont typeface="Arial" panose="020B0604020202020204" pitchFamily="34" charset="0"/>
+              <a:buChar char="•"/>
+            </a:pPr>
+            <a:r>
+              <a:rPr lang="fr-FR" b="1" dirty="0" smtClean="0"/>
+              <a:t>Synthèse</a:t>
+            </a:r>
+            <a:r>
+              <a:rPr lang="fr-FR" dirty="0" smtClean="0"/>
+              <a:t> comporte une </a:t>
+            </a:r>
+            <a:r>
+              <a:rPr lang="fr-FR" dirty="0" err="1" smtClean="0"/>
+              <a:t>décontextualisations</a:t>
+            </a:r>
+            <a:r>
+              <a:rPr lang="fr-FR" dirty="0" smtClean="0"/>
+              <a:t> des connaissances </a:t>
+            </a:r>
+            <a:r>
+              <a:rPr lang="fr-FR" dirty="0" smtClean="0">
+                <a:sym typeface="Wingdings" panose="05000000000000000000" pitchFamily="2" charset="2"/>
+              </a:rPr>
+              <a:t> permet la formalisation et le </a:t>
+            </a:r>
+            <a:r>
+              <a:rPr lang="fr-FR" dirty="0" err="1" smtClean="0">
+                <a:sym typeface="Wingdings" panose="05000000000000000000" pitchFamily="2" charset="2"/>
+              </a:rPr>
+              <a:t>réinvestissment</a:t>
+            </a:r>
+            <a:r>
+              <a:rPr lang="fr-FR" dirty="0" smtClean="0">
+                <a:sym typeface="Wingdings" panose="05000000000000000000" pitchFamily="2" charset="2"/>
+              </a:rPr>
+              <a:t>.</a:t>
+            </a:r>
+            <a:endParaRPr lang="fr-FR" dirty="0" smtClean="0"/>
+          </a:p>
+          <a:p>
+            <a:pPr marL="285750" indent="-285750">
+              <a:buFont typeface="Arial" panose="020B0604020202020204" pitchFamily="34" charset="0"/>
+              <a:buChar char="•"/>
+            </a:pPr>
+            <a:r>
+              <a:rPr lang="fr-FR" b="1" dirty="0" smtClean="0"/>
+              <a:t>Activation</a:t>
+            </a:r>
+            <a:r>
+              <a:rPr lang="fr-FR" dirty="0" smtClean="0"/>
+              <a:t> : J’ai un problème sur un système </a:t>
+            </a:r>
+            <a:r>
+              <a:rPr lang="fr-FR" dirty="0" smtClean="0"/>
+              <a:t>existant</a:t>
+            </a:r>
+          </a:p>
+          <a:p>
+            <a:pPr marL="285750" indent="-285750">
+              <a:buFont typeface="Arial" panose="020B0604020202020204" pitchFamily="34" charset="0"/>
+              <a:buChar char="•"/>
+            </a:pPr>
+            <a:r>
+              <a:rPr lang="fr-FR" b="1" dirty="0" smtClean="0"/>
+              <a:t>ENT</a:t>
+            </a:r>
+            <a:r>
+              <a:rPr lang="fr-FR" dirty="0" smtClean="0"/>
+              <a:t> : </a:t>
+            </a:r>
+            <a:r>
+              <a:rPr lang="fr-FR" dirty="0" err="1" smtClean="0"/>
+              <a:t>Moddle</a:t>
+            </a:r>
+            <a:r>
+              <a:rPr lang="fr-FR" dirty="0" smtClean="0"/>
+              <a:t>, </a:t>
+            </a:r>
+            <a:r>
+              <a:rPr lang="fr-FR" dirty="0" err="1" smtClean="0"/>
+              <a:t>Plickers</a:t>
+            </a:r>
+            <a:r>
+              <a:rPr lang="fr-FR" dirty="0" smtClean="0"/>
+              <a:t>, </a:t>
+            </a:r>
+            <a:r>
+              <a:rPr lang="fr-FR" dirty="0" err="1" smtClean="0"/>
+              <a:t>woop</a:t>
+            </a:r>
+            <a:r>
+              <a:rPr lang="fr-FR" dirty="0" smtClean="0"/>
+              <a:t>, </a:t>
+            </a:r>
+            <a:r>
+              <a:rPr lang="fr-FR" dirty="0" err="1" smtClean="0"/>
+              <a:t>Kaout</a:t>
+            </a:r>
+            <a:r>
+              <a:rPr lang="fr-FR" dirty="0" smtClean="0"/>
+              <a:t>, </a:t>
+            </a:r>
+            <a:r>
+              <a:rPr lang="fr-FR" dirty="0" err="1" smtClean="0"/>
+              <a:t>paddlet</a:t>
+            </a:r>
+            <a:endParaRPr lang="fr-FR" dirty="0"/>
+          </a:p>
+        </p:txBody>
+      </p:sp>
+    </p:spTree>
+    <p:extLst>
+      <p:ext uri="{BB962C8B-B14F-4D97-AF65-F5344CB8AC3E}">
+        <p14:creationId xmlns:p14="http://schemas.microsoft.com/office/powerpoint/2010/main" val="2781516662"/>
       </p:ext>
     </p:extLst>
   </p:cSld>

--- a/N1.pptx
+++ b/N1.pptx
@@ -5,35 +5,18 @@
     <p:sldMasterId id="2147483648" r:id="rId1"/>
   </p:sldMasterIdLst>
   <p:notesMasterIdLst>
-    <p:notesMasterId r:id="rId28"/>
+    <p:notesMasterId r:id="rId11"/>
   </p:notesMasterIdLst>
   <p:sldIdLst>
     <p:sldId id="256" r:id="rId2"/>
     <p:sldId id="257" r:id="rId3"/>
     <p:sldId id="258" r:id="rId4"/>
-    <p:sldId id="260" r:id="rId5"/>
-    <p:sldId id="278" r:id="rId6"/>
-    <p:sldId id="263" r:id="rId7"/>
-    <p:sldId id="262" r:id="rId8"/>
-    <p:sldId id="283" r:id="rId9"/>
-    <p:sldId id="267" r:id="rId10"/>
-    <p:sldId id="265" r:id="rId11"/>
-    <p:sldId id="280" r:id="rId12"/>
-    <p:sldId id="269" r:id="rId13"/>
-    <p:sldId id="281" r:id="rId14"/>
-    <p:sldId id="284" r:id="rId15"/>
-    <p:sldId id="285" r:id="rId16"/>
-    <p:sldId id="282" r:id="rId17"/>
-    <p:sldId id="279" r:id="rId18"/>
-    <p:sldId id="271" r:id="rId19"/>
-    <p:sldId id="272" r:id="rId20"/>
-    <p:sldId id="273" r:id="rId21"/>
-    <p:sldId id="274" r:id="rId22"/>
-    <p:sldId id="276" r:id="rId23"/>
-    <p:sldId id="277" r:id="rId24"/>
-    <p:sldId id="270" r:id="rId25"/>
-    <p:sldId id="275" r:id="rId26"/>
-    <p:sldId id="286" r:id="rId27"/>
+    <p:sldId id="287" r:id="rId5"/>
+    <p:sldId id="288" r:id="rId6"/>
+    <p:sldId id="289" r:id="rId7"/>
+    <p:sldId id="290" r:id="rId8"/>
+    <p:sldId id="291" r:id="rId9"/>
+    <p:sldId id="292" r:id="rId10"/>
   </p:sldIdLst>
   <p:sldSz cx="12192000" cy="6858000"/>
   <p:notesSz cx="6858000" cy="9144000"/>
@@ -8174,3218 +8157,6 @@
 </p:sld>
 </file>
 
-<file path=ppt/slides/slide10.xml><?xml version="1.0" encoding="utf-8"?>
-<p:sld xmlns:a="http://schemas.openxmlformats.org/drawingml/2006/main" xmlns:r="http://schemas.openxmlformats.org/officeDocument/2006/relationships" xmlns:p="http://schemas.openxmlformats.org/presentationml/2006/main">
-  <p:cSld>
-    <p:spTree>
-      <p:nvGrpSpPr>
-        <p:cNvPr id="1" name=""/>
-        <p:cNvGrpSpPr/>
-        <p:nvPr/>
-      </p:nvGrpSpPr>
-      <p:grpSpPr>
-        <a:xfrm>
-          <a:off x="0" y="0"/>
-          <a:ext cx="0" cy="0"/>
-          <a:chOff x="0" y="0"/>
-          <a:chExt cx="0" cy="0"/>
-        </a:xfrm>
-      </p:grpSpPr>
-      <p:sp>
-        <p:nvSpPr>
-          <p:cNvPr id="2" name="Titre 1"/>
-          <p:cNvSpPr>
-            <a:spLocks noGrp="1"/>
-          </p:cNvSpPr>
-          <p:nvPr>
-            <p:ph type="title"/>
-          </p:nvPr>
-        </p:nvSpPr>
-        <p:spPr>
-          <a:xfrm>
-            <a:off x="2592924" y="624110"/>
-            <a:ext cx="8911687" cy="668096"/>
-          </a:xfrm>
-        </p:spPr>
-        <p:txBody>
-          <a:bodyPr/>
-          <a:lstStyle/>
-          <a:p>
-            <a:r>
-              <a:rPr lang="fr-FR" dirty="0" smtClean="0"/>
-              <a:t>3.4 – Planification dans l’année</a:t>
-            </a:r>
-            <a:endParaRPr lang="fr-FR" dirty="0"/>
-          </a:p>
-        </p:txBody>
-      </p:sp>
-      <p:sp>
-        <p:nvSpPr>
-          <p:cNvPr id="3" name="Espace réservé du numéro de diapositive 2"/>
-          <p:cNvSpPr>
-            <a:spLocks noGrp="1"/>
-          </p:cNvSpPr>
-          <p:nvPr>
-            <p:ph type="sldNum" sz="quarter" idx="12"/>
-          </p:nvPr>
-        </p:nvSpPr>
-        <p:spPr/>
-        <p:txBody>
-          <a:bodyPr/>
-          <a:lstStyle/>
-          <a:p>
-            <a:fld id="{D57F1E4F-1CFF-5643-939E-217C01CDF565}" type="slidenum">
-              <a:rPr lang="en-US" smtClean="0"/>
-              <a:pPr/>
-              <a:t>10</a:t>
-            </a:fld>
-            <a:endParaRPr lang="en-US" dirty="0"/>
-          </a:p>
-        </p:txBody>
-      </p:sp>
-      <p:sp>
-        <p:nvSpPr>
-          <p:cNvPr id="5" name="ZoneTexte 4"/>
-          <p:cNvSpPr txBox="1"/>
-          <p:nvPr/>
-        </p:nvSpPr>
-        <p:spPr>
-          <a:xfrm>
-            <a:off x="2640808" y="2046404"/>
-            <a:ext cx="7234712" cy="1200329"/>
-          </a:xfrm>
-          <a:prstGeom prst="rect">
-            <a:avLst/>
-          </a:prstGeom>
-          <a:noFill/>
-        </p:spPr>
-        <p:txBody>
-          <a:bodyPr wrap="square" rtlCol="0">
-            <a:spAutoFit/>
-          </a:bodyPr>
-          <a:lstStyle/>
-          <a:p>
-            <a:r>
-              <a:rPr lang="fr-FR" dirty="0" smtClean="0"/>
-              <a:t>Dans la progression (attention en </a:t>
-            </a:r>
-            <a:r>
-              <a:rPr lang="fr-FR" dirty="0" err="1" smtClean="0"/>
-              <a:t>Tle</a:t>
-            </a:r>
-            <a:r>
-              <a:rPr lang="fr-FR" dirty="0" smtClean="0"/>
-              <a:t> – épreuves en Mars)</a:t>
-            </a:r>
-          </a:p>
-          <a:p>
-            <a:r>
-              <a:rPr lang="fr-FR" dirty="0" smtClean="0"/>
-              <a:t>Durée : 3 à 4 semaines généralement (ne pas les entrecouper de vacances)</a:t>
-            </a:r>
-          </a:p>
-          <a:p>
-            <a:endParaRPr lang="fr-FR" dirty="0" smtClean="0"/>
-          </a:p>
-        </p:txBody>
-      </p:sp>
-    </p:spTree>
-    <p:extLst>
-      <p:ext uri="{BB962C8B-B14F-4D97-AF65-F5344CB8AC3E}">
-        <p14:creationId xmlns:p14="http://schemas.microsoft.com/office/powerpoint/2010/main" val="3628095907"/>
-      </p:ext>
-    </p:extLst>
-  </p:cSld>
-  <p:clrMapOvr>
-    <a:masterClrMapping/>
-  </p:clrMapOvr>
-</p:sld>
-</file>
-
-<file path=ppt/slides/slide11.xml><?xml version="1.0" encoding="utf-8"?>
-<p:sld xmlns:a="http://schemas.openxmlformats.org/drawingml/2006/main" xmlns:r="http://schemas.openxmlformats.org/officeDocument/2006/relationships" xmlns:p="http://schemas.openxmlformats.org/presentationml/2006/main">
-  <p:cSld>
-    <p:spTree>
-      <p:nvGrpSpPr>
-        <p:cNvPr id="1" name=""/>
-        <p:cNvGrpSpPr/>
-        <p:nvPr/>
-      </p:nvGrpSpPr>
-      <p:grpSpPr>
-        <a:xfrm>
-          <a:off x="0" y="0"/>
-          <a:ext cx="0" cy="0"/>
-          <a:chOff x="0" y="0"/>
-          <a:chExt cx="0" cy="0"/>
-        </a:xfrm>
-      </p:grpSpPr>
-      <p:sp>
-        <p:nvSpPr>
-          <p:cNvPr id="2" name="Titre 1"/>
-          <p:cNvSpPr>
-            <a:spLocks noGrp="1"/>
-          </p:cNvSpPr>
-          <p:nvPr>
-            <p:ph type="title"/>
-          </p:nvPr>
-        </p:nvSpPr>
-        <p:spPr>
-          <a:xfrm>
-            <a:off x="1992032" y="637173"/>
-            <a:ext cx="10199967" cy="668096"/>
-          </a:xfrm>
-        </p:spPr>
-        <p:txBody>
-          <a:bodyPr>
-            <a:normAutofit fontScale="90000"/>
-          </a:bodyPr>
-          <a:lstStyle/>
-          <a:p>
-            <a:r>
-              <a:rPr lang="fr-FR" dirty="0" smtClean="0"/>
-              <a:t>3.5 – Synthèse – structuration des connaissances</a:t>
-            </a:r>
-            <a:endParaRPr lang="fr-FR" dirty="0"/>
-          </a:p>
-        </p:txBody>
-      </p:sp>
-      <p:sp>
-        <p:nvSpPr>
-          <p:cNvPr id="3" name="Espace réservé du numéro de diapositive 2"/>
-          <p:cNvSpPr>
-            <a:spLocks noGrp="1"/>
-          </p:cNvSpPr>
-          <p:nvPr>
-            <p:ph type="sldNum" sz="quarter" idx="12"/>
-          </p:nvPr>
-        </p:nvSpPr>
-        <p:spPr/>
-        <p:txBody>
-          <a:bodyPr/>
-          <a:lstStyle/>
-          <a:p>
-            <a:fld id="{D57F1E4F-1CFF-5643-939E-217C01CDF565}" type="slidenum">
-              <a:rPr lang="en-US" smtClean="0"/>
-              <a:pPr/>
-              <a:t>11</a:t>
-            </a:fld>
-            <a:endParaRPr lang="en-US" dirty="0"/>
-          </a:p>
-        </p:txBody>
-      </p:sp>
-      <p:sp>
-        <p:nvSpPr>
-          <p:cNvPr id="5" name="ZoneTexte 4"/>
-          <p:cNvSpPr txBox="1"/>
-          <p:nvPr/>
-        </p:nvSpPr>
-        <p:spPr>
-          <a:xfrm>
-            <a:off x="3019630" y="2045315"/>
-            <a:ext cx="8172187" cy="2308324"/>
-          </a:xfrm>
-          <a:prstGeom prst="rect">
-            <a:avLst/>
-          </a:prstGeom>
-          <a:noFill/>
-        </p:spPr>
-        <p:txBody>
-          <a:bodyPr wrap="square" rtlCol="0">
-            <a:spAutoFit/>
-          </a:bodyPr>
-          <a:lstStyle/>
-          <a:p>
-            <a:r>
-              <a:rPr lang="fr-FR" dirty="0" smtClean="0"/>
-              <a:t>Fiche de synthèse : rappeler les points abordés</a:t>
-            </a:r>
-          </a:p>
-          <a:p>
-            <a:r>
-              <a:rPr lang="fr-FR" dirty="0" smtClean="0"/>
-              <a:t>Intervention élèves pour un CR oral </a:t>
-            </a:r>
-          </a:p>
-          <a:p>
-            <a:r>
-              <a:rPr lang="fr-FR" dirty="0" smtClean="0"/>
-              <a:t>Synthèse par l’enseignant  / distribution de la </a:t>
-            </a:r>
-            <a:r>
-              <a:rPr lang="fr-FR" dirty="0" smtClean="0"/>
-              <a:t>fiche</a:t>
-            </a:r>
-          </a:p>
-          <a:p>
-            <a:endParaRPr lang="fr-FR" dirty="0"/>
-          </a:p>
-          <a:p>
-            <a:r>
-              <a:rPr lang="fr-FR" dirty="0" smtClean="0"/>
-              <a:t>Ce qu’il faut savoir</a:t>
-            </a:r>
-          </a:p>
-          <a:p>
-            <a:r>
-              <a:rPr lang="fr-FR" dirty="0" smtClean="0"/>
-              <a:t>Ce qu’il faut savoir faire</a:t>
-            </a:r>
-          </a:p>
-          <a:p>
-            <a:r>
-              <a:rPr lang="fr-FR" dirty="0" smtClean="0"/>
-              <a:t>Exemple méthodologique</a:t>
-            </a:r>
-            <a:endParaRPr lang="fr-FR" dirty="0"/>
-          </a:p>
-          <a:p>
-            <a:r>
-              <a:rPr lang="fr-FR" dirty="0" smtClean="0"/>
-              <a:t>Un contexte d’application , décontextualisé de la séquence</a:t>
-            </a:r>
-          </a:p>
-        </p:txBody>
-      </p:sp>
-    </p:spTree>
-    <p:extLst>
-      <p:ext uri="{BB962C8B-B14F-4D97-AF65-F5344CB8AC3E}">
-        <p14:creationId xmlns:p14="http://schemas.microsoft.com/office/powerpoint/2010/main" val="3628095907"/>
-      </p:ext>
-    </p:extLst>
-  </p:cSld>
-  <p:clrMapOvr>
-    <a:masterClrMapping/>
-  </p:clrMapOvr>
-</p:sld>
-</file>
-
-<file path=ppt/slides/slide12.xml><?xml version="1.0" encoding="utf-8"?>
-<p:sld xmlns:a="http://schemas.openxmlformats.org/drawingml/2006/main" xmlns:r="http://schemas.openxmlformats.org/officeDocument/2006/relationships" xmlns:p="http://schemas.openxmlformats.org/presentationml/2006/main">
-  <p:cSld>
-    <p:spTree>
-      <p:nvGrpSpPr>
-        <p:cNvPr id="1" name=""/>
-        <p:cNvGrpSpPr/>
-        <p:nvPr/>
-      </p:nvGrpSpPr>
-      <p:grpSpPr>
-        <a:xfrm>
-          <a:off x="0" y="0"/>
-          <a:ext cx="0" cy="0"/>
-          <a:chOff x="0" y="0"/>
-          <a:chExt cx="0" cy="0"/>
-        </a:xfrm>
-      </p:grpSpPr>
-      <p:sp>
-        <p:nvSpPr>
-          <p:cNvPr id="2" name="Titre 1"/>
-          <p:cNvSpPr>
-            <a:spLocks noGrp="1"/>
-          </p:cNvSpPr>
-          <p:nvPr>
-            <p:ph type="title"/>
-          </p:nvPr>
-        </p:nvSpPr>
-        <p:spPr>
-          <a:xfrm>
-            <a:off x="2592924" y="624110"/>
-            <a:ext cx="9223095" cy="668096"/>
-          </a:xfrm>
-        </p:spPr>
-        <p:txBody>
-          <a:bodyPr>
-            <a:normAutofit/>
-          </a:bodyPr>
-          <a:lstStyle/>
-          <a:p>
-            <a:r>
-              <a:rPr lang="fr-FR" dirty="0" smtClean="0"/>
-              <a:t>3.6 - Evaluations</a:t>
-            </a:r>
-            <a:endParaRPr lang="fr-FR" dirty="0"/>
-          </a:p>
-        </p:txBody>
-      </p:sp>
-      <p:sp>
-        <p:nvSpPr>
-          <p:cNvPr id="3" name="Espace réservé du numéro de diapositive 2"/>
-          <p:cNvSpPr>
-            <a:spLocks noGrp="1"/>
-          </p:cNvSpPr>
-          <p:nvPr>
-            <p:ph type="sldNum" sz="quarter" idx="12"/>
-          </p:nvPr>
-        </p:nvSpPr>
-        <p:spPr/>
-        <p:txBody>
-          <a:bodyPr/>
-          <a:lstStyle/>
-          <a:p>
-            <a:fld id="{D57F1E4F-1CFF-5643-939E-217C01CDF565}" type="slidenum">
-              <a:rPr lang="en-US" smtClean="0"/>
-              <a:pPr/>
-              <a:t>12</a:t>
-            </a:fld>
-            <a:endParaRPr lang="en-US" dirty="0"/>
-          </a:p>
-        </p:txBody>
-      </p:sp>
-      <p:sp>
-        <p:nvSpPr>
-          <p:cNvPr id="5" name="ZoneTexte 4"/>
-          <p:cNvSpPr txBox="1"/>
-          <p:nvPr/>
-        </p:nvSpPr>
-        <p:spPr>
-          <a:xfrm>
-            <a:off x="2127171" y="1225689"/>
-            <a:ext cx="8239489" cy="5632311"/>
-          </a:xfrm>
-          <a:prstGeom prst="rect">
-            <a:avLst/>
-          </a:prstGeom>
-          <a:noFill/>
-        </p:spPr>
-        <p:txBody>
-          <a:bodyPr wrap="square" rtlCol="0">
-            <a:spAutoFit/>
-          </a:bodyPr>
-          <a:lstStyle/>
-          <a:p>
-            <a:pPr marL="342900" indent="-342900">
-              <a:buAutoNum type="alphaLcParenR"/>
-            </a:pPr>
-            <a:r>
-              <a:rPr lang="fr-FR" b="1" dirty="0" smtClean="0"/>
-              <a:t>Diagnostique</a:t>
-            </a:r>
-            <a:r>
-              <a:rPr lang="fr-FR" dirty="0" smtClean="0"/>
-              <a:t> : évaluer le </a:t>
-            </a:r>
-            <a:r>
-              <a:rPr lang="fr-FR" dirty="0" err="1" smtClean="0"/>
-              <a:t>niuveau</a:t>
-            </a:r>
-            <a:r>
-              <a:rPr lang="fr-FR" dirty="0" smtClean="0"/>
-              <a:t> d’entrée (surtout si public provenant de cursus différents)</a:t>
-            </a:r>
-          </a:p>
-          <a:p>
-            <a:pPr marL="342900" indent="-342900">
-              <a:buAutoNum type="alphaLcParenR"/>
-            </a:pPr>
-            <a:r>
-              <a:rPr lang="fr-FR" b="1" dirty="0" smtClean="0"/>
-              <a:t>Formative</a:t>
-            </a:r>
-            <a:r>
-              <a:rPr lang="fr-FR" dirty="0" smtClean="0"/>
-              <a:t> : pendant l’activité pour s’assurer de la bonne compréhension de ce qui a été vu avant de progresser dans l’activité ou dans la séquence. </a:t>
-            </a:r>
-          </a:p>
-          <a:p>
-            <a:pPr marL="342900" indent="-342900"/>
-            <a:r>
-              <a:rPr lang="fr-FR" dirty="0" smtClean="0"/>
-              <a:t>      Peut être fait sous forme de CR oral de ce qu’il faut comprendre de l’activité. Préparer 2 transparent</a:t>
-            </a:r>
-          </a:p>
-          <a:p>
-            <a:pPr marL="342900" indent="-342900"/>
-            <a:r>
-              <a:rPr lang="fr-FR" dirty="0" smtClean="0"/>
-              <a:t>			* les manipulations que j’ai faites </a:t>
-            </a:r>
-            <a:r>
-              <a:rPr lang="fr-FR" dirty="0" smtClean="0">
-                <a:sym typeface="Wingdings" pitchFamily="2" charset="2"/>
-              </a:rPr>
-              <a:t> les résultats obtenus</a:t>
-            </a:r>
-          </a:p>
-          <a:p>
-            <a:pPr marL="342900" indent="-342900"/>
-            <a:r>
-              <a:rPr lang="fr-FR" dirty="0" smtClean="0">
-                <a:sym typeface="Wingdings" pitchFamily="2" charset="2"/>
-              </a:rPr>
-              <a:t>               * ce qu’il faut retenir de l’activité ( se mettre à la place d’un camarade qui serait absent aujourd’hui et qui doit reprendre le cours de la séquence. </a:t>
-            </a:r>
-          </a:p>
-          <a:p>
-            <a:pPr marL="342900" indent="-342900">
-              <a:buAutoNum type="alphaLcParenR" startAt="3"/>
-            </a:pPr>
-            <a:r>
-              <a:rPr lang="fr-FR" b="1" dirty="0" smtClean="0"/>
-              <a:t>Sommative</a:t>
-            </a:r>
-            <a:r>
-              <a:rPr lang="fr-FR" dirty="0" smtClean="0"/>
-              <a:t> : Identifier pour chaque connaissance / compétence le critère et indicateur de réussite.</a:t>
-            </a:r>
-          </a:p>
-          <a:p>
-            <a:pPr marL="342900" indent="-342900">
-              <a:buAutoNum type="alphaLcParenR" startAt="3"/>
-            </a:pPr>
-            <a:endParaRPr lang="fr-FR" dirty="0" smtClean="0"/>
-          </a:p>
-          <a:p>
-            <a:pPr marL="342900" indent="-342900">
-              <a:buAutoNum type="alphaLcParenR" startAt="3"/>
-            </a:pPr>
-            <a:r>
-              <a:rPr lang="fr-FR" dirty="0" err="1" smtClean="0"/>
-              <a:t>Certifiante</a:t>
-            </a:r>
-            <a:r>
-              <a:rPr lang="fr-FR" dirty="0" smtClean="0"/>
-              <a:t> (CCF) </a:t>
-            </a:r>
-            <a:endParaRPr lang="fr-FR" dirty="0" smtClean="0"/>
-          </a:p>
-          <a:p>
-            <a:pPr marL="342900" indent="-342900">
-              <a:buAutoNum type="alphaLcParenR" startAt="3"/>
-            </a:pPr>
-            <a:endParaRPr lang="fr-FR" dirty="0"/>
-          </a:p>
-          <a:p>
-            <a:r>
-              <a:rPr lang="fr-FR" dirty="0"/>
-              <a:t>Diagnostiquer les difficultés de </a:t>
-            </a:r>
-            <a:r>
-              <a:rPr lang="fr-FR" dirty="0" err="1"/>
-              <a:t>devlopt</a:t>
-            </a:r>
-            <a:r>
-              <a:rPr lang="fr-FR" dirty="0"/>
-              <a:t> savoirs et savoir-faire d’un élève</a:t>
-            </a:r>
-          </a:p>
-          <a:p>
-            <a:r>
-              <a:rPr lang="fr-FR" dirty="0"/>
-              <a:t>Concevoir + mise en œuvre remédiation</a:t>
-            </a:r>
-          </a:p>
-          <a:p>
-            <a:r>
-              <a:rPr lang="fr-FR" dirty="0"/>
-              <a:t>Concevoir un scénario d’évaluation formative / sommative</a:t>
-            </a:r>
-          </a:p>
-          <a:p>
-            <a:pPr marL="342900" indent="-342900">
-              <a:buAutoNum type="alphaLcParenR" startAt="3"/>
-            </a:pPr>
-            <a:endParaRPr lang="fr-FR" dirty="0" smtClean="0"/>
-          </a:p>
-        </p:txBody>
-      </p:sp>
-    </p:spTree>
-    <p:extLst>
-      <p:ext uri="{BB962C8B-B14F-4D97-AF65-F5344CB8AC3E}">
-        <p14:creationId xmlns:p14="http://schemas.microsoft.com/office/powerpoint/2010/main" val="1545905320"/>
-      </p:ext>
-    </p:extLst>
-  </p:cSld>
-  <p:clrMapOvr>
-    <a:masterClrMapping/>
-  </p:clrMapOvr>
-</p:sld>
-</file>
-
-<file path=ppt/slides/slide13.xml><?xml version="1.0" encoding="utf-8"?>
-<p:sld xmlns:a="http://schemas.openxmlformats.org/drawingml/2006/main" xmlns:r="http://schemas.openxmlformats.org/officeDocument/2006/relationships" xmlns:p="http://schemas.openxmlformats.org/presentationml/2006/main">
-  <p:cSld>
-    <p:spTree>
-      <p:nvGrpSpPr>
-        <p:cNvPr id="1" name=""/>
-        <p:cNvGrpSpPr/>
-        <p:nvPr/>
-      </p:nvGrpSpPr>
-      <p:grpSpPr>
-        <a:xfrm>
-          <a:off x="0" y="0"/>
-          <a:ext cx="0" cy="0"/>
-          <a:chOff x="0" y="0"/>
-          <a:chExt cx="0" cy="0"/>
-        </a:xfrm>
-      </p:grpSpPr>
-      <p:sp>
-        <p:nvSpPr>
-          <p:cNvPr id="2" name="Titre 1"/>
-          <p:cNvSpPr>
-            <a:spLocks noGrp="1"/>
-          </p:cNvSpPr>
-          <p:nvPr>
-            <p:ph type="title"/>
-          </p:nvPr>
-        </p:nvSpPr>
-        <p:spPr>
-          <a:xfrm>
-            <a:off x="2592924" y="624110"/>
-            <a:ext cx="8911687" cy="668096"/>
-          </a:xfrm>
-        </p:spPr>
-        <p:txBody>
-          <a:bodyPr/>
-          <a:lstStyle/>
-          <a:p>
-            <a:r>
-              <a:rPr lang="fr-FR" dirty="0" smtClean="0"/>
-              <a:t>3.7 – Organisation de la séquence</a:t>
-            </a:r>
-            <a:endParaRPr lang="fr-FR" dirty="0"/>
-          </a:p>
-        </p:txBody>
-      </p:sp>
-      <p:sp>
-        <p:nvSpPr>
-          <p:cNvPr id="3" name="Espace réservé du numéro de diapositive 2"/>
-          <p:cNvSpPr>
-            <a:spLocks noGrp="1"/>
-          </p:cNvSpPr>
-          <p:nvPr>
-            <p:ph type="sldNum" sz="quarter" idx="12"/>
-          </p:nvPr>
-        </p:nvSpPr>
-        <p:spPr/>
-        <p:txBody>
-          <a:bodyPr/>
-          <a:lstStyle/>
-          <a:p>
-            <a:fld id="{D57F1E4F-1CFF-5643-939E-217C01CDF565}" type="slidenum">
-              <a:rPr lang="en-US" smtClean="0"/>
-              <a:pPr/>
-              <a:t>13</a:t>
-            </a:fld>
-            <a:endParaRPr lang="en-US" dirty="0"/>
-          </a:p>
-        </p:txBody>
-      </p:sp>
-      <p:sp>
-        <p:nvSpPr>
-          <p:cNvPr id="5" name="ZoneTexte 4"/>
-          <p:cNvSpPr txBox="1"/>
-          <p:nvPr/>
-        </p:nvSpPr>
-        <p:spPr>
-          <a:xfrm>
-            <a:off x="2592924" y="1518700"/>
-            <a:ext cx="8037778" cy="2031325"/>
-          </a:xfrm>
-          <a:prstGeom prst="rect">
-            <a:avLst/>
-          </a:prstGeom>
-          <a:noFill/>
-        </p:spPr>
-        <p:txBody>
-          <a:bodyPr wrap="none" rtlCol="0">
-            <a:spAutoFit/>
-          </a:bodyPr>
-          <a:lstStyle/>
-          <a:p>
-            <a:r>
-              <a:rPr lang="fr-FR" dirty="0" smtClean="0"/>
-              <a:t>Rappeler le nombre de séances et leurs durées</a:t>
-            </a:r>
-          </a:p>
-          <a:p>
-            <a:r>
-              <a:rPr lang="fr-FR" dirty="0" smtClean="0"/>
-              <a:t>Classe entière ou demi-groupe</a:t>
-            </a:r>
-          </a:p>
-          <a:p>
-            <a:endParaRPr lang="fr-FR" dirty="0" smtClean="0"/>
-          </a:p>
-          <a:p>
-            <a:r>
-              <a:rPr lang="fr-FR" dirty="0" smtClean="0"/>
-              <a:t>Inductive : démarche de projet, investigation,  résolution de problème</a:t>
-            </a:r>
-          </a:p>
-          <a:p>
-            <a:r>
-              <a:rPr lang="fr-FR" dirty="0" smtClean="0"/>
-              <a:t>Déductive : plus rapide mais cours doit être dynamique</a:t>
-            </a:r>
-          </a:p>
-          <a:p>
-            <a:r>
-              <a:rPr lang="fr-FR" dirty="0" smtClean="0"/>
-              <a:t>Projet : ne pas les oublier (1STI2D (36h), TSTI2D (72h), 1SI (12h), TSI(48h) </a:t>
-            </a:r>
-            <a:endParaRPr lang="fr-FR" dirty="0"/>
-          </a:p>
-          <a:p>
-            <a:r>
-              <a:rPr lang="fr-FR" dirty="0" smtClean="0"/>
-              <a:t>JUSTIFIER</a:t>
-            </a:r>
-          </a:p>
-        </p:txBody>
-      </p:sp>
-      <p:sp>
-        <p:nvSpPr>
-          <p:cNvPr id="6" name="ZoneTexte 5"/>
-          <p:cNvSpPr txBox="1"/>
-          <p:nvPr/>
-        </p:nvSpPr>
-        <p:spPr>
-          <a:xfrm>
-            <a:off x="2521206" y="3591853"/>
-            <a:ext cx="6465231" cy="369332"/>
-          </a:xfrm>
-          <a:prstGeom prst="rect">
-            <a:avLst/>
-          </a:prstGeom>
-          <a:noFill/>
-        </p:spPr>
-        <p:txBody>
-          <a:bodyPr wrap="none" rtlCol="0">
-            <a:spAutoFit/>
-          </a:bodyPr>
-          <a:lstStyle/>
-          <a:p>
-            <a:r>
-              <a:rPr lang="fr-FR" b="1" u="sng" dirty="0" smtClean="0"/>
-              <a:t>Ex GEII</a:t>
-            </a:r>
-            <a:r>
-              <a:rPr lang="fr-FR" b="1" dirty="0" smtClean="0"/>
-              <a:t> (CM=6h (4x1,5h)  TD=14h (4x3,5h) TP=10h(4x2,5h)</a:t>
-            </a:r>
-          </a:p>
-        </p:txBody>
-      </p:sp>
-      <p:sp>
-        <p:nvSpPr>
-          <p:cNvPr id="4" name="Rectangle à coins arrondis 3"/>
-          <p:cNvSpPr/>
-          <p:nvPr/>
-        </p:nvSpPr>
-        <p:spPr>
-          <a:xfrm>
-            <a:off x="2592924" y="4003013"/>
-            <a:ext cx="1326776" cy="439270"/>
-          </a:xfrm>
-          <a:prstGeom prst="roundRect">
-            <a:avLst/>
-          </a:prstGeom>
-        </p:spPr>
-        <p:style>
-          <a:lnRef idx="2">
-            <a:schemeClr val="accent1">
-              <a:shade val="50000"/>
-            </a:schemeClr>
-          </a:lnRef>
-          <a:fillRef idx="1">
-            <a:schemeClr val="accent1"/>
-          </a:fillRef>
-          <a:effectRef idx="0">
-            <a:schemeClr val="accent1"/>
-          </a:effectRef>
-          <a:fontRef idx="minor">
-            <a:schemeClr val="lt1"/>
-          </a:fontRef>
-        </p:style>
-        <p:txBody>
-          <a:bodyPr rtlCol="0" anchor="ctr"/>
-          <a:lstStyle/>
-          <a:p>
-            <a:pPr algn="ctr"/>
-            <a:r>
-              <a:rPr lang="fr-FR" dirty="0" smtClean="0"/>
-              <a:t>CM (1,5h)</a:t>
-            </a:r>
-            <a:endParaRPr lang="fr-FR" dirty="0"/>
-          </a:p>
-        </p:txBody>
-      </p:sp>
-      <p:sp>
-        <p:nvSpPr>
-          <p:cNvPr id="7" name="Rectangle à coins arrondis 6"/>
-          <p:cNvSpPr/>
-          <p:nvPr/>
-        </p:nvSpPr>
-        <p:spPr>
-          <a:xfrm>
-            <a:off x="4081065" y="4003013"/>
-            <a:ext cx="1326776" cy="439270"/>
-          </a:xfrm>
-          <a:prstGeom prst="roundRect">
-            <a:avLst/>
-          </a:prstGeom>
-        </p:spPr>
-        <p:style>
-          <a:lnRef idx="2">
-            <a:schemeClr val="accent1">
-              <a:shade val="50000"/>
-            </a:schemeClr>
-          </a:lnRef>
-          <a:fillRef idx="1">
-            <a:schemeClr val="accent1"/>
-          </a:fillRef>
-          <a:effectRef idx="0">
-            <a:schemeClr val="accent1"/>
-          </a:effectRef>
-          <a:fontRef idx="minor">
-            <a:schemeClr val="lt1"/>
-          </a:fontRef>
-        </p:style>
-        <p:txBody>
-          <a:bodyPr rtlCol="0" anchor="ctr"/>
-          <a:lstStyle/>
-          <a:p>
-            <a:pPr algn="ctr"/>
-            <a:r>
-              <a:rPr lang="fr-FR" dirty="0" smtClean="0"/>
-              <a:t>TD1 (2h)  </a:t>
-            </a:r>
-            <a:endParaRPr lang="fr-FR" dirty="0"/>
-          </a:p>
-        </p:txBody>
-      </p:sp>
-      <p:sp>
-        <p:nvSpPr>
-          <p:cNvPr id="8" name="Rectangle à coins arrondis 7"/>
-          <p:cNvSpPr/>
-          <p:nvPr/>
-        </p:nvSpPr>
-        <p:spPr>
-          <a:xfrm>
-            <a:off x="5589643" y="4003013"/>
-            <a:ext cx="1326776" cy="439270"/>
-          </a:xfrm>
-          <a:prstGeom prst="roundRect">
-            <a:avLst/>
-          </a:prstGeom>
-        </p:spPr>
-        <p:style>
-          <a:lnRef idx="2">
-            <a:schemeClr val="accent1">
-              <a:shade val="50000"/>
-            </a:schemeClr>
-          </a:lnRef>
-          <a:fillRef idx="1">
-            <a:schemeClr val="accent1"/>
-          </a:fillRef>
-          <a:effectRef idx="0">
-            <a:schemeClr val="accent1"/>
-          </a:effectRef>
-          <a:fontRef idx="minor">
-            <a:schemeClr val="lt1"/>
-          </a:fontRef>
-        </p:style>
-        <p:txBody>
-          <a:bodyPr rtlCol="0" anchor="ctr"/>
-          <a:lstStyle/>
-          <a:p>
-            <a:pPr algn="ctr"/>
-            <a:r>
-              <a:rPr lang="fr-FR" dirty="0" smtClean="0"/>
-              <a:t>TD2 (1,5h)  </a:t>
-            </a:r>
-            <a:endParaRPr lang="fr-FR" dirty="0"/>
-          </a:p>
-        </p:txBody>
-      </p:sp>
-      <p:sp>
-        <p:nvSpPr>
-          <p:cNvPr id="9" name="Rectangle à coins arrondis 8"/>
-          <p:cNvSpPr/>
-          <p:nvPr/>
-        </p:nvSpPr>
-        <p:spPr>
-          <a:xfrm>
-            <a:off x="7053398" y="4003013"/>
-            <a:ext cx="1326776" cy="439270"/>
-          </a:xfrm>
-          <a:prstGeom prst="roundRect">
-            <a:avLst/>
-          </a:prstGeom>
-        </p:spPr>
-        <p:style>
-          <a:lnRef idx="2">
-            <a:schemeClr val="accent1">
-              <a:shade val="50000"/>
-            </a:schemeClr>
-          </a:lnRef>
-          <a:fillRef idx="1">
-            <a:schemeClr val="accent1"/>
-          </a:fillRef>
-          <a:effectRef idx="0">
-            <a:schemeClr val="accent1"/>
-          </a:effectRef>
-          <a:fontRef idx="minor">
-            <a:schemeClr val="lt1"/>
-          </a:fontRef>
-        </p:style>
-        <p:txBody>
-          <a:bodyPr rtlCol="0" anchor="ctr"/>
-          <a:lstStyle/>
-          <a:p>
-            <a:pPr algn="ctr"/>
-            <a:r>
-              <a:rPr lang="fr-FR" dirty="0" smtClean="0"/>
-              <a:t>TP (2,5h)  </a:t>
-            </a:r>
-            <a:endParaRPr lang="fr-FR" dirty="0"/>
-          </a:p>
-        </p:txBody>
-      </p:sp>
-      <p:sp>
-        <p:nvSpPr>
-          <p:cNvPr id="10" name="Rectangle à coins arrondis 9"/>
-          <p:cNvSpPr/>
-          <p:nvPr/>
-        </p:nvSpPr>
-        <p:spPr>
-          <a:xfrm>
-            <a:off x="2592924" y="4539934"/>
-            <a:ext cx="1326776" cy="439270"/>
-          </a:xfrm>
-          <a:prstGeom prst="roundRect">
-            <a:avLst/>
-          </a:prstGeom>
-        </p:spPr>
-        <p:style>
-          <a:lnRef idx="2">
-            <a:schemeClr val="accent1">
-              <a:shade val="50000"/>
-            </a:schemeClr>
-          </a:lnRef>
-          <a:fillRef idx="1">
-            <a:schemeClr val="accent1"/>
-          </a:fillRef>
-          <a:effectRef idx="0">
-            <a:schemeClr val="accent1"/>
-          </a:effectRef>
-          <a:fontRef idx="minor">
-            <a:schemeClr val="lt1"/>
-          </a:fontRef>
-        </p:style>
-        <p:txBody>
-          <a:bodyPr rtlCol="0" anchor="ctr"/>
-          <a:lstStyle/>
-          <a:p>
-            <a:pPr algn="ctr"/>
-            <a:r>
-              <a:rPr lang="fr-FR" dirty="0" smtClean="0"/>
-              <a:t>CM (1,5h)</a:t>
-            </a:r>
-            <a:endParaRPr lang="fr-FR" dirty="0"/>
-          </a:p>
-        </p:txBody>
-      </p:sp>
-      <p:sp>
-        <p:nvSpPr>
-          <p:cNvPr id="11" name="Rectangle à coins arrondis 10"/>
-          <p:cNvSpPr/>
-          <p:nvPr/>
-        </p:nvSpPr>
-        <p:spPr>
-          <a:xfrm>
-            <a:off x="4081065" y="4539934"/>
-            <a:ext cx="1326776" cy="439270"/>
-          </a:xfrm>
-          <a:prstGeom prst="roundRect">
-            <a:avLst/>
-          </a:prstGeom>
-        </p:spPr>
-        <p:style>
-          <a:lnRef idx="2">
-            <a:schemeClr val="accent1">
-              <a:shade val="50000"/>
-            </a:schemeClr>
-          </a:lnRef>
-          <a:fillRef idx="1">
-            <a:schemeClr val="accent1"/>
-          </a:fillRef>
-          <a:effectRef idx="0">
-            <a:schemeClr val="accent1"/>
-          </a:effectRef>
-          <a:fontRef idx="minor">
-            <a:schemeClr val="lt1"/>
-          </a:fontRef>
-        </p:style>
-        <p:txBody>
-          <a:bodyPr rtlCol="0" anchor="ctr"/>
-          <a:lstStyle/>
-          <a:p>
-            <a:pPr algn="ctr"/>
-            <a:r>
-              <a:rPr lang="fr-FR" dirty="0" smtClean="0"/>
-              <a:t>TD1 (2h)  </a:t>
-            </a:r>
-            <a:endParaRPr lang="fr-FR" dirty="0"/>
-          </a:p>
-        </p:txBody>
-      </p:sp>
-      <p:sp>
-        <p:nvSpPr>
-          <p:cNvPr id="12" name="Rectangle à coins arrondis 11"/>
-          <p:cNvSpPr/>
-          <p:nvPr/>
-        </p:nvSpPr>
-        <p:spPr>
-          <a:xfrm>
-            <a:off x="5589643" y="4539934"/>
-            <a:ext cx="1326776" cy="439270"/>
-          </a:xfrm>
-          <a:prstGeom prst="roundRect">
-            <a:avLst/>
-          </a:prstGeom>
-        </p:spPr>
-        <p:style>
-          <a:lnRef idx="2">
-            <a:schemeClr val="accent1">
-              <a:shade val="50000"/>
-            </a:schemeClr>
-          </a:lnRef>
-          <a:fillRef idx="1">
-            <a:schemeClr val="accent1"/>
-          </a:fillRef>
-          <a:effectRef idx="0">
-            <a:schemeClr val="accent1"/>
-          </a:effectRef>
-          <a:fontRef idx="minor">
-            <a:schemeClr val="lt1"/>
-          </a:fontRef>
-        </p:style>
-        <p:txBody>
-          <a:bodyPr rtlCol="0" anchor="ctr"/>
-          <a:lstStyle/>
-          <a:p>
-            <a:pPr algn="ctr"/>
-            <a:r>
-              <a:rPr lang="fr-FR" dirty="0" smtClean="0"/>
-              <a:t>TD2 (1,5h)  </a:t>
-            </a:r>
-            <a:endParaRPr lang="fr-FR" dirty="0"/>
-          </a:p>
-        </p:txBody>
-      </p:sp>
-      <p:sp>
-        <p:nvSpPr>
-          <p:cNvPr id="13" name="Rectangle à coins arrondis 12"/>
-          <p:cNvSpPr/>
-          <p:nvPr/>
-        </p:nvSpPr>
-        <p:spPr>
-          <a:xfrm>
-            <a:off x="7053398" y="4539934"/>
-            <a:ext cx="1326776" cy="439270"/>
-          </a:xfrm>
-          <a:prstGeom prst="roundRect">
-            <a:avLst/>
-          </a:prstGeom>
-        </p:spPr>
-        <p:style>
-          <a:lnRef idx="2">
-            <a:schemeClr val="accent1">
-              <a:shade val="50000"/>
-            </a:schemeClr>
-          </a:lnRef>
-          <a:fillRef idx="1">
-            <a:schemeClr val="accent1"/>
-          </a:fillRef>
-          <a:effectRef idx="0">
-            <a:schemeClr val="accent1"/>
-          </a:effectRef>
-          <a:fontRef idx="minor">
-            <a:schemeClr val="lt1"/>
-          </a:fontRef>
-        </p:style>
-        <p:txBody>
-          <a:bodyPr rtlCol="0" anchor="ctr"/>
-          <a:lstStyle/>
-          <a:p>
-            <a:pPr algn="ctr"/>
-            <a:r>
-              <a:rPr lang="fr-FR" dirty="0" smtClean="0"/>
-              <a:t>TP (2,5h)  </a:t>
-            </a:r>
-            <a:endParaRPr lang="fr-FR" dirty="0"/>
-          </a:p>
-        </p:txBody>
-      </p:sp>
-      <p:sp>
-        <p:nvSpPr>
-          <p:cNvPr id="14" name="Rectangle à coins arrondis 13"/>
-          <p:cNvSpPr/>
-          <p:nvPr/>
-        </p:nvSpPr>
-        <p:spPr>
-          <a:xfrm>
-            <a:off x="2592924" y="5076855"/>
-            <a:ext cx="1326776" cy="439270"/>
-          </a:xfrm>
-          <a:prstGeom prst="roundRect">
-            <a:avLst/>
-          </a:prstGeom>
-        </p:spPr>
-        <p:style>
-          <a:lnRef idx="2">
-            <a:schemeClr val="accent1">
-              <a:shade val="50000"/>
-            </a:schemeClr>
-          </a:lnRef>
-          <a:fillRef idx="1">
-            <a:schemeClr val="accent1"/>
-          </a:fillRef>
-          <a:effectRef idx="0">
-            <a:schemeClr val="accent1"/>
-          </a:effectRef>
-          <a:fontRef idx="minor">
-            <a:schemeClr val="lt1"/>
-          </a:fontRef>
-        </p:style>
-        <p:txBody>
-          <a:bodyPr rtlCol="0" anchor="ctr"/>
-          <a:lstStyle/>
-          <a:p>
-            <a:pPr algn="ctr"/>
-            <a:r>
-              <a:rPr lang="fr-FR" dirty="0" smtClean="0"/>
-              <a:t>CM (1,5h)</a:t>
-            </a:r>
-            <a:endParaRPr lang="fr-FR" dirty="0"/>
-          </a:p>
-        </p:txBody>
-      </p:sp>
-      <p:sp>
-        <p:nvSpPr>
-          <p:cNvPr id="15" name="Rectangle à coins arrondis 14"/>
-          <p:cNvSpPr/>
-          <p:nvPr/>
-        </p:nvSpPr>
-        <p:spPr>
-          <a:xfrm>
-            <a:off x="4081065" y="5076855"/>
-            <a:ext cx="1326776" cy="439270"/>
-          </a:xfrm>
-          <a:prstGeom prst="roundRect">
-            <a:avLst/>
-          </a:prstGeom>
-        </p:spPr>
-        <p:style>
-          <a:lnRef idx="2">
-            <a:schemeClr val="accent1">
-              <a:shade val="50000"/>
-            </a:schemeClr>
-          </a:lnRef>
-          <a:fillRef idx="1">
-            <a:schemeClr val="accent1"/>
-          </a:fillRef>
-          <a:effectRef idx="0">
-            <a:schemeClr val="accent1"/>
-          </a:effectRef>
-          <a:fontRef idx="minor">
-            <a:schemeClr val="lt1"/>
-          </a:fontRef>
-        </p:style>
-        <p:txBody>
-          <a:bodyPr rtlCol="0" anchor="ctr"/>
-          <a:lstStyle/>
-          <a:p>
-            <a:pPr algn="ctr"/>
-            <a:r>
-              <a:rPr lang="fr-FR" dirty="0" smtClean="0"/>
-              <a:t>TD1 (2h)  </a:t>
-            </a:r>
-            <a:endParaRPr lang="fr-FR" dirty="0"/>
-          </a:p>
-        </p:txBody>
-      </p:sp>
-      <p:sp>
-        <p:nvSpPr>
-          <p:cNvPr id="16" name="Rectangle à coins arrondis 15"/>
-          <p:cNvSpPr/>
-          <p:nvPr/>
-        </p:nvSpPr>
-        <p:spPr>
-          <a:xfrm>
-            <a:off x="5589643" y="5076855"/>
-            <a:ext cx="1326776" cy="439270"/>
-          </a:xfrm>
-          <a:prstGeom prst="roundRect">
-            <a:avLst/>
-          </a:prstGeom>
-        </p:spPr>
-        <p:style>
-          <a:lnRef idx="2">
-            <a:schemeClr val="accent1">
-              <a:shade val="50000"/>
-            </a:schemeClr>
-          </a:lnRef>
-          <a:fillRef idx="1">
-            <a:schemeClr val="accent1"/>
-          </a:fillRef>
-          <a:effectRef idx="0">
-            <a:schemeClr val="accent1"/>
-          </a:effectRef>
-          <a:fontRef idx="minor">
-            <a:schemeClr val="lt1"/>
-          </a:fontRef>
-        </p:style>
-        <p:txBody>
-          <a:bodyPr rtlCol="0" anchor="ctr"/>
-          <a:lstStyle/>
-          <a:p>
-            <a:pPr algn="ctr"/>
-            <a:r>
-              <a:rPr lang="fr-FR" dirty="0" smtClean="0"/>
-              <a:t>TD2 (1,5h)  </a:t>
-            </a:r>
-            <a:endParaRPr lang="fr-FR" dirty="0"/>
-          </a:p>
-        </p:txBody>
-      </p:sp>
-      <p:sp>
-        <p:nvSpPr>
-          <p:cNvPr id="17" name="Rectangle à coins arrondis 16"/>
-          <p:cNvSpPr/>
-          <p:nvPr/>
-        </p:nvSpPr>
-        <p:spPr>
-          <a:xfrm>
-            <a:off x="7053398" y="5076855"/>
-            <a:ext cx="1326776" cy="439270"/>
-          </a:xfrm>
-          <a:prstGeom prst="roundRect">
-            <a:avLst/>
-          </a:prstGeom>
-        </p:spPr>
-        <p:style>
-          <a:lnRef idx="2">
-            <a:schemeClr val="accent1">
-              <a:shade val="50000"/>
-            </a:schemeClr>
-          </a:lnRef>
-          <a:fillRef idx="1">
-            <a:schemeClr val="accent1"/>
-          </a:fillRef>
-          <a:effectRef idx="0">
-            <a:schemeClr val="accent1"/>
-          </a:effectRef>
-          <a:fontRef idx="minor">
-            <a:schemeClr val="lt1"/>
-          </a:fontRef>
-        </p:style>
-        <p:txBody>
-          <a:bodyPr rtlCol="0" anchor="ctr"/>
-          <a:lstStyle/>
-          <a:p>
-            <a:pPr algn="ctr"/>
-            <a:r>
-              <a:rPr lang="fr-FR" dirty="0" smtClean="0"/>
-              <a:t>TP (2,5h)  </a:t>
-            </a:r>
-            <a:endParaRPr lang="fr-FR" dirty="0"/>
-          </a:p>
-        </p:txBody>
-      </p:sp>
-    </p:spTree>
-    <p:extLst>
-      <p:ext uri="{BB962C8B-B14F-4D97-AF65-F5344CB8AC3E}">
-        <p14:creationId xmlns:p14="http://schemas.microsoft.com/office/powerpoint/2010/main" val="970161856"/>
-      </p:ext>
-    </p:extLst>
-  </p:cSld>
-  <p:clrMapOvr>
-    <a:masterClrMapping/>
-  </p:clrMapOvr>
-</p:sld>
-</file>
-
-<file path=ppt/slides/slide14.xml><?xml version="1.0" encoding="utf-8"?>
-<p:sld xmlns:a="http://schemas.openxmlformats.org/drawingml/2006/main" xmlns:r="http://schemas.openxmlformats.org/officeDocument/2006/relationships" xmlns:p="http://schemas.openxmlformats.org/presentationml/2006/main">
-  <p:cSld>
-    <p:spTree>
-      <p:nvGrpSpPr>
-        <p:cNvPr id="1" name=""/>
-        <p:cNvGrpSpPr/>
-        <p:nvPr/>
-      </p:nvGrpSpPr>
-      <p:grpSpPr>
-        <a:xfrm>
-          <a:off x="0" y="0"/>
-          <a:ext cx="0" cy="0"/>
-          <a:chOff x="0" y="0"/>
-          <a:chExt cx="0" cy="0"/>
-        </a:xfrm>
-      </p:grpSpPr>
-      <p:sp>
-        <p:nvSpPr>
-          <p:cNvPr id="2" name="Titre 1"/>
-          <p:cNvSpPr>
-            <a:spLocks noGrp="1"/>
-          </p:cNvSpPr>
-          <p:nvPr>
-            <p:ph type="title"/>
-          </p:nvPr>
-        </p:nvSpPr>
-        <p:spPr>
-          <a:xfrm>
-            <a:off x="2592924" y="624110"/>
-            <a:ext cx="8911687" cy="668096"/>
-          </a:xfrm>
-        </p:spPr>
-        <p:txBody>
-          <a:bodyPr/>
-          <a:lstStyle/>
-          <a:p>
-            <a:r>
-              <a:rPr lang="fr-FR" dirty="0" smtClean="0"/>
-              <a:t>3.7 – Organisation de la séquence</a:t>
-            </a:r>
-            <a:endParaRPr lang="fr-FR" dirty="0"/>
-          </a:p>
-        </p:txBody>
-      </p:sp>
-      <p:sp>
-        <p:nvSpPr>
-          <p:cNvPr id="3" name="Espace réservé du numéro de diapositive 2"/>
-          <p:cNvSpPr>
-            <a:spLocks noGrp="1"/>
-          </p:cNvSpPr>
-          <p:nvPr>
-            <p:ph type="sldNum" sz="quarter" idx="12"/>
-          </p:nvPr>
-        </p:nvSpPr>
-        <p:spPr/>
-        <p:txBody>
-          <a:bodyPr/>
-          <a:lstStyle/>
-          <a:p>
-            <a:fld id="{D57F1E4F-1CFF-5643-939E-217C01CDF565}" type="slidenum">
-              <a:rPr lang="en-US" smtClean="0"/>
-              <a:pPr/>
-              <a:t>14</a:t>
-            </a:fld>
-            <a:endParaRPr lang="en-US" dirty="0"/>
-          </a:p>
-        </p:txBody>
-      </p:sp>
-      <p:sp>
-        <p:nvSpPr>
-          <p:cNvPr id="18" name="ZoneTexte 17"/>
-          <p:cNvSpPr txBox="1"/>
-          <p:nvPr/>
-        </p:nvSpPr>
-        <p:spPr>
-          <a:xfrm>
-            <a:off x="2519181" y="1691034"/>
-            <a:ext cx="6720109" cy="369332"/>
-          </a:xfrm>
-          <a:prstGeom prst="rect">
-            <a:avLst/>
-          </a:prstGeom>
-          <a:noFill/>
-        </p:spPr>
-        <p:txBody>
-          <a:bodyPr wrap="none" rtlCol="0">
-            <a:spAutoFit/>
-          </a:bodyPr>
-          <a:lstStyle/>
-          <a:p>
-            <a:r>
-              <a:rPr lang="fr-FR" b="1" u="sng" dirty="0" smtClean="0"/>
-              <a:t>Ex BTS SN </a:t>
-            </a:r>
-            <a:r>
-              <a:rPr lang="fr-FR" b="1" dirty="0" smtClean="0"/>
-              <a:t> (CM=6h (4x1,5h)  TD=14h (4x3,5h) TP=10h(4x2,5h)</a:t>
-            </a:r>
-          </a:p>
-        </p:txBody>
-      </p:sp>
-      <p:grpSp>
-        <p:nvGrpSpPr>
-          <p:cNvPr id="20" name="Groupe 19"/>
-          <p:cNvGrpSpPr/>
-          <p:nvPr/>
-        </p:nvGrpSpPr>
-        <p:grpSpPr>
-          <a:xfrm>
-            <a:off x="2548688" y="2481308"/>
-            <a:ext cx="8285723" cy="3288236"/>
-            <a:chOff x="433017" y="336511"/>
-            <a:chExt cx="8285723" cy="3288236"/>
-          </a:xfrm>
-        </p:grpSpPr>
-        <p:sp>
-          <p:nvSpPr>
-            <p:cNvPr id="22" name="Rectangle à coins arrondis 21"/>
-            <p:cNvSpPr/>
-            <p:nvPr/>
-          </p:nvSpPr>
-          <p:spPr>
-            <a:xfrm>
-              <a:off x="969154" y="1199122"/>
-              <a:ext cx="1336010" cy="689907"/>
-            </a:xfrm>
-            <a:prstGeom prst="roundRect">
-              <a:avLst/>
-            </a:prstGeom>
-          </p:spPr>
-          <p:style>
-            <a:lnRef idx="2">
-              <a:schemeClr val="accent1">
-                <a:shade val="50000"/>
-              </a:schemeClr>
-            </a:lnRef>
-            <a:fillRef idx="1">
-              <a:schemeClr val="accent1"/>
-            </a:fillRef>
-            <a:effectRef idx="0">
-              <a:schemeClr val="accent1"/>
-            </a:effectRef>
-            <a:fontRef idx="minor">
-              <a:schemeClr val="lt1"/>
-            </a:fontRef>
-          </p:style>
-          <p:txBody>
-            <a:bodyPr rtlCol="0" anchor="ctr"/>
-            <a:lstStyle/>
-            <a:p>
-              <a:pPr algn="ctr"/>
-              <a:r>
-                <a:rPr lang="fr-FR" b="1" dirty="0" smtClean="0"/>
-                <a:t>Cours (2h)</a:t>
-              </a:r>
-            </a:p>
-          </p:txBody>
-        </p:sp>
-        <p:sp>
-          <p:nvSpPr>
-            <p:cNvPr id="23" name="Rectangle à coins arrondis 22"/>
-            <p:cNvSpPr/>
-            <p:nvPr/>
-          </p:nvSpPr>
-          <p:spPr>
-            <a:xfrm>
-              <a:off x="2572548" y="1199123"/>
-              <a:ext cx="1336010" cy="854170"/>
-            </a:xfrm>
-            <a:prstGeom prst="roundRect">
-              <a:avLst/>
-            </a:prstGeom>
-            <a:solidFill>
-              <a:schemeClr val="accent1">
-                <a:alpha val="37000"/>
-              </a:schemeClr>
-            </a:solidFill>
-          </p:spPr>
-          <p:style>
-            <a:lnRef idx="2">
-              <a:schemeClr val="accent1">
-                <a:shade val="50000"/>
-              </a:schemeClr>
-            </a:lnRef>
-            <a:fillRef idx="1">
-              <a:schemeClr val="accent1"/>
-            </a:fillRef>
-            <a:effectRef idx="0">
-              <a:schemeClr val="accent1"/>
-            </a:effectRef>
-            <a:fontRef idx="minor">
-              <a:schemeClr val="lt1"/>
-            </a:fontRef>
-          </p:style>
-          <p:txBody>
-            <a:bodyPr rtlCol="0" anchor="ctr"/>
-            <a:lstStyle/>
-            <a:p>
-              <a:pPr algn="ctr"/>
-              <a:r>
-                <a:rPr lang="fr-FR" b="1" dirty="0" smtClean="0"/>
-                <a:t>TP (2h30)</a:t>
-              </a:r>
-            </a:p>
-          </p:txBody>
-        </p:sp>
-        <p:sp>
-          <p:nvSpPr>
-            <p:cNvPr id="24" name="Rectangle à coins arrondis 23"/>
-            <p:cNvSpPr/>
-            <p:nvPr/>
-          </p:nvSpPr>
-          <p:spPr>
-            <a:xfrm>
-              <a:off x="4175942" y="1199121"/>
-              <a:ext cx="1336010" cy="689907"/>
-            </a:xfrm>
-            <a:prstGeom prst="roundRect">
-              <a:avLst/>
-            </a:prstGeom>
-          </p:spPr>
-          <p:style>
-            <a:lnRef idx="2">
-              <a:schemeClr val="accent1">
-                <a:shade val="50000"/>
-              </a:schemeClr>
-            </a:lnRef>
-            <a:fillRef idx="1">
-              <a:schemeClr val="accent1"/>
-            </a:fillRef>
-            <a:effectRef idx="0">
-              <a:schemeClr val="accent1"/>
-            </a:effectRef>
-            <a:fontRef idx="minor">
-              <a:schemeClr val="lt1"/>
-            </a:fontRef>
-          </p:style>
-          <p:txBody>
-            <a:bodyPr rtlCol="0" anchor="ctr"/>
-            <a:lstStyle/>
-            <a:p>
-              <a:pPr algn="ctr"/>
-              <a:r>
-                <a:rPr lang="fr-FR" b="1" dirty="0" smtClean="0"/>
-                <a:t>Cours (2h)</a:t>
-              </a:r>
-            </a:p>
-          </p:txBody>
-        </p:sp>
-        <p:sp>
-          <p:nvSpPr>
-            <p:cNvPr id="25" name="Rectangle à coins arrondis 24"/>
-            <p:cNvSpPr/>
-            <p:nvPr/>
-          </p:nvSpPr>
-          <p:spPr>
-            <a:xfrm>
-              <a:off x="2572548" y="2523269"/>
-              <a:ext cx="1336010" cy="854170"/>
-            </a:xfrm>
-            <a:prstGeom prst="roundRect">
-              <a:avLst/>
-            </a:prstGeom>
-            <a:solidFill>
-              <a:schemeClr val="accent1">
-                <a:alpha val="37000"/>
-              </a:schemeClr>
-            </a:solidFill>
-          </p:spPr>
-          <p:style>
-            <a:lnRef idx="2">
-              <a:schemeClr val="accent1">
-                <a:shade val="50000"/>
-              </a:schemeClr>
-            </a:lnRef>
-            <a:fillRef idx="1">
-              <a:schemeClr val="accent1"/>
-            </a:fillRef>
-            <a:effectRef idx="0">
-              <a:schemeClr val="accent1"/>
-            </a:effectRef>
-            <a:fontRef idx="minor">
-              <a:schemeClr val="lt1"/>
-            </a:fontRef>
-          </p:style>
-          <p:txBody>
-            <a:bodyPr rtlCol="0" anchor="ctr"/>
-            <a:lstStyle/>
-            <a:p>
-              <a:pPr algn="ctr"/>
-              <a:r>
-                <a:rPr lang="fr-FR" b="1" dirty="0" smtClean="0"/>
-                <a:t>TP (2h30)</a:t>
-              </a:r>
-            </a:p>
-          </p:txBody>
-        </p:sp>
-        <p:sp>
-          <p:nvSpPr>
-            <p:cNvPr id="26" name="Rectangle à coins arrondis 25"/>
-            <p:cNvSpPr/>
-            <p:nvPr/>
-          </p:nvSpPr>
-          <p:spPr>
-            <a:xfrm>
-              <a:off x="5720018" y="1199123"/>
-              <a:ext cx="1336010" cy="854170"/>
-            </a:xfrm>
-            <a:prstGeom prst="roundRect">
-              <a:avLst/>
-            </a:prstGeom>
-            <a:solidFill>
-              <a:schemeClr val="accent1">
-                <a:alpha val="37000"/>
-              </a:schemeClr>
-            </a:solidFill>
-          </p:spPr>
-          <p:style>
-            <a:lnRef idx="2">
-              <a:schemeClr val="accent1">
-                <a:shade val="50000"/>
-              </a:schemeClr>
-            </a:lnRef>
-            <a:fillRef idx="1">
-              <a:schemeClr val="accent1"/>
-            </a:fillRef>
-            <a:effectRef idx="0">
-              <a:schemeClr val="accent1"/>
-            </a:effectRef>
-            <a:fontRef idx="minor">
-              <a:schemeClr val="lt1"/>
-            </a:fontRef>
-          </p:style>
-          <p:txBody>
-            <a:bodyPr rtlCol="0" anchor="ctr"/>
-            <a:lstStyle/>
-            <a:p>
-              <a:pPr algn="ctr"/>
-              <a:r>
-                <a:rPr lang="fr-FR" b="1" dirty="0" smtClean="0"/>
-                <a:t>TP (2h30)</a:t>
-              </a:r>
-            </a:p>
-          </p:txBody>
-        </p:sp>
-        <p:sp>
-          <p:nvSpPr>
-            <p:cNvPr id="27" name="Rectangle à coins arrondis 26"/>
-            <p:cNvSpPr/>
-            <p:nvPr/>
-          </p:nvSpPr>
-          <p:spPr>
-            <a:xfrm>
-              <a:off x="5720018" y="2523269"/>
-              <a:ext cx="1336010" cy="854170"/>
-            </a:xfrm>
-            <a:prstGeom prst="roundRect">
-              <a:avLst/>
-            </a:prstGeom>
-            <a:solidFill>
-              <a:schemeClr val="accent1">
-                <a:alpha val="37000"/>
-              </a:schemeClr>
-            </a:solidFill>
-          </p:spPr>
-          <p:style>
-            <a:lnRef idx="2">
-              <a:schemeClr val="accent1">
-                <a:shade val="50000"/>
-              </a:schemeClr>
-            </a:lnRef>
-            <a:fillRef idx="1">
-              <a:schemeClr val="accent1"/>
-            </a:fillRef>
-            <a:effectRef idx="0">
-              <a:schemeClr val="accent1"/>
-            </a:effectRef>
-            <a:fontRef idx="minor">
-              <a:schemeClr val="lt1"/>
-            </a:fontRef>
-          </p:style>
-          <p:txBody>
-            <a:bodyPr rtlCol="0" anchor="ctr"/>
-            <a:lstStyle/>
-            <a:p>
-              <a:pPr algn="ctr"/>
-              <a:r>
-                <a:rPr lang="fr-FR" b="1" dirty="0" smtClean="0"/>
-                <a:t>TP (2h30)</a:t>
-              </a:r>
-            </a:p>
-          </p:txBody>
-        </p:sp>
-        <p:sp>
-          <p:nvSpPr>
-            <p:cNvPr id="28" name="Rectangle 27"/>
-            <p:cNvSpPr/>
-            <p:nvPr/>
-          </p:nvSpPr>
-          <p:spPr>
-            <a:xfrm>
-              <a:off x="969154" y="336512"/>
-              <a:ext cx="1336010" cy="268297"/>
-            </a:xfrm>
-            <a:prstGeom prst="rect">
-              <a:avLst/>
-            </a:prstGeom>
-            <a:solidFill>
-              <a:srgbClr val="C00000"/>
-            </a:solidFill>
-          </p:spPr>
-          <p:style>
-            <a:lnRef idx="2">
-              <a:schemeClr val="accent2">
-                <a:shade val="50000"/>
-              </a:schemeClr>
-            </a:lnRef>
-            <a:fillRef idx="1">
-              <a:schemeClr val="accent2"/>
-            </a:fillRef>
-            <a:effectRef idx="0">
-              <a:schemeClr val="accent2"/>
-            </a:effectRef>
-            <a:fontRef idx="minor">
-              <a:schemeClr val="lt1"/>
-            </a:fontRef>
-          </p:style>
-          <p:txBody>
-            <a:bodyPr rtlCol="0" anchor="ctr"/>
-            <a:lstStyle/>
-            <a:p>
-              <a:pPr algn="ctr"/>
-              <a:r>
-                <a:rPr lang="fr-FR" dirty="0"/>
-                <a:t>Lundi</a:t>
-              </a:r>
-            </a:p>
-          </p:txBody>
-        </p:sp>
-        <p:sp>
-          <p:nvSpPr>
-            <p:cNvPr id="29" name="Rectangle 28"/>
-            <p:cNvSpPr/>
-            <p:nvPr/>
-          </p:nvSpPr>
-          <p:spPr>
-            <a:xfrm>
-              <a:off x="2572548" y="336511"/>
-              <a:ext cx="1336010" cy="268297"/>
-            </a:xfrm>
-            <a:prstGeom prst="rect">
-              <a:avLst/>
-            </a:prstGeom>
-            <a:solidFill>
-              <a:srgbClr val="C00000"/>
-            </a:solidFill>
-          </p:spPr>
-          <p:style>
-            <a:lnRef idx="2">
-              <a:schemeClr val="accent2">
-                <a:shade val="50000"/>
-              </a:schemeClr>
-            </a:lnRef>
-            <a:fillRef idx="1">
-              <a:schemeClr val="accent2"/>
-            </a:fillRef>
-            <a:effectRef idx="0">
-              <a:schemeClr val="accent2"/>
-            </a:effectRef>
-            <a:fontRef idx="minor">
-              <a:schemeClr val="lt1"/>
-            </a:fontRef>
-          </p:style>
-          <p:txBody>
-            <a:bodyPr rtlCol="0" anchor="ctr"/>
-            <a:lstStyle/>
-            <a:p>
-              <a:pPr algn="ctr"/>
-              <a:r>
-                <a:rPr lang="fr-FR" dirty="0" smtClean="0"/>
-                <a:t>Mardi</a:t>
-              </a:r>
-              <a:endParaRPr lang="fr-FR" dirty="0"/>
-            </a:p>
-          </p:txBody>
-        </p:sp>
-        <p:sp>
-          <p:nvSpPr>
-            <p:cNvPr id="30" name="Rectangle 29"/>
-            <p:cNvSpPr/>
-            <p:nvPr/>
-          </p:nvSpPr>
-          <p:spPr>
-            <a:xfrm>
-              <a:off x="4175942" y="336511"/>
-              <a:ext cx="1336010" cy="268297"/>
-            </a:xfrm>
-            <a:prstGeom prst="rect">
-              <a:avLst/>
-            </a:prstGeom>
-            <a:solidFill>
-              <a:srgbClr val="C00000"/>
-            </a:solidFill>
-          </p:spPr>
-          <p:style>
-            <a:lnRef idx="2">
-              <a:schemeClr val="accent2">
-                <a:shade val="50000"/>
-              </a:schemeClr>
-            </a:lnRef>
-            <a:fillRef idx="1">
-              <a:schemeClr val="accent2"/>
-            </a:fillRef>
-            <a:effectRef idx="0">
-              <a:schemeClr val="accent2"/>
-            </a:effectRef>
-            <a:fontRef idx="minor">
-              <a:schemeClr val="lt1"/>
-            </a:fontRef>
-          </p:style>
-          <p:txBody>
-            <a:bodyPr rtlCol="0" anchor="ctr"/>
-            <a:lstStyle/>
-            <a:p>
-              <a:pPr algn="ctr"/>
-              <a:r>
-                <a:rPr lang="fr-FR" dirty="0" smtClean="0"/>
-                <a:t>Mercredi</a:t>
-              </a:r>
-              <a:endParaRPr lang="fr-FR" dirty="0"/>
-            </a:p>
-          </p:txBody>
-        </p:sp>
-        <p:sp>
-          <p:nvSpPr>
-            <p:cNvPr id="31" name="Rectangle 30"/>
-            <p:cNvSpPr/>
-            <p:nvPr/>
-          </p:nvSpPr>
-          <p:spPr>
-            <a:xfrm>
-              <a:off x="5779336" y="336511"/>
-              <a:ext cx="1336010" cy="268297"/>
-            </a:xfrm>
-            <a:prstGeom prst="rect">
-              <a:avLst/>
-            </a:prstGeom>
-            <a:solidFill>
-              <a:srgbClr val="C00000"/>
-            </a:solidFill>
-          </p:spPr>
-          <p:style>
-            <a:lnRef idx="2">
-              <a:schemeClr val="accent2">
-                <a:shade val="50000"/>
-              </a:schemeClr>
-            </a:lnRef>
-            <a:fillRef idx="1">
-              <a:schemeClr val="accent2"/>
-            </a:fillRef>
-            <a:effectRef idx="0">
-              <a:schemeClr val="accent2"/>
-            </a:effectRef>
-            <a:fontRef idx="minor">
-              <a:schemeClr val="lt1"/>
-            </a:fontRef>
-          </p:style>
-          <p:txBody>
-            <a:bodyPr rtlCol="0" anchor="ctr"/>
-            <a:lstStyle/>
-            <a:p>
-              <a:pPr algn="ctr"/>
-              <a:r>
-                <a:rPr lang="fr-FR" dirty="0" smtClean="0"/>
-                <a:t>Jeudi</a:t>
-              </a:r>
-              <a:endParaRPr lang="fr-FR" dirty="0"/>
-            </a:p>
-          </p:txBody>
-        </p:sp>
-        <p:sp>
-          <p:nvSpPr>
-            <p:cNvPr id="32" name="Rectangle 31"/>
-            <p:cNvSpPr/>
-            <p:nvPr/>
-          </p:nvSpPr>
-          <p:spPr>
-            <a:xfrm>
-              <a:off x="7382730" y="336511"/>
-              <a:ext cx="1336010" cy="268297"/>
-            </a:xfrm>
-            <a:prstGeom prst="rect">
-              <a:avLst/>
-            </a:prstGeom>
-            <a:solidFill>
-              <a:srgbClr val="C00000"/>
-            </a:solidFill>
-          </p:spPr>
-          <p:style>
-            <a:lnRef idx="2">
-              <a:schemeClr val="accent2">
-                <a:shade val="50000"/>
-              </a:schemeClr>
-            </a:lnRef>
-            <a:fillRef idx="1">
-              <a:schemeClr val="accent2"/>
-            </a:fillRef>
-            <a:effectRef idx="0">
-              <a:schemeClr val="accent2"/>
-            </a:effectRef>
-            <a:fontRef idx="minor">
-              <a:schemeClr val="lt1"/>
-            </a:fontRef>
-          </p:style>
-          <p:txBody>
-            <a:bodyPr rtlCol="0" anchor="ctr"/>
-            <a:lstStyle/>
-            <a:p>
-              <a:pPr algn="ctr"/>
-              <a:r>
-                <a:rPr lang="fr-FR" dirty="0" smtClean="0"/>
-                <a:t>Vendredi</a:t>
-              </a:r>
-              <a:endParaRPr lang="fr-FR" dirty="0"/>
-            </a:p>
-          </p:txBody>
-        </p:sp>
-        <p:sp>
-          <p:nvSpPr>
-            <p:cNvPr id="33" name="Rectangle 32"/>
-            <p:cNvSpPr/>
-            <p:nvPr/>
-          </p:nvSpPr>
-          <p:spPr>
-            <a:xfrm>
-              <a:off x="969154" y="2197936"/>
-              <a:ext cx="7749586" cy="180690"/>
-            </a:xfrm>
-            <a:prstGeom prst="rect">
-              <a:avLst/>
-            </a:prstGeom>
-            <a:pattFill prst="wdUpDiag">
-              <a:fgClr>
-                <a:schemeClr val="bg2">
-                  <a:lumMod val="90000"/>
-                </a:schemeClr>
-              </a:fgClr>
-              <a:bgClr>
-                <a:schemeClr val="bg1"/>
-              </a:bgClr>
-            </a:pattFill>
-            <a:ln>
-              <a:solidFill>
-                <a:schemeClr val="bg1">
-                  <a:lumMod val="75000"/>
-                </a:schemeClr>
-              </a:solidFill>
-            </a:ln>
-          </p:spPr>
-          <p:style>
-            <a:lnRef idx="2">
-              <a:schemeClr val="accent1">
-                <a:shade val="50000"/>
-              </a:schemeClr>
-            </a:lnRef>
-            <a:fillRef idx="1">
-              <a:schemeClr val="accent1"/>
-            </a:fillRef>
-            <a:effectRef idx="0">
-              <a:schemeClr val="accent1"/>
-            </a:effectRef>
-            <a:fontRef idx="minor">
-              <a:schemeClr val="lt1"/>
-            </a:fontRef>
-          </p:style>
-          <p:txBody>
-            <a:bodyPr rtlCol="0" anchor="ctr"/>
-            <a:lstStyle/>
-            <a:p>
-              <a:pPr algn="ctr"/>
-              <a:endParaRPr lang="fr-FR"/>
-            </a:p>
-          </p:txBody>
-        </p:sp>
-        <p:sp>
-          <p:nvSpPr>
-            <p:cNvPr id="34" name="Rectangle 33"/>
-            <p:cNvSpPr/>
-            <p:nvPr/>
-          </p:nvSpPr>
-          <p:spPr>
-            <a:xfrm rot="16200000">
-              <a:off x="-229398" y="1267222"/>
-              <a:ext cx="1593128" cy="268297"/>
-            </a:xfrm>
-            <a:prstGeom prst="rect">
-              <a:avLst/>
-            </a:prstGeom>
-            <a:solidFill>
-              <a:schemeClr val="bg1">
-                <a:lumMod val="95000"/>
-              </a:schemeClr>
-            </a:solidFill>
-            <a:ln>
-              <a:noFill/>
-            </a:ln>
-          </p:spPr>
-          <p:style>
-            <a:lnRef idx="2">
-              <a:schemeClr val="accent2">
-                <a:shade val="50000"/>
-              </a:schemeClr>
-            </a:lnRef>
-            <a:fillRef idx="1">
-              <a:schemeClr val="accent2"/>
-            </a:fillRef>
-            <a:effectRef idx="0">
-              <a:schemeClr val="accent2"/>
-            </a:effectRef>
-            <a:fontRef idx="minor">
-              <a:schemeClr val="lt1"/>
-            </a:fontRef>
-          </p:style>
-          <p:txBody>
-            <a:bodyPr rtlCol="0" anchor="ctr"/>
-            <a:lstStyle/>
-            <a:p>
-              <a:pPr algn="ctr"/>
-              <a:r>
-                <a:rPr lang="fr-FR" dirty="0">
-                  <a:solidFill>
-                    <a:schemeClr val="tx1"/>
-                  </a:solidFill>
-                </a:rPr>
-                <a:t>Matin</a:t>
-              </a:r>
-            </a:p>
-          </p:txBody>
-        </p:sp>
-        <p:sp>
-          <p:nvSpPr>
-            <p:cNvPr id="35" name="Rectangle 34"/>
-            <p:cNvSpPr/>
-            <p:nvPr/>
-          </p:nvSpPr>
-          <p:spPr>
-            <a:xfrm rot="16200000">
-              <a:off x="-55893" y="2867537"/>
-              <a:ext cx="1246122" cy="268297"/>
-            </a:xfrm>
-            <a:prstGeom prst="rect">
-              <a:avLst/>
-            </a:prstGeom>
-            <a:solidFill>
-              <a:schemeClr val="bg1">
-                <a:lumMod val="95000"/>
-              </a:schemeClr>
-            </a:solidFill>
-            <a:ln>
-              <a:noFill/>
-            </a:ln>
-          </p:spPr>
-          <p:style>
-            <a:lnRef idx="2">
-              <a:schemeClr val="accent2">
-                <a:shade val="50000"/>
-              </a:schemeClr>
-            </a:lnRef>
-            <a:fillRef idx="1">
-              <a:schemeClr val="accent2"/>
-            </a:fillRef>
-            <a:effectRef idx="0">
-              <a:schemeClr val="accent2"/>
-            </a:effectRef>
-            <a:fontRef idx="minor">
-              <a:schemeClr val="lt1"/>
-            </a:fontRef>
-          </p:style>
-          <p:txBody>
-            <a:bodyPr rtlCol="0" anchor="ctr"/>
-            <a:lstStyle/>
-            <a:p>
-              <a:pPr algn="ctr"/>
-              <a:r>
-                <a:rPr lang="fr-FR" dirty="0" smtClean="0">
-                  <a:solidFill>
-                    <a:schemeClr val="tx1"/>
-                  </a:solidFill>
-                </a:rPr>
-                <a:t>Après-midi</a:t>
-              </a:r>
-              <a:endParaRPr lang="fr-FR" dirty="0">
-                <a:solidFill>
-                  <a:schemeClr val="tx1"/>
-                </a:solidFill>
-              </a:endParaRPr>
-            </a:p>
-          </p:txBody>
-        </p:sp>
-      </p:grpSp>
-      <p:sp>
-        <p:nvSpPr>
-          <p:cNvPr id="21" name="Rectangle à coins arrondis 20"/>
-          <p:cNvSpPr/>
-          <p:nvPr/>
-        </p:nvSpPr>
-        <p:spPr>
-          <a:xfrm>
-            <a:off x="2378227" y="2302025"/>
-            <a:ext cx="8839200" cy="3757718"/>
-          </a:xfrm>
-          <a:prstGeom prst="roundRect">
-            <a:avLst/>
-          </a:prstGeom>
-          <a:noFill/>
-          <a:ln cap="flat"/>
-        </p:spPr>
-        <p:style>
-          <a:lnRef idx="2">
-            <a:schemeClr val="accent1">
-              <a:shade val="50000"/>
-            </a:schemeClr>
-          </a:lnRef>
-          <a:fillRef idx="1">
-            <a:schemeClr val="accent1"/>
-          </a:fillRef>
-          <a:effectRef idx="0">
-            <a:schemeClr val="accent1"/>
-          </a:effectRef>
-          <a:fontRef idx="minor">
-            <a:schemeClr val="lt1"/>
-          </a:fontRef>
-        </p:style>
-        <p:txBody>
-          <a:bodyPr rtlCol="0" anchor="ctr"/>
-          <a:lstStyle/>
-          <a:p>
-            <a:pPr algn="ctr"/>
-            <a:endParaRPr lang="fr-FR"/>
-          </a:p>
-        </p:txBody>
-      </p:sp>
-    </p:spTree>
-    <p:extLst>
-      <p:ext uri="{BB962C8B-B14F-4D97-AF65-F5344CB8AC3E}">
-        <p14:creationId xmlns:p14="http://schemas.microsoft.com/office/powerpoint/2010/main" val="2451383920"/>
-      </p:ext>
-    </p:extLst>
-  </p:cSld>
-  <p:clrMapOvr>
-    <a:masterClrMapping/>
-  </p:clrMapOvr>
-</p:sld>
-</file>
-
-<file path=ppt/slides/slide15.xml><?xml version="1.0" encoding="utf-8"?>
-<p:sld xmlns:a="http://schemas.openxmlformats.org/drawingml/2006/main" xmlns:r="http://schemas.openxmlformats.org/officeDocument/2006/relationships" xmlns:p="http://schemas.openxmlformats.org/presentationml/2006/main">
-  <p:cSld>
-    <p:spTree>
-      <p:nvGrpSpPr>
-        <p:cNvPr id="1" name=""/>
-        <p:cNvGrpSpPr/>
-        <p:nvPr/>
-      </p:nvGrpSpPr>
-      <p:grpSpPr>
-        <a:xfrm>
-          <a:off x="0" y="0"/>
-          <a:ext cx="0" cy="0"/>
-          <a:chOff x="0" y="0"/>
-          <a:chExt cx="0" cy="0"/>
-        </a:xfrm>
-      </p:grpSpPr>
-      <p:sp>
-        <p:nvSpPr>
-          <p:cNvPr id="2" name="Titre 1"/>
-          <p:cNvSpPr>
-            <a:spLocks noGrp="1"/>
-          </p:cNvSpPr>
-          <p:nvPr>
-            <p:ph type="title"/>
-          </p:nvPr>
-        </p:nvSpPr>
-        <p:spPr>
-          <a:xfrm>
-            <a:off x="2592924" y="624110"/>
-            <a:ext cx="8911687" cy="668096"/>
-          </a:xfrm>
-        </p:spPr>
-        <p:txBody>
-          <a:bodyPr/>
-          <a:lstStyle/>
-          <a:p>
-            <a:r>
-              <a:rPr lang="fr-FR" dirty="0" smtClean="0"/>
-              <a:t>3.7 – Organisation de la séquence</a:t>
-            </a:r>
-            <a:endParaRPr lang="fr-FR" dirty="0"/>
-          </a:p>
-        </p:txBody>
-      </p:sp>
-      <p:sp>
-        <p:nvSpPr>
-          <p:cNvPr id="3" name="Espace réservé du numéro de diapositive 2"/>
-          <p:cNvSpPr>
-            <a:spLocks noGrp="1"/>
-          </p:cNvSpPr>
-          <p:nvPr>
-            <p:ph type="sldNum" sz="quarter" idx="12"/>
-          </p:nvPr>
-        </p:nvSpPr>
-        <p:spPr/>
-        <p:txBody>
-          <a:bodyPr/>
-          <a:lstStyle/>
-          <a:p>
-            <a:fld id="{D57F1E4F-1CFF-5643-939E-217C01CDF565}" type="slidenum">
-              <a:rPr lang="en-US" smtClean="0"/>
-              <a:pPr/>
-              <a:t>15</a:t>
-            </a:fld>
-            <a:endParaRPr lang="en-US" dirty="0"/>
-          </a:p>
-        </p:txBody>
-      </p:sp>
-      <p:sp>
-        <p:nvSpPr>
-          <p:cNvPr id="18" name="ZoneTexte 17"/>
-          <p:cNvSpPr txBox="1"/>
-          <p:nvPr/>
-        </p:nvSpPr>
-        <p:spPr>
-          <a:xfrm>
-            <a:off x="2558299" y="1263018"/>
-            <a:ext cx="5152373" cy="923330"/>
-          </a:xfrm>
-          <a:prstGeom prst="rect">
-            <a:avLst/>
-          </a:prstGeom>
-          <a:noFill/>
-        </p:spPr>
-        <p:txBody>
-          <a:bodyPr wrap="none" rtlCol="0">
-            <a:spAutoFit/>
-          </a:bodyPr>
-          <a:lstStyle/>
-          <a:p>
-            <a:r>
-              <a:rPr lang="fr-FR" b="1" u="sng" dirty="0" smtClean="0"/>
-              <a:t>Ex </a:t>
-            </a:r>
-            <a:r>
-              <a:rPr lang="fr-FR" b="1" u="sng" dirty="0" err="1" smtClean="0"/>
-              <a:t>Tle</a:t>
-            </a:r>
-            <a:r>
-              <a:rPr lang="fr-FR" b="1" u="sng" dirty="0" smtClean="0"/>
-              <a:t> STI2D </a:t>
-            </a:r>
-            <a:r>
-              <a:rPr lang="fr-FR" b="1" dirty="0" smtClean="0"/>
-              <a:t>: 212D TC = 2 x 2h 2I2D E.S=2 x 4h</a:t>
-            </a:r>
-          </a:p>
-          <a:p>
-            <a:r>
-              <a:rPr lang="fr-FR" b="1" dirty="0" smtClean="0"/>
-              <a:t>T.C. en Classe entière</a:t>
-            </a:r>
-          </a:p>
-          <a:p>
-            <a:r>
-              <a:rPr lang="fr-FR" b="1" dirty="0" smtClean="0"/>
-              <a:t>E.S. en demi-effectifs</a:t>
-            </a:r>
-          </a:p>
-        </p:txBody>
-      </p:sp>
-      <p:sp>
-        <p:nvSpPr>
-          <p:cNvPr id="22" name="Rectangle à coins arrondis 21"/>
-          <p:cNvSpPr/>
-          <p:nvPr/>
-        </p:nvSpPr>
-        <p:spPr>
-          <a:xfrm>
-            <a:off x="2592924" y="3419570"/>
-            <a:ext cx="1336010" cy="689907"/>
-          </a:xfrm>
-          <a:prstGeom prst="roundRect">
-            <a:avLst/>
-          </a:prstGeom>
-        </p:spPr>
-        <p:style>
-          <a:lnRef idx="2">
-            <a:schemeClr val="accent1">
-              <a:shade val="50000"/>
-            </a:schemeClr>
-          </a:lnRef>
-          <a:fillRef idx="1">
-            <a:schemeClr val="accent1"/>
-          </a:fillRef>
-          <a:effectRef idx="0">
-            <a:schemeClr val="accent1"/>
-          </a:effectRef>
-          <a:fontRef idx="minor">
-            <a:schemeClr val="lt1"/>
-          </a:fontRef>
-        </p:style>
-        <p:txBody>
-          <a:bodyPr rtlCol="0" anchor="ctr"/>
-          <a:lstStyle/>
-          <a:p>
-            <a:pPr algn="ctr"/>
-            <a:r>
-              <a:rPr lang="fr-FR" b="1" dirty="0" smtClean="0"/>
-              <a:t>Cours (2h)</a:t>
-            </a:r>
-          </a:p>
-        </p:txBody>
-      </p:sp>
-      <p:sp>
-        <p:nvSpPr>
-          <p:cNvPr id="23" name="Rectangle à coins arrondis 22"/>
-          <p:cNvSpPr/>
-          <p:nvPr/>
-        </p:nvSpPr>
-        <p:spPr>
-          <a:xfrm>
-            <a:off x="4196318" y="3419570"/>
-            <a:ext cx="1336010" cy="1505111"/>
-          </a:xfrm>
-          <a:prstGeom prst="roundRect">
-            <a:avLst/>
-          </a:prstGeom>
-          <a:solidFill>
-            <a:schemeClr val="accent1">
-              <a:alpha val="37000"/>
-            </a:schemeClr>
-          </a:solidFill>
-        </p:spPr>
-        <p:style>
-          <a:lnRef idx="2">
-            <a:schemeClr val="accent1">
-              <a:shade val="50000"/>
-            </a:schemeClr>
-          </a:lnRef>
-          <a:fillRef idx="1">
-            <a:schemeClr val="accent1"/>
-          </a:fillRef>
-          <a:effectRef idx="0">
-            <a:schemeClr val="accent1"/>
-          </a:effectRef>
-          <a:fontRef idx="minor">
-            <a:schemeClr val="lt1"/>
-          </a:fontRef>
-        </p:style>
-        <p:txBody>
-          <a:bodyPr rtlCol="0" anchor="ctr"/>
-          <a:lstStyle/>
-          <a:p>
-            <a:pPr algn="ctr"/>
-            <a:r>
-              <a:rPr lang="fr-FR" b="1" dirty="0" smtClean="0"/>
-              <a:t>TP (4h00)</a:t>
-            </a:r>
-          </a:p>
-        </p:txBody>
-      </p:sp>
-      <p:sp>
-        <p:nvSpPr>
-          <p:cNvPr id="24" name="Rectangle à coins arrondis 23"/>
-          <p:cNvSpPr/>
-          <p:nvPr/>
-        </p:nvSpPr>
-        <p:spPr>
-          <a:xfrm>
-            <a:off x="5799712" y="3419569"/>
-            <a:ext cx="1336010" cy="689908"/>
-          </a:xfrm>
-          <a:prstGeom prst="roundRect">
-            <a:avLst/>
-          </a:prstGeom>
-        </p:spPr>
-        <p:style>
-          <a:lnRef idx="2">
-            <a:schemeClr val="accent1">
-              <a:shade val="50000"/>
-            </a:schemeClr>
-          </a:lnRef>
-          <a:fillRef idx="1">
-            <a:schemeClr val="accent1"/>
-          </a:fillRef>
-          <a:effectRef idx="0">
-            <a:schemeClr val="accent1"/>
-          </a:effectRef>
-          <a:fontRef idx="minor">
-            <a:schemeClr val="lt1"/>
-          </a:fontRef>
-        </p:style>
-        <p:txBody>
-          <a:bodyPr rtlCol="0" anchor="ctr"/>
-          <a:lstStyle/>
-          <a:p>
-            <a:pPr algn="ctr"/>
-            <a:r>
-              <a:rPr lang="fr-FR" b="1" dirty="0" smtClean="0"/>
-              <a:t>Cours (2h)</a:t>
-            </a:r>
-          </a:p>
-        </p:txBody>
-      </p:sp>
-      <p:sp>
-        <p:nvSpPr>
-          <p:cNvPr id="26" name="Rectangle à coins arrondis 25"/>
-          <p:cNvSpPr/>
-          <p:nvPr/>
-        </p:nvSpPr>
-        <p:spPr>
-          <a:xfrm>
-            <a:off x="7343788" y="3419571"/>
-            <a:ext cx="1336010" cy="1505110"/>
-          </a:xfrm>
-          <a:prstGeom prst="roundRect">
-            <a:avLst/>
-          </a:prstGeom>
-          <a:solidFill>
-            <a:schemeClr val="accent1">
-              <a:alpha val="37000"/>
-            </a:schemeClr>
-          </a:solidFill>
-        </p:spPr>
-        <p:style>
-          <a:lnRef idx="2">
-            <a:schemeClr val="accent1">
-              <a:shade val="50000"/>
-            </a:schemeClr>
-          </a:lnRef>
-          <a:fillRef idx="1">
-            <a:schemeClr val="accent1"/>
-          </a:fillRef>
-          <a:effectRef idx="0">
-            <a:schemeClr val="accent1"/>
-          </a:effectRef>
-          <a:fontRef idx="minor">
-            <a:schemeClr val="lt1"/>
-          </a:fontRef>
-        </p:style>
-        <p:txBody>
-          <a:bodyPr rtlCol="0" anchor="ctr"/>
-          <a:lstStyle/>
-          <a:p>
-            <a:pPr algn="ctr"/>
-            <a:r>
-              <a:rPr lang="fr-FR" b="1" dirty="0" smtClean="0"/>
-              <a:t>TP (4h00)</a:t>
-            </a:r>
-          </a:p>
-        </p:txBody>
-      </p:sp>
-      <p:sp>
-        <p:nvSpPr>
-          <p:cNvPr id="28" name="Rectangle 27"/>
-          <p:cNvSpPr/>
-          <p:nvPr/>
-        </p:nvSpPr>
-        <p:spPr>
-          <a:xfrm>
-            <a:off x="2592924" y="2556960"/>
-            <a:ext cx="1336010" cy="268297"/>
-          </a:xfrm>
-          <a:prstGeom prst="rect">
-            <a:avLst/>
-          </a:prstGeom>
-          <a:solidFill>
-            <a:srgbClr val="C00000"/>
-          </a:solidFill>
-        </p:spPr>
-        <p:style>
-          <a:lnRef idx="2">
-            <a:schemeClr val="accent2">
-              <a:shade val="50000"/>
-            </a:schemeClr>
-          </a:lnRef>
-          <a:fillRef idx="1">
-            <a:schemeClr val="accent2"/>
-          </a:fillRef>
-          <a:effectRef idx="0">
-            <a:schemeClr val="accent2"/>
-          </a:effectRef>
-          <a:fontRef idx="minor">
-            <a:schemeClr val="lt1"/>
-          </a:fontRef>
-        </p:style>
-        <p:txBody>
-          <a:bodyPr rtlCol="0" anchor="ctr"/>
-          <a:lstStyle/>
-          <a:p>
-            <a:pPr algn="ctr"/>
-            <a:r>
-              <a:rPr lang="fr-FR" dirty="0"/>
-              <a:t>Lundi</a:t>
-            </a:r>
-          </a:p>
-        </p:txBody>
-      </p:sp>
-      <p:sp>
-        <p:nvSpPr>
-          <p:cNvPr id="29" name="Rectangle 28"/>
-          <p:cNvSpPr/>
-          <p:nvPr/>
-        </p:nvSpPr>
-        <p:spPr>
-          <a:xfrm>
-            <a:off x="4196318" y="2556959"/>
-            <a:ext cx="1336010" cy="268297"/>
-          </a:xfrm>
-          <a:prstGeom prst="rect">
-            <a:avLst/>
-          </a:prstGeom>
-          <a:solidFill>
-            <a:srgbClr val="C00000"/>
-          </a:solidFill>
-        </p:spPr>
-        <p:style>
-          <a:lnRef idx="2">
-            <a:schemeClr val="accent2">
-              <a:shade val="50000"/>
-            </a:schemeClr>
-          </a:lnRef>
-          <a:fillRef idx="1">
-            <a:schemeClr val="accent2"/>
-          </a:fillRef>
-          <a:effectRef idx="0">
-            <a:schemeClr val="accent2"/>
-          </a:effectRef>
-          <a:fontRef idx="minor">
-            <a:schemeClr val="lt1"/>
-          </a:fontRef>
-        </p:style>
-        <p:txBody>
-          <a:bodyPr rtlCol="0" anchor="ctr"/>
-          <a:lstStyle/>
-          <a:p>
-            <a:pPr algn="ctr"/>
-            <a:r>
-              <a:rPr lang="fr-FR" dirty="0" smtClean="0"/>
-              <a:t>Mardi</a:t>
-            </a:r>
-            <a:endParaRPr lang="fr-FR" dirty="0"/>
-          </a:p>
-        </p:txBody>
-      </p:sp>
-      <p:sp>
-        <p:nvSpPr>
-          <p:cNvPr id="30" name="Rectangle 29"/>
-          <p:cNvSpPr/>
-          <p:nvPr/>
-        </p:nvSpPr>
-        <p:spPr>
-          <a:xfrm>
-            <a:off x="5799712" y="2556959"/>
-            <a:ext cx="1336010" cy="268297"/>
-          </a:xfrm>
-          <a:prstGeom prst="rect">
-            <a:avLst/>
-          </a:prstGeom>
-          <a:solidFill>
-            <a:srgbClr val="C00000"/>
-          </a:solidFill>
-        </p:spPr>
-        <p:style>
-          <a:lnRef idx="2">
-            <a:schemeClr val="accent2">
-              <a:shade val="50000"/>
-            </a:schemeClr>
-          </a:lnRef>
-          <a:fillRef idx="1">
-            <a:schemeClr val="accent2"/>
-          </a:fillRef>
-          <a:effectRef idx="0">
-            <a:schemeClr val="accent2"/>
-          </a:effectRef>
-          <a:fontRef idx="minor">
-            <a:schemeClr val="lt1"/>
-          </a:fontRef>
-        </p:style>
-        <p:txBody>
-          <a:bodyPr rtlCol="0" anchor="ctr"/>
-          <a:lstStyle/>
-          <a:p>
-            <a:pPr algn="ctr"/>
-            <a:r>
-              <a:rPr lang="fr-FR" dirty="0" smtClean="0"/>
-              <a:t>Mercredi</a:t>
-            </a:r>
-            <a:endParaRPr lang="fr-FR" dirty="0"/>
-          </a:p>
-        </p:txBody>
-      </p:sp>
-      <p:sp>
-        <p:nvSpPr>
-          <p:cNvPr id="31" name="Rectangle 30"/>
-          <p:cNvSpPr/>
-          <p:nvPr/>
-        </p:nvSpPr>
-        <p:spPr>
-          <a:xfrm>
-            <a:off x="7403106" y="2556959"/>
-            <a:ext cx="1336010" cy="268297"/>
-          </a:xfrm>
-          <a:prstGeom prst="rect">
-            <a:avLst/>
-          </a:prstGeom>
-          <a:solidFill>
-            <a:srgbClr val="C00000"/>
-          </a:solidFill>
-        </p:spPr>
-        <p:style>
-          <a:lnRef idx="2">
-            <a:schemeClr val="accent2">
-              <a:shade val="50000"/>
-            </a:schemeClr>
-          </a:lnRef>
-          <a:fillRef idx="1">
-            <a:schemeClr val="accent2"/>
-          </a:fillRef>
-          <a:effectRef idx="0">
-            <a:schemeClr val="accent2"/>
-          </a:effectRef>
-          <a:fontRef idx="minor">
-            <a:schemeClr val="lt1"/>
-          </a:fontRef>
-        </p:style>
-        <p:txBody>
-          <a:bodyPr rtlCol="0" anchor="ctr"/>
-          <a:lstStyle/>
-          <a:p>
-            <a:pPr algn="ctr"/>
-            <a:r>
-              <a:rPr lang="fr-FR" dirty="0" smtClean="0"/>
-              <a:t>Jeudi</a:t>
-            </a:r>
-            <a:endParaRPr lang="fr-FR" dirty="0"/>
-          </a:p>
-        </p:txBody>
-      </p:sp>
-      <p:sp>
-        <p:nvSpPr>
-          <p:cNvPr id="32" name="Rectangle 31"/>
-          <p:cNvSpPr/>
-          <p:nvPr/>
-        </p:nvSpPr>
-        <p:spPr>
-          <a:xfrm>
-            <a:off x="9006500" y="2556959"/>
-            <a:ext cx="1336010" cy="268297"/>
-          </a:xfrm>
-          <a:prstGeom prst="rect">
-            <a:avLst/>
-          </a:prstGeom>
-          <a:solidFill>
-            <a:srgbClr val="C00000"/>
-          </a:solidFill>
-        </p:spPr>
-        <p:style>
-          <a:lnRef idx="2">
-            <a:schemeClr val="accent2">
-              <a:shade val="50000"/>
-            </a:schemeClr>
-          </a:lnRef>
-          <a:fillRef idx="1">
-            <a:schemeClr val="accent2"/>
-          </a:fillRef>
-          <a:effectRef idx="0">
-            <a:schemeClr val="accent2"/>
-          </a:effectRef>
-          <a:fontRef idx="minor">
-            <a:schemeClr val="lt1"/>
-          </a:fontRef>
-        </p:style>
-        <p:txBody>
-          <a:bodyPr rtlCol="0" anchor="ctr"/>
-          <a:lstStyle/>
-          <a:p>
-            <a:pPr algn="ctr"/>
-            <a:r>
-              <a:rPr lang="fr-FR" dirty="0" smtClean="0"/>
-              <a:t>Vendredi</a:t>
-            </a:r>
-            <a:endParaRPr lang="fr-FR" dirty="0"/>
-          </a:p>
-        </p:txBody>
-      </p:sp>
-    </p:spTree>
-    <p:extLst>
-      <p:ext uri="{BB962C8B-B14F-4D97-AF65-F5344CB8AC3E}">
-        <p14:creationId xmlns:p14="http://schemas.microsoft.com/office/powerpoint/2010/main" val="1332731715"/>
-      </p:ext>
-    </p:extLst>
-  </p:cSld>
-  <p:clrMapOvr>
-    <a:masterClrMapping/>
-  </p:clrMapOvr>
-</p:sld>
-</file>
-
-<file path=ppt/slides/slide16.xml><?xml version="1.0" encoding="utf-8"?>
-<p:sld xmlns:a="http://schemas.openxmlformats.org/drawingml/2006/main" xmlns:r="http://schemas.openxmlformats.org/officeDocument/2006/relationships" xmlns:p="http://schemas.openxmlformats.org/presentationml/2006/main">
-  <p:cSld>
-    <p:spTree>
-      <p:nvGrpSpPr>
-        <p:cNvPr id="1" name=""/>
-        <p:cNvGrpSpPr/>
-        <p:nvPr/>
-      </p:nvGrpSpPr>
-      <p:grpSpPr>
-        <a:xfrm>
-          <a:off x="0" y="0"/>
-          <a:ext cx="0" cy="0"/>
-          <a:chOff x="0" y="0"/>
-          <a:chExt cx="0" cy="0"/>
-        </a:xfrm>
-      </p:grpSpPr>
-      <p:sp>
-        <p:nvSpPr>
-          <p:cNvPr id="2" name="Titre 1"/>
-          <p:cNvSpPr>
-            <a:spLocks noGrp="1"/>
-          </p:cNvSpPr>
-          <p:nvPr>
-            <p:ph type="title"/>
-          </p:nvPr>
-        </p:nvSpPr>
-        <p:spPr>
-          <a:xfrm>
-            <a:off x="2592924" y="624110"/>
-            <a:ext cx="8911687" cy="668096"/>
-          </a:xfrm>
-        </p:spPr>
-        <p:txBody>
-          <a:bodyPr/>
-          <a:lstStyle/>
-          <a:p>
-            <a:r>
-              <a:rPr lang="fr-FR" dirty="0" smtClean="0"/>
-              <a:t>3.8 – Supports d’apprentissage</a:t>
-            </a:r>
-            <a:endParaRPr lang="fr-FR" dirty="0"/>
-          </a:p>
-        </p:txBody>
-      </p:sp>
-      <p:sp>
-        <p:nvSpPr>
-          <p:cNvPr id="3" name="Espace réservé du numéro de diapositive 2"/>
-          <p:cNvSpPr>
-            <a:spLocks noGrp="1"/>
-          </p:cNvSpPr>
-          <p:nvPr>
-            <p:ph type="sldNum" sz="quarter" idx="12"/>
-          </p:nvPr>
-        </p:nvSpPr>
-        <p:spPr/>
-        <p:txBody>
-          <a:bodyPr/>
-          <a:lstStyle/>
-          <a:p>
-            <a:fld id="{D57F1E4F-1CFF-5643-939E-217C01CDF565}" type="slidenum">
-              <a:rPr lang="en-US" smtClean="0"/>
-              <a:pPr/>
-              <a:t>16</a:t>
-            </a:fld>
-            <a:endParaRPr lang="en-US" dirty="0"/>
-          </a:p>
-        </p:txBody>
-      </p:sp>
-      <p:sp>
-        <p:nvSpPr>
-          <p:cNvPr id="5" name="ZoneTexte 4"/>
-          <p:cNvSpPr txBox="1"/>
-          <p:nvPr/>
-        </p:nvSpPr>
-        <p:spPr>
-          <a:xfrm>
-            <a:off x="2928133" y="2684111"/>
-            <a:ext cx="8577989" cy="1200329"/>
-          </a:xfrm>
-          <a:prstGeom prst="rect">
-            <a:avLst/>
-          </a:prstGeom>
-          <a:noFill/>
-        </p:spPr>
-        <p:txBody>
-          <a:bodyPr wrap="none" rtlCol="0">
-            <a:spAutoFit/>
-          </a:bodyPr>
-          <a:lstStyle/>
-          <a:p>
-            <a:r>
-              <a:rPr lang="fr-FR" dirty="0" smtClean="0"/>
-              <a:t>Attention au nombre de support dispo</a:t>
-            </a:r>
-          </a:p>
-          <a:p>
-            <a:r>
-              <a:rPr lang="fr-FR" dirty="0" smtClean="0"/>
-              <a:t>(plusieurs </a:t>
-            </a:r>
-            <a:r>
-              <a:rPr lang="fr-FR" dirty="0" smtClean="0"/>
-              <a:t>supports </a:t>
-            </a:r>
-            <a:r>
-              <a:rPr lang="fr-FR" dirty="0" smtClean="0"/>
-              <a:t>peuvent conduire aux même apport de connaissance , </a:t>
-            </a:r>
-          </a:p>
-          <a:p>
-            <a:r>
-              <a:rPr lang="fr-FR" dirty="0" smtClean="0"/>
-              <a:t>développement de </a:t>
-            </a:r>
-            <a:r>
-              <a:rPr lang="fr-FR" dirty="0" smtClean="0"/>
-              <a:t>compétences</a:t>
-            </a:r>
-            <a:endParaRPr lang="fr-FR" dirty="0" smtClean="0"/>
-          </a:p>
-          <a:p>
-            <a:endParaRPr lang="fr-FR" dirty="0" smtClean="0"/>
-          </a:p>
-        </p:txBody>
-      </p:sp>
-    </p:spTree>
-    <p:extLst>
-      <p:ext uri="{BB962C8B-B14F-4D97-AF65-F5344CB8AC3E}">
-        <p14:creationId xmlns:p14="http://schemas.microsoft.com/office/powerpoint/2010/main" val="970161856"/>
-      </p:ext>
-    </p:extLst>
-  </p:cSld>
-  <p:clrMapOvr>
-    <a:masterClrMapping/>
-  </p:clrMapOvr>
-</p:sld>
-</file>
-
-<file path=ppt/slides/slide17.xml><?xml version="1.0" encoding="utf-8"?>
-<p:sld xmlns:a="http://schemas.openxmlformats.org/drawingml/2006/main" xmlns:r="http://schemas.openxmlformats.org/officeDocument/2006/relationships" xmlns:p="http://schemas.openxmlformats.org/presentationml/2006/main">
-  <p:cSld>
-    <p:spTree>
-      <p:nvGrpSpPr>
-        <p:cNvPr id="1" name=""/>
-        <p:cNvGrpSpPr/>
-        <p:nvPr/>
-      </p:nvGrpSpPr>
-      <p:grpSpPr>
-        <a:xfrm>
-          <a:off x="0" y="0"/>
-          <a:ext cx="0" cy="0"/>
-          <a:chOff x="0" y="0"/>
-          <a:chExt cx="0" cy="0"/>
-        </a:xfrm>
-      </p:grpSpPr>
-      <p:sp>
-        <p:nvSpPr>
-          <p:cNvPr id="2" name="Titre 1"/>
-          <p:cNvSpPr>
-            <a:spLocks noGrp="1"/>
-          </p:cNvSpPr>
-          <p:nvPr>
-            <p:ph type="title"/>
-          </p:nvPr>
-        </p:nvSpPr>
-        <p:spPr/>
-        <p:txBody>
-          <a:bodyPr/>
-          <a:lstStyle/>
-          <a:p>
-            <a:r>
-              <a:rPr lang="fr-FR" dirty="0" smtClean="0"/>
-              <a:t>3.9 – Détail de la séance</a:t>
-            </a:r>
-            <a:endParaRPr lang="fr-FR" dirty="0"/>
-          </a:p>
-        </p:txBody>
-      </p:sp>
-      <p:sp>
-        <p:nvSpPr>
-          <p:cNvPr id="3" name="Espace réservé du numéro de diapositive 2"/>
-          <p:cNvSpPr>
-            <a:spLocks noGrp="1"/>
-          </p:cNvSpPr>
-          <p:nvPr>
-            <p:ph type="sldNum" sz="quarter" idx="12"/>
-          </p:nvPr>
-        </p:nvSpPr>
-        <p:spPr/>
-        <p:txBody>
-          <a:bodyPr/>
-          <a:lstStyle/>
-          <a:p>
-            <a:fld id="{D57F1E4F-1CFF-5643-939E-217C01CDF565}" type="slidenum">
-              <a:rPr lang="en-US" smtClean="0"/>
-              <a:pPr/>
-              <a:t>17</a:t>
-            </a:fld>
-            <a:endParaRPr lang="en-US" dirty="0"/>
-          </a:p>
-        </p:txBody>
-      </p:sp>
-      <p:sp>
-        <p:nvSpPr>
-          <p:cNvPr id="4" name="ZoneTexte 3"/>
-          <p:cNvSpPr txBox="1"/>
-          <p:nvPr/>
-        </p:nvSpPr>
-        <p:spPr>
-          <a:xfrm>
-            <a:off x="3331400" y="1796952"/>
-            <a:ext cx="3639138" cy="1754326"/>
-          </a:xfrm>
-          <a:prstGeom prst="rect">
-            <a:avLst/>
-          </a:prstGeom>
-          <a:noFill/>
-        </p:spPr>
-        <p:txBody>
-          <a:bodyPr wrap="none" rtlCol="0">
-            <a:spAutoFit/>
-          </a:bodyPr>
-          <a:lstStyle/>
-          <a:p>
-            <a:r>
-              <a:rPr lang="fr-FR" dirty="0" smtClean="0"/>
-              <a:t>3.9.1 : Objectifs visés</a:t>
-            </a:r>
-          </a:p>
-          <a:p>
-            <a:r>
-              <a:rPr lang="fr-FR" dirty="0" smtClean="0"/>
-              <a:t>3.9.2 : Mise en situation</a:t>
-            </a:r>
-          </a:p>
-          <a:p>
-            <a:r>
-              <a:rPr lang="fr-FR" dirty="0" smtClean="0"/>
-              <a:t>3.9.3 : Déroulé de l’activité </a:t>
-            </a:r>
-          </a:p>
-          <a:p>
-            <a:r>
-              <a:rPr lang="fr-FR" dirty="0" smtClean="0"/>
-              <a:t>3.9.4 : Rendu élève</a:t>
-            </a:r>
-          </a:p>
-          <a:p>
-            <a:r>
-              <a:rPr lang="fr-FR" dirty="0" smtClean="0"/>
-              <a:t>3.9.5 : Ingénierie pédagogique</a:t>
-            </a:r>
-          </a:p>
-          <a:p>
-            <a:r>
-              <a:rPr lang="fr-FR" dirty="0" smtClean="0"/>
-              <a:t>3.9.6 : Différenciations possibles</a:t>
-            </a:r>
-          </a:p>
-        </p:txBody>
-      </p:sp>
-    </p:spTree>
-    <p:extLst>
-      <p:ext uri="{BB962C8B-B14F-4D97-AF65-F5344CB8AC3E}">
-        <p14:creationId xmlns:p14="http://schemas.microsoft.com/office/powerpoint/2010/main" val="1214008063"/>
-      </p:ext>
-    </p:extLst>
-  </p:cSld>
-  <p:clrMapOvr>
-    <a:masterClrMapping/>
-  </p:clrMapOvr>
-</p:sld>
-</file>
-
-<file path=ppt/slides/slide18.xml><?xml version="1.0" encoding="utf-8"?>
-<p:sld xmlns:a="http://schemas.openxmlformats.org/drawingml/2006/main" xmlns:r="http://schemas.openxmlformats.org/officeDocument/2006/relationships" xmlns:p="http://schemas.openxmlformats.org/presentationml/2006/main">
-  <p:cSld>
-    <p:spTree>
-      <p:nvGrpSpPr>
-        <p:cNvPr id="1" name=""/>
-        <p:cNvGrpSpPr/>
-        <p:nvPr/>
-      </p:nvGrpSpPr>
-      <p:grpSpPr>
-        <a:xfrm>
-          <a:off x="0" y="0"/>
-          <a:ext cx="0" cy="0"/>
-          <a:chOff x="0" y="0"/>
-          <a:chExt cx="0" cy="0"/>
-        </a:xfrm>
-      </p:grpSpPr>
-      <p:sp>
-        <p:nvSpPr>
-          <p:cNvPr id="2" name="Titre 1"/>
-          <p:cNvSpPr>
-            <a:spLocks noGrp="1"/>
-          </p:cNvSpPr>
-          <p:nvPr>
-            <p:ph type="title"/>
-          </p:nvPr>
-        </p:nvSpPr>
-        <p:spPr>
-          <a:xfrm>
-            <a:off x="2592924" y="624110"/>
-            <a:ext cx="9223095" cy="668096"/>
-          </a:xfrm>
-        </p:spPr>
-        <p:txBody>
-          <a:bodyPr>
-            <a:normAutofit/>
-          </a:bodyPr>
-          <a:lstStyle/>
-          <a:p>
-            <a:r>
-              <a:rPr lang="fr-FR" dirty="0" smtClean="0"/>
-              <a:t>3.9.1 - Objectifs visés</a:t>
-            </a:r>
-            <a:endParaRPr lang="fr-FR" dirty="0"/>
-          </a:p>
-        </p:txBody>
-      </p:sp>
-      <p:sp>
-        <p:nvSpPr>
-          <p:cNvPr id="3" name="Espace réservé du numéro de diapositive 2"/>
-          <p:cNvSpPr>
-            <a:spLocks noGrp="1"/>
-          </p:cNvSpPr>
-          <p:nvPr>
-            <p:ph type="sldNum" sz="quarter" idx="12"/>
-          </p:nvPr>
-        </p:nvSpPr>
-        <p:spPr/>
-        <p:txBody>
-          <a:bodyPr/>
-          <a:lstStyle/>
-          <a:p>
-            <a:fld id="{D57F1E4F-1CFF-5643-939E-217C01CDF565}" type="slidenum">
-              <a:rPr lang="en-US" smtClean="0"/>
-              <a:pPr/>
-              <a:t>18</a:t>
-            </a:fld>
-            <a:endParaRPr lang="en-US" dirty="0"/>
-          </a:p>
-        </p:txBody>
-      </p:sp>
-      <p:sp>
-        <p:nvSpPr>
-          <p:cNvPr id="6" name="ZoneTexte 5"/>
-          <p:cNvSpPr txBox="1"/>
-          <p:nvPr/>
-        </p:nvSpPr>
-        <p:spPr>
-          <a:xfrm>
-            <a:off x="3088153" y="1960211"/>
-            <a:ext cx="5522666" cy="1200329"/>
-          </a:xfrm>
-          <a:prstGeom prst="rect">
-            <a:avLst/>
-          </a:prstGeom>
-          <a:noFill/>
-        </p:spPr>
-        <p:txBody>
-          <a:bodyPr wrap="none" rtlCol="0">
-            <a:spAutoFit/>
-          </a:bodyPr>
-          <a:lstStyle/>
-          <a:p>
-            <a:r>
-              <a:rPr lang="fr-FR" dirty="0" smtClean="0"/>
-              <a:t>Principales activité de la séance</a:t>
-            </a:r>
-          </a:p>
-          <a:p>
-            <a:endParaRPr lang="fr-FR" dirty="0"/>
-          </a:p>
-          <a:p>
-            <a:r>
-              <a:rPr lang="fr-FR" dirty="0" smtClean="0"/>
-              <a:t>Compétences, savoir et savoir-faire à acquérir</a:t>
-            </a:r>
-          </a:p>
-          <a:p>
-            <a:endParaRPr lang="fr-FR" dirty="0" smtClean="0"/>
-          </a:p>
-        </p:txBody>
-      </p:sp>
-    </p:spTree>
-    <p:extLst>
-      <p:ext uri="{BB962C8B-B14F-4D97-AF65-F5344CB8AC3E}">
-        <p14:creationId xmlns:p14="http://schemas.microsoft.com/office/powerpoint/2010/main" val="673099642"/>
-      </p:ext>
-    </p:extLst>
-  </p:cSld>
-  <p:clrMapOvr>
-    <a:masterClrMapping/>
-  </p:clrMapOvr>
-</p:sld>
-</file>
-
-<file path=ppt/slides/slide19.xml><?xml version="1.0" encoding="utf-8"?>
-<p:sld xmlns:a="http://schemas.openxmlformats.org/drawingml/2006/main" xmlns:r="http://schemas.openxmlformats.org/officeDocument/2006/relationships" xmlns:p="http://schemas.openxmlformats.org/presentationml/2006/main">
-  <p:cSld>
-    <p:spTree>
-      <p:nvGrpSpPr>
-        <p:cNvPr id="1" name=""/>
-        <p:cNvGrpSpPr/>
-        <p:nvPr/>
-      </p:nvGrpSpPr>
-      <p:grpSpPr>
-        <a:xfrm>
-          <a:off x="0" y="0"/>
-          <a:ext cx="0" cy="0"/>
-          <a:chOff x="0" y="0"/>
-          <a:chExt cx="0" cy="0"/>
-        </a:xfrm>
-      </p:grpSpPr>
-      <p:sp>
-        <p:nvSpPr>
-          <p:cNvPr id="2" name="Titre 1"/>
-          <p:cNvSpPr>
-            <a:spLocks noGrp="1"/>
-          </p:cNvSpPr>
-          <p:nvPr>
-            <p:ph type="title"/>
-          </p:nvPr>
-        </p:nvSpPr>
-        <p:spPr>
-          <a:xfrm>
-            <a:off x="2592924" y="624110"/>
-            <a:ext cx="9223095" cy="668096"/>
-          </a:xfrm>
-        </p:spPr>
-        <p:txBody>
-          <a:bodyPr>
-            <a:normAutofit/>
-          </a:bodyPr>
-          <a:lstStyle/>
-          <a:p>
-            <a:r>
-              <a:rPr lang="fr-FR" dirty="0" smtClean="0"/>
-              <a:t>3.9.2 - Mise en situation</a:t>
-            </a:r>
-            <a:endParaRPr lang="fr-FR" dirty="0"/>
-          </a:p>
-        </p:txBody>
-      </p:sp>
-      <p:sp>
-        <p:nvSpPr>
-          <p:cNvPr id="3" name="Espace réservé du numéro de diapositive 2"/>
-          <p:cNvSpPr>
-            <a:spLocks noGrp="1"/>
-          </p:cNvSpPr>
-          <p:nvPr>
-            <p:ph type="sldNum" sz="quarter" idx="12"/>
-          </p:nvPr>
-        </p:nvSpPr>
-        <p:spPr/>
-        <p:txBody>
-          <a:bodyPr/>
-          <a:lstStyle/>
-          <a:p>
-            <a:fld id="{D57F1E4F-1CFF-5643-939E-217C01CDF565}" type="slidenum">
-              <a:rPr lang="en-US" smtClean="0"/>
-              <a:pPr/>
-              <a:t>19</a:t>
-            </a:fld>
-            <a:endParaRPr lang="en-US" dirty="0"/>
-          </a:p>
-        </p:txBody>
-      </p:sp>
-      <p:sp>
-        <p:nvSpPr>
-          <p:cNvPr id="4" name="ZoneTexte 3"/>
-          <p:cNvSpPr txBox="1"/>
-          <p:nvPr/>
-        </p:nvSpPr>
-        <p:spPr>
-          <a:xfrm>
-            <a:off x="2661068" y="2546083"/>
-            <a:ext cx="9121408" cy="1754326"/>
-          </a:xfrm>
-          <a:prstGeom prst="rect">
-            <a:avLst/>
-          </a:prstGeom>
-          <a:noFill/>
-        </p:spPr>
-        <p:txBody>
-          <a:bodyPr wrap="none" rtlCol="0">
-            <a:spAutoFit/>
-          </a:bodyPr>
-          <a:lstStyle/>
-          <a:p>
-            <a:r>
-              <a:rPr lang="fr-FR" dirty="0" smtClean="0"/>
-              <a:t>Fiche séance : </a:t>
-            </a:r>
-          </a:p>
-          <a:p>
-            <a:pPr marL="285750" indent="-285750">
-              <a:buFont typeface="Arial" panose="020B0604020202020204" pitchFamily="34" charset="0"/>
-              <a:buChar char="•"/>
-            </a:pPr>
-            <a:r>
-              <a:rPr lang="fr-FR" dirty="0" smtClean="0"/>
-              <a:t>Organisation (individuel, binôme, trinôme)</a:t>
-            </a:r>
-          </a:p>
-          <a:p>
-            <a:pPr marL="285750" indent="-285750">
-              <a:buFont typeface="Arial" panose="020B0604020202020204" pitchFamily="34" charset="0"/>
-              <a:buChar char="•"/>
-            </a:pPr>
-            <a:r>
-              <a:rPr lang="fr-FR" dirty="0" smtClean="0"/>
-              <a:t>Matériels logiciels nécessaire (dire si ces matériels ont déjà été utilisés ou non)</a:t>
-            </a:r>
-          </a:p>
-          <a:p>
-            <a:pPr marL="285750" indent="-285750">
-              <a:buFont typeface="Arial" panose="020B0604020202020204" pitchFamily="34" charset="0"/>
-              <a:buChar char="•"/>
-            </a:pPr>
-            <a:r>
-              <a:rPr lang="fr-FR" dirty="0" smtClean="0"/>
-              <a:t>Penser aux matériels alternatif pour les autres groupes</a:t>
-            </a:r>
-          </a:p>
-          <a:p>
-            <a:pPr marL="285750" indent="-285750">
-              <a:buFont typeface="Arial" panose="020B0604020202020204" pitchFamily="34" charset="0"/>
-              <a:buChar char="•"/>
-            </a:pPr>
-            <a:r>
-              <a:rPr lang="fr-FR" dirty="0" smtClean="0"/>
-              <a:t>Déroulé (synthétique)</a:t>
-            </a:r>
-            <a:endParaRPr lang="fr-FR" dirty="0"/>
-          </a:p>
-          <a:p>
-            <a:pPr marL="285750" indent="-285750">
-              <a:buFont typeface="Arial" panose="020B0604020202020204" pitchFamily="34" charset="0"/>
-              <a:buChar char="•"/>
-            </a:pPr>
-            <a:r>
-              <a:rPr lang="fr-FR" dirty="0" smtClean="0"/>
-              <a:t>Evaluation formative (</a:t>
-            </a:r>
-            <a:r>
-              <a:rPr lang="fr-FR" dirty="0" err="1" smtClean="0"/>
-              <a:t>Plickers</a:t>
-            </a:r>
-            <a:r>
-              <a:rPr lang="fr-FR" dirty="0" smtClean="0"/>
-              <a:t> + réponse aux questions)</a:t>
-            </a:r>
-            <a:endParaRPr lang="fr-FR" dirty="0"/>
-          </a:p>
-        </p:txBody>
-      </p:sp>
-    </p:spTree>
-    <p:extLst>
-      <p:ext uri="{BB962C8B-B14F-4D97-AF65-F5344CB8AC3E}">
-        <p14:creationId xmlns:p14="http://schemas.microsoft.com/office/powerpoint/2010/main" val="1190763296"/>
-      </p:ext>
-    </p:extLst>
-  </p:cSld>
-  <p:clrMapOvr>
-    <a:masterClrMapping/>
-  </p:clrMapOvr>
-</p:sld>
-</file>
-
 <file path=ppt/slides/slide2.xml><?xml version="1.0" encoding="utf-8"?>
 <p:sld xmlns:a="http://schemas.openxmlformats.org/drawingml/2006/main" xmlns:r="http://schemas.openxmlformats.org/officeDocument/2006/relationships" xmlns:p="http://schemas.openxmlformats.org/presentationml/2006/main">
   <p:cSld>
@@ -11436,7 +8207,7 @@
         <p:spPr>
           <a:xfrm>
             <a:off x="3047999" y="1238250"/>
-            <a:ext cx="6486525" cy="3139321"/>
+            <a:ext cx="6486525" cy="4524315"/>
           </a:xfrm>
           <a:prstGeom prst="rect">
             <a:avLst/>
@@ -11460,7 +8231,7 @@
           <a:p>
             <a:r>
               <a:rPr lang="fr-FR" dirty="0" smtClean="0"/>
-              <a:t>1 – Fonctionnement et structure du système étudié</a:t>
+              <a:t>1 – </a:t>
             </a:r>
           </a:p>
           <a:p>
@@ -11469,7 +8240,7 @@
           <a:p>
             <a:r>
               <a:rPr lang="fr-FR" dirty="0" smtClean="0"/>
-              <a:t>2 – Autres pistes d’exploitation</a:t>
+              <a:t>2 – </a:t>
             </a:r>
           </a:p>
           <a:p>
@@ -11478,8 +8249,13 @@
           <a:p>
             <a:r>
               <a:rPr lang="fr-FR" dirty="0" smtClean="0"/>
-              <a:t>3 - Proposition de séquence</a:t>
-            </a:r>
+              <a:t>3 </a:t>
+            </a:r>
+            <a:r>
+              <a:rPr lang="fr-FR" dirty="0" smtClean="0"/>
+              <a:t>-</a:t>
+            </a:r>
+            <a:endParaRPr lang="fr-FR" dirty="0" smtClean="0"/>
           </a:p>
           <a:p>
             <a:endParaRPr lang="fr-FR" dirty="0"/>
@@ -11487,7 +8263,7 @@
           <a:p>
             <a:r>
               <a:rPr lang="fr-FR" dirty="0" smtClean="0"/>
-              <a:t>4 – Détail séance</a:t>
+              <a:t>4 – </a:t>
             </a:r>
           </a:p>
           <a:p>
@@ -11496,7 +8272,35 @@
           <a:p>
             <a:r>
               <a:rPr lang="fr-FR" dirty="0" smtClean="0"/>
-              <a:t>5 – Conclusion </a:t>
+              <a:t>5 </a:t>
+            </a:r>
+            <a:r>
+              <a:rPr lang="fr-FR" dirty="0" smtClean="0"/>
+              <a:t>–</a:t>
+            </a:r>
+          </a:p>
+          <a:p>
+            <a:endParaRPr lang="fr-FR" dirty="0"/>
+          </a:p>
+          <a:p>
+            <a:r>
+              <a:rPr lang="fr-FR" dirty="0" smtClean="0"/>
+              <a:t>6 – </a:t>
+            </a:r>
+          </a:p>
+          <a:p>
+            <a:endParaRPr lang="fr-FR" dirty="0"/>
+          </a:p>
+          <a:p>
+            <a:r>
+              <a:rPr lang="fr-FR" dirty="0" smtClean="0"/>
+              <a:t>7 –</a:t>
+            </a:r>
+          </a:p>
+          <a:p>
+            <a:r>
+              <a:rPr lang="fr-FR" dirty="0" smtClean="0"/>
+              <a:t> </a:t>
             </a:r>
             <a:endParaRPr lang="fr-FR" dirty="0"/>
           </a:p>
@@ -11523,1229 +8327,6 @@
 </p:sld>
 </file>
 
-<file path=ppt/slides/slide20.xml><?xml version="1.0" encoding="utf-8"?>
-<p:sld xmlns:a="http://schemas.openxmlformats.org/drawingml/2006/main" xmlns:r="http://schemas.openxmlformats.org/officeDocument/2006/relationships" xmlns:p="http://schemas.openxmlformats.org/presentationml/2006/main">
-  <p:cSld>
-    <p:spTree>
-      <p:nvGrpSpPr>
-        <p:cNvPr id="1" name=""/>
-        <p:cNvGrpSpPr/>
-        <p:nvPr/>
-      </p:nvGrpSpPr>
-      <p:grpSpPr>
-        <a:xfrm>
-          <a:off x="0" y="0"/>
-          <a:ext cx="0" cy="0"/>
-          <a:chOff x="0" y="0"/>
-          <a:chExt cx="0" cy="0"/>
-        </a:xfrm>
-      </p:grpSpPr>
-      <p:sp>
-        <p:nvSpPr>
-          <p:cNvPr id="2" name="Titre 1"/>
-          <p:cNvSpPr>
-            <a:spLocks noGrp="1"/>
-          </p:cNvSpPr>
-          <p:nvPr>
-            <p:ph type="title"/>
-          </p:nvPr>
-        </p:nvSpPr>
-        <p:spPr>
-          <a:xfrm>
-            <a:off x="2592924" y="624110"/>
-            <a:ext cx="9223095" cy="668096"/>
-          </a:xfrm>
-        </p:spPr>
-        <p:txBody>
-          <a:bodyPr>
-            <a:normAutofit/>
-          </a:bodyPr>
-          <a:lstStyle/>
-          <a:p>
-            <a:r>
-              <a:rPr lang="fr-FR" dirty="0" smtClean="0"/>
-              <a:t>3.9.3 - Déroulé de l’activité</a:t>
-            </a:r>
-            <a:endParaRPr lang="fr-FR" dirty="0"/>
-          </a:p>
-        </p:txBody>
-      </p:sp>
-      <p:sp>
-        <p:nvSpPr>
-          <p:cNvPr id="3" name="Espace réservé du numéro de diapositive 2"/>
-          <p:cNvSpPr>
-            <a:spLocks noGrp="1"/>
-          </p:cNvSpPr>
-          <p:nvPr>
-            <p:ph type="sldNum" sz="quarter" idx="12"/>
-          </p:nvPr>
-        </p:nvSpPr>
-        <p:spPr/>
-        <p:txBody>
-          <a:bodyPr/>
-          <a:lstStyle/>
-          <a:p>
-            <a:fld id="{D57F1E4F-1CFF-5643-939E-217C01CDF565}" type="slidenum">
-              <a:rPr lang="en-US" smtClean="0"/>
-              <a:pPr/>
-              <a:t>20</a:t>
-            </a:fld>
-            <a:endParaRPr lang="en-US" dirty="0"/>
-          </a:p>
-        </p:txBody>
-      </p:sp>
-      <p:sp>
-        <p:nvSpPr>
-          <p:cNvPr id="6" name="ZoneTexte 5"/>
-          <p:cNvSpPr txBox="1"/>
-          <p:nvPr/>
-        </p:nvSpPr>
-        <p:spPr>
-          <a:xfrm>
-            <a:off x="3263367" y="2140900"/>
-            <a:ext cx="4706738" cy="1200329"/>
-          </a:xfrm>
-          <a:prstGeom prst="rect">
-            <a:avLst/>
-          </a:prstGeom>
-          <a:noFill/>
-        </p:spPr>
-        <p:txBody>
-          <a:bodyPr wrap="none" rtlCol="0">
-            <a:spAutoFit/>
-          </a:bodyPr>
-          <a:lstStyle/>
-          <a:p>
-            <a:r>
-              <a:rPr lang="fr-FR" dirty="0" smtClean="0"/>
-              <a:t>Si binôme trinôme : activité plutôt en //</a:t>
-            </a:r>
-          </a:p>
-          <a:p>
-            <a:r>
-              <a:rPr lang="fr-FR" dirty="0" smtClean="0"/>
-              <a:t>Activité « bonus »</a:t>
-            </a:r>
-          </a:p>
-          <a:p>
-            <a:r>
-              <a:rPr lang="fr-FR" dirty="0" smtClean="0"/>
-              <a:t>Donner les grands chapitres de l’activité</a:t>
-            </a:r>
-          </a:p>
-          <a:p>
-            <a:endParaRPr lang="fr-FR" dirty="0"/>
-          </a:p>
-        </p:txBody>
-      </p:sp>
-    </p:spTree>
-    <p:extLst>
-      <p:ext uri="{BB962C8B-B14F-4D97-AF65-F5344CB8AC3E}">
-        <p14:creationId xmlns:p14="http://schemas.microsoft.com/office/powerpoint/2010/main" val="3356884638"/>
-      </p:ext>
-    </p:extLst>
-  </p:cSld>
-  <p:clrMapOvr>
-    <a:masterClrMapping/>
-  </p:clrMapOvr>
-</p:sld>
-</file>
-
-<file path=ppt/slides/slide21.xml><?xml version="1.0" encoding="utf-8"?>
-<p:sld xmlns:a="http://schemas.openxmlformats.org/drawingml/2006/main" xmlns:r="http://schemas.openxmlformats.org/officeDocument/2006/relationships" xmlns:p="http://schemas.openxmlformats.org/presentationml/2006/main">
-  <p:cSld>
-    <p:spTree>
-      <p:nvGrpSpPr>
-        <p:cNvPr id="1" name=""/>
-        <p:cNvGrpSpPr/>
-        <p:nvPr/>
-      </p:nvGrpSpPr>
-      <p:grpSpPr>
-        <a:xfrm>
-          <a:off x="0" y="0"/>
-          <a:ext cx="0" cy="0"/>
-          <a:chOff x="0" y="0"/>
-          <a:chExt cx="0" cy="0"/>
-        </a:xfrm>
-      </p:grpSpPr>
-      <p:sp>
-        <p:nvSpPr>
-          <p:cNvPr id="2" name="Titre 1"/>
-          <p:cNvSpPr>
-            <a:spLocks noGrp="1"/>
-          </p:cNvSpPr>
-          <p:nvPr>
-            <p:ph type="title"/>
-          </p:nvPr>
-        </p:nvSpPr>
-        <p:spPr>
-          <a:xfrm>
-            <a:off x="2592924" y="624110"/>
-            <a:ext cx="9223095" cy="668096"/>
-          </a:xfrm>
-        </p:spPr>
-        <p:txBody>
-          <a:bodyPr>
-            <a:normAutofit/>
-          </a:bodyPr>
-          <a:lstStyle/>
-          <a:p>
-            <a:r>
-              <a:rPr lang="fr-FR" dirty="0" smtClean="0"/>
-              <a:t>3.9.4 - Rendu élèves</a:t>
-            </a:r>
-            <a:endParaRPr lang="fr-FR" dirty="0"/>
-          </a:p>
-        </p:txBody>
-      </p:sp>
-      <p:sp>
-        <p:nvSpPr>
-          <p:cNvPr id="3" name="Espace réservé du numéro de diapositive 2"/>
-          <p:cNvSpPr>
-            <a:spLocks noGrp="1"/>
-          </p:cNvSpPr>
-          <p:nvPr>
-            <p:ph type="sldNum" sz="quarter" idx="12"/>
-          </p:nvPr>
-        </p:nvSpPr>
-        <p:spPr/>
-        <p:txBody>
-          <a:bodyPr/>
-          <a:lstStyle/>
-          <a:p>
-            <a:fld id="{D57F1E4F-1CFF-5643-939E-217C01CDF565}" type="slidenum">
-              <a:rPr lang="en-US" smtClean="0"/>
-              <a:pPr/>
-              <a:t>21</a:t>
-            </a:fld>
-            <a:endParaRPr lang="en-US" dirty="0"/>
-          </a:p>
-        </p:txBody>
-      </p:sp>
-      <p:sp>
-        <p:nvSpPr>
-          <p:cNvPr id="4" name="ZoneTexte 3"/>
-          <p:cNvSpPr txBox="1"/>
-          <p:nvPr/>
-        </p:nvSpPr>
-        <p:spPr>
-          <a:xfrm>
-            <a:off x="3542616" y="2458477"/>
-            <a:ext cx="4944159" cy="1200329"/>
-          </a:xfrm>
-          <a:prstGeom prst="rect">
-            <a:avLst/>
-          </a:prstGeom>
-          <a:noFill/>
-        </p:spPr>
-        <p:txBody>
-          <a:bodyPr wrap="square" rtlCol="0">
-            <a:spAutoFit/>
-          </a:bodyPr>
-          <a:lstStyle/>
-          <a:p>
-            <a:r>
-              <a:rPr lang="fr-FR" dirty="0" smtClean="0"/>
-              <a:t>CR oral de l’activité – de ce qu’il faut retenir pour eux?</a:t>
-            </a:r>
-          </a:p>
-          <a:p>
-            <a:r>
-              <a:rPr lang="fr-FR" dirty="0" smtClean="0"/>
-              <a:t>(pyramide des apprentissages : on retient mieux lorsque l’on apprend aux autres)</a:t>
-            </a:r>
-            <a:endParaRPr lang="fr-FR" dirty="0"/>
-          </a:p>
-        </p:txBody>
-      </p:sp>
-    </p:spTree>
-    <p:extLst>
-      <p:ext uri="{BB962C8B-B14F-4D97-AF65-F5344CB8AC3E}">
-        <p14:creationId xmlns:p14="http://schemas.microsoft.com/office/powerpoint/2010/main" val="1379571086"/>
-      </p:ext>
-    </p:extLst>
-  </p:cSld>
-  <p:clrMapOvr>
-    <a:masterClrMapping/>
-  </p:clrMapOvr>
-</p:sld>
-</file>
-
-<file path=ppt/slides/slide22.xml><?xml version="1.0" encoding="utf-8"?>
-<p:sld xmlns:a="http://schemas.openxmlformats.org/drawingml/2006/main" xmlns:r="http://schemas.openxmlformats.org/officeDocument/2006/relationships" xmlns:p="http://schemas.openxmlformats.org/presentationml/2006/main">
-  <p:cSld>
-    <p:spTree>
-      <p:nvGrpSpPr>
-        <p:cNvPr id="1" name=""/>
-        <p:cNvGrpSpPr/>
-        <p:nvPr/>
-      </p:nvGrpSpPr>
-      <p:grpSpPr>
-        <a:xfrm>
-          <a:off x="0" y="0"/>
-          <a:ext cx="0" cy="0"/>
-          <a:chOff x="0" y="0"/>
-          <a:chExt cx="0" cy="0"/>
-        </a:xfrm>
-      </p:grpSpPr>
-      <p:sp>
-        <p:nvSpPr>
-          <p:cNvPr id="2" name="Titre 1"/>
-          <p:cNvSpPr>
-            <a:spLocks noGrp="1"/>
-          </p:cNvSpPr>
-          <p:nvPr>
-            <p:ph type="title"/>
-          </p:nvPr>
-        </p:nvSpPr>
-        <p:spPr>
-          <a:xfrm>
-            <a:off x="2592924" y="624110"/>
-            <a:ext cx="9223095" cy="668096"/>
-          </a:xfrm>
-        </p:spPr>
-        <p:txBody>
-          <a:bodyPr>
-            <a:normAutofit/>
-          </a:bodyPr>
-          <a:lstStyle/>
-          <a:p>
-            <a:r>
-              <a:rPr lang="fr-FR" dirty="0" smtClean="0"/>
-              <a:t>3.9.5 - Ingénierie pédagogique</a:t>
-            </a:r>
-            <a:endParaRPr lang="fr-FR" dirty="0"/>
-          </a:p>
-        </p:txBody>
-      </p:sp>
-      <p:sp>
-        <p:nvSpPr>
-          <p:cNvPr id="3" name="Espace réservé du numéro de diapositive 2"/>
-          <p:cNvSpPr>
-            <a:spLocks noGrp="1"/>
-          </p:cNvSpPr>
-          <p:nvPr>
-            <p:ph type="sldNum" sz="quarter" idx="12"/>
-          </p:nvPr>
-        </p:nvSpPr>
-        <p:spPr/>
-        <p:txBody>
-          <a:bodyPr/>
-          <a:lstStyle/>
-          <a:p>
-            <a:fld id="{D57F1E4F-1CFF-5643-939E-217C01CDF565}" type="slidenum">
-              <a:rPr lang="en-US" smtClean="0"/>
-              <a:pPr/>
-              <a:t>22</a:t>
-            </a:fld>
-            <a:endParaRPr lang="en-US" dirty="0"/>
-          </a:p>
-        </p:txBody>
-      </p:sp>
-    </p:spTree>
-    <p:extLst>
-      <p:ext uri="{BB962C8B-B14F-4D97-AF65-F5344CB8AC3E}">
-        <p14:creationId xmlns:p14="http://schemas.microsoft.com/office/powerpoint/2010/main" val="3528735941"/>
-      </p:ext>
-    </p:extLst>
-  </p:cSld>
-  <p:clrMapOvr>
-    <a:masterClrMapping/>
-  </p:clrMapOvr>
-</p:sld>
-</file>
-
-<file path=ppt/slides/slide23.xml><?xml version="1.0" encoding="utf-8"?>
-<p:sld xmlns:a="http://schemas.openxmlformats.org/drawingml/2006/main" xmlns:r="http://schemas.openxmlformats.org/officeDocument/2006/relationships" xmlns:p="http://schemas.openxmlformats.org/presentationml/2006/main">
-  <p:cSld>
-    <p:spTree>
-      <p:nvGrpSpPr>
-        <p:cNvPr id="1" name=""/>
-        <p:cNvGrpSpPr/>
-        <p:nvPr/>
-      </p:nvGrpSpPr>
-      <p:grpSpPr>
-        <a:xfrm>
-          <a:off x="0" y="0"/>
-          <a:ext cx="0" cy="0"/>
-          <a:chOff x="0" y="0"/>
-          <a:chExt cx="0" cy="0"/>
-        </a:xfrm>
-      </p:grpSpPr>
-      <p:sp>
-        <p:nvSpPr>
-          <p:cNvPr id="2" name="Titre 1"/>
-          <p:cNvSpPr>
-            <a:spLocks noGrp="1"/>
-          </p:cNvSpPr>
-          <p:nvPr>
-            <p:ph type="title"/>
-          </p:nvPr>
-        </p:nvSpPr>
-        <p:spPr>
-          <a:xfrm>
-            <a:off x="2592924" y="624110"/>
-            <a:ext cx="9223095" cy="668096"/>
-          </a:xfrm>
-        </p:spPr>
-        <p:txBody>
-          <a:bodyPr>
-            <a:normAutofit/>
-          </a:bodyPr>
-          <a:lstStyle/>
-          <a:p>
-            <a:r>
-              <a:rPr lang="fr-FR" dirty="0" smtClean="0"/>
-              <a:t>3.9.6 - Différenciations possibles</a:t>
-            </a:r>
-            <a:endParaRPr lang="fr-FR" dirty="0"/>
-          </a:p>
-        </p:txBody>
-      </p:sp>
-      <p:sp>
-        <p:nvSpPr>
-          <p:cNvPr id="3" name="Espace réservé du numéro de diapositive 2"/>
-          <p:cNvSpPr>
-            <a:spLocks noGrp="1"/>
-          </p:cNvSpPr>
-          <p:nvPr>
-            <p:ph type="sldNum" sz="quarter" idx="12"/>
-          </p:nvPr>
-        </p:nvSpPr>
-        <p:spPr/>
-        <p:txBody>
-          <a:bodyPr/>
-          <a:lstStyle/>
-          <a:p>
-            <a:fld id="{D57F1E4F-1CFF-5643-939E-217C01CDF565}" type="slidenum">
-              <a:rPr lang="en-US" smtClean="0"/>
-              <a:pPr/>
-              <a:t>23</a:t>
-            </a:fld>
-            <a:endParaRPr lang="en-US" dirty="0"/>
-          </a:p>
-        </p:txBody>
-      </p:sp>
-      <p:sp>
-        <p:nvSpPr>
-          <p:cNvPr id="4" name="ZoneTexte 3"/>
-          <p:cNvSpPr txBox="1"/>
-          <p:nvPr/>
-        </p:nvSpPr>
-        <p:spPr>
-          <a:xfrm>
-            <a:off x="3564518" y="2453001"/>
-            <a:ext cx="1606530" cy="1200329"/>
-          </a:xfrm>
-          <a:prstGeom prst="rect">
-            <a:avLst/>
-          </a:prstGeom>
-          <a:noFill/>
-        </p:spPr>
-        <p:txBody>
-          <a:bodyPr wrap="none" rtlCol="0">
-            <a:spAutoFit/>
-          </a:bodyPr>
-          <a:lstStyle/>
-          <a:p>
-            <a:r>
-              <a:rPr lang="fr-FR" dirty="0" smtClean="0"/>
-              <a:t>Contenu</a:t>
-            </a:r>
-          </a:p>
-          <a:p>
-            <a:r>
-              <a:rPr lang="fr-FR" dirty="0" smtClean="0"/>
-              <a:t>Rendu élève</a:t>
-            </a:r>
-          </a:p>
-          <a:p>
-            <a:r>
-              <a:rPr lang="fr-FR" dirty="0" smtClean="0"/>
-              <a:t>Processus</a:t>
-            </a:r>
-          </a:p>
-          <a:p>
-            <a:r>
-              <a:rPr lang="fr-FR" dirty="0" smtClean="0"/>
-              <a:t>Temps</a:t>
-            </a:r>
-            <a:endParaRPr lang="fr-FR" dirty="0"/>
-          </a:p>
-        </p:txBody>
-      </p:sp>
-    </p:spTree>
-    <p:extLst>
-      <p:ext uri="{BB962C8B-B14F-4D97-AF65-F5344CB8AC3E}">
-        <p14:creationId xmlns:p14="http://schemas.microsoft.com/office/powerpoint/2010/main" val="2384591684"/>
-      </p:ext>
-    </p:extLst>
-  </p:cSld>
-  <p:clrMapOvr>
-    <a:masterClrMapping/>
-  </p:clrMapOvr>
-</p:sld>
-</file>
-
-<file path=ppt/slides/slide24.xml><?xml version="1.0" encoding="utf-8"?>
-<p:sld xmlns:a="http://schemas.openxmlformats.org/drawingml/2006/main" xmlns:r="http://schemas.openxmlformats.org/officeDocument/2006/relationships" xmlns:p="http://schemas.openxmlformats.org/presentationml/2006/main">
-  <p:cSld>
-    <p:spTree>
-      <p:nvGrpSpPr>
-        <p:cNvPr id="1" name=""/>
-        <p:cNvGrpSpPr/>
-        <p:nvPr/>
-      </p:nvGrpSpPr>
-      <p:grpSpPr>
-        <a:xfrm>
-          <a:off x="0" y="0"/>
-          <a:ext cx="0" cy="0"/>
-          <a:chOff x="0" y="0"/>
-          <a:chExt cx="0" cy="0"/>
-        </a:xfrm>
-      </p:grpSpPr>
-      <p:sp>
-        <p:nvSpPr>
-          <p:cNvPr id="2" name="Titre 1"/>
-          <p:cNvSpPr>
-            <a:spLocks noGrp="1"/>
-          </p:cNvSpPr>
-          <p:nvPr>
-            <p:ph type="title"/>
-          </p:nvPr>
-        </p:nvSpPr>
-        <p:spPr>
-          <a:xfrm>
-            <a:off x="2592924" y="624110"/>
-            <a:ext cx="9223095" cy="668096"/>
-          </a:xfrm>
-        </p:spPr>
-        <p:txBody>
-          <a:bodyPr>
-            <a:normAutofit/>
-          </a:bodyPr>
-          <a:lstStyle/>
-          <a:p>
-            <a:r>
-              <a:rPr lang="fr-FR" dirty="0" smtClean="0"/>
-              <a:t>3.10 - </a:t>
-            </a:r>
-            <a:r>
-              <a:rPr lang="fr-FR" dirty="0" err="1" smtClean="0"/>
-              <a:t>Remédiation</a:t>
-            </a:r>
-            <a:endParaRPr lang="fr-FR" dirty="0"/>
-          </a:p>
-        </p:txBody>
-      </p:sp>
-      <p:sp>
-        <p:nvSpPr>
-          <p:cNvPr id="3" name="Espace réservé du numéro de diapositive 2"/>
-          <p:cNvSpPr>
-            <a:spLocks noGrp="1"/>
-          </p:cNvSpPr>
-          <p:nvPr>
-            <p:ph type="sldNum" sz="quarter" idx="12"/>
-          </p:nvPr>
-        </p:nvSpPr>
-        <p:spPr/>
-        <p:txBody>
-          <a:bodyPr/>
-          <a:lstStyle/>
-          <a:p>
-            <a:fld id="{D57F1E4F-1CFF-5643-939E-217C01CDF565}" type="slidenum">
-              <a:rPr lang="en-US" smtClean="0"/>
-              <a:pPr/>
-              <a:t>24</a:t>
-            </a:fld>
-            <a:endParaRPr lang="en-US" dirty="0"/>
-          </a:p>
-        </p:txBody>
-      </p:sp>
-      <p:sp>
-        <p:nvSpPr>
-          <p:cNvPr id="5" name="ZoneTexte 4"/>
-          <p:cNvSpPr txBox="1"/>
-          <p:nvPr/>
-        </p:nvSpPr>
-        <p:spPr>
-          <a:xfrm>
-            <a:off x="3088153" y="1960211"/>
-            <a:ext cx="8730275" cy="2308324"/>
-          </a:xfrm>
-          <a:prstGeom prst="rect">
-            <a:avLst/>
-          </a:prstGeom>
-          <a:noFill/>
-        </p:spPr>
-        <p:txBody>
-          <a:bodyPr wrap="none" rtlCol="0">
-            <a:spAutoFit/>
-          </a:bodyPr>
-          <a:lstStyle/>
-          <a:p>
-            <a:r>
-              <a:rPr lang="fr-FR" dirty="0" smtClean="0"/>
-              <a:t>Plus faibles : Activités complémentaire avec aide enseignant</a:t>
-            </a:r>
-          </a:p>
-          <a:p>
-            <a:r>
-              <a:rPr lang="fr-FR" dirty="0" smtClean="0"/>
-              <a:t>Plus forts : Travail en autonomie (carte heuristique, préparer un quizz </a:t>
-            </a:r>
-            <a:r>
-              <a:rPr lang="fr-FR" dirty="0" err="1" smtClean="0"/>
-              <a:t>plickers</a:t>
-            </a:r>
-            <a:r>
-              <a:rPr lang="fr-FR" dirty="0" smtClean="0"/>
-              <a:t>)</a:t>
-            </a:r>
-          </a:p>
-          <a:p>
-            <a:endParaRPr lang="fr-FR" dirty="0" smtClean="0"/>
-          </a:p>
-          <a:p>
-            <a:r>
-              <a:rPr lang="fr-FR" u="sng" dirty="0" smtClean="0"/>
-              <a:t>Exemple de </a:t>
-            </a:r>
-            <a:r>
-              <a:rPr lang="fr-FR" u="sng" dirty="0" err="1" smtClean="0"/>
-              <a:t>remédiation</a:t>
-            </a:r>
-            <a:r>
-              <a:rPr lang="fr-FR" u="sng" dirty="0" smtClean="0"/>
-              <a:t> possible</a:t>
-            </a:r>
-          </a:p>
-          <a:p>
-            <a:pPr lvl="1">
-              <a:buFont typeface="Arial" pitchFamily="34" charset="0"/>
-              <a:buChar char="•"/>
-            </a:pPr>
-            <a:r>
-              <a:rPr lang="fr-FR" dirty="0" smtClean="0"/>
-              <a:t>Rappels des points importants de la séquence</a:t>
-            </a:r>
-          </a:p>
-          <a:p>
-            <a:pPr lvl="1">
-              <a:buFont typeface="Arial" pitchFamily="34" charset="0"/>
-              <a:buChar char="•"/>
-            </a:pPr>
-            <a:r>
-              <a:rPr lang="fr-FR" dirty="0" smtClean="0"/>
-              <a:t>Etablissement d’une fiche de synthèse par élèves. </a:t>
-            </a:r>
-          </a:p>
-          <a:p>
-            <a:pPr lvl="1">
-              <a:buFont typeface="Arial" pitchFamily="34" charset="0"/>
-              <a:buChar char="•"/>
-            </a:pPr>
-            <a:r>
-              <a:rPr lang="fr-FR" dirty="0" smtClean="0"/>
-              <a:t>Brassage des fiches et distribution à l’ensemble de la classe</a:t>
-            </a:r>
-          </a:p>
-          <a:p>
-            <a:pPr lvl="1">
-              <a:buFont typeface="Arial" pitchFamily="34" charset="0"/>
-              <a:buChar char="•"/>
-            </a:pPr>
-            <a:r>
-              <a:rPr lang="fr-FR" dirty="0" smtClean="0"/>
-              <a:t>QCM </a:t>
-            </a:r>
-            <a:r>
-              <a:rPr lang="fr-FR" dirty="0" err="1" smtClean="0"/>
-              <a:t>Plickers</a:t>
-            </a:r>
-            <a:endParaRPr lang="fr-FR" dirty="0" smtClean="0"/>
-          </a:p>
-        </p:txBody>
-      </p:sp>
-    </p:spTree>
-    <p:extLst>
-      <p:ext uri="{BB962C8B-B14F-4D97-AF65-F5344CB8AC3E}">
-        <p14:creationId xmlns:p14="http://schemas.microsoft.com/office/powerpoint/2010/main" val="873783962"/>
-      </p:ext>
-    </p:extLst>
-  </p:cSld>
-  <p:clrMapOvr>
-    <a:masterClrMapping/>
-  </p:clrMapOvr>
-</p:sld>
-</file>
-
-<file path=ppt/slides/slide25.xml><?xml version="1.0" encoding="utf-8"?>
-<p:sld xmlns:a="http://schemas.openxmlformats.org/drawingml/2006/main" xmlns:r="http://schemas.openxmlformats.org/officeDocument/2006/relationships" xmlns:p="http://schemas.openxmlformats.org/presentationml/2006/main">
-  <p:cSld>
-    <p:spTree>
-      <p:nvGrpSpPr>
-        <p:cNvPr id="1" name=""/>
-        <p:cNvGrpSpPr/>
-        <p:nvPr/>
-      </p:nvGrpSpPr>
-      <p:grpSpPr>
-        <a:xfrm>
-          <a:off x="0" y="0"/>
-          <a:ext cx="0" cy="0"/>
-          <a:chOff x="0" y="0"/>
-          <a:chExt cx="0" cy="0"/>
-        </a:xfrm>
-      </p:grpSpPr>
-      <p:sp>
-        <p:nvSpPr>
-          <p:cNvPr id="2" name="Titre 1"/>
-          <p:cNvSpPr>
-            <a:spLocks noGrp="1"/>
-          </p:cNvSpPr>
-          <p:nvPr>
-            <p:ph type="title"/>
-          </p:nvPr>
-        </p:nvSpPr>
-        <p:spPr>
-          <a:xfrm>
-            <a:off x="2592924" y="624110"/>
-            <a:ext cx="9223095" cy="668096"/>
-          </a:xfrm>
-        </p:spPr>
-        <p:txBody>
-          <a:bodyPr>
-            <a:normAutofit/>
-          </a:bodyPr>
-          <a:lstStyle/>
-          <a:p>
-            <a:r>
-              <a:rPr lang="fr-FR" dirty="0" smtClean="0"/>
-              <a:t>5 – Conclusion</a:t>
-            </a:r>
-            <a:endParaRPr lang="fr-FR" dirty="0"/>
-          </a:p>
-        </p:txBody>
-      </p:sp>
-      <p:sp>
-        <p:nvSpPr>
-          <p:cNvPr id="3" name="Espace réservé du numéro de diapositive 2"/>
-          <p:cNvSpPr>
-            <a:spLocks noGrp="1"/>
-          </p:cNvSpPr>
-          <p:nvPr>
-            <p:ph type="sldNum" sz="quarter" idx="12"/>
-          </p:nvPr>
-        </p:nvSpPr>
-        <p:spPr/>
-        <p:txBody>
-          <a:bodyPr/>
-          <a:lstStyle/>
-          <a:p>
-            <a:fld id="{D57F1E4F-1CFF-5643-939E-217C01CDF565}" type="slidenum">
-              <a:rPr lang="en-US" smtClean="0"/>
-              <a:pPr/>
-              <a:t>25</a:t>
-            </a:fld>
-            <a:endParaRPr lang="en-US" dirty="0"/>
-          </a:p>
-        </p:txBody>
-      </p:sp>
-      <p:sp>
-        <p:nvSpPr>
-          <p:cNvPr id="4" name="ZoneTexte 3"/>
-          <p:cNvSpPr txBox="1"/>
-          <p:nvPr/>
-        </p:nvSpPr>
-        <p:spPr>
-          <a:xfrm>
-            <a:off x="2592924" y="2039000"/>
-            <a:ext cx="6642210" cy="1754326"/>
-          </a:xfrm>
-          <a:prstGeom prst="rect">
-            <a:avLst/>
-          </a:prstGeom>
-          <a:noFill/>
-        </p:spPr>
-        <p:txBody>
-          <a:bodyPr wrap="square" rtlCol="0">
-            <a:spAutoFit/>
-          </a:bodyPr>
-          <a:lstStyle/>
-          <a:p>
-            <a:r>
-              <a:rPr lang="fr-FR" dirty="0" smtClean="0"/>
-              <a:t>Apport de ce support pédagogique</a:t>
-            </a:r>
-          </a:p>
-          <a:p>
-            <a:r>
-              <a:rPr lang="fr-FR" dirty="0" smtClean="0"/>
-              <a:t>Elargissement à d’autres niveaux</a:t>
-            </a:r>
-          </a:p>
-          <a:p>
-            <a:r>
-              <a:rPr lang="fr-FR" dirty="0" smtClean="0"/>
-              <a:t>Autres possibilité d’exploitation du support </a:t>
-            </a:r>
-            <a:r>
-              <a:rPr lang="fr-FR" dirty="0" err="1" smtClean="0"/>
-              <a:t>péda</a:t>
-            </a:r>
-            <a:endParaRPr lang="fr-FR" dirty="0" smtClean="0"/>
-          </a:p>
-          <a:p>
-            <a:r>
-              <a:rPr lang="fr-FR" dirty="0" smtClean="0"/>
-              <a:t>Cout du système</a:t>
-            </a:r>
-          </a:p>
-          <a:p>
-            <a:r>
-              <a:rPr lang="fr-FR" dirty="0" smtClean="0"/>
-              <a:t>Alternatives possible pour arriver aux même résultats</a:t>
-            </a:r>
-          </a:p>
-          <a:p>
-            <a:r>
-              <a:rPr lang="fr-FR" dirty="0" smtClean="0"/>
-              <a:t>Possibilité de </a:t>
-            </a:r>
-            <a:r>
-              <a:rPr lang="fr-FR" dirty="0" err="1" smtClean="0"/>
-              <a:t>distanciel</a:t>
-            </a:r>
-            <a:r>
-              <a:rPr lang="fr-FR" dirty="0" smtClean="0"/>
-              <a:t> pour certains aspects</a:t>
-            </a:r>
-            <a:endParaRPr lang="fr-FR" dirty="0"/>
-          </a:p>
-        </p:txBody>
-      </p:sp>
-    </p:spTree>
-    <p:extLst>
-      <p:ext uri="{BB962C8B-B14F-4D97-AF65-F5344CB8AC3E}">
-        <p14:creationId xmlns:p14="http://schemas.microsoft.com/office/powerpoint/2010/main" val="1951364868"/>
-      </p:ext>
-    </p:extLst>
-  </p:cSld>
-  <p:clrMapOvr>
-    <a:masterClrMapping/>
-  </p:clrMapOvr>
-</p:sld>
-</file>
-
-<file path=ppt/slides/slide26.xml><?xml version="1.0" encoding="utf-8"?>
-<p:sld xmlns:a="http://schemas.openxmlformats.org/drawingml/2006/main" xmlns:r="http://schemas.openxmlformats.org/officeDocument/2006/relationships" xmlns:p="http://schemas.openxmlformats.org/presentationml/2006/main">
-  <p:cSld>
-    <p:spTree>
-      <p:nvGrpSpPr>
-        <p:cNvPr id="1" name=""/>
-        <p:cNvGrpSpPr/>
-        <p:nvPr/>
-      </p:nvGrpSpPr>
-      <p:grpSpPr>
-        <a:xfrm>
-          <a:off x="0" y="0"/>
-          <a:ext cx="0" cy="0"/>
-          <a:chOff x="0" y="0"/>
-          <a:chExt cx="0" cy="0"/>
-        </a:xfrm>
-      </p:grpSpPr>
-      <p:sp>
-        <p:nvSpPr>
-          <p:cNvPr id="3" name="Espace réservé du numéro de diapositive 2"/>
-          <p:cNvSpPr>
-            <a:spLocks noGrp="1"/>
-          </p:cNvSpPr>
-          <p:nvPr>
-            <p:ph type="sldNum" sz="quarter" idx="12"/>
-          </p:nvPr>
-        </p:nvSpPr>
-        <p:spPr/>
-        <p:txBody>
-          <a:bodyPr/>
-          <a:lstStyle/>
-          <a:p>
-            <a:fld id="{D57F1E4F-1CFF-5643-939E-217C01CDF565}" type="slidenum">
-              <a:rPr lang="en-US" smtClean="0"/>
-              <a:pPr/>
-              <a:t>26</a:t>
-            </a:fld>
-            <a:endParaRPr lang="en-US" dirty="0"/>
-          </a:p>
-        </p:txBody>
-      </p:sp>
-      <p:sp>
-        <p:nvSpPr>
-          <p:cNvPr id="4" name="ZoneTexte 3"/>
-          <p:cNvSpPr txBox="1"/>
-          <p:nvPr/>
-        </p:nvSpPr>
-        <p:spPr>
-          <a:xfrm>
-            <a:off x="1709557" y="259406"/>
-            <a:ext cx="10237872" cy="6186309"/>
-          </a:xfrm>
-          <a:prstGeom prst="rect">
-            <a:avLst/>
-          </a:prstGeom>
-          <a:noFill/>
-        </p:spPr>
-        <p:txBody>
-          <a:bodyPr wrap="square" rtlCol="0">
-            <a:spAutoFit/>
-          </a:bodyPr>
-          <a:lstStyle/>
-          <a:p>
-            <a:pPr marL="285750" indent="-285750">
-              <a:buFont typeface="Arial" panose="020B0604020202020204" pitchFamily="34" charset="0"/>
-              <a:buChar char="•"/>
-            </a:pPr>
-            <a:r>
-              <a:rPr lang="fr-FR" b="1" dirty="0" smtClean="0"/>
-              <a:t>Zone Proximale de Développement</a:t>
-            </a:r>
-          </a:p>
-          <a:p>
-            <a:pPr marL="285750" indent="-285750">
-              <a:buFont typeface="Arial" panose="020B0604020202020204" pitchFamily="34" charset="0"/>
-              <a:buChar char="•"/>
-            </a:pPr>
-            <a:r>
-              <a:rPr lang="fr-FR" b="1" dirty="0" smtClean="0"/>
-              <a:t>Approche behavioriste : </a:t>
-            </a:r>
-            <a:r>
-              <a:rPr lang="fr-FR" dirty="0" smtClean="0"/>
-              <a:t>observation </a:t>
-            </a:r>
-            <a:r>
-              <a:rPr lang="fr-FR" dirty="0"/>
-              <a:t>et </a:t>
-            </a:r>
-            <a:r>
-              <a:rPr lang="fr-FR" dirty="0" smtClean="0"/>
-              <a:t>expérimentation </a:t>
-            </a:r>
-            <a:r>
-              <a:rPr lang="fr-FR" dirty="0"/>
-              <a:t>empiriques des phénomènes comportementaux</a:t>
-            </a:r>
-            <a:r>
-              <a:rPr lang="fr-FR" b="1" dirty="0" smtClean="0"/>
-              <a:t> </a:t>
-            </a:r>
-          </a:p>
-          <a:p>
-            <a:pPr marL="285750" indent="-285750">
-              <a:buFont typeface="Arial" panose="020B0604020202020204" pitchFamily="34" charset="0"/>
-              <a:buChar char="•"/>
-            </a:pPr>
-            <a:r>
-              <a:rPr lang="fr-FR" b="1" dirty="0" smtClean="0"/>
-              <a:t>Compétences</a:t>
-            </a:r>
-            <a:r>
-              <a:rPr lang="fr-FR" dirty="0" smtClean="0"/>
-              <a:t> (savoirs + savoir-faire)</a:t>
-            </a:r>
-          </a:p>
-          <a:p>
-            <a:pPr marL="285750" indent="-285750">
-              <a:buFont typeface="Arial" panose="020B0604020202020204" pitchFamily="34" charset="0"/>
-              <a:buChar char="•"/>
-            </a:pPr>
-            <a:r>
-              <a:rPr lang="fr-FR" b="1" dirty="0" smtClean="0"/>
-              <a:t>Mémoire explicite </a:t>
-            </a:r>
-            <a:r>
-              <a:rPr lang="fr-FR" dirty="0" smtClean="0"/>
-              <a:t>(sémantique + épisodique évènementielle)</a:t>
-            </a:r>
-          </a:p>
-          <a:p>
-            <a:pPr marL="285750" indent="-285750">
-              <a:buFont typeface="Arial" panose="020B0604020202020204" pitchFamily="34" charset="0"/>
-              <a:buChar char="•"/>
-            </a:pPr>
-            <a:r>
-              <a:rPr lang="fr-FR" b="1" dirty="0" smtClean="0"/>
-              <a:t>Mémoire implicite </a:t>
-            </a:r>
-            <a:r>
-              <a:rPr lang="fr-FR" dirty="0" smtClean="0"/>
-              <a:t>(procédurale+ émotionnel)</a:t>
-            </a:r>
-          </a:p>
-          <a:p>
-            <a:pPr marL="285750" indent="-285750">
-              <a:buFont typeface="Arial" panose="020B0604020202020204" pitchFamily="34" charset="0"/>
-              <a:buChar char="•"/>
-            </a:pPr>
-            <a:r>
-              <a:rPr lang="fr-FR" b="1" dirty="0" smtClean="0"/>
-              <a:t>Protocole expérimental</a:t>
-            </a:r>
-          </a:p>
-          <a:p>
-            <a:pPr marL="285750" indent="-285750">
-              <a:buFont typeface="Arial" panose="020B0604020202020204" pitchFamily="34" charset="0"/>
-              <a:buChar char="•"/>
-            </a:pPr>
-            <a:r>
-              <a:rPr lang="fr-FR" b="1" dirty="0" smtClean="0"/>
-              <a:t>Savoir notionnel </a:t>
-            </a:r>
-            <a:r>
-              <a:rPr lang="fr-FR" dirty="0" smtClean="0"/>
-              <a:t>(mémoire explicite – Se travaille en mettant des mots)</a:t>
-            </a:r>
-          </a:p>
-          <a:p>
-            <a:pPr marL="285750" indent="-285750">
-              <a:buFont typeface="Arial" panose="020B0604020202020204" pitchFamily="34" charset="0"/>
-              <a:buChar char="•"/>
-            </a:pPr>
-            <a:r>
-              <a:rPr lang="fr-FR" b="1" dirty="0" smtClean="0"/>
-              <a:t>Méta cognition </a:t>
-            </a:r>
-            <a:r>
-              <a:rPr lang="fr-FR" dirty="0" smtClean="0"/>
-              <a:t>(représentation que l’élève a des connaissances qu’il possède et de la façon dont il peut les construire et les utiliser)</a:t>
-            </a:r>
-          </a:p>
-          <a:p>
-            <a:pPr marL="285750" indent="-285750">
-              <a:buFont typeface="Arial" panose="020B0604020202020204" pitchFamily="34" charset="0"/>
-              <a:buChar char="•"/>
-            </a:pPr>
-            <a:r>
-              <a:rPr lang="fr-FR" dirty="0" smtClean="0"/>
-              <a:t>Démarches</a:t>
-            </a:r>
-          </a:p>
-          <a:p>
-            <a:pPr marL="742950" lvl="1" indent="-285750">
-              <a:buFont typeface="Arial" panose="020B0604020202020204" pitchFamily="34" charset="0"/>
-              <a:buChar char="•"/>
-            </a:pPr>
-            <a:r>
-              <a:rPr lang="fr-FR" u="sng" dirty="0" smtClean="0"/>
-              <a:t>Investigation</a:t>
-            </a:r>
-            <a:r>
-              <a:rPr lang="fr-FR" dirty="0" smtClean="0"/>
-              <a:t> (++situation analyse / compréhension)</a:t>
-            </a:r>
-          </a:p>
-          <a:p>
-            <a:pPr marL="742950" lvl="1" indent="-285750">
-              <a:buFont typeface="Arial" panose="020B0604020202020204" pitchFamily="34" charset="0"/>
-              <a:buChar char="•"/>
-            </a:pPr>
-            <a:r>
-              <a:rPr lang="fr-FR" u="sng" dirty="0" smtClean="0"/>
-              <a:t>Résolution de </a:t>
-            </a:r>
-            <a:r>
-              <a:rPr lang="fr-FR" u="sng" dirty="0" err="1" smtClean="0"/>
-              <a:t>pb</a:t>
-            </a:r>
-            <a:r>
-              <a:rPr lang="fr-FR" u="sng" dirty="0" smtClean="0"/>
-              <a:t> </a:t>
-            </a:r>
-            <a:r>
-              <a:rPr lang="fr-FR" dirty="0" smtClean="0"/>
-              <a:t>(++ création, organisation, réalisation)</a:t>
-            </a:r>
-          </a:p>
-          <a:p>
-            <a:pPr marL="742950" lvl="1" indent="-285750">
-              <a:buFont typeface="Arial" panose="020B0604020202020204" pitchFamily="34" charset="0"/>
-              <a:buChar char="•"/>
-            </a:pPr>
-            <a:r>
-              <a:rPr lang="fr-FR" u="sng" dirty="0" smtClean="0"/>
-              <a:t>De projet</a:t>
-            </a:r>
-          </a:p>
-          <a:p>
-            <a:pPr marL="285750" indent="-285750">
-              <a:buFont typeface="Arial" panose="020B0604020202020204" pitchFamily="34" charset="0"/>
-              <a:buChar char="•"/>
-            </a:pPr>
-            <a:r>
-              <a:rPr lang="fr-FR" b="1" dirty="0" smtClean="0"/>
-              <a:t>Coup de pouce </a:t>
-            </a:r>
-            <a:r>
-              <a:rPr lang="fr-FR" dirty="0" smtClean="0"/>
-              <a:t>: expliquer les savoirs fondamentaux </a:t>
-            </a:r>
-          </a:p>
-          <a:p>
-            <a:pPr marL="285750" indent="-285750">
-              <a:buFont typeface="Arial" panose="020B0604020202020204" pitchFamily="34" charset="0"/>
-              <a:buChar char="•"/>
-            </a:pPr>
-            <a:r>
-              <a:rPr lang="fr-FR" b="1" dirty="0" smtClean="0"/>
-              <a:t>Fiche ressources </a:t>
-            </a:r>
-            <a:r>
-              <a:rPr lang="fr-FR" dirty="0" smtClean="0"/>
-              <a:t>: pour réaliser une procédure</a:t>
-            </a:r>
-          </a:p>
-          <a:p>
-            <a:pPr marL="285750" indent="-285750">
-              <a:buFont typeface="Arial" panose="020B0604020202020204" pitchFamily="34" charset="0"/>
-              <a:buChar char="•"/>
-            </a:pPr>
-            <a:r>
-              <a:rPr lang="fr-FR" b="1" dirty="0" smtClean="0"/>
-              <a:t>Questions </a:t>
-            </a:r>
-            <a:r>
-              <a:rPr lang="fr-FR" b="1" dirty="0" err="1" smtClean="0"/>
-              <a:t>élucidantes</a:t>
-            </a:r>
-            <a:r>
-              <a:rPr lang="fr-FR" b="1" dirty="0" smtClean="0"/>
-              <a:t> </a:t>
-            </a:r>
-            <a:r>
-              <a:rPr lang="fr-FR" dirty="0" smtClean="0"/>
-              <a:t>: permet aux élèves d’utiliser les savoirs fondamentaux et de les contextualiser.</a:t>
-            </a:r>
-          </a:p>
-          <a:p>
-            <a:pPr marL="285750" indent="-285750">
-              <a:buFont typeface="Arial" panose="020B0604020202020204" pitchFamily="34" charset="0"/>
-              <a:buChar char="•"/>
-            </a:pPr>
-            <a:r>
-              <a:rPr lang="fr-FR" b="1" dirty="0" smtClean="0"/>
-              <a:t>Synthèse</a:t>
-            </a:r>
-            <a:r>
-              <a:rPr lang="fr-FR" dirty="0" smtClean="0"/>
-              <a:t> comporte une </a:t>
-            </a:r>
-            <a:r>
-              <a:rPr lang="fr-FR" dirty="0" err="1" smtClean="0"/>
-              <a:t>décontextualisations</a:t>
-            </a:r>
-            <a:r>
-              <a:rPr lang="fr-FR" dirty="0" smtClean="0"/>
-              <a:t> des connaissances </a:t>
-            </a:r>
-            <a:r>
-              <a:rPr lang="fr-FR" dirty="0" smtClean="0">
-                <a:sym typeface="Wingdings" panose="05000000000000000000" pitchFamily="2" charset="2"/>
-              </a:rPr>
-              <a:t> permet la formalisation et le </a:t>
-            </a:r>
-            <a:r>
-              <a:rPr lang="fr-FR" dirty="0" err="1" smtClean="0">
-                <a:sym typeface="Wingdings" panose="05000000000000000000" pitchFamily="2" charset="2"/>
-              </a:rPr>
-              <a:t>réinvestissment</a:t>
-            </a:r>
-            <a:r>
-              <a:rPr lang="fr-FR" dirty="0" smtClean="0">
-                <a:sym typeface="Wingdings" panose="05000000000000000000" pitchFamily="2" charset="2"/>
-              </a:rPr>
-              <a:t>.</a:t>
-            </a:r>
-            <a:endParaRPr lang="fr-FR" dirty="0" smtClean="0"/>
-          </a:p>
-          <a:p>
-            <a:pPr marL="285750" indent="-285750">
-              <a:buFont typeface="Arial" panose="020B0604020202020204" pitchFamily="34" charset="0"/>
-              <a:buChar char="•"/>
-            </a:pPr>
-            <a:r>
-              <a:rPr lang="fr-FR" b="1" dirty="0" smtClean="0"/>
-              <a:t>Activation</a:t>
-            </a:r>
-            <a:r>
-              <a:rPr lang="fr-FR" dirty="0" smtClean="0"/>
-              <a:t> : J’ai un problème sur un système existant</a:t>
-            </a:r>
-          </a:p>
-          <a:p>
-            <a:pPr marL="285750" indent="-285750">
-              <a:buFont typeface="Arial" panose="020B0604020202020204" pitchFamily="34" charset="0"/>
-              <a:buChar char="•"/>
-            </a:pPr>
-            <a:r>
-              <a:rPr lang="fr-FR" b="1" dirty="0" smtClean="0"/>
-              <a:t>ENT</a:t>
-            </a:r>
-            <a:r>
-              <a:rPr lang="fr-FR" dirty="0" smtClean="0"/>
-              <a:t> : </a:t>
-            </a:r>
-            <a:r>
-              <a:rPr lang="fr-FR" dirty="0" err="1" smtClean="0"/>
-              <a:t>Moddle</a:t>
-            </a:r>
-            <a:r>
-              <a:rPr lang="fr-FR" dirty="0" smtClean="0"/>
-              <a:t>, </a:t>
-            </a:r>
-            <a:r>
-              <a:rPr lang="fr-FR" dirty="0" err="1" smtClean="0"/>
-              <a:t>Plickers</a:t>
-            </a:r>
-            <a:r>
-              <a:rPr lang="fr-FR" dirty="0" smtClean="0"/>
-              <a:t>, </a:t>
-            </a:r>
-            <a:r>
-              <a:rPr lang="fr-FR" dirty="0" err="1" smtClean="0"/>
-              <a:t>woop</a:t>
-            </a:r>
-            <a:r>
-              <a:rPr lang="fr-FR" dirty="0" smtClean="0"/>
-              <a:t>, </a:t>
-            </a:r>
-            <a:r>
-              <a:rPr lang="fr-FR" dirty="0" err="1" smtClean="0"/>
-              <a:t>Kaout</a:t>
-            </a:r>
-            <a:r>
-              <a:rPr lang="fr-FR" dirty="0" smtClean="0"/>
-              <a:t>, </a:t>
-            </a:r>
-            <a:r>
-              <a:rPr lang="fr-FR" dirty="0" err="1" smtClean="0"/>
-              <a:t>paddlet</a:t>
-            </a:r>
-            <a:endParaRPr lang="fr-FR" dirty="0"/>
-          </a:p>
-        </p:txBody>
-      </p:sp>
-    </p:spTree>
-    <p:extLst>
-      <p:ext uri="{BB962C8B-B14F-4D97-AF65-F5344CB8AC3E}">
-        <p14:creationId xmlns:p14="http://schemas.microsoft.com/office/powerpoint/2010/main" val="2781516662"/>
-      </p:ext>
-    </p:extLst>
-  </p:cSld>
-  <p:clrMapOvr>
-    <a:masterClrMapping/>
-  </p:clrMapOvr>
-</p:sld>
-</file>
-
 <file path=ppt/slides/slide3.xml><?xml version="1.0" encoding="utf-8"?>
 <p:sld xmlns:a="http://schemas.openxmlformats.org/drawingml/2006/main" xmlns:r="http://schemas.openxmlformats.org/officeDocument/2006/relationships" xmlns:p="http://schemas.openxmlformats.org/presentationml/2006/main">
   <p:cSld>
@@ -12780,7 +8361,7 @@
           <a:p>
             <a:r>
               <a:rPr lang="fr-FR" dirty="0" smtClean="0"/>
-              <a:t>1 – Fonctionnement et structure du système étudié</a:t>
+              <a:t>1 – </a:t>
             </a:r>
             <a:endParaRPr lang="fr-FR" dirty="0"/>
           </a:p>
@@ -12807,97 +8388,6 @@
               <a:t>3</a:t>
             </a:fld>
             <a:endParaRPr lang="en-US" dirty="0"/>
-          </a:p>
-        </p:txBody>
-      </p:sp>
-      <p:sp>
-        <p:nvSpPr>
-          <p:cNvPr id="4" name="Rectangle 3"/>
-          <p:cNvSpPr/>
-          <p:nvPr/>
-        </p:nvSpPr>
-        <p:spPr>
-          <a:xfrm>
-            <a:off x="2825332" y="2151851"/>
-            <a:ext cx="2305164" cy="1675488"/>
-          </a:xfrm>
-          <a:prstGeom prst="rect">
-            <a:avLst/>
-          </a:prstGeom>
-        </p:spPr>
-        <p:style>
-          <a:lnRef idx="2">
-            <a:schemeClr val="accent1">
-              <a:shade val="50000"/>
-            </a:schemeClr>
-          </a:lnRef>
-          <a:fillRef idx="1">
-            <a:schemeClr val="accent1"/>
-          </a:fillRef>
-          <a:effectRef idx="0">
-            <a:schemeClr val="accent1"/>
-          </a:effectRef>
-          <a:fontRef idx="minor">
-            <a:schemeClr val="lt1"/>
-          </a:fontRef>
-        </p:style>
-        <p:txBody>
-          <a:bodyPr rtlCol="0" anchor="ctr"/>
-          <a:lstStyle/>
-          <a:p>
-            <a:pPr algn="ctr"/>
-            <a:r>
-              <a:rPr lang="fr-FR" dirty="0" smtClean="0"/>
-              <a:t>Visuel </a:t>
-            </a:r>
-            <a:endParaRPr lang="fr-FR" dirty="0"/>
-          </a:p>
-        </p:txBody>
-      </p:sp>
-      <p:sp>
-        <p:nvSpPr>
-          <p:cNvPr id="5" name="ZoneTexte 4"/>
-          <p:cNvSpPr txBox="1"/>
-          <p:nvPr/>
-        </p:nvSpPr>
-        <p:spPr>
-          <a:xfrm>
-            <a:off x="6389849" y="2387296"/>
-            <a:ext cx="5001690" cy="923330"/>
-          </a:xfrm>
-          <a:prstGeom prst="rect">
-            <a:avLst/>
-          </a:prstGeom>
-          <a:noFill/>
-        </p:spPr>
-        <p:txBody>
-          <a:bodyPr wrap="none" rtlCol="0">
-            <a:spAutoFit/>
-          </a:bodyPr>
-          <a:lstStyle/>
-          <a:p>
-            <a:r>
-              <a:rPr lang="fr-FR" dirty="0" smtClean="0"/>
-              <a:t>Fonction du système </a:t>
-            </a:r>
-          </a:p>
-          <a:p>
-            <a:r>
-              <a:rPr lang="fr-FR" dirty="0" smtClean="0"/>
-              <a:t>Réel et/ou </a:t>
-            </a:r>
-            <a:r>
-              <a:rPr lang="fr-FR" dirty="0" err="1" smtClean="0"/>
-              <a:t>didactisé</a:t>
-            </a:r>
-            <a:endParaRPr lang="fr-FR" dirty="0" smtClean="0"/>
-          </a:p>
-          <a:p>
-            <a:r>
-              <a:rPr lang="fr-FR" dirty="0" smtClean="0"/>
-              <a:t>Principaux thèmes abordés par ce système</a:t>
-            </a:r>
-            <a:endParaRPr lang="fr-FR" dirty="0"/>
           </a:p>
         </p:txBody>
       </p:sp>
@@ -12947,8 +8437,16 @@
           <a:lstStyle/>
           <a:p>
             <a:r>
+              <a:rPr lang="fr-FR" dirty="0"/>
+              <a:t>2</a:t>
+            </a:r>
+            <a:r>
               <a:rPr lang="fr-FR" dirty="0" smtClean="0"/>
-              <a:t>2 – Autres pistes d’exploitation</a:t>
+              <a:t> </a:t>
+            </a:r>
+            <a:r>
+              <a:rPr lang="fr-FR" dirty="0" smtClean="0"/>
+              <a:t>– </a:t>
             </a:r>
             <a:endParaRPr lang="fr-FR" dirty="0"/>
           </a:p>
@@ -12978,194 +8476,10 @@
           </a:p>
         </p:txBody>
       </p:sp>
-      <p:sp>
-        <p:nvSpPr>
-          <p:cNvPr id="4" name="Rectangle 3"/>
-          <p:cNvSpPr/>
-          <p:nvPr/>
-        </p:nvSpPr>
-        <p:spPr>
-          <a:xfrm>
-            <a:off x="9061868" y="1544074"/>
-            <a:ext cx="2305164" cy="1675488"/>
-          </a:xfrm>
-          <a:prstGeom prst="rect">
-            <a:avLst/>
-          </a:prstGeom>
-        </p:spPr>
-        <p:style>
-          <a:lnRef idx="2">
-            <a:schemeClr val="accent1">
-              <a:shade val="50000"/>
-            </a:schemeClr>
-          </a:lnRef>
-          <a:fillRef idx="1">
-            <a:schemeClr val="accent1"/>
-          </a:fillRef>
-          <a:effectRef idx="0">
-            <a:schemeClr val="accent1"/>
-          </a:effectRef>
-          <a:fontRef idx="minor">
-            <a:schemeClr val="lt1"/>
-          </a:fontRef>
-        </p:style>
-        <p:txBody>
-          <a:bodyPr rtlCol="0" anchor="ctr"/>
-          <a:lstStyle/>
-          <a:p>
-            <a:pPr algn="ctr"/>
-            <a:r>
-              <a:rPr lang="fr-FR" dirty="0" smtClean="0"/>
-              <a:t>Résultat activité 1 </a:t>
-            </a:r>
-            <a:endParaRPr lang="fr-FR" dirty="0"/>
-          </a:p>
-        </p:txBody>
-      </p:sp>
-      <p:sp>
-        <p:nvSpPr>
-          <p:cNvPr id="5" name="ZoneTexte 4"/>
-          <p:cNvSpPr txBox="1"/>
-          <p:nvPr/>
-        </p:nvSpPr>
-        <p:spPr>
-          <a:xfrm>
-            <a:off x="3136345" y="1781654"/>
-            <a:ext cx="3703258" cy="1200329"/>
-          </a:xfrm>
-          <a:prstGeom prst="rect">
-            <a:avLst/>
-          </a:prstGeom>
-          <a:noFill/>
-        </p:spPr>
-        <p:txBody>
-          <a:bodyPr wrap="none" rtlCol="0">
-            <a:spAutoFit/>
-          </a:bodyPr>
-          <a:lstStyle/>
-          <a:p>
-            <a:r>
-              <a:rPr lang="fr-FR" dirty="0" smtClean="0"/>
-              <a:t>Action 1 effectuée</a:t>
-            </a:r>
-          </a:p>
-          <a:p>
-            <a:r>
-              <a:rPr lang="fr-FR" dirty="0" smtClean="0"/>
-              <a:t>Résultats obtenus</a:t>
-            </a:r>
-          </a:p>
-          <a:p>
-            <a:r>
-              <a:rPr lang="fr-FR" dirty="0" smtClean="0"/>
-              <a:t>Compétence mobilisée</a:t>
-            </a:r>
-          </a:p>
-          <a:p>
-            <a:r>
-              <a:rPr lang="fr-FR" dirty="0" smtClean="0"/>
-              <a:t>Limites , contraintes éventuelles</a:t>
-            </a:r>
-            <a:endParaRPr lang="fr-FR" dirty="0"/>
-          </a:p>
-        </p:txBody>
-      </p:sp>
-      <p:sp>
-        <p:nvSpPr>
-          <p:cNvPr id="6" name="ZoneTexte 5"/>
-          <p:cNvSpPr txBox="1"/>
-          <p:nvPr/>
-        </p:nvSpPr>
-        <p:spPr>
-          <a:xfrm>
-            <a:off x="3136345" y="4518466"/>
-            <a:ext cx="3703258" cy="1200329"/>
-          </a:xfrm>
-          <a:prstGeom prst="rect">
-            <a:avLst/>
-          </a:prstGeom>
-          <a:noFill/>
-        </p:spPr>
-        <p:txBody>
-          <a:bodyPr wrap="none" rtlCol="0">
-            <a:spAutoFit/>
-          </a:bodyPr>
-          <a:lstStyle/>
-          <a:p>
-            <a:r>
-              <a:rPr lang="fr-FR" dirty="0" smtClean="0"/>
-              <a:t>Action 2 effectuée</a:t>
-            </a:r>
-          </a:p>
-          <a:p>
-            <a:r>
-              <a:rPr lang="fr-FR" dirty="0" smtClean="0"/>
-              <a:t>Résultats obtenus</a:t>
-            </a:r>
-          </a:p>
-          <a:p>
-            <a:r>
-              <a:rPr lang="fr-FR" dirty="0" smtClean="0"/>
-              <a:t>Compétence mobilisée</a:t>
-            </a:r>
-          </a:p>
-          <a:p>
-            <a:r>
-              <a:rPr lang="fr-FR" dirty="0" smtClean="0"/>
-              <a:t>Limites , contraintes éventuelles</a:t>
-            </a:r>
-            <a:endParaRPr lang="fr-FR" dirty="0"/>
-          </a:p>
-        </p:txBody>
-      </p:sp>
-      <p:sp>
-        <p:nvSpPr>
-          <p:cNvPr id="7" name="Rectangle 6"/>
-          <p:cNvSpPr/>
-          <p:nvPr/>
-        </p:nvSpPr>
-        <p:spPr>
-          <a:xfrm>
-            <a:off x="9061868" y="4280886"/>
-            <a:ext cx="2305164" cy="1675488"/>
-          </a:xfrm>
-          <a:prstGeom prst="rect">
-            <a:avLst/>
-          </a:prstGeom>
-        </p:spPr>
-        <p:style>
-          <a:lnRef idx="2">
-            <a:schemeClr val="accent1">
-              <a:shade val="50000"/>
-            </a:schemeClr>
-          </a:lnRef>
-          <a:fillRef idx="1">
-            <a:schemeClr val="accent1"/>
-          </a:fillRef>
-          <a:effectRef idx="0">
-            <a:schemeClr val="accent1"/>
-          </a:effectRef>
-          <a:fontRef idx="minor">
-            <a:schemeClr val="lt1"/>
-          </a:fontRef>
-        </p:style>
-        <p:txBody>
-          <a:bodyPr rtlCol="0" anchor="ctr"/>
-          <a:lstStyle/>
-          <a:p>
-            <a:pPr algn="ctr"/>
-            <a:r>
-              <a:rPr lang="fr-FR" dirty="0" smtClean="0"/>
-              <a:t>Résultat activité 2 </a:t>
-            </a:r>
-            <a:endParaRPr lang="fr-FR" dirty="0"/>
-          </a:p>
-        </p:txBody>
-      </p:sp>
     </p:spTree>
     <p:extLst>
       <p:ext uri="{BB962C8B-B14F-4D97-AF65-F5344CB8AC3E}">
-        <p14:creationId xmlns:p14="http://schemas.microsoft.com/office/powerpoint/2010/main" val="1009299664"/>
+        <p14:creationId xmlns:p14="http://schemas.microsoft.com/office/powerpoint/2010/main" val="2515394299"/>
       </p:ext>
     </p:extLst>
   </p:cSld>
@@ -13209,7 +8523,11 @@
           <a:p>
             <a:r>
               <a:rPr lang="fr-FR" dirty="0" smtClean="0"/>
-              <a:t>3 – Construction de la séquence</a:t>
+              <a:t>3 </a:t>
+            </a:r>
+            <a:r>
+              <a:rPr lang="fr-FR" dirty="0" smtClean="0"/>
+              <a:t>– </a:t>
             </a:r>
             <a:endParaRPr lang="fr-FR" dirty="0"/>
           </a:p>
@@ -13239,103 +8557,10 @@
           </a:p>
         </p:txBody>
       </p:sp>
-      <p:sp>
-        <p:nvSpPr>
-          <p:cNvPr id="4" name="ZoneTexte 3"/>
-          <p:cNvSpPr txBox="1"/>
-          <p:nvPr/>
-        </p:nvSpPr>
-        <p:spPr>
-          <a:xfrm>
-            <a:off x="2779494" y="1794775"/>
-            <a:ext cx="7883890" cy="2862322"/>
-          </a:xfrm>
-          <a:prstGeom prst="rect">
-            <a:avLst/>
-          </a:prstGeom>
-          <a:noFill/>
-        </p:spPr>
-        <p:txBody>
-          <a:bodyPr wrap="none" rtlCol="0">
-            <a:spAutoFit/>
-          </a:bodyPr>
-          <a:lstStyle/>
-          <a:p>
-            <a:r>
-              <a:rPr lang="fr-FR" dirty="0" smtClean="0"/>
-              <a:t>3.1 : Rappel - Eléments de </a:t>
-            </a:r>
-            <a:r>
-              <a:rPr lang="fr-FR" dirty="0" smtClean="0"/>
-              <a:t>contexte – Démarche de ma présentation</a:t>
-            </a:r>
-            <a:endParaRPr lang="fr-FR" dirty="0" smtClean="0"/>
-          </a:p>
-          <a:p>
-            <a:r>
-              <a:rPr lang="fr-FR" dirty="0" smtClean="0"/>
-              <a:t>3.2 : Compétences et connaissances du programme à faire acquérir</a:t>
-            </a:r>
-          </a:p>
-          <a:p>
-            <a:r>
-              <a:rPr lang="fr-FR" dirty="0" smtClean="0"/>
-              <a:t>3.3 : Pré requis nécessaires</a:t>
-            </a:r>
-          </a:p>
-          <a:p>
-            <a:r>
-              <a:rPr lang="fr-FR" dirty="0" smtClean="0"/>
-              <a:t>3.4 : Planification dans l’année</a:t>
-            </a:r>
-          </a:p>
-          <a:p>
-            <a:r>
-              <a:rPr lang="fr-FR" dirty="0" smtClean="0"/>
-              <a:t>3.5 : Synthèse - Structuration des connaissances</a:t>
-            </a:r>
-          </a:p>
-          <a:p>
-            <a:r>
-              <a:rPr lang="fr-FR" dirty="0" smtClean="0"/>
-              <a:t>3.6 : Evaluation</a:t>
-            </a:r>
-          </a:p>
-          <a:p>
-            <a:r>
-              <a:rPr lang="fr-FR" dirty="0" smtClean="0"/>
-              <a:t>3.7 : Séquence </a:t>
-            </a:r>
-          </a:p>
-          <a:p>
-            <a:r>
-              <a:rPr lang="fr-FR" dirty="0" smtClean="0"/>
-              <a:t>3.8 : Définition des supports d’apprentissage </a:t>
-            </a:r>
-          </a:p>
-          <a:p>
-            <a:r>
-              <a:rPr lang="fr-FR" dirty="0" smtClean="0"/>
-              <a:t>3.9 : Séance</a:t>
-            </a:r>
-          </a:p>
-          <a:p>
-            <a:r>
-              <a:rPr lang="fr-FR" dirty="0" smtClean="0"/>
-              <a:t>3.10 : </a:t>
-            </a:r>
-            <a:r>
-              <a:rPr lang="fr-FR" dirty="0" err="1" smtClean="0"/>
-              <a:t>Remédiation</a:t>
-            </a:r>
-            <a:endParaRPr lang="fr-FR" dirty="0"/>
-          </a:p>
-        </p:txBody>
-      </p:sp>
     </p:spTree>
     <p:extLst>
       <p:ext uri="{BB962C8B-B14F-4D97-AF65-F5344CB8AC3E}">
-        <p14:creationId xmlns:p14="http://schemas.microsoft.com/office/powerpoint/2010/main" val="3093220461"/>
+        <p14:creationId xmlns:p14="http://schemas.microsoft.com/office/powerpoint/2010/main" val="658415724"/>
       </p:ext>
     </p:extLst>
   </p:cSld>
@@ -13372,44 +8597,19 @@
             <p:ph type="title"/>
           </p:nvPr>
         </p:nvSpPr>
-        <p:spPr>
-          <a:xfrm>
-            <a:off x="2592924" y="624110"/>
-            <a:ext cx="8911687" cy="668096"/>
-          </a:xfrm>
-        </p:spPr>
-        <p:txBody>
-          <a:bodyPr>
-            <a:normAutofit fontScale="90000"/>
-          </a:bodyPr>
+        <p:spPr/>
+        <p:txBody>
+          <a:bodyPr/>
           <a:lstStyle/>
           <a:p>
             <a:r>
               <a:rPr lang="fr-FR" dirty="0" smtClean="0"/>
-              <a:t>3.1 – Rappels des éléments de </a:t>
+              <a:t>4 </a:t>
             </a:r>
             <a:r>
               <a:rPr lang="fr-FR" dirty="0" smtClean="0"/>
-              <a:t>contexte</a:t>
-            </a:r>
-            <a:br>
-              <a:rPr lang="fr-FR" dirty="0" smtClean="0"/>
-            </a:br>
-            <a:r>
-              <a:rPr lang="fr-FR" dirty="0" smtClean="0"/>
-              <a:t>		 </a:t>
-            </a:r>
-            <a:r>
-              <a:rPr lang="fr-FR" dirty="0" smtClean="0"/>
-              <a:t>Démarche de ma présentation</a:t>
-            </a:r>
-            <a:r>
-              <a:rPr lang="fr-FR" dirty="0" smtClean="0"/>
-              <a:t/>
-            </a:r>
-            <a:br>
-              <a:rPr lang="fr-FR" dirty="0" smtClean="0"/>
-            </a:br>
+              <a:t>– </a:t>
+            </a:r>
             <a:endParaRPr lang="fr-FR" dirty="0"/>
           </a:p>
         </p:txBody>
@@ -13438,153 +8638,10 @@
           </a:p>
         </p:txBody>
       </p:sp>
-      <p:sp>
-        <p:nvSpPr>
-          <p:cNvPr id="5" name="ZoneTexte 4"/>
-          <p:cNvSpPr txBox="1"/>
-          <p:nvPr/>
-        </p:nvSpPr>
-        <p:spPr>
-          <a:xfrm>
-            <a:off x="1737950" y="1975309"/>
-            <a:ext cx="8877751" cy="2308324"/>
-          </a:xfrm>
-          <a:prstGeom prst="rect">
-            <a:avLst/>
-          </a:prstGeom>
-          <a:noFill/>
-        </p:spPr>
-        <p:txBody>
-          <a:bodyPr wrap="none" rtlCol="0">
-            <a:spAutoFit/>
-          </a:bodyPr>
-          <a:lstStyle/>
-          <a:p>
-            <a:r>
-              <a:rPr lang="fr-FR" dirty="0" smtClean="0"/>
-              <a:t>Titre de la séquence  : Assurer un confort optimal des voyageurs dans un TGV </a:t>
-            </a:r>
-          </a:p>
-          <a:p>
-            <a:r>
-              <a:rPr lang="fr-FR" dirty="0" smtClean="0"/>
-              <a:t>Classe </a:t>
-            </a:r>
-          </a:p>
-          <a:p>
-            <a:r>
-              <a:rPr lang="fr-FR" dirty="0" smtClean="0"/>
-              <a:t>Volume horaire – Classe entière / Groupe</a:t>
-            </a:r>
-          </a:p>
-          <a:p>
-            <a:r>
-              <a:rPr lang="fr-FR" dirty="0" smtClean="0"/>
-              <a:t>Situer le séquence dans le référentiel </a:t>
-            </a:r>
-          </a:p>
-          <a:p>
-            <a:r>
-              <a:rPr lang="fr-FR" dirty="0" smtClean="0"/>
-              <a:t>Type de séquence : Complexe ou critique</a:t>
-            </a:r>
-          </a:p>
-          <a:p>
-            <a:endParaRPr lang="fr-FR" dirty="0" smtClean="0"/>
-          </a:p>
-          <a:p>
-            <a:endParaRPr lang="fr-FR" dirty="0" smtClean="0"/>
-          </a:p>
-          <a:p>
-            <a:r>
-              <a:rPr lang="fr-FR" dirty="0" smtClean="0"/>
-              <a:t>+ </a:t>
-            </a:r>
-            <a:r>
-              <a:rPr lang="fr-FR" dirty="0" err="1" smtClean="0"/>
-              <a:t>planif</a:t>
-            </a:r>
-            <a:r>
-              <a:rPr lang="fr-FR" dirty="0" smtClean="0"/>
-              <a:t> ? </a:t>
-            </a:r>
-          </a:p>
-        </p:txBody>
-      </p:sp>
-      <p:sp>
-        <p:nvSpPr>
-          <p:cNvPr id="6" name="ZoneTexte 5"/>
-          <p:cNvSpPr txBox="1"/>
-          <p:nvPr/>
-        </p:nvSpPr>
-        <p:spPr>
-          <a:xfrm>
-            <a:off x="1737949" y="4476677"/>
-            <a:ext cx="8763962" cy="1477328"/>
-          </a:xfrm>
-          <a:prstGeom prst="rect">
-            <a:avLst/>
-          </a:prstGeom>
-          <a:noFill/>
-        </p:spPr>
-        <p:txBody>
-          <a:bodyPr wrap="square" rtlCol="0">
-            <a:spAutoFit/>
-          </a:bodyPr>
-          <a:lstStyle/>
-          <a:p>
-            <a:r>
-              <a:rPr lang="fr-FR" dirty="0" smtClean="0"/>
-              <a:t>Identification des compétences (savoirs + savoir-faire)</a:t>
-            </a:r>
-          </a:p>
-          <a:p>
-            <a:r>
-              <a:rPr lang="fr-FR" dirty="0" smtClean="0"/>
-              <a:t>Structuration des connaissances</a:t>
-            </a:r>
-          </a:p>
-          <a:p>
-            <a:r>
-              <a:rPr lang="fr-FR" dirty="0" smtClean="0"/>
-              <a:t>Evaluations sommative</a:t>
-            </a:r>
-          </a:p>
-          <a:p>
-            <a:r>
-              <a:rPr lang="fr-FR" dirty="0" smtClean="0"/>
-              <a:t>Identification d’un </a:t>
-            </a:r>
-            <a:r>
-              <a:rPr lang="fr-FR" dirty="0" err="1" smtClean="0"/>
-              <a:t>pb</a:t>
-            </a:r>
-            <a:r>
-              <a:rPr lang="fr-FR" dirty="0" smtClean="0"/>
-              <a:t> technologique </a:t>
-            </a:r>
-            <a:r>
-              <a:rPr lang="fr-FR" dirty="0" smtClean="0">
-                <a:sym typeface="Wingdings" panose="05000000000000000000" pitchFamily="2" charset="2"/>
-              </a:rPr>
-              <a:t> situation déclenchante</a:t>
-            </a:r>
-          </a:p>
-          <a:p>
-            <a:r>
-              <a:rPr lang="fr-FR" dirty="0" smtClean="0">
-                <a:sym typeface="Wingdings" panose="05000000000000000000" pitchFamily="2" charset="2"/>
-              </a:rPr>
-              <a:t>Activité d’apprentissage</a:t>
-            </a:r>
-            <a:endParaRPr lang="fr-FR" dirty="0" smtClean="0"/>
-          </a:p>
-        </p:txBody>
-      </p:sp>
     </p:spTree>
     <p:extLst>
       <p:ext uri="{BB962C8B-B14F-4D97-AF65-F5344CB8AC3E}">
-        <p14:creationId xmlns:p14="http://schemas.microsoft.com/office/powerpoint/2010/main" val="614804212"/>
+        <p14:creationId xmlns:p14="http://schemas.microsoft.com/office/powerpoint/2010/main" val="1949486404"/>
       </p:ext>
     </p:extLst>
   </p:cSld>
@@ -13621,21 +8678,18 @@
             <p:ph type="title"/>
           </p:nvPr>
         </p:nvSpPr>
-        <p:spPr>
-          <a:xfrm>
-            <a:off x="2592924" y="624110"/>
-            <a:ext cx="8911687" cy="668096"/>
-          </a:xfrm>
-        </p:spPr>
-        <p:txBody>
-          <a:bodyPr>
-            <a:normAutofit fontScale="90000"/>
-          </a:bodyPr>
+        <p:spPr/>
+        <p:txBody>
+          <a:bodyPr/>
           <a:lstStyle/>
           <a:p>
             <a:r>
               <a:rPr lang="fr-FR" dirty="0" smtClean="0"/>
-              <a:t>3.2 – Compétences et connaissances à faire acquérir</a:t>
+              <a:t>5 </a:t>
+            </a:r>
+            <a:r>
+              <a:rPr lang="fr-FR" dirty="0" smtClean="0"/>
+              <a:t>– </a:t>
             </a:r>
             <a:endParaRPr lang="fr-FR" dirty="0"/>
           </a:p>
@@ -13665,46 +8719,10 @@
           </a:p>
         </p:txBody>
       </p:sp>
-      <p:sp>
-        <p:nvSpPr>
-          <p:cNvPr id="5" name="ZoneTexte 4"/>
-          <p:cNvSpPr txBox="1"/>
-          <p:nvPr/>
-        </p:nvSpPr>
-        <p:spPr>
-          <a:xfrm>
-            <a:off x="3006569" y="2384949"/>
-            <a:ext cx="4871847" cy="646331"/>
-          </a:xfrm>
-          <a:prstGeom prst="rect">
-            <a:avLst/>
-          </a:prstGeom>
-          <a:noFill/>
-        </p:spPr>
-        <p:txBody>
-          <a:bodyPr wrap="none" rtlCol="0">
-            <a:spAutoFit/>
-          </a:bodyPr>
-          <a:lstStyle/>
-          <a:p>
-            <a:r>
-              <a:rPr lang="fr-FR" dirty="0" smtClean="0"/>
-              <a:t>Compétences (principales et secondaire)</a:t>
-            </a:r>
-          </a:p>
-          <a:p>
-            <a:r>
-              <a:rPr lang="fr-FR" dirty="0" smtClean="0"/>
-              <a:t>Taxonomie éventuellement</a:t>
-            </a:r>
-            <a:endParaRPr lang="fr-FR" dirty="0"/>
-          </a:p>
-        </p:txBody>
-      </p:sp>
     </p:spTree>
     <p:extLst>
       <p:ext uri="{BB962C8B-B14F-4D97-AF65-F5344CB8AC3E}">
-        <p14:creationId xmlns:p14="http://schemas.microsoft.com/office/powerpoint/2010/main" val="4118914796"/>
+        <p14:creationId xmlns:p14="http://schemas.microsoft.com/office/powerpoint/2010/main" val="128839448"/>
       </p:ext>
     </p:extLst>
   </p:cSld>
@@ -13741,19 +8759,18 @@
             <p:ph type="title"/>
           </p:nvPr>
         </p:nvSpPr>
-        <p:spPr>
-          <a:xfrm>
-            <a:off x="2592924" y="624110"/>
-            <a:ext cx="8911687" cy="668096"/>
-          </a:xfrm>
-        </p:spPr>
+        <p:spPr/>
         <p:txBody>
           <a:bodyPr/>
           <a:lstStyle/>
           <a:p>
             <a:r>
               <a:rPr lang="fr-FR" dirty="0" smtClean="0"/>
-              <a:t>3.3 – Stratégie pédagogique</a:t>
+              <a:t>6 </a:t>
+            </a:r>
+            <a:r>
+              <a:rPr lang="fr-FR" dirty="0" smtClean="0"/>
+              <a:t>– </a:t>
             </a:r>
             <a:endParaRPr lang="fr-FR" dirty="0"/>
           </a:p>
@@ -13783,72 +8800,10 @@
           </a:p>
         </p:txBody>
       </p:sp>
-      <p:sp>
-        <p:nvSpPr>
-          <p:cNvPr id="5" name="ZoneTexte 4"/>
-          <p:cNvSpPr txBox="1"/>
-          <p:nvPr/>
-        </p:nvSpPr>
-        <p:spPr>
-          <a:xfrm>
-            <a:off x="2969408" y="1292206"/>
-            <a:ext cx="6419641" cy="1477328"/>
-          </a:xfrm>
-          <a:prstGeom prst="rect">
-            <a:avLst/>
-          </a:prstGeom>
-          <a:noFill/>
-        </p:spPr>
-        <p:txBody>
-          <a:bodyPr wrap="square" rtlCol="0">
-            <a:spAutoFit/>
-          </a:bodyPr>
-          <a:lstStyle/>
-          <a:p>
-            <a:r>
-              <a:rPr lang="fr-FR" dirty="0"/>
-              <a:t>Une stratégie pédagogique est un ensemble de méthodes et de démarches, qui vont déterminer des choix de techniques, de matériels et de situations pédagogiques, par rapport à l'objet, au but de l'apprentissage.  Jean-Claude </a:t>
-            </a:r>
-            <a:r>
-              <a:rPr lang="fr-FR" dirty="0" err="1"/>
-              <a:t>Maurin</a:t>
-            </a:r>
-            <a:r>
-              <a:rPr lang="fr-FR" dirty="0"/>
-              <a:t>. 2000 </a:t>
-            </a:r>
-            <a:endParaRPr lang="fr-FR" dirty="0" smtClean="0"/>
-          </a:p>
-        </p:txBody>
-      </p:sp>
-      <p:pic>
-        <p:nvPicPr>
-          <p:cNvPr id="4" name="Image 3"/>
-          <p:cNvPicPr>
-            <a:picLocks noChangeAspect="1"/>
-          </p:cNvPicPr>
-          <p:nvPr/>
-        </p:nvPicPr>
-        <p:blipFill>
-          <a:blip r:embed="rId2"/>
-          <a:stretch>
-            <a:fillRect/>
-          </a:stretch>
-        </p:blipFill>
-        <p:spPr>
-          <a:xfrm>
-            <a:off x="3030845" y="2769534"/>
-            <a:ext cx="5264460" cy="4016714"/>
-          </a:xfrm>
-          <a:prstGeom prst="rect">
-            <a:avLst/>
-          </a:prstGeom>
-        </p:spPr>
-      </p:pic>
     </p:spTree>
     <p:extLst>
       <p:ext uri="{BB962C8B-B14F-4D97-AF65-F5344CB8AC3E}">
-        <p14:creationId xmlns:p14="http://schemas.microsoft.com/office/powerpoint/2010/main" val="1626070407"/>
+        <p14:creationId xmlns:p14="http://schemas.microsoft.com/office/powerpoint/2010/main" val="681031899"/>
       </p:ext>
     </p:extLst>
   </p:cSld>
@@ -13885,19 +8840,18 @@
             <p:ph type="title"/>
           </p:nvPr>
         </p:nvSpPr>
-        <p:spPr>
-          <a:xfrm>
-            <a:off x="2592924" y="624110"/>
-            <a:ext cx="8911687" cy="668096"/>
-          </a:xfrm>
-        </p:spPr>
+        <p:spPr/>
         <p:txBody>
           <a:bodyPr/>
           <a:lstStyle/>
           <a:p>
             <a:r>
               <a:rPr lang="fr-FR" dirty="0" smtClean="0"/>
-              <a:t>3.3 – Pré requis nécessaires</a:t>
+              <a:t>7 </a:t>
+            </a:r>
+            <a:r>
+              <a:rPr lang="fr-FR" dirty="0" smtClean="0"/>
+              <a:t>– </a:t>
             </a:r>
             <a:endParaRPr lang="fr-FR" dirty="0"/>
           </a:p>
@@ -13927,77 +8881,10 @@
           </a:p>
         </p:txBody>
       </p:sp>
-      <p:sp>
-        <p:nvSpPr>
-          <p:cNvPr id="5" name="ZoneTexte 4"/>
-          <p:cNvSpPr txBox="1"/>
-          <p:nvPr/>
-        </p:nvSpPr>
-        <p:spPr>
-          <a:xfrm>
-            <a:off x="3088153" y="1960211"/>
-            <a:ext cx="8315097" cy="923330"/>
-          </a:xfrm>
-          <a:prstGeom prst="rect">
-            <a:avLst/>
-          </a:prstGeom>
-          <a:noFill/>
-        </p:spPr>
-        <p:txBody>
-          <a:bodyPr wrap="none" rtlCol="0">
-            <a:spAutoFit/>
-          </a:bodyPr>
-          <a:lstStyle/>
-          <a:p>
-            <a:r>
-              <a:rPr lang="fr-FR" dirty="0" smtClean="0"/>
-              <a:t>De la discipline </a:t>
-            </a:r>
-          </a:p>
-          <a:p>
-            <a:r>
-              <a:rPr lang="fr-FR" dirty="0" smtClean="0"/>
-              <a:t>D’autres disciplines (Maths, </a:t>
-            </a:r>
-            <a:r>
-              <a:rPr lang="fr-FR" dirty="0" err="1" smtClean="0"/>
-              <a:t>Sc</a:t>
-            </a:r>
-            <a:r>
-              <a:rPr lang="fr-FR" dirty="0" smtClean="0"/>
-              <a:t> </a:t>
-            </a:r>
-            <a:r>
-              <a:rPr lang="fr-FR" dirty="0" err="1" smtClean="0"/>
-              <a:t>Phy</a:t>
-            </a:r>
-            <a:r>
-              <a:rPr lang="fr-FR" dirty="0" smtClean="0"/>
-              <a:t>) [interdisciplinarité] </a:t>
-            </a:r>
-          </a:p>
-          <a:p>
-            <a:r>
-              <a:rPr lang="fr-FR" dirty="0" smtClean="0"/>
-              <a:t>	</a:t>
-            </a:r>
-            <a:r>
-              <a:rPr lang="fr-FR" dirty="0" smtClean="0">
-                <a:sym typeface="Wingdings" pitchFamily="2" charset="2"/>
-              </a:rPr>
-              <a:t> </a:t>
-            </a:r>
-            <a:r>
-              <a:rPr lang="fr-FR" dirty="0" smtClean="0"/>
-              <a:t>attention à la planification de ces séquences  / celle développée</a:t>
-            </a:r>
-          </a:p>
-        </p:txBody>
-      </p:sp>
     </p:spTree>
     <p:extLst>
       <p:ext uri="{BB962C8B-B14F-4D97-AF65-F5344CB8AC3E}">
-        <p14:creationId xmlns:p14="http://schemas.microsoft.com/office/powerpoint/2010/main" val="3574017169"/>
+        <p14:creationId xmlns:p14="http://schemas.microsoft.com/office/powerpoint/2010/main" val="3063610257"/>
       </p:ext>
     </p:extLst>
   </p:cSld>

--- a/N1.pptx
+++ b/N1.pptx
@@ -234,7 +234,7 @@
             <a:fld id="{F56AEA39-9498-4FCA-B33C-4312124B84ED}" type="datetimeFigureOut">
               <a:rPr lang="fr-FR" smtClean="0"/>
               <a:pPr/>
-              <a:t>09/04/2022</a:t>
+              <a:t>10/04/2022</a:t>
             </a:fld>
             <a:endParaRPr lang="fr-FR"/>
           </a:p>
@@ -777,7 +777,7 @@
             <a:fld id="{6B6607F0-2372-40D2-9255-61C780155E2B}" type="datetime1">
               <a:rPr lang="en-US" smtClean="0"/>
               <a:pPr/>
-              <a:t>4/9/2022</a:t>
+              <a:t>4/10/2022</a:t>
             </a:fld>
             <a:endParaRPr lang="en-US" dirty="0"/>
           </a:p>
@@ -1112,7 +1112,7 @@
             <a:fld id="{62AE4DF1-A014-41C7-83FD-CEC8AD6D19E7}" type="datetime1">
               <a:rPr lang="en-US" smtClean="0"/>
               <a:pPr/>
-              <a:t>4/9/2022</a:t>
+              <a:t>4/10/2022</a:t>
             </a:fld>
             <a:endParaRPr lang="en-US" dirty="0"/>
           </a:p>
@@ -1510,7 +1510,7 @@
             <a:fld id="{DD5C5C09-23AE-42F4-9FF8-E9887FF5AB21}" type="datetime1">
               <a:rPr lang="en-US" smtClean="0"/>
               <a:pPr/>
-              <a:t>4/9/2022</a:t>
+              <a:t>4/10/2022</a:t>
             </a:fld>
             <a:endParaRPr lang="en-US" dirty="0"/>
           </a:p>
@@ -1843,7 +1843,7 @@
             <a:fld id="{FBA9A64C-4363-4D29-AF62-0AF078BF4DEB}" type="datetime1">
               <a:rPr lang="en-US" smtClean="0"/>
               <a:pPr/>
-              <a:t>4/9/2022</a:t>
+              <a:t>4/10/2022</a:t>
             </a:fld>
             <a:endParaRPr lang="en-US" dirty="0"/>
           </a:p>
@@ -2160,7 +2160,7 @@
             <a:fld id="{823AA076-EE84-4336-A3F4-132885F9F98A}" type="datetime1">
               <a:rPr lang="en-US" smtClean="0"/>
               <a:pPr/>
-              <a:t>4/9/2022</a:t>
+              <a:t>4/10/2022</a:t>
             </a:fld>
             <a:endParaRPr lang="en-US" dirty="0"/>
           </a:p>
@@ -2553,7 +2553,7 @@
             <a:fld id="{08CDE7AC-32EF-4147-B739-D24792018E30}" type="datetime1">
               <a:rPr lang="en-US" smtClean="0"/>
               <a:pPr/>
-              <a:t>4/9/2022</a:t>
+              <a:t>4/10/2022</a:t>
             </a:fld>
             <a:endParaRPr lang="en-US" dirty="0"/>
           </a:p>
@@ -2807,7 +2807,7 @@
             <a:fld id="{4FB0C1C4-C408-4323-9B58-95D9CB252497}" type="datetime1">
               <a:rPr lang="en-US" smtClean="0"/>
               <a:pPr/>
-              <a:t>4/9/2022</a:t>
+              <a:t>4/10/2022</a:t>
             </a:fld>
             <a:endParaRPr lang="en-US" dirty="0"/>
           </a:p>
@@ -3066,7 +3066,7 @@
             <a:fld id="{33A753D1-A681-455F-A087-29BE400C8828}" type="datetime1">
               <a:rPr lang="en-US" smtClean="0"/>
               <a:pPr/>
-              <a:t>4/9/2022</a:t>
+              <a:t>4/10/2022</a:t>
             </a:fld>
             <a:endParaRPr lang="en-US" dirty="0"/>
           </a:p>
@@ -3325,7 +3325,7 @@
             <a:fld id="{667A7B24-BF5D-4B93-B822-3F8E933A9370}" type="datetime1">
               <a:rPr lang="en-US" smtClean="0"/>
               <a:pPr/>
-              <a:t>4/9/2022</a:t>
+              <a:t>4/10/2022</a:t>
             </a:fld>
             <a:endParaRPr lang="en-US" dirty="0"/>
           </a:p>
@@ -3651,7 +3651,7 @@
             <a:fld id="{1FACF992-E665-4C99-81E7-25F1C78B7D4C}" type="datetime1">
               <a:rPr lang="en-US" smtClean="0"/>
               <a:pPr/>
-              <a:t>4/9/2022</a:t>
+              <a:t>4/10/2022</a:t>
             </a:fld>
             <a:endParaRPr lang="en-US" dirty="0"/>
           </a:p>
@@ -3971,7 +3971,7 @@
             <a:fld id="{61411115-743C-4335-AEB6-57B14653E396}" type="datetime1">
               <a:rPr lang="en-US" smtClean="0"/>
               <a:pPr/>
-              <a:t>4/9/2022</a:t>
+              <a:t>4/10/2022</a:t>
             </a:fld>
             <a:endParaRPr lang="en-US" dirty="0"/>
           </a:p>
@@ -4425,7 +4425,7 @@
             <a:fld id="{1019BFC1-A3BC-41B2-8676-187CA29F2787}" type="datetime1">
               <a:rPr lang="en-US" smtClean="0"/>
               <a:pPr/>
-              <a:t>4/9/2022</a:t>
+              <a:t>4/10/2022</a:t>
             </a:fld>
             <a:endParaRPr lang="en-US" dirty="0"/>
           </a:p>
@@ -4627,7 +4627,7 @@
             <a:fld id="{2D4FD715-157B-4FB4-BC8A-8D496A32A594}" type="datetime1">
               <a:rPr lang="en-US" smtClean="0"/>
               <a:pPr/>
-              <a:t>4/9/2022</a:t>
+              <a:t>4/10/2022</a:t>
             </a:fld>
             <a:endParaRPr lang="en-US" dirty="0"/>
           </a:p>
@@ -4801,7 +4801,7 @@
             <a:fld id="{1B17ACFB-D0C9-462B-A9FD-3385E1BEB218}" type="datetime1">
               <a:rPr lang="en-US" smtClean="0"/>
               <a:pPr/>
-              <a:t>4/9/2022</a:t>
+              <a:t>4/10/2022</a:t>
             </a:fld>
             <a:endParaRPr lang="en-US" dirty="0"/>
           </a:p>
@@ -5131,7 +5131,7 @@
             <a:fld id="{1F2D63D7-F1B3-4C1F-AD43-1933E6DB83D4}" type="datetime1">
               <a:rPr lang="en-US" smtClean="0"/>
               <a:pPr/>
-              <a:t>4/9/2022</a:t>
+              <a:t>4/10/2022</a:t>
             </a:fld>
             <a:endParaRPr lang="en-US" dirty="0"/>
           </a:p>
@@ -5473,7 +5473,7 @@
             <a:fld id="{1C787478-02B5-46C1-B3E1-A172458226B2}" type="datetime1">
               <a:rPr lang="en-US" smtClean="0"/>
               <a:pPr/>
-              <a:t>4/9/2022</a:t>
+              <a:t>4/10/2022</a:t>
             </a:fld>
             <a:endParaRPr lang="en-US" dirty="0"/>
           </a:p>
@@ -7587,7 +7587,7 @@
             <a:fld id="{566BAA2A-DD73-4939-9BB2-411A9375FFB5}" type="datetime1">
               <a:rPr lang="en-US" smtClean="0"/>
               <a:pPr/>
-              <a:t>4/9/2022</a:t>
+              <a:t>4/10/2022</a:t>
             </a:fld>
             <a:endParaRPr lang="en-US" dirty="0"/>
           </a:p>
@@ -8381,8 +8381,8 @@
         </p:nvSpPr>
         <p:spPr>
           <a:xfrm>
-            <a:off x="3019631" y="2045315"/>
-            <a:ext cx="7234712" cy="1200329"/>
+            <a:off x="3019630" y="2045315"/>
+            <a:ext cx="8172187" cy="2308324"/>
           </a:xfrm>
           <a:prstGeom prst="rect">
             <a:avLst/>
@@ -8409,11 +8409,40 @@
           <a:p>
             <a:r>
               <a:rPr lang="fr-FR" dirty="0" smtClean="0"/>
-              <a:t>Synthèse par l’enseignant  / distribution de la fiche</a:t>
-            </a:r>
-          </a:p>
-          <a:p>
-            <a:endParaRPr lang="fr-FR" dirty="0" smtClean="0"/>
+              <a:t>Synthèse par l’enseignant  / distribution de la </a:t>
+            </a:r>
+            <a:r>
+              <a:rPr lang="fr-FR" dirty="0" smtClean="0"/>
+              <a:t>fiche</a:t>
+            </a:r>
+          </a:p>
+          <a:p>
+            <a:endParaRPr lang="fr-FR" dirty="0"/>
+          </a:p>
+          <a:p>
+            <a:r>
+              <a:rPr lang="fr-FR" dirty="0" smtClean="0"/>
+              <a:t>Ce qu’il faut savoir</a:t>
+            </a:r>
+          </a:p>
+          <a:p>
+            <a:r>
+              <a:rPr lang="fr-FR" dirty="0" smtClean="0"/>
+              <a:t>Ce qu’il faut savoir faire</a:t>
+            </a:r>
+          </a:p>
+          <a:p>
+            <a:r>
+              <a:rPr lang="fr-FR" dirty="0" smtClean="0"/>
+              <a:t>Exemple méthodologique</a:t>
+            </a:r>
+            <a:endParaRPr lang="fr-FR" dirty="0"/>
+          </a:p>
+          <a:p>
+            <a:r>
+              <a:rPr lang="fr-FR" dirty="0" smtClean="0"/>
+              <a:t>Un contexte d’application , décontextualisé de la séquence</a:t>
+            </a:r>
           </a:p>
         </p:txBody>
       </p:sp>
@@ -8509,8 +8538,8 @@
         </p:nvSpPr>
         <p:spPr>
           <a:xfrm>
-            <a:off x="2187401" y="2014802"/>
-            <a:ext cx="8239489" cy="4247317"/>
+            <a:off x="2127171" y="1225689"/>
+            <a:ext cx="8239489" cy="5632311"/>
           </a:xfrm>
           <a:prstGeom prst="rect">
             <a:avLst/>
@@ -8616,6 +8645,45 @@
               <a:rPr lang="fr-FR" dirty="0" smtClean="0"/>
               <a:t> (CCF) </a:t>
             </a:r>
+            <a:endParaRPr lang="fr-FR" dirty="0" smtClean="0"/>
+          </a:p>
+          <a:p>
+            <a:pPr marL="342900" indent="-342900">
+              <a:buAutoNum type="alphaLcParenR" startAt="3"/>
+            </a:pPr>
+            <a:endParaRPr lang="fr-FR" dirty="0"/>
+          </a:p>
+          <a:p>
+            <a:r>
+              <a:rPr lang="fr-FR" dirty="0"/>
+              <a:t>Diagnostiquer les difficultés de </a:t>
+            </a:r>
+            <a:r>
+              <a:rPr lang="fr-FR" dirty="0" err="1"/>
+              <a:t>devlopt</a:t>
+            </a:r>
+            <a:r>
+              <a:rPr lang="fr-FR" dirty="0"/>
+              <a:t> savoirs et savoir-faire d’un élève</a:t>
+            </a:r>
+          </a:p>
+          <a:p>
+            <a:r>
+              <a:rPr lang="fr-FR" dirty="0"/>
+              <a:t>Concevoir + mise en œuvre remédiation</a:t>
+            </a:r>
+          </a:p>
+          <a:p>
+            <a:r>
+              <a:rPr lang="fr-FR" dirty="0"/>
+              <a:t>Concevoir un scénario d’évaluation formative / sommative</a:t>
+            </a:r>
+          </a:p>
+          <a:p>
+            <a:pPr marL="342900" indent="-342900">
+              <a:buAutoNum type="alphaLcParenR" startAt="3"/>
+            </a:pPr>
+            <a:endParaRPr lang="fr-FR" dirty="0" smtClean="0"/>
           </a:p>
         </p:txBody>
       </p:sp>
@@ -10823,7 +10891,7 @@
         <p:spPr>
           <a:xfrm>
             <a:off x="2928133" y="2684111"/>
-            <a:ext cx="8488221" cy="1200329"/>
+            <a:ext cx="8577989" cy="1200329"/>
           </a:xfrm>
           <a:prstGeom prst="rect">
             <a:avLst/>
@@ -10844,14 +10912,27 @@
           <a:p>
             <a:r>
               <a:rPr lang="fr-FR" dirty="0" smtClean="0"/>
-              <a:t>(plusieurs support peuvent conduire aux même apport de connaissance , </a:t>
-            </a:r>
-          </a:p>
-          <a:p>
-            <a:r>
-              <a:rPr lang="fr-FR" dirty="0" smtClean="0"/>
-              <a:t>développement de compétence</a:t>
-            </a:r>
+              <a:t>(plusieurs </a:t>
+            </a:r>
+            <a:r>
+              <a:rPr lang="fr-FR" dirty="0" smtClean="0"/>
+              <a:t>supports </a:t>
+            </a:r>
+            <a:r>
+              <a:rPr lang="fr-FR" dirty="0" smtClean="0"/>
+              <a:t>peuvent conduire aux même apport de connaissance , </a:t>
+            </a:r>
+          </a:p>
+          <a:p>
+            <a:r>
+              <a:rPr lang="fr-FR" dirty="0" smtClean="0"/>
+              <a:t>développement de </a:t>
+            </a:r>
+            <a:r>
+              <a:rPr lang="fr-FR" dirty="0" smtClean="0"/>
+              <a:t>compétences</a:t>
+            </a:r>
+            <a:endParaRPr lang="fr-FR" dirty="0" smtClean="0"/>
           </a:p>
           <a:p>
             <a:endParaRPr lang="fr-FR" dirty="0" smtClean="0"/>
@@ -12369,11 +12450,7 @@
             </a:r>
             <a:r>
               <a:rPr lang="fr-FR" dirty="0" smtClean="0"/>
-              <a:t> </a:t>
-            </a:r>
-            <a:r>
-              <a:rPr lang="fr-FR" dirty="0" smtClean="0"/>
-              <a:t>(savoirs + savoir-faire)</a:t>
+              <a:t> (savoirs + savoir-faire)</a:t>
             </a:r>
           </a:p>
           <a:p>
@@ -12387,13 +12464,8 @@
             </a:r>
             <a:r>
               <a:rPr lang="fr-FR" dirty="0" smtClean="0"/>
-              <a:t>(sémantique + épisodique </a:t>
-            </a:r>
-            <a:r>
-              <a:rPr lang="fr-FR" dirty="0" smtClean="0"/>
-              <a:t>évènementielle)</a:t>
-            </a:r>
-            <a:endParaRPr lang="fr-FR" dirty="0" smtClean="0"/>
+              <a:t>(sémantique + épisodique évènementielle)</a:t>
+            </a:r>
           </a:p>
           <a:p>
             <a:pPr marL="285750" indent="-285750">
@@ -12406,15 +12478,7 @@
             </a:r>
             <a:r>
               <a:rPr lang="fr-FR" dirty="0" smtClean="0"/>
-              <a:t>(</a:t>
-            </a:r>
-            <a:r>
-              <a:rPr lang="fr-FR" dirty="0" smtClean="0"/>
-              <a:t>procédurale+ </a:t>
-            </a:r>
-            <a:r>
-              <a:rPr lang="fr-FR" dirty="0" smtClean="0"/>
-              <a:t>émotionnel)</a:t>
+              <a:t>(procédurale+ émotionnel)</a:t>
             </a:r>
           </a:p>
           <a:p>
@@ -12613,11 +12677,7 @@
             </a:r>
             <a:r>
               <a:rPr lang="fr-FR" dirty="0" smtClean="0"/>
-              <a:t> : J’ai un problème sur un système </a:t>
-            </a:r>
-            <a:r>
-              <a:rPr lang="fr-FR" dirty="0" smtClean="0"/>
-              <a:t>existant</a:t>
+              <a:t> : J’ai un problème sur un système existant</a:t>
             </a:r>
           </a:p>
           <a:p>
@@ -13203,8 +13263,13 @@
           <a:p>
             <a:r>
               <a:rPr lang="fr-FR" dirty="0" smtClean="0"/>
-              <a:t>3.1 : Rappel - Eléments de contexte</a:t>
-            </a:r>
+              <a:t>3.1 : Rappel - Eléments de </a:t>
+            </a:r>
+            <a:r>
+              <a:rPr lang="fr-FR" dirty="0" smtClean="0"/>
+              <a:t>contexte – Démarche de ma présentation</a:t>
+            </a:r>
+            <a:endParaRPr lang="fr-FR" dirty="0" smtClean="0"/>
           </a:p>
           <a:p>
             <a:r>
@@ -13321,8 +13386,30 @@
           <a:p>
             <a:r>
               <a:rPr lang="fr-FR" dirty="0" smtClean="0"/>
-              <a:t>3.1 – Rappels des éléments de contexte</a:t>
-            </a:r>
+              <a:t>3.1 – Rappels des éléments de </a:t>
+            </a:r>
+            <a:r>
+              <a:rPr lang="fr-FR" dirty="0" smtClean="0"/>
+              <a:t>contexte</a:t>
+            </a:r>
+            <a:br>
+              <a:rPr lang="fr-FR" dirty="0" smtClean="0"/>
+            </a:br>
+            <a:r>
+              <a:rPr lang="fr-FR" dirty="0" smtClean="0"/>
+              <a:t>		 </a:t>
+            </a:r>
+            <a:r>
+              <a:rPr lang="fr-FR" dirty="0" smtClean="0"/>
+              <a:t>Démarche de ma présentation</a:t>
+            </a:r>
+            <a:r>
+              <a:rPr lang="fr-FR" dirty="0" smtClean="0"/>
+              <a:t/>
+            </a:r>
+            <a:br>
+              <a:rPr lang="fr-FR" dirty="0" smtClean="0"/>
+            </a:br>
             <a:endParaRPr lang="fr-FR" dirty="0"/>
           </a:p>
         </p:txBody>
@@ -13421,6 +13508,76 @@
               <a:rPr lang="fr-FR" dirty="0" smtClean="0"/>
               <a:t> ? </a:t>
             </a:r>
+          </a:p>
+        </p:txBody>
+      </p:sp>
+      <p:sp>
+        <p:nvSpPr>
+          <p:cNvPr id="6" name="ZoneTexte 5"/>
+          <p:cNvSpPr txBox="1"/>
+          <p:nvPr/>
+        </p:nvSpPr>
+        <p:spPr>
+          <a:xfrm>
+            <a:off x="1737949" y="4476677"/>
+            <a:ext cx="8763962" cy="1477328"/>
+          </a:xfrm>
+          <a:prstGeom prst="rect">
+            <a:avLst/>
+          </a:prstGeom>
+          <a:noFill/>
+        </p:spPr>
+        <p:txBody>
+          <a:bodyPr wrap="square" rtlCol="0">
+            <a:spAutoFit/>
+          </a:bodyPr>
+          <a:lstStyle/>
+          <a:p>
+            <a:r>
+              <a:rPr lang="fr-FR" dirty="0" smtClean="0"/>
+              <a:t>Identification des compétences (savoirs + savoir-faire)</a:t>
+            </a:r>
+          </a:p>
+          <a:p>
+            <a:r>
+              <a:rPr lang="fr-FR" dirty="0" smtClean="0"/>
+              <a:t>Structuration des connaissances</a:t>
+            </a:r>
+          </a:p>
+          <a:p>
+            <a:r>
+              <a:rPr lang="fr-FR" dirty="0" smtClean="0"/>
+              <a:t>Evaluations sommative</a:t>
+            </a:r>
+          </a:p>
+          <a:p>
+            <a:r>
+              <a:rPr lang="fr-FR" dirty="0" smtClean="0"/>
+              <a:t>Identification d’un </a:t>
+            </a:r>
+            <a:r>
+              <a:rPr lang="fr-FR" dirty="0" err="1" smtClean="0"/>
+              <a:t>pb</a:t>
+            </a:r>
+            <a:r>
+              <a:rPr lang="fr-FR" dirty="0" smtClean="0"/>
+              <a:t> technologique </a:t>
+            </a:r>
+            <a:r>
+              <a:rPr lang="fr-FR" dirty="0" smtClean="0">
+                <a:sym typeface="Wingdings" panose="05000000000000000000" pitchFamily="2" charset="2"/>
+              </a:rPr>
+              <a:t> situation déclenchante</a:t>
+            </a:r>
+          </a:p>
+          <a:p>
+            <a:r>
+              <a:rPr lang="fr-FR" dirty="0" smtClean="0">
+                <a:sym typeface="Wingdings" panose="05000000000000000000" pitchFamily="2" charset="2"/>
+              </a:rPr>
+              <a:t>Activité d’apprentissage</a:t>
+            </a:r>
+            <a:endParaRPr lang="fr-FR" dirty="0" smtClean="0"/>
           </a:p>
         </p:txBody>
       </p:sp>
@@ -13634,7 +13791,7 @@
         </p:nvSpPr>
         <p:spPr>
           <a:xfrm>
-            <a:off x="3088153" y="1960210"/>
+            <a:off x="2969408" y="1292206"/>
             <a:ext cx="6419641" cy="1477328"/>
           </a:xfrm>
           <a:prstGeom prst="rect">
@@ -13664,6 +13821,30 @@
           </a:p>
         </p:txBody>
       </p:sp>
+      <p:pic>
+        <p:nvPicPr>
+          <p:cNvPr id="4" name="Image 3"/>
+          <p:cNvPicPr>
+            <a:picLocks noChangeAspect="1"/>
+          </p:cNvPicPr>
+          <p:nvPr/>
+        </p:nvPicPr>
+        <p:blipFill>
+          <a:blip r:embed="rId2"/>
+          <a:stretch>
+            <a:fillRect/>
+          </a:stretch>
+        </p:blipFill>
+        <p:spPr>
+          <a:xfrm>
+            <a:off x="3030845" y="2769534"/>
+            <a:ext cx="5264460" cy="4016714"/>
+          </a:xfrm>
+          <a:prstGeom prst="rect">
+            <a:avLst/>
+          </a:prstGeom>
+        </p:spPr>
+      </p:pic>
     </p:spTree>
     <p:extLst>
       <p:ext uri="{BB962C8B-B14F-4D97-AF65-F5344CB8AC3E}">

--- a/N1.pptx
+++ b/N1.pptx
@@ -5,18 +5,35 @@
     <p:sldMasterId id="2147483648" r:id="rId1"/>
   </p:sldMasterIdLst>
   <p:notesMasterIdLst>
-    <p:notesMasterId r:id="rId11"/>
+    <p:notesMasterId r:id="rId28"/>
   </p:notesMasterIdLst>
   <p:sldIdLst>
     <p:sldId id="256" r:id="rId2"/>
     <p:sldId id="257" r:id="rId3"/>
     <p:sldId id="258" r:id="rId4"/>
-    <p:sldId id="287" r:id="rId5"/>
-    <p:sldId id="288" r:id="rId6"/>
-    <p:sldId id="289" r:id="rId7"/>
-    <p:sldId id="290" r:id="rId8"/>
-    <p:sldId id="291" r:id="rId9"/>
-    <p:sldId id="292" r:id="rId10"/>
+    <p:sldId id="260" r:id="rId5"/>
+    <p:sldId id="278" r:id="rId6"/>
+    <p:sldId id="263" r:id="rId7"/>
+    <p:sldId id="262" r:id="rId8"/>
+    <p:sldId id="283" r:id="rId9"/>
+    <p:sldId id="267" r:id="rId10"/>
+    <p:sldId id="265" r:id="rId11"/>
+    <p:sldId id="280" r:id="rId12"/>
+    <p:sldId id="269" r:id="rId13"/>
+    <p:sldId id="281" r:id="rId14"/>
+    <p:sldId id="284" r:id="rId15"/>
+    <p:sldId id="285" r:id="rId16"/>
+    <p:sldId id="282" r:id="rId17"/>
+    <p:sldId id="279" r:id="rId18"/>
+    <p:sldId id="271" r:id="rId19"/>
+    <p:sldId id="272" r:id="rId20"/>
+    <p:sldId id="273" r:id="rId21"/>
+    <p:sldId id="274" r:id="rId22"/>
+    <p:sldId id="276" r:id="rId23"/>
+    <p:sldId id="277" r:id="rId24"/>
+    <p:sldId id="270" r:id="rId25"/>
+    <p:sldId id="275" r:id="rId26"/>
+    <p:sldId id="286" r:id="rId27"/>
   </p:sldIdLst>
   <p:sldSz cx="12192000" cy="6858000"/>
   <p:notesSz cx="6858000" cy="9144000"/>
@@ -217,7 +234,7 @@
             <a:fld id="{F56AEA39-9498-4FCA-B33C-4312124B84ED}" type="datetimeFigureOut">
               <a:rPr lang="fr-FR" smtClean="0"/>
               <a:pPr/>
-              <a:t>10/04/2022</a:t>
+              <a:t>28/05/2022</a:t>
             </a:fld>
             <a:endParaRPr lang="fr-FR"/>
           </a:p>
@@ -281,38 +298,37 @@
           <a:p>
             <a:pPr lvl="0"/>
             <a:r>
-              <a:rPr lang="fr-FR" smtClean="0"/>
+              <a:rPr lang="fr-FR"/>
               <a:t>Modifiez les styles du texte du masque</a:t>
             </a:r>
           </a:p>
           <a:p>
             <a:pPr lvl="1"/>
             <a:r>
-              <a:rPr lang="fr-FR" smtClean="0"/>
+              <a:rPr lang="fr-FR"/>
               <a:t>Deuxième niveau</a:t>
             </a:r>
           </a:p>
           <a:p>
             <a:pPr lvl="2"/>
             <a:r>
-              <a:rPr lang="fr-FR" smtClean="0"/>
+              <a:rPr lang="fr-FR"/>
               <a:t>Troisième niveau</a:t>
             </a:r>
           </a:p>
           <a:p>
             <a:pPr lvl="3"/>
             <a:r>
-              <a:rPr lang="fr-FR" smtClean="0"/>
+              <a:rPr lang="fr-FR"/>
               <a:t>Quatrième niveau</a:t>
             </a:r>
           </a:p>
           <a:p>
             <a:pPr lvl="4"/>
             <a:r>
-              <a:rPr lang="fr-FR" smtClean="0"/>
+              <a:rPr lang="fr-FR"/>
               <a:t>Cinquième niveau</a:t>
             </a:r>
-            <a:endParaRPr lang="fr-FR"/>
           </a:p>
         </p:txBody>
       </p:sp>
@@ -615,7 +631,7 @@
           </a:lstStyle>
           <a:p>
             <a:r>
-              <a:rPr lang="fr-FR" smtClean="0"/>
+              <a:rPr lang="fr-FR"/>
               <a:t>Modifiez le style du titre</a:t>
             </a:r>
             <a:endParaRPr lang="en-US" dirty="0"/>
@@ -735,7 +751,7 @@
           </a:lstStyle>
           <a:p>
             <a:r>
-              <a:rPr lang="fr-FR" smtClean="0"/>
+              <a:rPr lang="fr-FR"/>
               <a:t>Modifiez le style des sous-titres du masque</a:t>
             </a:r>
             <a:endParaRPr lang="en-US" dirty="0"/>
@@ -760,7 +776,7 @@
             <a:fld id="{6B6607F0-2372-40D2-9255-61C780155E2B}" type="datetime1">
               <a:rPr lang="en-US" smtClean="0"/>
               <a:pPr/>
-              <a:t>4/10/2022</a:t>
+              <a:t>5/28/2022</a:t>
             </a:fld>
             <a:endParaRPr lang="en-US" dirty="0"/>
           </a:p>
@@ -948,7 +964,7 @@
           </a:lstStyle>
           <a:p>
             <a:r>
-              <a:rPr lang="fr-FR" smtClean="0"/>
+              <a:rPr lang="fr-FR"/>
               <a:t>Modifiez le style du titre</a:t>
             </a:r>
             <a:endParaRPr lang="en-US" dirty="0"/>
@@ -1071,7 +1087,7 @@
           <a:p>
             <a:pPr lvl="0"/>
             <a:r>
-              <a:rPr lang="fr-FR" smtClean="0"/>
+              <a:rPr lang="fr-FR"/>
               <a:t>Modifiez les styles du texte du masque</a:t>
             </a:r>
           </a:p>
@@ -1095,7 +1111,7 @@
             <a:fld id="{62AE4DF1-A014-41C7-83FD-CEC8AD6D19E7}" type="datetime1">
               <a:rPr lang="en-US" smtClean="0"/>
               <a:pPr/>
-              <a:t>4/10/2022</a:t>
+              <a:t>5/28/2022</a:t>
             </a:fld>
             <a:endParaRPr lang="en-US" dirty="0"/>
           </a:p>
@@ -1283,7 +1299,7 @@
           </a:lstStyle>
           <a:p>
             <a:r>
-              <a:rPr lang="fr-FR" smtClean="0"/>
+              <a:rPr lang="fr-FR"/>
               <a:t>Modifiez le style du titre</a:t>
             </a:r>
             <a:endParaRPr lang="en-US" dirty="0"/>
@@ -1347,7 +1363,7 @@
           <a:p>
             <a:pPr lvl="0"/>
             <a:r>
-              <a:rPr lang="fr-FR" smtClean="0"/>
+              <a:rPr lang="fr-FR"/>
               <a:t>Modifiez les styles du texte du masque</a:t>
             </a:r>
           </a:p>
@@ -1469,7 +1485,7 @@
           <a:p>
             <a:pPr lvl="0"/>
             <a:r>
-              <a:rPr lang="fr-FR" smtClean="0"/>
+              <a:rPr lang="fr-FR"/>
               <a:t>Modifiez les styles du texte du masque</a:t>
             </a:r>
           </a:p>
@@ -1493,7 +1509,7 @@
             <a:fld id="{DD5C5C09-23AE-42F4-9FF8-E9887FF5AB21}" type="datetime1">
               <a:rPr lang="en-US" smtClean="0"/>
               <a:pPr/>
-              <a:t>4/10/2022</a:t>
+              <a:t>5/28/2022</a:t>
             </a:fld>
             <a:endParaRPr lang="en-US" dirty="0"/>
           </a:p>
@@ -1757,7 +1773,7 @@
           </a:lstStyle>
           <a:p>
             <a:r>
-              <a:rPr lang="fr-FR" smtClean="0"/>
+              <a:rPr lang="fr-FR"/>
               <a:t>Modifiez le style du titre</a:t>
             </a:r>
             <a:endParaRPr lang="en-US" dirty="0"/>
@@ -1802,7 +1818,7 @@
               <a:buNone/>
             </a:pPr>
             <a:r>
-              <a:rPr lang="fr-FR" smtClean="0"/>
+              <a:rPr lang="fr-FR"/>
               <a:t>Modifiez les styles du texte du masque</a:t>
             </a:r>
           </a:p>
@@ -1826,7 +1842,7 @@
             <a:fld id="{FBA9A64C-4363-4D29-AF62-0AF078BF4DEB}" type="datetime1">
               <a:rPr lang="en-US" smtClean="0"/>
               <a:pPr/>
-              <a:t>4/10/2022</a:t>
+              <a:t>5/28/2022</a:t>
             </a:fld>
             <a:endParaRPr lang="en-US" dirty="0"/>
           </a:p>
@@ -2014,7 +2030,7 @@
           </a:lstStyle>
           <a:p>
             <a:r>
-              <a:rPr lang="fr-FR" smtClean="0"/>
+              <a:rPr lang="fr-FR"/>
               <a:t>Modifiez le style du titre</a:t>
             </a:r>
             <a:endParaRPr lang="en-US" dirty="0"/>
@@ -2075,7 +2091,7 @@
           <a:p>
             <a:pPr lvl="0"/>
             <a:r>
-              <a:rPr lang="fr-FR" smtClean="0"/>
+              <a:rPr lang="fr-FR"/>
               <a:t>Modifiez les styles du texte du masque</a:t>
             </a:r>
           </a:p>
@@ -2119,7 +2135,7 @@
               <a:buNone/>
             </a:pPr>
             <a:r>
-              <a:rPr lang="fr-FR" smtClean="0"/>
+              <a:rPr lang="fr-FR"/>
               <a:t>Modifiez les styles du texte du masque</a:t>
             </a:r>
           </a:p>
@@ -2143,7 +2159,7 @@
             <a:fld id="{823AA076-EE84-4336-A3F4-132885F9F98A}" type="datetime1">
               <a:rPr lang="en-US" smtClean="0"/>
               <a:pPr/>
-              <a:t>4/10/2022</a:t>
+              <a:t>5/28/2022</a:t>
             </a:fld>
             <a:endParaRPr lang="en-US" dirty="0"/>
           </a:p>
@@ -2407,7 +2423,7 @@
           </a:lstStyle>
           <a:p>
             <a:r>
-              <a:rPr lang="fr-FR" smtClean="0"/>
+              <a:rPr lang="fr-FR"/>
               <a:t>Modifiez le style du titre</a:t>
             </a:r>
             <a:endParaRPr lang="en-US" dirty="0"/>
@@ -2468,7 +2484,7 @@
           <a:p>
             <a:pPr lvl="0"/>
             <a:r>
-              <a:rPr lang="fr-FR" smtClean="0"/>
+              <a:rPr lang="fr-FR"/>
               <a:t>Modifiez les styles du texte du masque</a:t>
             </a:r>
           </a:p>
@@ -2512,7 +2528,7 @@
               <a:buNone/>
             </a:pPr>
             <a:r>
-              <a:rPr lang="fr-FR" smtClean="0"/>
+              <a:rPr lang="fr-FR"/>
               <a:t>Modifiez les styles du texte du masque</a:t>
             </a:r>
           </a:p>
@@ -2536,7 +2552,7 @@
             <a:fld id="{08CDE7AC-32EF-4147-B739-D24792018E30}" type="datetime1">
               <a:rPr lang="en-US" smtClean="0"/>
               <a:pPr/>
-              <a:t>4/10/2022</a:t>
+              <a:t>5/28/2022</a:t>
             </a:fld>
             <a:endParaRPr lang="en-US" dirty="0"/>
           </a:p>
@@ -2713,7 +2729,7 @@
           <a:lstStyle/>
           <a:p>
             <a:r>
-              <a:rPr lang="fr-FR" smtClean="0"/>
+              <a:rPr lang="fr-FR"/>
               <a:t>Modifiez le style du titre</a:t>
             </a:r>
             <a:endParaRPr lang="en-US" dirty="0"/>
@@ -2737,35 +2753,35 @@
           <a:p>
             <a:pPr lvl="0"/>
             <a:r>
-              <a:rPr lang="fr-FR" smtClean="0"/>
+              <a:rPr lang="fr-FR"/>
               <a:t>Modifiez les styles du texte du masque</a:t>
             </a:r>
           </a:p>
           <a:p>
             <a:pPr lvl="1"/>
             <a:r>
-              <a:rPr lang="fr-FR" smtClean="0"/>
+              <a:rPr lang="fr-FR"/>
               <a:t>Deuxième niveau</a:t>
             </a:r>
           </a:p>
           <a:p>
             <a:pPr lvl="2"/>
             <a:r>
-              <a:rPr lang="fr-FR" smtClean="0"/>
+              <a:rPr lang="fr-FR"/>
               <a:t>Troisième niveau</a:t>
             </a:r>
           </a:p>
           <a:p>
             <a:pPr lvl="3"/>
             <a:r>
-              <a:rPr lang="fr-FR" smtClean="0"/>
+              <a:rPr lang="fr-FR"/>
               <a:t>Quatrième niveau</a:t>
             </a:r>
           </a:p>
           <a:p>
             <a:pPr lvl="4"/>
             <a:r>
-              <a:rPr lang="fr-FR" smtClean="0"/>
+              <a:rPr lang="fr-FR"/>
               <a:t>Cinquième niveau</a:t>
             </a:r>
             <a:endParaRPr lang="en-US" dirty="0"/>
@@ -2790,7 +2806,7 @@
             <a:fld id="{4FB0C1C4-C408-4323-9B58-95D9CB252497}" type="datetime1">
               <a:rPr lang="en-US" smtClean="0"/>
               <a:pPr/>
-              <a:t>4/10/2022</a:t>
+              <a:t>5/28/2022</a:t>
             </a:fld>
             <a:endParaRPr lang="en-US" dirty="0"/>
           </a:p>
@@ -2967,7 +2983,7 @@
           <a:lstStyle/>
           <a:p>
             <a:r>
-              <a:rPr lang="fr-FR" smtClean="0"/>
+              <a:rPr lang="fr-FR"/>
               <a:t>Modifiez le style du titre</a:t>
             </a:r>
             <a:endParaRPr lang="en-US" dirty="0"/>
@@ -2996,35 +3012,35 @@
           <a:p>
             <a:pPr lvl="0"/>
             <a:r>
-              <a:rPr lang="fr-FR" smtClean="0"/>
+              <a:rPr lang="fr-FR"/>
               <a:t>Modifiez les styles du texte du masque</a:t>
             </a:r>
           </a:p>
           <a:p>
             <a:pPr lvl="1"/>
             <a:r>
-              <a:rPr lang="fr-FR" smtClean="0"/>
+              <a:rPr lang="fr-FR"/>
               <a:t>Deuxième niveau</a:t>
             </a:r>
           </a:p>
           <a:p>
             <a:pPr lvl="2"/>
             <a:r>
-              <a:rPr lang="fr-FR" smtClean="0"/>
+              <a:rPr lang="fr-FR"/>
               <a:t>Troisième niveau</a:t>
             </a:r>
           </a:p>
           <a:p>
             <a:pPr lvl="3"/>
             <a:r>
-              <a:rPr lang="fr-FR" smtClean="0"/>
+              <a:rPr lang="fr-FR"/>
               <a:t>Quatrième niveau</a:t>
             </a:r>
           </a:p>
           <a:p>
             <a:pPr lvl="4"/>
             <a:r>
-              <a:rPr lang="fr-FR" smtClean="0"/>
+              <a:rPr lang="fr-FR"/>
               <a:t>Cinquième niveau</a:t>
             </a:r>
             <a:endParaRPr lang="en-US" dirty="0"/>
@@ -3049,7 +3065,7 @@
             <a:fld id="{33A753D1-A681-455F-A087-29BE400C8828}" type="datetime1">
               <a:rPr lang="en-US" smtClean="0"/>
               <a:pPr/>
-              <a:t>4/10/2022</a:t>
+              <a:t>5/28/2022</a:t>
             </a:fld>
             <a:endParaRPr lang="en-US" dirty="0"/>
           </a:p>
@@ -3226,7 +3242,7 @@
           <a:lstStyle/>
           <a:p>
             <a:r>
-              <a:rPr lang="fr-FR" smtClean="0"/>
+              <a:rPr lang="fr-FR"/>
               <a:t>Modifiez le style du titre</a:t>
             </a:r>
             <a:endParaRPr lang="en-US" dirty="0"/>
@@ -3255,35 +3271,35 @@
           <a:p>
             <a:pPr lvl="0"/>
             <a:r>
-              <a:rPr lang="fr-FR" smtClean="0"/>
+              <a:rPr lang="fr-FR"/>
               <a:t>Modifiez les styles du texte du masque</a:t>
             </a:r>
           </a:p>
           <a:p>
             <a:pPr lvl="1"/>
             <a:r>
-              <a:rPr lang="fr-FR" smtClean="0"/>
+              <a:rPr lang="fr-FR"/>
               <a:t>Deuxième niveau</a:t>
             </a:r>
           </a:p>
           <a:p>
             <a:pPr lvl="2"/>
             <a:r>
-              <a:rPr lang="fr-FR" smtClean="0"/>
+              <a:rPr lang="fr-FR"/>
               <a:t>Troisième niveau</a:t>
             </a:r>
           </a:p>
           <a:p>
             <a:pPr lvl="3"/>
             <a:r>
-              <a:rPr lang="fr-FR" smtClean="0"/>
+              <a:rPr lang="fr-FR"/>
               <a:t>Quatrième niveau</a:t>
             </a:r>
           </a:p>
           <a:p>
             <a:pPr lvl="4"/>
             <a:r>
-              <a:rPr lang="fr-FR" smtClean="0"/>
+              <a:rPr lang="fr-FR"/>
               <a:t>Cinquième niveau</a:t>
             </a:r>
             <a:endParaRPr lang="en-US" dirty="0"/>
@@ -3308,7 +3324,7 @@
             <a:fld id="{667A7B24-BF5D-4B93-B822-3F8E933A9370}" type="datetime1">
               <a:rPr lang="en-US" smtClean="0"/>
               <a:pPr/>
-              <a:t>4/10/2022</a:t>
+              <a:t>5/28/2022</a:t>
             </a:fld>
             <a:endParaRPr lang="en-US" dirty="0"/>
           </a:p>
@@ -3489,7 +3505,7 @@
           </a:lstStyle>
           <a:p>
             <a:r>
-              <a:rPr lang="fr-FR" smtClean="0"/>
+              <a:rPr lang="fr-FR"/>
               <a:t>Modifiez le style du titre</a:t>
             </a:r>
             <a:endParaRPr lang="en-US" dirty="0"/>
@@ -3610,7 +3626,7 @@
           <a:p>
             <a:pPr lvl="0"/>
             <a:r>
-              <a:rPr lang="fr-FR" smtClean="0"/>
+              <a:rPr lang="fr-FR"/>
               <a:t>Modifiez les styles du texte du masque</a:t>
             </a:r>
           </a:p>
@@ -3634,7 +3650,7 @@
             <a:fld id="{1FACF992-E665-4C99-81E7-25F1C78B7D4C}" type="datetime1">
               <a:rPr lang="en-US" smtClean="0"/>
               <a:pPr/>
-              <a:t>4/10/2022</a:t>
+              <a:t>5/28/2022</a:t>
             </a:fld>
             <a:endParaRPr lang="en-US" dirty="0"/>
           </a:p>
@@ -3811,7 +3827,7 @@
           <a:lstStyle/>
           <a:p>
             <a:r>
-              <a:rPr lang="fr-FR" smtClean="0"/>
+              <a:rPr lang="fr-FR"/>
               <a:t>Modifiez le style du titre</a:t>
             </a:r>
             <a:endParaRPr lang="en-US" dirty="0"/>
@@ -3842,35 +3858,35 @@
           <a:p>
             <a:pPr lvl="0"/>
             <a:r>
-              <a:rPr lang="fr-FR" smtClean="0"/>
+              <a:rPr lang="fr-FR"/>
               <a:t>Modifiez les styles du texte du masque</a:t>
             </a:r>
           </a:p>
           <a:p>
             <a:pPr lvl="1"/>
             <a:r>
-              <a:rPr lang="fr-FR" smtClean="0"/>
+              <a:rPr lang="fr-FR"/>
               <a:t>Deuxième niveau</a:t>
             </a:r>
           </a:p>
           <a:p>
             <a:pPr lvl="2"/>
             <a:r>
-              <a:rPr lang="fr-FR" smtClean="0"/>
+              <a:rPr lang="fr-FR"/>
               <a:t>Troisième niveau</a:t>
             </a:r>
           </a:p>
           <a:p>
             <a:pPr lvl="3"/>
             <a:r>
-              <a:rPr lang="fr-FR" smtClean="0"/>
+              <a:rPr lang="fr-FR"/>
               <a:t>Quatrième niveau</a:t>
             </a:r>
           </a:p>
           <a:p>
             <a:pPr lvl="4"/>
             <a:r>
-              <a:rPr lang="fr-FR" smtClean="0"/>
+              <a:rPr lang="fr-FR"/>
               <a:t>Cinquième niveau</a:t>
             </a:r>
             <a:endParaRPr lang="en-US" dirty="0"/>
@@ -3901,35 +3917,35 @@
           <a:p>
             <a:pPr lvl="0"/>
             <a:r>
-              <a:rPr lang="fr-FR" smtClean="0"/>
+              <a:rPr lang="fr-FR"/>
               <a:t>Modifiez les styles du texte du masque</a:t>
             </a:r>
           </a:p>
           <a:p>
             <a:pPr lvl="1"/>
             <a:r>
-              <a:rPr lang="fr-FR" smtClean="0"/>
+              <a:rPr lang="fr-FR"/>
               <a:t>Deuxième niveau</a:t>
             </a:r>
           </a:p>
           <a:p>
             <a:pPr lvl="2"/>
             <a:r>
-              <a:rPr lang="fr-FR" smtClean="0"/>
+              <a:rPr lang="fr-FR"/>
               <a:t>Troisième niveau</a:t>
             </a:r>
           </a:p>
           <a:p>
             <a:pPr lvl="3"/>
             <a:r>
-              <a:rPr lang="fr-FR" smtClean="0"/>
+              <a:rPr lang="fr-FR"/>
               <a:t>Quatrième niveau</a:t>
             </a:r>
           </a:p>
           <a:p>
             <a:pPr lvl="4"/>
             <a:r>
-              <a:rPr lang="fr-FR" smtClean="0"/>
+              <a:rPr lang="fr-FR"/>
               <a:t>Cinquième niveau</a:t>
             </a:r>
             <a:endParaRPr lang="en-US" dirty="0"/>
@@ -3954,7 +3970,7 @@
             <a:fld id="{61411115-743C-4335-AEB6-57B14653E396}" type="datetime1">
               <a:rPr lang="en-US" smtClean="0"/>
               <a:pPr/>
-              <a:t>4/10/2022</a:t>
+              <a:t>5/28/2022</a:t>
             </a:fld>
             <a:endParaRPr lang="en-US" dirty="0"/>
           </a:p>
@@ -4131,7 +4147,7 @@
           <a:lstStyle/>
           <a:p>
             <a:r>
-              <a:rPr lang="fr-FR" smtClean="0"/>
+              <a:rPr lang="fr-FR"/>
               <a:t>Modifiez le style du titre</a:t>
             </a:r>
             <a:endParaRPr lang="en-US" dirty="0"/>
@@ -4199,7 +4215,7 @@
           <a:p>
             <a:pPr lvl="0"/>
             <a:r>
-              <a:rPr lang="fr-FR" smtClean="0"/>
+              <a:rPr lang="fr-FR"/>
               <a:t>Modifiez les styles du texte du masque</a:t>
             </a:r>
           </a:p>
@@ -4229,35 +4245,35 @@
           <a:p>
             <a:pPr lvl="0"/>
             <a:r>
-              <a:rPr lang="fr-FR" smtClean="0"/>
+              <a:rPr lang="fr-FR"/>
               <a:t>Modifiez les styles du texte du masque</a:t>
             </a:r>
           </a:p>
           <a:p>
             <a:pPr lvl="1"/>
             <a:r>
-              <a:rPr lang="fr-FR" smtClean="0"/>
+              <a:rPr lang="fr-FR"/>
               <a:t>Deuxième niveau</a:t>
             </a:r>
           </a:p>
           <a:p>
             <a:pPr lvl="2"/>
             <a:r>
-              <a:rPr lang="fr-FR" smtClean="0"/>
+              <a:rPr lang="fr-FR"/>
               <a:t>Troisième niveau</a:t>
             </a:r>
           </a:p>
           <a:p>
             <a:pPr lvl="3"/>
             <a:r>
-              <a:rPr lang="fr-FR" smtClean="0"/>
+              <a:rPr lang="fr-FR"/>
               <a:t>Quatrième niveau</a:t>
             </a:r>
           </a:p>
           <a:p>
             <a:pPr lvl="4"/>
             <a:r>
-              <a:rPr lang="fr-FR" smtClean="0"/>
+              <a:rPr lang="fr-FR"/>
               <a:t>Cinquième niveau</a:t>
             </a:r>
             <a:endParaRPr lang="en-US" dirty="0"/>
@@ -4325,7 +4341,7 @@
           <a:p>
             <a:pPr lvl="0"/>
             <a:r>
-              <a:rPr lang="fr-FR" smtClean="0"/>
+              <a:rPr lang="fr-FR"/>
               <a:t>Modifiez les styles du texte du masque</a:t>
             </a:r>
           </a:p>
@@ -4355,35 +4371,35 @@
           <a:p>
             <a:pPr lvl="0"/>
             <a:r>
-              <a:rPr lang="fr-FR" smtClean="0"/>
+              <a:rPr lang="fr-FR"/>
               <a:t>Modifiez les styles du texte du masque</a:t>
             </a:r>
           </a:p>
           <a:p>
             <a:pPr lvl="1"/>
             <a:r>
-              <a:rPr lang="fr-FR" smtClean="0"/>
+              <a:rPr lang="fr-FR"/>
               <a:t>Deuxième niveau</a:t>
             </a:r>
           </a:p>
           <a:p>
             <a:pPr lvl="2"/>
             <a:r>
-              <a:rPr lang="fr-FR" smtClean="0"/>
+              <a:rPr lang="fr-FR"/>
               <a:t>Troisième niveau</a:t>
             </a:r>
           </a:p>
           <a:p>
             <a:pPr lvl="3"/>
             <a:r>
-              <a:rPr lang="fr-FR" smtClean="0"/>
+              <a:rPr lang="fr-FR"/>
               <a:t>Quatrième niveau</a:t>
             </a:r>
           </a:p>
           <a:p>
             <a:pPr lvl="4"/>
             <a:r>
-              <a:rPr lang="fr-FR" smtClean="0"/>
+              <a:rPr lang="fr-FR"/>
               <a:t>Cinquième niveau</a:t>
             </a:r>
             <a:endParaRPr lang="en-US" dirty="0"/>
@@ -4408,7 +4424,7 @@
             <a:fld id="{1019BFC1-A3BC-41B2-8676-187CA29F2787}" type="datetime1">
               <a:rPr lang="en-US" smtClean="0"/>
               <a:pPr/>
-              <a:t>4/10/2022</a:t>
+              <a:t>5/28/2022</a:t>
             </a:fld>
             <a:endParaRPr lang="en-US" dirty="0"/>
           </a:p>
@@ -4585,7 +4601,7 @@
           <a:lstStyle/>
           <a:p>
             <a:r>
-              <a:rPr lang="fr-FR" smtClean="0"/>
+              <a:rPr lang="fr-FR"/>
               <a:t>Modifiez le style du titre</a:t>
             </a:r>
             <a:endParaRPr lang="en-US" dirty="0"/>
@@ -4610,7 +4626,7 @@
             <a:fld id="{2D4FD715-157B-4FB4-BC8A-8D496A32A594}" type="datetime1">
               <a:rPr lang="en-US" smtClean="0"/>
               <a:pPr/>
-              <a:t>4/10/2022</a:t>
+              <a:t>5/28/2022</a:t>
             </a:fld>
             <a:endParaRPr lang="en-US" dirty="0"/>
           </a:p>
@@ -4784,7 +4800,7 @@
             <a:fld id="{1B17ACFB-D0C9-462B-A9FD-3385E1BEB218}" type="datetime1">
               <a:rPr lang="en-US" smtClean="0"/>
               <a:pPr/>
-              <a:t>4/10/2022</a:t>
+              <a:t>5/28/2022</a:t>
             </a:fld>
             <a:endParaRPr lang="en-US" dirty="0"/>
           </a:p>
@@ -4965,7 +4981,7 @@
           </a:lstStyle>
           <a:p>
             <a:r>
-              <a:rPr lang="fr-FR" smtClean="0"/>
+              <a:rPr lang="fr-FR"/>
               <a:t>Modifiez le style du titre</a:t>
             </a:r>
             <a:endParaRPr lang="en-US" dirty="0"/>
@@ -4996,35 +5012,35 @@
           <a:p>
             <a:pPr lvl="0"/>
             <a:r>
-              <a:rPr lang="fr-FR" smtClean="0"/>
+              <a:rPr lang="fr-FR"/>
               <a:t>Modifiez les styles du texte du masque</a:t>
             </a:r>
           </a:p>
           <a:p>
             <a:pPr lvl="1"/>
             <a:r>
-              <a:rPr lang="fr-FR" smtClean="0"/>
+              <a:rPr lang="fr-FR"/>
               <a:t>Deuxième niveau</a:t>
             </a:r>
           </a:p>
           <a:p>
             <a:pPr lvl="2"/>
             <a:r>
-              <a:rPr lang="fr-FR" smtClean="0"/>
+              <a:rPr lang="fr-FR"/>
               <a:t>Troisième niveau</a:t>
             </a:r>
           </a:p>
           <a:p>
             <a:pPr lvl="3"/>
             <a:r>
-              <a:rPr lang="fr-FR" smtClean="0"/>
+              <a:rPr lang="fr-FR"/>
               <a:t>Quatrième niveau</a:t>
             </a:r>
           </a:p>
           <a:p>
             <a:pPr lvl="4"/>
             <a:r>
-              <a:rPr lang="fr-FR" smtClean="0"/>
+              <a:rPr lang="fr-FR"/>
               <a:t>Cinquième niveau</a:t>
             </a:r>
             <a:endParaRPr lang="en-US" dirty="0"/>
@@ -5090,7 +5106,7 @@
           <a:p>
             <a:pPr lvl="0"/>
             <a:r>
-              <a:rPr lang="fr-FR" smtClean="0"/>
+              <a:rPr lang="fr-FR"/>
               <a:t>Modifiez les styles du texte du masque</a:t>
             </a:r>
           </a:p>
@@ -5114,7 +5130,7 @@
             <a:fld id="{1F2D63D7-F1B3-4C1F-AD43-1933E6DB83D4}" type="datetime1">
               <a:rPr lang="en-US" smtClean="0"/>
               <a:pPr/>
-              <a:t>4/10/2022</a:t>
+              <a:t>5/28/2022</a:t>
             </a:fld>
             <a:endParaRPr lang="en-US" dirty="0"/>
           </a:p>
@@ -5297,7 +5313,7 @@
           </a:lstStyle>
           <a:p>
             <a:r>
-              <a:rPr lang="fr-FR" smtClean="0"/>
+              <a:rPr lang="fr-FR"/>
               <a:t>Modifiez le style du titre</a:t>
             </a:r>
             <a:endParaRPr lang="en-US" dirty="0"/>
@@ -5364,7 +5380,7 @@
           </a:lstStyle>
           <a:p>
             <a:r>
-              <a:rPr lang="fr-FR" smtClean="0"/>
+              <a:rPr lang="fr-FR"/>
               <a:t>Cliquez sur l'icône pour ajouter une image</a:t>
             </a:r>
             <a:endParaRPr lang="en-US" dirty="0"/>
@@ -5432,7 +5448,7 @@
           <a:p>
             <a:pPr lvl="0"/>
             <a:r>
-              <a:rPr lang="fr-FR" smtClean="0"/>
+              <a:rPr lang="fr-FR"/>
               <a:t>Modifiez les styles du texte du masque</a:t>
             </a:r>
           </a:p>
@@ -5456,7 +5472,7 @@
             <a:fld id="{1C787478-02B5-46C1-B3E1-A172458226B2}" type="datetime1">
               <a:rPr lang="en-US" smtClean="0"/>
               <a:pPr/>
-              <a:t>4/10/2022</a:t>
+              <a:t>5/28/2022</a:t>
             </a:fld>
             <a:endParaRPr lang="en-US" dirty="0"/>
           </a:p>
@@ -7465,7 +7481,7 @@
           <a:lstStyle/>
           <a:p>
             <a:r>
-              <a:rPr lang="fr-FR" smtClean="0"/>
+              <a:rPr lang="fr-FR"/>
               <a:t>Modifiez le style du titre</a:t>
             </a:r>
             <a:endParaRPr lang="en-US" dirty="0"/>
@@ -7499,35 +7515,35 @@
           <a:p>
             <a:pPr lvl="0"/>
             <a:r>
-              <a:rPr lang="fr-FR" smtClean="0"/>
+              <a:rPr lang="fr-FR"/>
               <a:t>Modifiez les styles du texte du masque</a:t>
             </a:r>
           </a:p>
           <a:p>
             <a:pPr lvl="1"/>
             <a:r>
-              <a:rPr lang="fr-FR" smtClean="0"/>
+              <a:rPr lang="fr-FR"/>
               <a:t>Deuxième niveau</a:t>
             </a:r>
           </a:p>
           <a:p>
             <a:pPr lvl="2"/>
             <a:r>
-              <a:rPr lang="fr-FR" smtClean="0"/>
+              <a:rPr lang="fr-FR"/>
               <a:t>Troisième niveau</a:t>
             </a:r>
           </a:p>
           <a:p>
             <a:pPr lvl="3"/>
             <a:r>
-              <a:rPr lang="fr-FR" smtClean="0"/>
+              <a:rPr lang="fr-FR"/>
               <a:t>Quatrième niveau</a:t>
             </a:r>
           </a:p>
           <a:p>
             <a:pPr lvl="4"/>
             <a:r>
-              <a:rPr lang="fr-FR" smtClean="0"/>
+              <a:rPr lang="fr-FR"/>
               <a:t>Cinquième niveau</a:t>
             </a:r>
             <a:endParaRPr lang="en-US" dirty="0"/>
@@ -7570,7 +7586,7 @@
             <a:fld id="{566BAA2A-DD73-4939-9BB2-411A9375FFB5}" type="datetime1">
               <a:rPr lang="en-US" smtClean="0"/>
               <a:pPr/>
-              <a:t>4/10/2022</a:t>
+              <a:t>5/28/2022</a:t>
             </a:fld>
             <a:endParaRPr lang="en-US" dirty="0"/>
           </a:p>
@@ -8106,18 +8122,13 @@
           </a:bodyPr>
           <a:lstStyle/>
           <a:p>
-            <a:r>
-              <a:rPr lang="fr-FR" dirty="0" smtClean="0"/>
-              <a:t/>
-            </a:r>
             <a:br>
-              <a:rPr lang="fr-FR" dirty="0" smtClean="0"/>
+              <a:rPr lang="fr-FR" dirty="0"/>
             </a:br>
             <a:r>
-              <a:rPr lang="fr-FR" dirty="0" smtClean="0"/>
+              <a:rPr lang="fr-FR" dirty="0"/>
               <a:t>titre de la présentation</a:t>
             </a:r>
-            <a:endParaRPr lang="fr-FR" dirty="0"/>
           </a:p>
         </p:txBody>
       </p:sp>
@@ -8137,10 +8148,9 @@
           <a:lstStyle/>
           <a:p>
             <a:r>
-              <a:rPr lang="fr-FR" dirty="0" smtClean="0"/>
+              <a:rPr lang="fr-FR" dirty="0"/>
               <a:t>Nom</a:t>
             </a:r>
-            <a:endParaRPr lang="fr-FR" dirty="0"/>
           </a:p>
         </p:txBody>
       </p:sp>
@@ -8148,6 +8158,3161 @@
     <p:extLst>
       <p:ext uri="{BB962C8B-B14F-4D97-AF65-F5344CB8AC3E}">
         <p14:creationId xmlns:p14="http://schemas.microsoft.com/office/powerpoint/2010/main" val="2354083883"/>
+      </p:ext>
+    </p:extLst>
+  </p:cSld>
+  <p:clrMapOvr>
+    <a:masterClrMapping/>
+  </p:clrMapOvr>
+</p:sld>
+</file>
+
+<file path=ppt/slides/slide10.xml><?xml version="1.0" encoding="utf-8"?>
+<p:sld xmlns:a="http://schemas.openxmlformats.org/drawingml/2006/main" xmlns:r="http://schemas.openxmlformats.org/officeDocument/2006/relationships" xmlns:p="http://schemas.openxmlformats.org/presentationml/2006/main">
+  <p:cSld>
+    <p:spTree>
+      <p:nvGrpSpPr>
+        <p:cNvPr id="1" name=""/>
+        <p:cNvGrpSpPr/>
+        <p:nvPr/>
+      </p:nvGrpSpPr>
+      <p:grpSpPr>
+        <a:xfrm>
+          <a:off x="0" y="0"/>
+          <a:ext cx="0" cy="0"/>
+          <a:chOff x="0" y="0"/>
+          <a:chExt cx="0" cy="0"/>
+        </a:xfrm>
+      </p:grpSpPr>
+      <p:sp>
+        <p:nvSpPr>
+          <p:cNvPr id="2" name="Titre 1"/>
+          <p:cNvSpPr>
+            <a:spLocks noGrp="1"/>
+          </p:cNvSpPr>
+          <p:nvPr>
+            <p:ph type="title"/>
+          </p:nvPr>
+        </p:nvSpPr>
+        <p:spPr>
+          <a:xfrm>
+            <a:off x="2592924" y="624110"/>
+            <a:ext cx="8911687" cy="668096"/>
+          </a:xfrm>
+        </p:spPr>
+        <p:txBody>
+          <a:bodyPr/>
+          <a:lstStyle/>
+          <a:p>
+            <a:r>
+              <a:rPr lang="fr-FR" dirty="0"/>
+              <a:t>3.4 – Planification dans l’année</a:t>
+            </a:r>
+          </a:p>
+        </p:txBody>
+      </p:sp>
+      <p:sp>
+        <p:nvSpPr>
+          <p:cNvPr id="3" name="Espace réservé du numéro de diapositive 2"/>
+          <p:cNvSpPr>
+            <a:spLocks noGrp="1"/>
+          </p:cNvSpPr>
+          <p:nvPr>
+            <p:ph type="sldNum" sz="quarter" idx="12"/>
+          </p:nvPr>
+        </p:nvSpPr>
+        <p:spPr/>
+        <p:txBody>
+          <a:bodyPr/>
+          <a:lstStyle/>
+          <a:p>
+            <a:fld id="{D57F1E4F-1CFF-5643-939E-217C01CDF565}" type="slidenum">
+              <a:rPr lang="en-US" smtClean="0"/>
+              <a:pPr/>
+              <a:t>10</a:t>
+            </a:fld>
+            <a:endParaRPr lang="en-US" dirty="0"/>
+          </a:p>
+        </p:txBody>
+      </p:sp>
+      <p:sp>
+        <p:nvSpPr>
+          <p:cNvPr id="5" name="ZoneTexte 4"/>
+          <p:cNvSpPr txBox="1"/>
+          <p:nvPr/>
+        </p:nvSpPr>
+        <p:spPr>
+          <a:xfrm>
+            <a:off x="2640808" y="2046404"/>
+            <a:ext cx="7234712" cy="1200329"/>
+          </a:xfrm>
+          <a:prstGeom prst="rect">
+            <a:avLst/>
+          </a:prstGeom>
+          <a:noFill/>
+        </p:spPr>
+        <p:txBody>
+          <a:bodyPr wrap="square" rtlCol="0">
+            <a:spAutoFit/>
+          </a:bodyPr>
+          <a:lstStyle/>
+          <a:p>
+            <a:r>
+              <a:rPr lang="fr-FR" dirty="0"/>
+              <a:t>Dans la progression (attention en </a:t>
+            </a:r>
+            <a:r>
+              <a:rPr lang="fr-FR" dirty="0" err="1"/>
+              <a:t>Tle</a:t>
+            </a:r>
+            <a:r>
+              <a:rPr lang="fr-FR" dirty="0"/>
+              <a:t> – épreuves en Mars)</a:t>
+            </a:r>
+          </a:p>
+          <a:p>
+            <a:r>
+              <a:rPr lang="fr-FR" dirty="0"/>
+              <a:t>Durée : 3 à 4 semaines généralement (ne pas les entrecouper de vacances)</a:t>
+            </a:r>
+          </a:p>
+          <a:p>
+            <a:endParaRPr lang="fr-FR" dirty="0"/>
+          </a:p>
+        </p:txBody>
+      </p:sp>
+    </p:spTree>
+    <p:extLst>
+      <p:ext uri="{BB962C8B-B14F-4D97-AF65-F5344CB8AC3E}">
+        <p14:creationId xmlns:p14="http://schemas.microsoft.com/office/powerpoint/2010/main" val="3628095907"/>
+      </p:ext>
+    </p:extLst>
+  </p:cSld>
+  <p:clrMapOvr>
+    <a:masterClrMapping/>
+  </p:clrMapOvr>
+</p:sld>
+</file>
+
+<file path=ppt/slides/slide11.xml><?xml version="1.0" encoding="utf-8"?>
+<p:sld xmlns:a="http://schemas.openxmlformats.org/drawingml/2006/main" xmlns:r="http://schemas.openxmlformats.org/officeDocument/2006/relationships" xmlns:p="http://schemas.openxmlformats.org/presentationml/2006/main">
+  <p:cSld>
+    <p:spTree>
+      <p:nvGrpSpPr>
+        <p:cNvPr id="1" name=""/>
+        <p:cNvGrpSpPr/>
+        <p:nvPr/>
+      </p:nvGrpSpPr>
+      <p:grpSpPr>
+        <a:xfrm>
+          <a:off x="0" y="0"/>
+          <a:ext cx="0" cy="0"/>
+          <a:chOff x="0" y="0"/>
+          <a:chExt cx="0" cy="0"/>
+        </a:xfrm>
+      </p:grpSpPr>
+      <p:sp>
+        <p:nvSpPr>
+          <p:cNvPr id="2" name="Titre 1"/>
+          <p:cNvSpPr>
+            <a:spLocks noGrp="1"/>
+          </p:cNvSpPr>
+          <p:nvPr>
+            <p:ph type="title"/>
+          </p:nvPr>
+        </p:nvSpPr>
+        <p:spPr>
+          <a:xfrm>
+            <a:off x="1992032" y="637173"/>
+            <a:ext cx="10199967" cy="668096"/>
+          </a:xfrm>
+        </p:spPr>
+        <p:txBody>
+          <a:bodyPr>
+            <a:normAutofit fontScale="90000"/>
+          </a:bodyPr>
+          <a:lstStyle/>
+          <a:p>
+            <a:r>
+              <a:rPr lang="fr-FR" dirty="0"/>
+              <a:t>3.5 – Synthèse – structuration des connaissances</a:t>
+            </a:r>
+          </a:p>
+        </p:txBody>
+      </p:sp>
+      <p:sp>
+        <p:nvSpPr>
+          <p:cNvPr id="3" name="Espace réservé du numéro de diapositive 2"/>
+          <p:cNvSpPr>
+            <a:spLocks noGrp="1"/>
+          </p:cNvSpPr>
+          <p:nvPr>
+            <p:ph type="sldNum" sz="quarter" idx="12"/>
+          </p:nvPr>
+        </p:nvSpPr>
+        <p:spPr/>
+        <p:txBody>
+          <a:bodyPr/>
+          <a:lstStyle/>
+          <a:p>
+            <a:fld id="{D57F1E4F-1CFF-5643-939E-217C01CDF565}" type="slidenum">
+              <a:rPr lang="en-US" smtClean="0"/>
+              <a:pPr/>
+              <a:t>11</a:t>
+            </a:fld>
+            <a:endParaRPr lang="en-US" dirty="0"/>
+          </a:p>
+        </p:txBody>
+      </p:sp>
+      <p:sp>
+        <p:nvSpPr>
+          <p:cNvPr id="5" name="ZoneTexte 4"/>
+          <p:cNvSpPr txBox="1"/>
+          <p:nvPr/>
+        </p:nvSpPr>
+        <p:spPr>
+          <a:xfrm>
+            <a:off x="3019630" y="2045315"/>
+            <a:ext cx="8172187" cy="2308324"/>
+          </a:xfrm>
+          <a:prstGeom prst="rect">
+            <a:avLst/>
+          </a:prstGeom>
+          <a:noFill/>
+        </p:spPr>
+        <p:txBody>
+          <a:bodyPr wrap="square" rtlCol="0">
+            <a:spAutoFit/>
+          </a:bodyPr>
+          <a:lstStyle/>
+          <a:p>
+            <a:r>
+              <a:rPr lang="fr-FR" dirty="0"/>
+              <a:t>Fiche de synthèse : rappeler les points abordés</a:t>
+            </a:r>
+          </a:p>
+          <a:p>
+            <a:r>
+              <a:rPr lang="fr-FR" dirty="0"/>
+              <a:t>Intervention élèves pour un CR oral </a:t>
+            </a:r>
+          </a:p>
+          <a:p>
+            <a:r>
+              <a:rPr lang="fr-FR" dirty="0"/>
+              <a:t>Synthèse par l’enseignant  / distribution de la fiche</a:t>
+            </a:r>
+          </a:p>
+          <a:p>
+            <a:endParaRPr lang="fr-FR" dirty="0"/>
+          </a:p>
+          <a:p>
+            <a:r>
+              <a:rPr lang="fr-FR" dirty="0"/>
+              <a:t>Ce qu’il faut savoir</a:t>
+            </a:r>
+          </a:p>
+          <a:p>
+            <a:r>
+              <a:rPr lang="fr-FR" dirty="0"/>
+              <a:t>Ce qu’il faut savoir faire</a:t>
+            </a:r>
+          </a:p>
+          <a:p>
+            <a:r>
+              <a:rPr lang="fr-FR" dirty="0"/>
+              <a:t>Exemple méthodologique</a:t>
+            </a:r>
+          </a:p>
+          <a:p>
+            <a:r>
+              <a:rPr lang="fr-FR" dirty="0"/>
+              <a:t>Un contexte d’application , décontextualisé de la séquence</a:t>
+            </a:r>
+          </a:p>
+        </p:txBody>
+      </p:sp>
+    </p:spTree>
+    <p:extLst>
+      <p:ext uri="{BB962C8B-B14F-4D97-AF65-F5344CB8AC3E}">
+        <p14:creationId xmlns:p14="http://schemas.microsoft.com/office/powerpoint/2010/main" val="3628095907"/>
+      </p:ext>
+    </p:extLst>
+  </p:cSld>
+  <p:clrMapOvr>
+    <a:masterClrMapping/>
+  </p:clrMapOvr>
+</p:sld>
+</file>
+
+<file path=ppt/slides/slide12.xml><?xml version="1.0" encoding="utf-8"?>
+<p:sld xmlns:a="http://schemas.openxmlformats.org/drawingml/2006/main" xmlns:r="http://schemas.openxmlformats.org/officeDocument/2006/relationships" xmlns:p="http://schemas.openxmlformats.org/presentationml/2006/main">
+  <p:cSld>
+    <p:spTree>
+      <p:nvGrpSpPr>
+        <p:cNvPr id="1" name=""/>
+        <p:cNvGrpSpPr/>
+        <p:nvPr/>
+      </p:nvGrpSpPr>
+      <p:grpSpPr>
+        <a:xfrm>
+          <a:off x="0" y="0"/>
+          <a:ext cx="0" cy="0"/>
+          <a:chOff x="0" y="0"/>
+          <a:chExt cx="0" cy="0"/>
+        </a:xfrm>
+      </p:grpSpPr>
+      <p:sp>
+        <p:nvSpPr>
+          <p:cNvPr id="2" name="Titre 1"/>
+          <p:cNvSpPr>
+            <a:spLocks noGrp="1"/>
+          </p:cNvSpPr>
+          <p:nvPr>
+            <p:ph type="title"/>
+          </p:nvPr>
+        </p:nvSpPr>
+        <p:spPr>
+          <a:xfrm>
+            <a:off x="2592924" y="624110"/>
+            <a:ext cx="9223095" cy="668096"/>
+          </a:xfrm>
+        </p:spPr>
+        <p:txBody>
+          <a:bodyPr>
+            <a:normAutofit/>
+          </a:bodyPr>
+          <a:lstStyle/>
+          <a:p>
+            <a:r>
+              <a:rPr lang="fr-FR" dirty="0"/>
+              <a:t>3.6 - Evaluations</a:t>
+            </a:r>
+          </a:p>
+        </p:txBody>
+      </p:sp>
+      <p:sp>
+        <p:nvSpPr>
+          <p:cNvPr id="3" name="Espace réservé du numéro de diapositive 2"/>
+          <p:cNvSpPr>
+            <a:spLocks noGrp="1"/>
+          </p:cNvSpPr>
+          <p:nvPr>
+            <p:ph type="sldNum" sz="quarter" idx="12"/>
+          </p:nvPr>
+        </p:nvSpPr>
+        <p:spPr/>
+        <p:txBody>
+          <a:bodyPr/>
+          <a:lstStyle/>
+          <a:p>
+            <a:fld id="{D57F1E4F-1CFF-5643-939E-217C01CDF565}" type="slidenum">
+              <a:rPr lang="en-US" smtClean="0"/>
+              <a:pPr/>
+              <a:t>12</a:t>
+            </a:fld>
+            <a:endParaRPr lang="en-US" dirty="0"/>
+          </a:p>
+        </p:txBody>
+      </p:sp>
+      <p:sp>
+        <p:nvSpPr>
+          <p:cNvPr id="5" name="ZoneTexte 4"/>
+          <p:cNvSpPr txBox="1"/>
+          <p:nvPr/>
+        </p:nvSpPr>
+        <p:spPr>
+          <a:xfrm>
+            <a:off x="2127171" y="1225689"/>
+            <a:ext cx="8239489" cy="5632311"/>
+          </a:xfrm>
+          <a:prstGeom prst="rect">
+            <a:avLst/>
+          </a:prstGeom>
+          <a:noFill/>
+        </p:spPr>
+        <p:txBody>
+          <a:bodyPr wrap="square" rtlCol="0">
+            <a:spAutoFit/>
+          </a:bodyPr>
+          <a:lstStyle/>
+          <a:p>
+            <a:pPr marL="342900" indent="-342900">
+              <a:buAutoNum type="alphaLcParenR"/>
+            </a:pPr>
+            <a:r>
+              <a:rPr lang="fr-FR" b="1" dirty="0"/>
+              <a:t>Diagnostique</a:t>
+            </a:r>
+            <a:r>
+              <a:rPr lang="fr-FR" dirty="0"/>
+              <a:t> : évaluer le </a:t>
+            </a:r>
+            <a:r>
+              <a:rPr lang="fr-FR" dirty="0" err="1"/>
+              <a:t>niuveau</a:t>
+            </a:r>
+            <a:r>
+              <a:rPr lang="fr-FR" dirty="0"/>
+              <a:t> d’entrée (surtout si public provenant de cursus différents)</a:t>
+            </a:r>
+          </a:p>
+          <a:p>
+            <a:pPr marL="342900" indent="-342900">
+              <a:buAutoNum type="alphaLcParenR"/>
+            </a:pPr>
+            <a:r>
+              <a:rPr lang="fr-FR" b="1" dirty="0"/>
+              <a:t>Formative</a:t>
+            </a:r>
+            <a:r>
+              <a:rPr lang="fr-FR" dirty="0"/>
+              <a:t> : pendant l’activité pour s’assurer de la bonne compréhension de ce qui a été vu avant de progresser dans l’activité ou dans la séquence. </a:t>
+            </a:r>
+          </a:p>
+          <a:p>
+            <a:pPr marL="342900" indent="-342900"/>
+            <a:r>
+              <a:rPr lang="fr-FR" dirty="0"/>
+              <a:t>      Peut être fait sous forme de CR oral de ce qu’il faut comprendre de l’activité. Préparer 2 transparent</a:t>
+            </a:r>
+          </a:p>
+          <a:p>
+            <a:pPr marL="342900" indent="-342900"/>
+            <a:r>
+              <a:rPr lang="fr-FR" dirty="0"/>
+              <a:t>			* les manipulations que j’ai faites </a:t>
+            </a:r>
+            <a:r>
+              <a:rPr lang="fr-FR" dirty="0">
+                <a:sym typeface="Wingdings" pitchFamily="2" charset="2"/>
+              </a:rPr>
+              <a:t> les résultats obtenus</a:t>
+            </a:r>
+          </a:p>
+          <a:p>
+            <a:pPr marL="342900" indent="-342900"/>
+            <a:r>
+              <a:rPr lang="fr-FR" dirty="0">
+                <a:sym typeface="Wingdings" pitchFamily="2" charset="2"/>
+              </a:rPr>
+              <a:t>               * ce qu’il faut retenir de l’activité ( se mettre à la place d’un camarade qui serait absent aujourd’hui et qui doit reprendre le cours de la séquence. </a:t>
+            </a:r>
+          </a:p>
+          <a:p>
+            <a:pPr marL="342900" indent="-342900">
+              <a:buAutoNum type="alphaLcParenR" startAt="3"/>
+            </a:pPr>
+            <a:r>
+              <a:rPr lang="fr-FR" b="1" dirty="0"/>
+              <a:t>Sommative</a:t>
+            </a:r>
+            <a:r>
+              <a:rPr lang="fr-FR" dirty="0"/>
+              <a:t> : Identifier pour chaque connaissance / compétence le critère et indicateur de réussite.</a:t>
+            </a:r>
+          </a:p>
+          <a:p>
+            <a:pPr marL="342900" indent="-342900">
+              <a:buAutoNum type="alphaLcParenR" startAt="3"/>
+            </a:pPr>
+            <a:endParaRPr lang="fr-FR" dirty="0"/>
+          </a:p>
+          <a:p>
+            <a:pPr marL="342900" indent="-342900">
+              <a:buAutoNum type="alphaLcParenR" startAt="3"/>
+            </a:pPr>
+            <a:r>
+              <a:rPr lang="fr-FR" b="1" dirty="0" err="1"/>
+              <a:t>Certifiante</a:t>
+            </a:r>
+            <a:r>
+              <a:rPr lang="fr-FR" dirty="0"/>
+              <a:t> (CCF) </a:t>
+            </a:r>
+          </a:p>
+          <a:p>
+            <a:pPr marL="342900" indent="-342900">
+              <a:buAutoNum type="alphaLcParenR" startAt="3"/>
+            </a:pPr>
+            <a:endParaRPr lang="fr-FR" dirty="0"/>
+          </a:p>
+          <a:p>
+            <a:r>
+              <a:rPr lang="fr-FR" dirty="0"/>
+              <a:t>Diagnostiquer les difficultés de </a:t>
+            </a:r>
+            <a:r>
+              <a:rPr lang="fr-FR" dirty="0" err="1"/>
+              <a:t>devlopt</a:t>
+            </a:r>
+            <a:r>
+              <a:rPr lang="fr-FR" dirty="0"/>
+              <a:t> savoirs et savoir-faire d’un élève</a:t>
+            </a:r>
+          </a:p>
+          <a:p>
+            <a:r>
+              <a:rPr lang="fr-FR" dirty="0"/>
+              <a:t>Concevoir + mise en œuvre remédiation</a:t>
+            </a:r>
+          </a:p>
+          <a:p>
+            <a:r>
+              <a:rPr lang="fr-FR" dirty="0"/>
+              <a:t>Concevoir un scénario d’évaluation formative / sommative</a:t>
+            </a:r>
+          </a:p>
+          <a:p>
+            <a:pPr marL="342900" indent="-342900">
+              <a:buAutoNum type="alphaLcParenR" startAt="3"/>
+            </a:pPr>
+            <a:endParaRPr lang="fr-FR" dirty="0"/>
+          </a:p>
+        </p:txBody>
+      </p:sp>
+    </p:spTree>
+    <p:extLst>
+      <p:ext uri="{BB962C8B-B14F-4D97-AF65-F5344CB8AC3E}">
+        <p14:creationId xmlns:p14="http://schemas.microsoft.com/office/powerpoint/2010/main" val="1545905320"/>
+      </p:ext>
+    </p:extLst>
+  </p:cSld>
+  <p:clrMapOvr>
+    <a:masterClrMapping/>
+  </p:clrMapOvr>
+</p:sld>
+</file>
+
+<file path=ppt/slides/slide13.xml><?xml version="1.0" encoding="utf-8"?>
+<p:sld xmlns:a="http://schemas.openxmlformats.org/drawingml/2006/main" xmlns:r="http://schemas.openxmlformats.org/officeDocument/2006/relationships" xmlns:p="http://schemas.openxmlformats.org/presentationml/2006/main">
+  <p:cSld>
+    <p:spTree>
+      <p:nvGrpSpPr>
+        <p:cNvPr id="1" name=""/>
+        <p:cNvGrpSpPr/>
+        <p:nvPr/>
+      </p:nvGrpSpPr>
+      <p:grpSpPr>
+        <a:xfrm>
+          <a:off x="0" y="0"/>
+          <a:ext cx="0" cy="0"/>
+          <a:chOff x="0" y="0"/>
+          <a:chExt cx="0" cy="0"/>
+        </a:xfrm>
+      </p:grpSpPr>
+      <p:sp>
+        <p:nvSpPr>
+          <p:cNvPr id="2" name="Titre 1"/>
+          <p:cNvSpPr>
+            <a:spLocks noGrp="1"/>
+          </p:cNvSpPr>
+          <p:nvPr>
+            <p:ph type="title"/>
+          </p:nvPr>
+        </p:nvSpPr>
+        <p:spPr>
+          <a:xfrm>
+            <a:off x="2592924" y="624110"/>
+            <a:ext cx="8911687" cy="668096"/>
+          </a:xfrm>
+        </p:spPr>
+        <p:txBody>
+          <a:bodyPr/>
+          <a:lstStyle/>
+          <a:p>
+            <a:r>
+              <a:rPr lang="fr-FR" dirty="0"/>
+              <a:t>3.7 – Organisation de la séquence</a:t>
+            </a:r>
+          </a:p>
+        </p:txBody>
+      </p:sp>
+      <p:sp>
+        <p:nvSpPr>
+          <p:cNvPr id="3" name="Espace réservé du numéro de diapositive 2"/>
+          <p:cNvSpPr>
+            <a:spLocks noGrp="1"/>
+          </p:cNvSpPr>
+          <p:nvPr>
+            <p:ph type="sldNum" sz="quarter" idx="12"/>
+          </p:nvPr>
+        </p:nvSpPr>
+        <p:spPr/>
+        <p:txBody>
+          <a:bodyPr/>
+          <a:lstStyle/>
+          <a:p>
+            <a:fld id="{D57F1E4F-1CFF-5643-939E-217C01CDF565}" type="slidenum">
+              <a:rPr lang="en-US" smtClean="0"/>
+              <a:pPr/>
+              <a:t>13</a:t>
+            </a:fld>
+            <a:endParaRPr lang="en-US" dirty="0"/>
+          </a:p>
+        </p:txBody>
+      </p:sp>
+      <p:sp>
+        <p:nvSpPr>
+          <p:cNvPr id="5" name="ZoneTexte 4"/>
+          <p:cNvSpPr txBox="1"/>
+          <p:nvPr/>
+        </p:nvSpPr>
+        <p:spPr>
+          <a:xfrm>
+            <a:off x="2592924" y="1518700"/>
+            <a:ext cx="8037778" cy="2031325"/>
+          </a:xfrm>
+          <a:prstGeom prst="rect">
+            <a:avLst/>
+          </a:prstGeom>
+          <a:noFill/>
+        </p:spPr>
+        <p:txBody>
+          <a:bodyPr wrap="none" rtlCol="0">
+            <a:spAutoFit/>
+          </a:bodyPr>
+          <a:lstStyle/>
+          <a:p>
+            <a:r>
+              <a:rPr lang="fr-FR" dirty="0"/>
+              <a:t>Rappeler le nombre de séances et leurs durées</a:t>
+            </a:r>
+          </a:p>
+          <a:p>
+            <a:r>
+              <a:rPr lang="fr-FR" dirty="0"/>
+              <a:t>Classe entière ou demi-groupe</a:t>
+            </a:r>
+          </a:p>
+          <a:p>
+            <a:endParaRPr lang="fr-FR" dirty="0"/>
+          </a:p>
+          <a:p>
+            <a:r>
+              <a:rPr lang="fr-FR" dirty="0"/>
+              <a:t>Inductive : démarche de projet, investigation,  résolution de problème</a:t>
+            </a:r>
+          </a:p>
+          <a:p>
+            <a:r>
+              <a:rPr lang="fr-FR" dirty="0"/>
+              <a:t>Déductive : plus rapide mais cours doit être dynamique</a:t>
+            </a:r>
+          </a:p>
+          <a:p>
+            <a:r>
+              <a:rPr lang="fr-FR" dirty="0"/>
+              <a:t>Projet : ne pas les oublier (1STI2D (36h), TSTI2D (72h), 1SI (12h), TSI(48h) </a:t>
+            </a:r>
+          </a:p>
+          <a:p>
+            <a:r>
+              <a:rPr lang="fr-FR" dirty="0"/>
+              <a:t>JUSTIFIER</a:t>
+            </a:r>
+          </a:p>
+        </p:txBody>
+      </p:sp>
+      <p:sp>
+        <p:nvSpPr>
+          <p:cNvPr id="6" name="ZoneTexte 5"/>
+          <p:cNvSpPr txBox="1"/>
+          <p:nvPr/>
+        </p:nvSpPr>
+        <p:spPr>
+          <a:xfrm>
+            <a:off x="2521206" y="3591853"/>
+            <a:ext cx="6465231" cy="369332"/>
+          </a:xfrm>
+          <a:prstGeom prst="rect">
+            <a:avLst/>
+          </a:prstGeom>
+          <a:noFill/>
+        </p:spPr>
+        <p:txBody>
+          <a:bodyPr wrap="none" rtlCol="0">
+            <a:spAutoFit/>
+          </a:bodyPr>
+          <a:lstStyle/>
+          <a:p>
+            <a:r>
+              <a:rPr lang="fr-FR" b="1" u="sng" dirty="0"/>
+              <a:t>Ex GEII</a:t>
+            </a:r>
+            <a:r>
+              <a:rPr lang="fr-FR" b="1" dirty="0"/>
+              <a:t> (CM=6h (4x1,5h)  TD=14h (4x3,5h) TP=10h(4x2,5h)</a:t>
+            </a:r>
+          </a:p>
+        </p:txBody>
+      </p:sp>
+      <p:sp>
+        <p:nvSpPr>
+          <p:cNvPr id="4" name="Rectangle à coins arrondis 3"/>
+          <p:cNvSpPr/>
+          <p:nvPr/>
+        </p:nvSpPr>
+        <p:spPr>
+          <a:xfrm>
+            <a:off x="2592924" y="4003013"/>
+            <a:ext cx="1326776" cy="439270"/>
+          </a:xfrm>
+          <a:prstGeom prst="roundRect">
+            <a:avLst/>
+          </a:prstGeom>
+        </p:spPr>
+        <p:style>
+          <a:lnRef idx="2">
+            <a:schemeClr val="accent1">
+              <a:shade val="50000"/>
+            </a:schemeClr>
+          </a:lnRef>
+          <a:fillRef idx="1">
+            <a:schemeClr val="accent1"/>
+          </a:fillRef>
+          <a:effectRef idx="0">
+            <a:schemeClr val="accent1"/>
+          </a:effectRef>
+          <a:fontRef idx="minor">
+            <a:schemeClr val="lt1"/>
+          </a:fontRef>
+        </p:style>
+        <p:txBody>
+          <a:bodyPr rtlCol="0" anchor="ctr"/>
+          <a:lstStyle/>
+          <a:p>
+            <a:pPr algn="ctr"/>
+            <a:r>
+              <a:rPr lang="fr-FR" dirty="0"/>
+              <a:t>CM (1,5h)</a:t>
+            </a:r>
+          </a:p>
+        </p:txBody>
+      </p:sp>
+      <p:sp>
+        <p:nvSpPr>
+          <p:cNvPr id="7" name="Rectangle à coins arrondis 6"/>
+          <p:cNvSpPr/>
+          <p:nvPr/>
+        </p:nvSpPr>
+        <p:spPr>
+          <a:xfrm>
+            <a:off x="4081065" y="4003013"/>
+            <a:ext cx="1326776" cy="439270"/>
+          </a:xfrm>
+          <a:prstGeom prst="roundRect">
+            <a:avLst/>
+          </a:prstGeom>
+        </p:spPr>
+        <p:style>
+          <a:lnRef idx="2">
+            <a:schemeClr val="accent1">
+              <a:shade val="50000"/>
+            </a:schemeClr>
+          </a:lnRef>
+          <a:fillRef idx="1">
+            <a:schemeClr val="accent1"/>
+          </a:fillRef>
+          <a:effectRef idx="0">
+            <a:schemeClr val="accent1"/>
+          </a:effectRef>
+          <a:fontRef idx="minor">
+            <a:schemeClr val="lt1"/>
+          </a:fontRef>
+        </p:style>
+        <p:txBody>
+          <a:bodyPr rtlCol="0" anchor="ctr"/>
+          <a:lstStyle/>
+          <a:p>
+            <a:pPr algn="ctr"/>
+            <a:r>
+              <a:rPr lang="fr-FR" dirty="0"/>
+              <a:t>TD1 (2h)  </a:t>
+            </a:r>
+          </a:p>
+        </p:txBody>
+      </p:sp>
+      <p:sp>
+        <p:nvSpPr>
+          <p:cNvPr id="8" name="Rectangle à coins arrondis 7"/>
+          <p:cNvSpPr/>
+          <p:nvPr/>
+        </p:nvSpPr>
+        <p:spPr>
+          <a:xfrm>
+            <a:off x="5589643" y="4003013"/>
+            <a:ext cx="1326776" cy="439270"/>
+          </a:xfrm>
+          <a:prstGeom prst="roundRect">
+            <a:avLst/>
+          </a:prstGeom>
+        </p:spPr>
+        <p:style>
+          <a:lnRef idx="2">
+            <a:schemeClr val="accent1">
+              <a:shade val="50000"/>
+            </a:schemeClr>
+          </a:lnRef>
+          <a:fillRef idx="1">
+            <a:schemeClr val="accent1"/>
+          </a:fillRef>
+          <a:effectRef idx="0">
+            <a:schemeClr val="accent1"/>
+          </a:effectRef>
+          <a:fontRef idx="minor">
+            <a:schemeClr val="lt1"/>
+          </a:fontRef>
+        </p:style>
+        <p:txBody>
+          <a:bodyPr rtlCol="0" anchor="ctr"/>
+          <a:lstStyle/>
+          <a:p>
+            <a:pPr algn="ctr"/>
+            <a:r>
+              <a:rPr lang="fr-FR" dirty="0"/>
+              <a:t>TD2 (1,5h)  </a:t>
+            </a:r>
+          </a:p>
+        </p:txBody>
+      </p:sp>
+      <p:sp>
+        <p:nvSpPr>
+          <p:cNvPr id="9" name="Rectangle à coins arrondis 8"/>
+          <p:cNvSpPr/>
+          <p:nvPr/>
+        </p:nvSpPr>
+        <p:spPr>
+          <a:xfrm>
+            <a:off x="7053398" y="4003013"/>
+            <a:ext cx="1326776" cy="439270"/>
+          </a:xfrm>
+          <a:prstGeom prst="roundRect">
+            <a:avLst/>
+          </a:prstGeom>
+        </p:spPr>
+        <p:style>
+          <a:lnRef idx="2">
+            <a:schemeClr val="accent1">
+              <a:shade val="50000"/>
+            </a:schemeClr>
+          </a:lnRef>
+          <a:fillRef idx="1">
+            <a:schemeClr val="accent1"/>
+          </a:fillRef>
+          <a:effectRef idx="0">
+            <a:schemeClr val="accent1"/>
+          </a:effectRef>
+          <a:fontRef idx="minor">
+            <a:schemeClr val="lt1"/>
+          </a:fontRef>
+        </p:style>
+        <p:txBody>
+          <a:bodyPr rtlCol="0" anchor="ctr"/>
+          <a:lstStyle/>
+          <a:p>
+            <a:pPr algn="ctr"/>
+            <a:r>
+              <a:rPr lang="fr-FR" dirty="0"/>
+              <a:t>TP (2,5h)  </a:t>
+            </a:r>
+          </a:p>
+        </p:txBody>
+      </p:sp>
+      <p:sp>
+        <p:nvSpPr>
+          <p:cNvPr id="10" name="Rectangle à coins arrondis 9"/>
+          <p:cNvSpPr/>
+          <p:nvPr/>
+        </p:nvSpPr>
+        <p:spPr>
+          <a:xfrm>
+            <a:off x="2592924" y="4539934"/>
+            <a:ext cx="1326776" cy="439270"/>
+          </a:xfrm>
+          <a:prstGeom prst="roundRect">
+            <a:avLst/>
+          </a:prstGeom>
+        </p:spPr>
+        <p:style>
+          <a:lnRef idx="2">
+            <a:schemeClr val="accent1">
+              <a:shade val="50000"/>
+            </a:schemeClr>
+          </a:lnRef>
+          <a:fillRef idx="1">
+            <a:schemeClr val="accent1"/>
+          </a:fillRef>
+          <a:effectRef idx="0">
+            <a:schemeClr val="accent1"/>
+          </a:effectRef>
+          <a:fontRef idx="minor">
+            <a:schemeClr val="lt1"/>
+          </a:fontRef>
+        </p:style>
+        <p:txBody>
+          <a:bodyPr rtlCol="0" anchor="ctr"/>
+          <a:lstStyle/>
+          <a:p>
+            <a:pPr algn="ctr"/>
+            <a:r>
+              <a:rPr lang="fr-FR" dirty="0"/>
+              <a:t>CM (1,5h)</a:t>
+            </a:r>
+          </a:p>
+        </p:txBody>
+      </p:sp>
+      <p:sp>
+        <p:nvSpPr>
+          <p:cNvPr id="11" name="Rectangle à coins arrondis 10"/>
+          <p:cNvSpPr/>
+          <p:nvPr/>
+        </p:nvSpPr>
+        <p:spPr>
+          <a:xfrm>
+            <a:off x="4081065" y="4539934"/>
+            <a:ext cx="1326776" cy="439270"/>
+          </a:xfrm>
+          <a:prstGeom prst="roundRect">
+            <a:avLst/>
+          </a:prstGeom>
+        </p:spPr>
+        <p:style>
+          <a:lnRef idx="2">
+            <a:schemeClr val="accent1">
+              <a:shade val="50000"/>
+            </a:schemeClr>
+          </a:lnRef>
+          <a:fillRef idx="1">
+            <a:schemeClr val="accent1"/>
+          </a:fillRef>
+          <a:effectRef idx="0">
+            <a:schemeClr val="accent1"/>
+          </a:effectRef>
+          <a:fontRef idx="minor">
+            <a:schemeClr val="lt1"/>
+          </a:fontRef>
+        </p:style>
+        <p:txBody>
+          <a:bodyPr rtlCol="0" anchor="ctr"/>
+          <a:lstStyle/>
+          <a:p>
+            <a:pPr algn="ctr"/>
+            <a:r>
+              <a:rPr lang="fr-FR" dirty="0"/>
+              <a:t>TD1 (2h)  </a:t>
+            </a:r>
+          </a:p>
+        </p:txBody>
+      </p:sp>
+      <p:sp>
+        <p:nvSpPr>
+          <p:cNvPr id="12" name="Rectangle à coins arrondis 11"/>
+          <p:cNvSpPr/>
+          <p:nvPr/>
+        </p:nvSpPr>
+        <p:spPr>
+          <a:xfrm>
+            <a:off x="5589643" y="4539934"/>
+            <a:ext cx="1326776" cy="439270"/>
+          </a:xfrm>
+          <a:prstGeom prst="roundRect">
+            <a:avLst/>
+          </a:prstGeom>
+        </p:spPr>
+        <p:style>
+          <a:lnRef idx="2">
+            <a:schemeClr val="accent1">
+              <a:shade val="50000"/>
+            </a:schemeClr>
+          </a:lnRef>
+          <a:fillRef idx="1">
+            <a:schemeClr val="accent1"/>
+          </a:fillRef>
+          <a:effectRef idx="0">
+            <a:schemeClr val="accent1"/>
+          </a:effectRef>
+          <a:fontRef idx="minor">
+            <a:schemeClr val="lt1"/>
+          </a:fontRef>
+        </p:style>
+        <p:txBody>
+          <a:bodyPr rtlCol="0" anchor="ctr"/>
+          <a:lstStyle/>
+          <a:p>
+            <a:pPr algn="ctr"/>
+            <a:r>
+              <a:rPr lang="fr-FR" dirty="0"/>
+              <a:t>TD2 (1,5h)  </a:t>
+            </a:r>
+          </a:p>
+        </p:txBody>
+      </p:sp>
+      <p:sp>
+        <p:nvSpPr>
+          <p:cNvPr id="13" name="Rectangle à coins arrondis 12"/>
+          <p:cNvSpPr/>
+          <p:nvPr/>
+        </p:nvSpPr>
+        <p:spPr>
+          <a:xfrm>
+            <a:off x="7053398" y="4539934"/>
+            <a:ext cx="1326776" cy="439270"/>
+          </a:xfrm>
+          <a:prstGeom prst="roundRect">
+            <a:avLst/>
+          </a:prstGeom>
+        </p:spPr>
+        <p:style>
+          <a:lnRef idx="2">
+            <a:schemeClr val="accent1">
+              <a:shade val="50000"/>
+            </a:schemeClr>
+          </a:lnRef>
+          <a:fillRef idx="1">
+            <a:schemeClr val="accent1"/>
+          </a:fillRef>
+          <a:effectRef idx="0">
+            <a:schemeClr val="accent1"/>
+          </a:effectRef>
+          <a:fontRef idx="minor">
+            <a:schemeClr val="lt1"/>
+          </a:fontRef>
+        </p:style>
+        <p:txBody>
+          <a:bodyPr rtlCol="0" anchor="ctr"/>
+          <a:lstStyle/>
+          <a:p>
+            <a:pPr algn="ctr"/>
+            <a:r>
+              <a:rPr lang="fr-FR" dirty="0"/>
+              <a:t>TP (2,5h)  </a:t>
+            </a:r>
+          </a:p>
+        </p:txBody>
+      </p:sp>
+      <p:sp>
+        <p:nvSpPr>
+          <p:cNvPr id="14" name="Rectangle à coins arrondis 13"/>
+          <p:cNvSpPr/>
+          <p:nvPr/>
+        </p:nvSpPr>
+        <p:spPr>
+          <a:xfrm>
+            <a:off x="2592924" y="5076855"/>
+            <a:ext cx="1326776" cy="439270"/>
+          </a:xfrm>
+          <a:prstGeom prst="roundRect">
+            <a:avLst/>
+          </a:prstGeom>
+        </p:spPr>
+        <p:style>
+          <a:lnRef idx="2">
+            <a:schemeClr val="accent1">
+              <a:shade val="50000"/>
+            </a:schemeClr>
+          </a:lnRef>
+          <a:fillRef idx="1">
+            <a:schemeClr val="accent1"/>
+          </a:fillRef>
+          <a:effectRef idx="0">
+            <a:schemeClr val="accent1"/>
+          </a:effectRef>
+          <a:fontRef idx="minor">
+            <a:schemeClr val="lt1"/>
+          </a:fontRef>
+        </p:style>
+        <p:txBody>
+          <a:bodyPr rtlCol="0" anchor="ctr"/>
+          <a:lstStyle/>
+          <a:p>
+            <a:pPr algn="ctr"/>
+            <a:r>
+              <a:rPr lang="fr-FR" dirty="0"/>
+              <a:t>CM (1,5h)</a:t>
+            </a:r>
+          </a:p>
+        </p:txBody>
+      </p:sp>
+      <p:sp>
+        <p:nvSpPr>
+          <p:cNvPr id="15" name="Rectangle à coins arrondis 14"/>
+          <p:cNvSpPr/>
+          <p:nvPr/>
+        </p:nvSpPr>
+        <p:spPr>
+          <a:xfrm>
+            <a:off x="4081065" y="5076855"/>
+            <a:ext cx="1326776" cy="439270"/>
+          </a:xfrm>
+          <a:prstGeom prst="roundRect">
+            <a:avLst/>
+          </a:prstGeom>
+        </p:spPr>
+        <p:style>
+          <a:lnRef idx="2">
+            <a:schemeClr val="accent1">
+              <a:shade val="50000"/>
+            </a:schemeClr>
+          </a:lnRef>
+          <a:fillRef idx="1">
+            <a:schemeClr val="accent1"/>
+          </a:fillRef>
+          <a:effectRef idx="0">
+            <a:schemeClr val="accent1"/>
+          </a:effectRef>
+          <a:fontRef idx="minor">
+            <a:schemeClr val="lt1"/>
+          </a:fontRef>
+        </p:style>
+        <p:txBody>
+          <a:bodyPr rtlCol="0" anchor="ctr"/>
+          <a:lstStyle/>
+          <a:p>
+            <a:pPr algn="ctr"/>
+            <a:r>
+              <a:rPr lang="fr-FR" dirty="0"/>
+              <a:t>TD1 (2h)  </a:t>
+            </a:r>
+          </a:p>
+        </p:txBody>
+      </p:sp>
+      <p:sp>
+        <p:nvSpPr>
+          <p:cNvPr id="16" name="Rectangle à coins arrondis 15"/>
+          <p:cNvSpPr/>
+          <p:nvPr/>
+        </p:nvSpPr>
+        <p:spPr>
+          <a:xfrm>
+            <a:off x="5589643" y="5076855"/>
+            <a:ext cx="1326776" cy="439270"/>
+          </a:xfrm>
+          <a:prstGeom prst="roundRect">
+            <a:avLst/>
+          </a:prstGeom>
+        </p:spPr>
+        <p:style>
+          <a:lnRef idx="2">
+            <a:schemeClr val="accent1">
+              <a:shade val="50000"/>
+            </a:schemeClr>
+          </a:lnRef>
+          <a:fillRef idx="1">
+            <a:schemeClr val="accent1"/>
+          </a:fillRef>
+          <a:effectRef idx="0">
+            <a:schemeClr val="accent1"/>
+          </a:effectRef>
+          <a:fontRef idx="minor">
+            <a:schemeClr val="lt1"/>
+          </a:fontRef>
+        </p:style>
+        <p:txBody>
+          <a:bodyPr rtlCol="0" anchor="ctr"/>
+          <a:lstStyle/>
+          <a:p>
+            <a:pPr algn="ctr"/>
+            <a:r>
+              <a:rPr lang="fr-FR" dirty="0"/>
+              <a:t>TD2 (1,5h)  </a:t>
+            </a:r>
+          </a:p>
+        </p:txBody>
+      </p:sp>
+      <p:sp>
+        <p:nvSpPr>
+          <p:cNvPr id="17" name="Rectangle à coins arrondis 16"/>
+          <p:cNvSpPr/>
+          <p:nvPr/>
+        </p:nvSpPr>
+        <p:spPr>
+          <a:xfrm>
+            <a:off x="7053398" y="5076855"/>
+            <a:ext cx="1326776" cy="439270"/>
+          </a:xfrm>
+          <a:prstGeom prst="roundRect">
+            <a:avLst/>
+          </a:prstGeom>
+        </p:spPr>
+        <p:style>
+          <a:lnRef idx="2">
+            <a:schemeClr val="accent1">
+              <a:shade val="50000"/>
+            </a:schemeClr>
+          </a:lnRef>
+          <a:fillRef idx="1">
+            <a:schemeClr val="accent1"/>
+          </a:fillRef>
+          <a:effectRef idx="0">
+            <a:schemeClr val="accent1"/>
+          </a:effectRef>
+          <a:fontRef idx="minor">
+            <a:schemeClr val="lt1"/>
+          </a:fontRef>
+        </p:style>
+        <p:txBody>
+          <a:bodyPr rtlCol="0" anchor="ctr"/>
+          <a:lstStyle/>
+          <a:p>
+            <a:pPr algn="ctr"/>
+            <a:r>
+              <a:rPr lang="fr-FR" dirty="0"/>
+              <a:t>TP (2,5h)  </a:t>
+            </a:r>
+          </a:p>
+        </p:txBody>
+      </p:sp>
+    </p:spTree>
+    <p:extLst>
+      <p:ext uri="{BB962C8B-B14F-4D97-AF65-F5344CB8AC3E}">
+        <p14:creationId xmlns:p14="http://schemas.microsoft.com/office/powerpoint/2010/main" val="970161856"/>
+      </p:ext>
+    </p:extLst>
+  </p:cSld>
+  <p:clrMapOvr>
+    <a:masterClrMapping/>
+  </p:clrMapOvr>
+</p:sld>
+</file>
+
+<file path=ppt/slides/slide14.xml><?xml version="1.0" encoding="utf-8"?>
+<p:sld xmlns:a="http://schemas.openxmlformats.org/drawingml/2006/main" xmlns:r="http://schemas.openxmlformats.org/officeDocument/2006/relationships" xmlns:p="http://schemas.openxmlformats.org/presentationml/2006/main">
+  <p:cSld>
+    <p:spTree>
+      <p:nvGrpSpPr>
+        <p:cNvPr id="1" name=""/>
+        <p:cNvGrpSpPr/>
+        <p:nvPr/>
+      </p:nvGrpSpPr>
+      <p:grpSpPr>
+        <a:xfrm>
+          <a:off x="0" y="0"/>
+          <a:ext cx="0" cy="0"/>
+          <a:chOff x="0" y="0"/>
+          <a:chExt cx="0" cy="0"/>
+        </a:xfrm>
+      </p:grpSpPr>
+      <p:sp>
+        <p:nvSpPr>
+          <p:cNvPr id="2" name="Titre 1"/>
+          <p:cNvSpPr>
+            <a:spLocks noGrp="1"/>
+          </p:cNvSpPr>
+          <p:nvPr>
+            <p:ph type="title"/>
+          </p:nvPr>
+        </p:nvSpPr>
+        <p:spPr>
+          <a:xfrm>
+            <a:off x="2592924" y="624110"/>
+            <a:ext cx="8911687" cy="668096"/>
+          </a:xfrm>
+        </p:spPr>
+        <p:txBody>
+          <a:bodyPr/>
+          <a:lstStyle/>
+          <a:p>
+            <a:r>
+              <a:rPr lang="fr-FR" dirty="0"/>
+              <a:t>3.7 – Organisation de la séquence</a:t>
+            </a:r>
+          </a:p>
+        </p:txBody>
+      </p:sp>
+      <p:sp>
+        <p:nvSpPr>
+          <p:cNvPr id="3" name="Espace réservé du numéro de diapositive 2"/>
+          <p:cNvSpPr>
+            <a:spLocks noGrp="1"/>
+          </p:cNvSpPr>
+          <p:nvPr>
+            <p:ph type="sldNum" sz="quarter" idx="12"/>
+          </p:nvPr>
+        </p:nvSpPr>
+        <p:spPr/>
+        <p:txBody>
+          <a:bodyPr/>
+          <a:lstStyle/>
+          <a:p>
+            <a:fld id="{D57F1E4F-1CFF-5643-939E-217C01CDF565}" type="slidenum">
+              <a:rPr lang="en-US" smtClean="0"/>
+              <a:pPr/>
+              <a:t>14</a:t>
+            </a:fld>
+            <a:endParaRPr lang="en-US" dirty="0"/>
+          </a:p>
+        </p:txBody>
+      </p:sp>
+      <p:sp>
+        <p:nvSpPr>
+          <p:cNvPr id="18" name="ZoneTexte 17"/>
+          <p:cNvSpPr txBox="1"/>
+          <p:nvPr/>
+        </p:nvSpPr>
+        <p:spPr>
+          <a:xfrm>
+            <a:off x="2519181" y="1691034"/>
+            <a:ext cx="6720109" cy="369332"/>
+          </a:xfrm>
+          <a:prstGeom prst="rect">
+            <a:avLst/>
+          </a:prstGeom>
+          <a:noFill/>
+        </p:spPr>
+        <p:txBody>
+          <a:bodyPr wrap="none" rtlCol="0">
+            <a:spAutoFit/>
+          </a:bodyPr>
+          <a:lstStyle/>
+          <a:p>
+            <a:r>
+              <a:rPr lang="fr-FR" b="1" u="sng" dirty="0"/>
+              <a:t>Ex BTS SN </a:t>
+            </a:r>
+            <a:r>
+              <a:rPr lang="fr-FR" b="1" dirty="0"/>
+              <a:t> (CM=6h (4x1,5h)  TD=14h (4x3,5h) TP=10h(4x2,5h)</a:t>
+            </a:r>
+          </a:p>
+        </p:txBody>
+      </p:sp>
+      <p:grpSp>
+        <p:nvGrpSpPr>
+          <p:cNvPr id="20" name="Groupe 19"/>
+          <p:cNvGrpSpPr/>
+          <p:nvPr/>
+        </p:nvGrpSpPr>
+        <p:grpSpPr>
+          <a:xfrm>
+            <a:off x="2548688" y="2481308"/>
+            <a:ext cx="8285723" cy="3288236"/>
+            <a:chOff x="433017" y="336511"/>
+            <a:chExt cx="8285723" cy="3288236"/>
+          </a:xfrm>
+        </p:grpSpPr>
+        <p:sp>
+          <p:nvSpPr>
+            <p:cNvPr id="22" name="Rectangle à coins arrondis 21"/>
+            <p:cNvSpPr/>
+            <p:nvPr/>
+          </p:nvSpPr>
+          <p:spPr>
+            <a:xfrm>
+              <a:off x="969154" y="1199122"/>
+              <a:ext cx="1336010" cy="689907"/>
+            </a:xfrm>
+            <a:prstGeom prst="roundRect">
+              <a:avLst/>
+            </a:prstGeom>
+          </p:spPr>
+          <p:style>
+            <a:lnRef idx="2">
+              <a:schemeClr val="accent1">
+                <a:shade val="50000"/>
+              </a:schemeClr>
+            </a:lnRef>
+            <a:fillRef idx="1">
+              <a:schemeClr val="accent1"/>
+            </a:fillRef>
+            <a:effectRef idx="0">
+              <a:schemeClr val="accent1"/>
+            </a:effectRef>
+            <a:fontRef idx="minor">
+              <a:schemeClr val="lt1"/>
+            </a:fontRef>
+          </p:style>
+          <p:txBody>
+            <a:bodyPr rtlCol="0" anchor="ctr"/>
+            <a:lstStyle/>
+            <a:p>
+              <a:pPr algn="ctr"/>
+              <a:r>
+                <a:rPr lang="fr-FR" b="1" dirty="0"/>
+                <a:t>Cours (2h)</a:t>
+              </a:r>
+            </a:p>
+          </p:txBody>
+        </p:sp>
+        <p:sp>
+          <p:nvSpPr>
+            <p:cNvPr id="23" name="Rectangle à coins arrondis 22"/>
+            <p:cNvSpPr/>
+            <p:nvPr/>
+          </p:nvSpPr>
+          <p:spPr>
+            <a:xfrm>
+              <a:off x="2572548" y="1199123"/>
+              <a:ext cx="1336010" cy="854170"/>
+            </a:xfrm>
+            <a:prstGeom prst="roundRect">
+              <a:avLst/>
+            </a:prstGeom>
+            <a:solidFill>
+              <a:schemeClr val="accent1">
+                <a:alpha val="37000"/>
+              </a:schemeClr>
+            </a:solidFill>
+          </p:spPr>
+          <p:style>
+            <a:lnRef idx="2">
+              <a:schemeClr val="accent1">
+                <a:shade val="50000"/>
+              </a:schemeClr>
+            </a:lnRef>
+            <a:fillRef idx="1">
+              <a:schemeClr val="accent1"/>
+            </a:fillRef>
+            <a:effectRef idx="0">
+              <a:schemeClr val="accent1"/>
+            </a:effectRef>
+            <a:fontRef idx="minor">
+              <a:schemeClr val="lt1"/>
+            </a:fontRef>
+          </p:style>
+          <p:txBody>
+            <a:bodyPr rtlCol="0" anchor="ctr"/>
+            <a:lstStyle/>
+            <a:p>
+              <a:pPr algn="ctr"/>
+              <a:r>
+                <a:rPr lang="fr-FR" b="1" dirty="0"/>
+                <a:t>TP (2h30)</a:t>
+              </a:r>
+            </a:p>
+          </p:txBody>
+        </p:sp>
+        <p:sp>
+          <p:nvSpPr>
+            <p:cNvPr id="24" name="Rectangle à coins arrondis 23"/>
+            <p:cNvSpPr/>
+            <p:nvPr/>
+          </p:nvSpPr>
+          <p:spPr>
+            <a:xfrm>
+              <a:off x="4175942" y="1199121"/>
+              <a:ext cx="1336010" cy="689907"/>
+            </a:xfrm>
+            <a:prstGeom prst="roundRect">
+              <a:avLst/>
+            </a:prstGeom>
+          </p:spPr>
+          <p:style>
+            <a:lnRef idx="2">
+              <a:schemeClr val="accent1">
+                <a:shade val="50000"/>
+              </a:schemeClr>
+            </a:lnRef>
+            <a:fillRef idx="1">
+              <a:schemeClr val="accent1"/>
+            </a:fillRef>
+            <a:effectRef idx="0">
+              <a:schemeClr val="accent1"/>
+            </a:effectRef>
+            <a:fontRef idx="minor">
+              <a:schemeClr val="lt1"/>
+            </a:fontRef>
+          </p:style>
+          <p:txBody>
+            <a:bodyPr rtlCol="0" anchor="ctr"/>
+            <a:lstStyle/>
+            <a:p>
+              <a:pPr algn="ctr"/>
+              <a:r>
+                <a:rPr lang="fr-FR" b="1" dirty="0"/>
+                <a:t>Cours (2h)</a:t>
+              </a:r>
+            </a:p>
+          </p:txBody>
+        </p:sp>
+        <p:sp>
+          <p:nvSpPr>
+            <p:cNvPr id="25" name="Rectangle à coins arrondis 24"/>
+            <p:cNvSpPr/>
+            <p:nvPr/>
+          </p:nvSpPr>
+          <p:spPr>
+            <a:xfrm>
+              <a:off x="2572548" y="2523269"/>
+              <a:ext cx="1336010" cy="854170"/>
+            </a:xfrm>
+            <a:prstGeom prst="roundRect">
+              <a:avLst/>
+            </a:prstGeom>
+            <a:solidFill>
+              <a:schemeClr val="accent1">
+                <a:alpha val="37000"/>
+              </a:schemeClr>
+            </a:solidFill>
+          </p:spPr>
+          <p:style>
+            <a:lnRef idx="2">
+              <a:schemeClr val="accent1">
+                <a:shade val="50000"/>
+              </a:schemeClr>
+            </a:lnRef>
+            <a:fillRef idx="1">
+              <a:schemeClr val="accent1"/>
+            </a:fillRef>
+            <a:effectRef idx="0">
+              <a:schemeClr val="accent1"/>
+            </a:effectRef>
+            <a:fontRef idx="minor">
+              <a:schemeClr val="lt1"/>
+            </a:fontRef>
+          </p:style>
+          <p:txBody>
+            <a:bodyPr rtlCol="0" anchor="ctr"/>
+            <a:lstStyle/>
+            <a:p>
+              <a:pPr algn="ctr"/>
+              <a:r>
+                <a:rPr lang="fr-FR" b="1" dirty="0"/>
+                <a:t>TP (2h30)</a:t>
+              </a:r>
+            </a:p>
+          </p:txBody>
+        </p:sp>
+        <p:sp>
+          <p:nvSpPr>
+            <p:cNvPr id="26" name="Rectangle à coins arrondis 25"/>
+            <p:cNvSpPr/>
+            <p:nvPr/>
+          </p:nvSpPr>
+          <p:spPr>
+            <a:xfrm>
+              <a:off x="5720018" y="1199123"/>
+              <a:ext cx="1336010" cy="854170"/>
+            </a:xfrm>
+            <a:prstGeom prst="roundRect">
+              <a:avLst/>
+            </a:prstGeom>
+            <a:solidFill>
+              <a:schemeClr val="accent1">
+                <a:alpha val="37000"/>
+              </a:schemeClr>
+            </a:solidFill>
+          </p:spPr>
+          <p:style>
+            <a:lnRef idx="2">
+              <a:schemeClr val="accent1">
+                <a:shade val="50000"/>
+              </a:schemeClr>
+            </a:lnRef>
+            <a:fillRef idx="1">
+              <a:schemeClr val="accent1"/>
+            </a:fillRef>
+            <a:effectRef idx="0">
+              <a:schemeClr val="accent1"/>
+            </a:effectRef>
+            <a:fontRef idx="minor">
+              <a:schemeClr val="lt1"/>
+            </a:fontRef>
+          </p:style>
+          <p:txBody>
+            <a:bodyPr rtlCol="0" anchor="ctr"/>
+            <a:lstStyle/>
+            <a:p>
+              <a:pPr algn="ctr"/>
+              <a:r>
+                <a:rPr lang="fr-FR" b="1" dirty="0"/>
+                <a:t>TP (2h30)</a:t>
+              </a:r>
+            </a:p>
+          </p:txBody>
+        </p:sp>
+        <p:sp>
+          <p:nvSpPr>
+            <p:cNvPr id="27" name="Rectangle à coins arrondis 26"/>
+            <p:cNvSpPr/>
+            <p:nvPr/>
+          </p:nvSpPr>
+          <p:spPr>
+            <a:xfrm>
+              <a:off x="5720018" y="2523269"/>
+              <a:ext cx="1336010" cy="854170"/>
+            </a:xfrm>
+            <a:prstGeom prst="roundRect">
+              <a:avLst/>
+            </a:prstGeom>
+            <a:solidFill>
+              <a:schemeClr val="accent1">
+                <a:alpha val="37000"/>
+              </a:schemeClr>
+            </a:solidFill>
+          </p:spPr>
+          <p:style>
+            <a:lnRef idx="2">
+              <a:schemeClr val="accent1">
+                <a:shade val="50000"/>
+              </a:schemeClr>
+            </a:lnRef>
+            <a:fillRef idx="1">
+              <a:schemeClr val="accent1"/>
+            </a:fillRef>
+            <a:effectRef idx="0">
+              <a:schemeClr val="accent1"/>
+            </a:effectRef>
+            <a:fontRef idx="minor">
+              <a:schemeClr val="lt1"/>
+            </a:fontRef>
+          </p:style>
+          <p:txBody>
+            <a:bodyPr rtlCol="0" anchor="ctr"/>
+            <a:lstStyle/>
+            <a:p>
+              <a:pPr algn="ctr"/>
+              <a:r>
+                <a:rPr lang="fr-FR" b="1" dirty="0"/>
+                <a:t>TP (2h30)</a:t>
+              </a:r>
+            </a:p>
+          </p:txBody>
+        </p:sp>
+        <p:sp>
+          <p:nvSpPr>
+            <p:cNvPr id="28" name="Rectangle 27"/>
+            <p:cNvSpPr/>
+            <p:nvPr/>
+          </p:nvSpPr>
+          <p:spPr>
+            <a:xfrm>
+              <a:off x="969154" y="336512"/>
+              <a:ext cx="1336010" cy="268297"/>
+            </a:xfrm>
+            <a:prstGeom prst="rect">
+              <a:avLst/>
+            </a:prstGeom>
+            <a:solidFill>
+              <a:srgbClr val="C00000"/>
+            </a:solidFill>
+          </p:spPr>
+          <p:style>
+            <a:lnRef idx="2">
+              <a:schemeClr val="accent2">
+                <a:shade val="50000"/>
+              </a:schemeClr>
+            </a:lnRef>
+            <a:fillRef idx="1">
+              <a:schemeClr val="accent2"/>
+            </a:fillRef>
+            <a:effectRef idx="0">
+              <a:schemeClr val="accent2"/>
+            </a:effectRef>
+            <a:fontRef idx="minor">
+              <a:schemeClr val="lt1"/>
+            </a:fontRef>
+          </p:style>
+          <p:txBody>
+            <a:bodyPr rtlCol="0" anchor="ctr"/>
+            <a:lstStyle/>
+            <a:p>
+              <a:pPr algn="ctr"/>
+              <a:r>
+                <a:rPr lang="fr-FR" dirty="0"/>
+                <a:t>Lundi</a:t>
+              </a:r>
+            </a:p>
+          </p:txBody>
+        </p:sp>
+        <p:sp>
+          <p:nvSpPr>
+            <p:cNvPr id="29" name="Rectangle 28"/>
+            <p:cNvSpPr/>
+            <p:nvPr/>
+          </p:nvSpPr>
+          <p:spPr>
+            <a:xfrm>
+              <a:off x="2572548" y="336511"/>
+              <a:ext cx="1336010" cy="268297"/>
+            </a:xfrm>
+            <a:prstGeom prst="rect">
+              <a:avLst/>
+            </a:prstGeom>
+            <a:solidFill>
+              <a:srgbClr val="C00000"/>
+            </a:solidFill>
+          </p:spPr>
+          <p:style>
+            <a:lnRef idx="2">
+              <a:schemeClr val="accent2">
+                <a:shade val="50000"/>
+              </a:schemeClr>
+            </a:lnRef>
+            <a:fillRef idx="1">
+              <a:schemeClr val="accent2"/>
+            </a:fillRef>
+            <a:effectRef idx="0">
+              <a:schemeClr val="accent2"/>
+            </a:effectRef>
+            <a:fontRef idx="minor">
+              <a:schemeClr val="lt1"/>
+            </a:fontRef>
+          </p:style>
+          <p:txBody>
+            <a:bodyPr rtlCol="0" anchor="ctr"/>
+            <a:lstStyle/>
+            <a:p>
+              <a:pPr algn="ctr"/>
+              <a:r>
+                <a:rPr lang="fr-FR" dirty="0"/>
+                <a:t>Mardi</a:t>
+              </a:r>
+            </a:p>
+          </p:txBody>
+        </p:sp>
+        <p:sp>
+          <p:nvSpPr>
+            <p:cNvPr id="30" name="Rectangle 29"/>
+            <p:cNvSpPr/>
+            <p:nvPr/>
+          </p:nvSpPr>
+          <p:spPr>
+            <a:xfrm>
+              <a:off x="4175942" y="336511"/>
+              <a:ext cx="1336010" cy="268297"/>
+            </a:xfrm>
+            <a:prstGeom prst="rect">
+              <a:avLst/>
+            </a:prstGeom>
+            <a:solidFill>
+              <a:srgbClr val="C00000"/>
+            </a:solidFill>
+          </p:spPr>
+          <p:style>
+            <a:lnRef idx="2">
+              <a:schemeClr val="accent2">
+                <a:shade val="50000"/>
+              </a:schemeClr>
+            </a:lnRef>
+            <a:fillRef idx="1">
+              <a:schemeClr val="accent2"/>
+            </a:fillRef>
+            <a:effectRef idx="0">
+              <a:schemeClr val="accent2"/>
+            </a:effectRef>
+            <a:fontRef idx="minor">
+              <a:schemeClr val="lt1"/>
+            </a:fontRef>
+          </p:style>
+          <p:txBody>
+            <a:bodyPr rtlCol="0" anchor="ctr"/>
+            <a:lstStyle/>
+            <a:p>
+              <a:pPr algn="ctr"/>
+              <a:r>
+                <a:rPr lang="fr-FR" dirty="0"/>
+                <a:t>Mercredi</a:t>
+              </a:r>
+            </a:p>
+          </p:txBody>
+        </p:sp>
+        <p:sp>
+          <p:nvSpPr>
+            <p:cNvPr id="31" name="Rectangle 30"/>
+            <p:cNvSpPr/>
+            <p:nvPr/>
+          </p:nvSpPr>
+          <p:spPr>
+            <a:xfrm>
+              <a:off x="5779336" y="336511"/>
+              <a:ext cx="1336010" cy="268297"/>
+            </a:xfrm>
+            <a:prstGeom prst="rect">
+              <a:avLst/>
+            </a:prstGeom>
+            <a:solidFill>
+              <a:srgbClr val="C00000"/>
+            </a:solidFill>
+          </p:spPr>
+          <p:style>
+            <a:lnRef idx="2">
+              <a:schemeClr val="accent2">
+                <a:shade val="50000"/>
+              </a:schemeClr>
+            </a:lnRef>
+            <a:fillRef idx="1">
+              <a:schemeClr val="accent2"/>
+            </a:fillRef>
+            <a:effectRef idx="0">
+              <a:schemeClr val="accent2"/>
+            </a:effectRef>
+            <a:fontRef idx="minor">
+              <a:schemeClr val="lt1"/>
+            </a:fontRef>
+          </p:style>
+          <p:txBody>
+            <a:bodyPr rtlCol="0" anchor="ctr"/>
+            <a:lstStyle/>
+            <a:p>
+              <a:pPr algn="ctr"/>
+              <a:r>
+                <a:rPr lang="fr-FR" dirty="0"/>
+                <a:t>Jeudi</a:t>
+              </a:r>
+            </a:p>
+          </p:txBody>
+        </p:sp>
+        <p:sp>
+          <p:nvSpPr>
+            <p:cNvPr id="32" name="Rectangle 31"/>
+            <p:cNvSpPr/>
+            <p:nvPr/>
+          </p:nvSpPr>
+          <p:spPr>
+            <a:xfrm>
+              <a:off x="7382730" y="336511"/>
+              <a:ext cx="1336010" cy="268297"/>
+            </a:xfrm>
+            <a:prstGeom prst="rect">
+              <a:avLst/>
+            </a:prstGeom>
+            <a:solidFill>
+              <a:srgbClr val="C00000"/>
+            </a:solidFill>
+          </p:spPr>
+          <p:style>
+            <a:lnRef idx="2">
+              <a:schemeClr val="accent2">
+                <a:shade val="50000"/>
+              </a:schemeClr>
+            </a:lnRef>
+            <a:fillRef idx="1">
+              <a:schemeClr val="accent2"/>
+            </a:fillRef>
+            <a:effectRef idx="0">
+              <a:schemeClr val="accent2"/>
+            </a:effectRef>
+            <a:fontRef idx="minor">
+              <a:schemeClr val="lt1"/>
+            </a:fontRef>
+          </p:style>
+          <p:txBody>
+            <a:bodyPr rtlCol="0" anchor="ctr"/>
+            <a:lstStyle/>
+            <a:p>
+              <a:pPr algn="ctr"/>
+              <a:r>
+                <a:rPr lang="fr-FR" dirty="0"/>
+                <a:t>Vendredi</a:t>
+              </a:r>
+            </a:p>
+          </p:txBody>
+        </p:sp>
+        <p:sp>
+          <p:nvSpPr>
+            <p:cNvPr id="33" name="Rectangle 32"/>
+            <p:cNvSpPr/>
+            <p:nvPr/>
+          </p:nvSpPr>
+          <p:spPr>
+            <a:xfrm>
+              <a:off x="969154" y="2197936"/>
+              <a:ext cx="7749586" cy="180690"/>
+            </a:xfrm>
+            <a:prstGeom prst="rect">
+              <a:avLst/>
+            </a:prstGeom>
+            <a:pattFill prst="wdUpDiag">
+              <a:fgClr>
+                <a:schemeClr val="bg2">
+                  <a:lumMod val="90000"/>
+                </a:schemeClr>
+              </a:fgClr>
+              <a:bgClr>
+                <a:schemeClr val="bg1"/>
+              </a:bgClr>
+            </a:pattFill>
+            <a:ln>
+              <a:solidFill>
+                <a:schemeClr val="bg1">
+                  <a:lumMod val="75000"/>
+                </a:schemeClr>
+              </a:solidFill>
+            </a:ln>
+          </p:spPr>
+          <p:style>
+            <a:lnRef idx="2">
+              <a:schemeClr val="accent1">
+                <a:shade val="50000"/>
+              </a:schemeClr>
+            </a:lnRef>
+            <a:fillRef idx="1">
+              <a:schemeClr val="accent1"/>
+            </a:fillRef>
+            <a:effectRef idx="0">
+              <a:schemeClr val="accent1"/>
+            </a:effectRef>
+            <a:fontRef idx="minor">
+              <a:schemeClr val="lt1"/>
+            </a:fontRef>
+          </p:style>
+          <p:txBody>
+            <a:bodyPr rtlCol="0" anchor="ctr"/>
+            <a:lstStyle/>
+            <a:p>
+              <a:pPr algn="ctr"/>
+              <a:endParaRPr lang="fr-FR"/>
+            </a:p>
+          </p:txBody>
+        </p:sp>
+        <p:sp>
+          <p:nvSpPr>
+            <p:cNvPr id="34" name="Rectangle 33"/>
+            <p:cNvSpPr/>
+            <p:nvPr/>
+          </p:nvSpPr>
+          <p:spPr>
+            <a:xfrm rot="16200000">
+              <a:off x="-229398" y="1267222"/>
+              <a:ext cx="1593128" cy="268297"/>
+            </a:xfrm>
+            <a:prstGeom prst="rect">
+              <a:avLst/>
+            </a:prstGeom>
+            <a:solidFill>
+              <a:schemeClr val="bg1">
+                <a:lumMod val="95000"/>
+              </a:schemeClr>
+            </a:solidFill>
+            <a:ln>
+              <a:noFill/>
+            </a:ln>
+          </p:spPr>
+          <p:style>
+            <a:lnRef idx="2">
+              <a:schemeClr val="accent2">
+                <a:shade val="50000"/>
+              </a:schemeClr>
+            </a:lnRef>
+            <a:fillRef idx="1">
+              <a:schemeClr val="accent2"/>
+            </a:fillRef>
+            <a:effectRef idx="0">
+              <a:schemeClr val="accent2"/>
+            </a:effectRef>
+            <a:fontRef idx="minor">
+              <a:schemeClr val="lt1"/>
+            </a:fontRef>
+          </p:style>
+          <p:txBody>
+            <a:bodyPr rtlCol="0" anchor="ctr"/>
+            <a:lstStyle/>
+            <a:p>
+              <a:pPr algn="ctr"/>
+              <a:r>
+                <a:rPr lang="fr-FR" dirty="0">
+                  <a:solidFill>
+                    <a:schemeClr val="tx1"/>
+                  </a:solidFill>
+                </a:rPr>
+                <a:t>Matin</a:t>
+              </a:r>
+            </a:p>
+          </p:txBody>
+        </p:sp>
+        <p:sp>
+          <p:nvSpPr>
+            <p:cNvPr id="35" name="Rectangle 34"/>
+            <p:cNvSpPr/>
+            <p:nvPr/>
+          </p:nvSpPr>
+          <p:spPr>
+            <a:xfrm rot="16200000">
+              <a:off x="-55893" y="2867537"/>
+              <a:ext cx="1246122" cy="268297"/>
+            </a:xfrm>
+            <a:prstGeom prst="rect">
+              <a:avLst/>
+            </a:prstGeom>
+            <a:solidFill>
+              <a:schemeClr val="bg1">
+                <a:lumMod val="95000"/>
+              </a:schemeClr>
+            </a:solidFill>
+            <a:ln>
+              <a:noFill/>
+            </a:ln>
+          </p:spPr>
+          <p:style>
+            <a:lnRef idx="2">
+              <a:schemeClr val="accent2">
+                <a:shade val="50000"/>
+              </a:schemeClr>
+            </a:lnRef>
+            <a:fillRef idx="1">
+              <a:schemeClr val="accent2"/>
+            </a:fillRef>
+            <a:effectRef idx="0">
+              <a:schemeClr val="accent2"/>
+            </a:effectRef>
+            <a:fontRef idx="minor">
+              <a:schemeClr val="lt1"/>
+            </a:fontRef>
+          </p:style>
+          <p:txBody>
+            <a:bodyPr rtlCol="0" anchor="ctr"/>
+            <a:lstStyle/>
+            <a:p>
+              <a:pPr algn="ctr"/>
+              <a:r>
+                <a:rPr lang="fr-FR" dirty="0">
+                  <a:solidFill>
+                    <a:schemeClr val="tx1"/>
+                  </a:solidFill>
+                </a:rPr>
+                <a:t>Après-midi</a:t>
+              </a:r>
+            </a:p>
+          </p:txBody>
+        </p:sp>
+      </p:grpSp>
+      <p:sp>
+        <p:nvSpPr>
+          <p:cNvPr id="21" name="Rectangle à coins arrondis 20"/>
+          <p:cNvSpPr/>
+          <p:nvPr/>
+        </p:nvSpPr>
+        <p:spPr>
+          <a:xfrm>
+            <a:off x="2378227" y="2302025"/>
+            <a:ext cx="8839200" cy="3757718"/>
+          </a:xfrm>
+          <a:prstGeom prst="roundRect">
+            <a:avLst/>
+          </a:prstGeom>
+          <a:noFill/>
+          <a:ln cap="flat"/>
+        </p:spPr>
+        <p:style>
+          <a:lnRef idx="2">
+            <a:schemeClr val="accent1">
+              <a:shade val="50000"/>
+            </a:schemeClr>
+          </a:lnRef>
+          <a:fillRef idx="1">
+            <a:schemeClr val="accent1"/>
+          </a:fillRef>
+          <a:effectRef idx="0">
+            <a:schemeClr val="accent1"/>
+          </a:effectRef>
+          <a:fontRef idx="minor">
+            <a:schemeClr val="lt1"/>
+          </a:fontRef>
+        </p:style>
+        <p:txBody>
+          <a:bodyPr rtlCol="0" anchor="ctr"/>
+          <a:lstStyle/>
+          <a:p>
+            <a:pPr algn="ctr"/>
+            <a:endParaRPr lang="fr-FR"/>
+          </a:p>
+        </p:txBody>
+      </p:sp>
+    </p:spTree>
+    <p:extLst>
+      <p:ext uri="{BB962C8B-B14F-4D97-AF65-F5344CB8AC3E}">
+        <p14:creationId xmlns:p14="http://schemas.microsoft.com/office/powerpoint/2010/main" val="2451383920"/>
+      </p:ext>
+    </p:extLst>
+  </p:cSld>
+  <p:clrMapOvr>
+    <a:masterClrMapping/>
+  </p:clrMapOvr>
+</p:sld>
+</file>
+
+<file path=ppt/slides/slide15.xml><?xml version="1.0" encoding="utf-8"?>
+<p:sld xmlns:a="http://schemas.openxmlformats.org/drawingml/2006/main" xmlns:r="http://schemas.openxmlformats.org/officeDocument/2006/relationships" xmlns:p="http://schemas.openxmlformats.org/presentationml/2006/main">
+  <p:cSld>
+    <p:spTree>
+      <p:nvGrpSpPr>
+        <p:cNvPr id="1" name=""/>
+        <p:cNvGrpSpPr/>
+        <p:nvPr/>
+      </p:nvGrpSpPr>
+      <p:grpSpPr>
+        <a:xfrm>
+          <a:off x="0" y="0"/>
+          <a:ext cx="0" cy="0"/>
+          <a:chOff x="0" y="0"/>
+          <a:chExt cx="0" cy="0"/>
+        </a:xfrm>
+      </p:grpSpPr>
+      <p:sp>
+        <p:nvSpPr>
+          <p:cNvPr id="2" name="Titre 1"/>
+          <p:cNvSpPr>
+            <a:spLocks noGrp="1"/>
+          </p:cNvSpPr>
+          <p:nvPr>
+            <p:ph type="title"/>
+          </p:nvPr>
+        </p:nvSpPr>
+        <p:spPr>
+          <a:xfrm>
+            <a:off x="2592924" y="624110"/>
+            <a:ext cx="8911687" cy="668096"/>
+          </a:xfrm>
+        </p:spPr>
+        <p:txBody>
+          <a:bodyPr/>
+          <a:lstStyle/>
+          <a:p>
+            <a:r>
+              <a:rPr lang="fr-FR" dirty="0"/>
+              <a:t>3.7 – Organisation de la séquence</a:t>
+            </a:r>
+          </a:p>
+        </p:txBody>
+      </p:sp>
+      <p:sp>
+        <p:nvSpPr>
+          <p:cNvPr id="3" name="Espace réservé du numéro de diapositive 2"/>
+          <p:cNvSpPr>
+            <a:spLocks noGrp="1"/>
+          </p:cNvSpPr>
+          <p:nvPr>
+            <p:ph type="sldNum" sz="quarter" idx="12"/>
+          </p:nvPr>
+        </p:nvSpPr>
+        <p:spPr/>
+        <p:txBody>
+          <a:bodyPr/>
+          <a:lstStyle/>
+          <a:p>
+            <a:fld id="{D57F1E4F-1CFF-5643-939E-217C01CDF565}" type="slidenum">
+              <a:rPr lang="en-US" smtClean="0"/>
+              <a:pPr/>
+              <a:t>15</a:t>
+            </a:fld>
+            <a:endParaRPr lang="en-US" dirty="0"/>
+          </a:p>
+        </p:txBody>
+      </p:sp>
+      <p:sp>
+        <p:nvSpPr>
+          <p:cNvPr id="18" name="ZoneTexte 17"/>
+          <p:cNvSpPr txBox="1"/>
+          <p:nvPr/>
+        </p:nvSpPr>
+        <p:spPr>
+          <a:xfrm>
+            <a:off x="2558299" y="1263018"/>
+            <a:ext cx="5152373" cy="923330"/>
+          </a:xfrm>
+          <a:prstGeom prst="rect">
+            <a:avLst/>
+          </a:prstGeom>
+          <a:noFill/>
+        </p:spPr>
+        <p:txBody>
+          <a:bodyPr wrap="none" rtlCol="0">
+            <a:spAutoFit/>
+          </a:bodyPr>
+          <a:lstStyle/>
+          <a:p>
+            <a:r>
+              <a:rPr lang="fr-FR" b="1" u="sng" dirty="0"/>
+              <a:t>Ex </a:t>
+            </a:r>
+            <a:r>
+              <a:rPr lang="fr-FR" b="1" u="sng" dirty="0" err="1"/>
+              <a:t>Tle</a:t>
+            </a:r>
+            <a:r>
+              <a:rPr lang="fr-FR" b="1" u="sng" dirty="0"/>
+              <a:t> STI2D </a:t>
+            </a:r>
+            <a:r>
+              <a:rPr lang="fr-FR" b="1" dirty="0"/>
+              <a:t>: 212D TC = 2 x 2h 2I2D E.S=2 x 4h</a:t>
+            </a:r>
+          </a:p>
+          <a:p>
+            <a:r>
+              <a:rPr lang="fr-FR" b="1" dirty="0"/>
+              <a:t>T.C. en Classe entière</a:t>
+            </a:r>
+          </a:p>
+          <a:p>
+            <a:r>
+              <a:rPr lang="fr-FR" b="1" dirty="0"/>
+              <a:t>E.S. en demi-effectifs</a:t>
+            </a:r>
+          </a:p>
+        </p:txBody>
+      </p:sp>
+      <p:sp>
+        <p:nvSpPr>
+          <p:cNvPr id="22" name="Rectangle à coins arrondis 21"/>
+          <p:cNvSpPr/>
+          <p:nvPr/>
+        </p:nvSpPr>
+        <p:spPr>
+          <a:xfrm>
+            <a:off x="2592924" y="3419570"/>
+            <a:ext cx="1336010" cy="689907"/>
+          </a:xfrm>
+          <a:prstGeom prst="roundRect">
+            <a:avLst/>
+          </a:prstGeom>
+        </p:spPr>
+        <p:style>
+          <a:lnRef idx="2">
+            <a:schemeClr val="accent1">
+              <a:shade val="50000"/>
+            </a:schemeClr>
+          </a:lnRef>
+          <a:fillRef idx="1">
+            <a:schemeClr val="accent1"/>
+          </a:fillRef>
+          <a:effectRef idx="0">
+            <a:schemeClr val="accent1"/>
+          </a:effectRef>
+          <a:fontRef idx="minor">
+            <a:schemeClr val="lt1"/>
+          </a:fontRef>
+        </p:style>
+        <p:txBody>
+          <a:bodyPr rtlCol="0" anchor="ctr"/>
+          <a:lstStyle/>
+          <a:p>
+            <a:pPr algn="ctr"/>
+            <a:r>
+              <a:rPr lang="fr-FR" b="1" dirty="0"/>
+              <a:t>Cours (2h)</a:t>
+            </a:r>
+          </a:p>
+        </p:txBody>
+      </p:sp>
+      <p:sp>
+        <p:nvSpPr>
+          <p:cNvPr id="23" name="Rectangle à coins arrondis 22"/>
+          <p:cNvSpPr/>
+          <p:nvPr/>
+        </p:nvSpPr>
+        <p:spPr>
+          <a:xfrm>
+            <a:off x="4196318" y="3419570"/>
+            <a:ext cx="1336010" cy="1505111"/>
+          </a:xfrm>
+          <a:prstGeom prst="roundRect">
+            <a:avLst/>
+          </a:prstGeom>
+          <a:solidFill>
+            <a:schemeClr val="accent1">
+              <a:alpha val="37000"/>
+            </a:schemeClr>
+          </a:solidFill>
+        </p:spPr>
+        <p:style>
+          <a:lnRef idx="2">
+            <a:schemeClr val="accent1">
+              <a:shade val="50000"/>
+            </a:schemeClr>
+          </a:lnRef>
+          <a:fillRef idx="1">
+            <a:schemeClr val="accent1"/>
+          </a:fillRef>
+          <a:effectRef idx="0">
+            <a:schemeClr val="accent1"/>
+          </a:effectRef>
+          <a:fontRef idx="minor">
+            <a:schemeClr val="lt1"/>
+          </a:fontRef>
+        </p:style>
+        <p:txBody>
+          <a:bodyPr rtlCol="0" anchor="ctr"/>
+          <a:lstStyle/>
+          <a:p>
+            <a:pPr algn="ctr"/>
+            <a:r>
+              <a:rPr lang="fr-FR" b="1" dirty="0"/>
+              <a:t>TP (4h00)</a:t>
+            </a:r>
+          </a:p>
+        </p:txBody>
+      </p:sp>
+      <p:sp>
+        <p:nvSpPr>
+          <p:cNvPr id="24" name="Rectangle à coins arrondis 23"/>
+          <p:cNvSpPr/>
+          <p:nvPr/>
+        </p:nvSpPr>
+        <p:spPr>
+          <a:xfrm>
+            <a:off x="5799712" y="3419569"/>
+            <a:ext cx="1336010" cy="689908"/>
+          </a:xfrm>
+          <a:prstGeom prst="roundRect">
+            <a:avLst/>
+          </a:prstGeom>
+        </p:spPr>
+        <p:style>
+          <a:lnRef idx="2">
+            <a:schemeClr val="accent1">
+              <a:shade val="50000"/>
+            </a:schemeClr>
+          </a:lnRef>
+          <a:fillRef idx="1">
+            <a:schemeClr val="accent1"/>
+          </a:fillRef>
+          <a:effectRef idx="0">
+            <a:schemeClr val="accent1"/>
+          </a:effectRef>
+          <a:fontRef idx="minor">
+            <a:schemeClr val="lt1"/>
+          </a:fontRef>
+        </p:style>
+        <p:txBody>
+          <a:bodyPr rtlCol="0" anchor="ctr"/>
+          <a:lstStyle/>
+          <a:p>
+            <a:pPr algn="ctr"/>
+            <a:r>
+              <a:rPr lang="fr-FR" b="1" dirty="0"/>
+              <a:t>Cours (2h)</a:t>
+            </a:r>
+          </a:p>
+        </p:txBody>
+      </p:sp>
+      <p:sp>
+        <p:nvSpPr>
+          <p:cNvPr id="26" name="Rectangle à coins arrondis 25"/>
+          <p:cNvSpPr/>
+          <p:nvPr/>
+        </p:nvSpPr>
+        <p:spPr>
+          <a:xfrm>
+            <a:off x="7343788" y="3419571"/>
+            <a:ext cx="1336010" cy="1505110"/>
+          </a:xfrm>
+          <a:prstGeom prst="roundRect">
+            <a:avLst/>
+          </a:prstGeom>
+          <a:solidFill>
+            <a:schemeClr val="accent1">
+              <a:alpha val="37000"/>
+            </a:schemeClr>
+          </a:solidFill>
+        </p:spPr>
+        <p:style>
+          <a:lnRef idx="2">
+            <a:schemeClr val="accent1">
+              <a:shade val="50000"/>
+            </a:schemeClr>
+          </a:lnRef>
+          <a:fillRef idx="1">
+            <a:schemeClr val="accent1"/>
+          </a:fillRef>
+          <a:effectRef idx="0">
+            <a:schemeClr val="accent1"/>
+          </a:effectRef>
+          <a:fontRef idx="minor">
+            <a:schemeClr val="lt1"/>
+          </a:fontRef>
+        </p:style>
+        <p:txBody>
+          <a:bodyPr rtlCol="0" anchor="ctr"/>
+          <a:lstStyle/>
+          <a:p>
+            <a:pPr algn="ctr"/>
+            <a:r>
+              <a:rPr lang="fr-FR" b="1" dirty="0"/>
+              <a:t>TP (4h00)</a:t>
+            </a:r>
+          </a:p>
+        </p:txBody>
+      </p:sp>
+      <p:sp>
+        <p:nvSpPr>
+          <p:cNvPr id="28" name="Rectangle 27"/>
+          <p:cNvSpPr/>
+          <p:nvPr/>
+        </p:nvSpPr>
+        <p:spPr>
+          <a:xfrm>
+            <a:off x="2592924" y="2556960"/>
+            <a:ext cx="1336010" cy="268297"/>
+          </a:xfrm>
+          <a:prstGeom prst="rect">
+            <a:avLst/>
+          </a:prstGeom>
+          <a:solidFill>
+            <a:srgbClr val="C00000"/>
+          </a:solidFill>
+        </p:spPr>
+        <p:style>
+          <a:lnRef idx="2">
+            <a:schemeClr val="accent2">
+              <a:shade val="50000"/>
+            </a:schemeClr>
+          </a:lnRef>
+          <a:fillRef idx="1">
+            <a:schemeClr val="accent2"/>
+          </a:fillRef>
+          <a:effectRef idx="0">
+            <a:schemeClr val="accent2"/>
+          </a:effectRef>
+          <a:fontRef idx="minor">
+            <a:schemeClr val="lt1"/>
+          </a:fontRef>
+        </p:style>
+        <p:txBody>
+          <a:bodyPr rtlCol="0" anchor="ctr"/>
+          <a:lstStyle/>
+          <a:p>
+            <a:pPr algn="ctr"/>
+            <a:r>
+              <a:rPr lang="fr-FR" dirty="0"/>
+              <a:t>Lundi</a:t>
+            </a:r>
+          </a:p>
+        </p:txBody>
+      </p:sp>
+      <p:sp>
+        <p:nvSpPr>
+          <p:cNvPr id="29" name="Rectangle 28"/>
+          <p:cNvSpPr/>
+          <p:nvPr/>
+        </p:nvSpPr>
+        <p:spPr>
+          <a:xfrm>
+            <a:off x="4196318" y="2556959"/>
+            <a:ext cx="1336010" cy="268297"/>
+          </a:xfrm>
+          <a:prstGeom prst="rect">
+            <a:avLst/>
+          </a:prstGeom>
+          <a:solidFill>
+            <a:srgbClr val="C00000"/>
+          </a:solidFill>
+        </p:spPr>
+        <p:style>
+          <a:lnRef idx="2">
+            <a:schemeClr val="accent2">
+              <a:shade val="50000"/>
+            </a:schemeClr>
+          </a:lnRef>
+          <a:fillRef idx="1">
+            <a:schemeClr val="accent2"/>
+          </a:fillRef>
+          <a:effectRef idx="0">
+            <a:schemeClr val="accent2"/>
+          </a:effectRef>
+          <a:fontRef idx="minor">
+            <a:schemeClr val="lt1"/>
+          </a:fontRef>
+        </p:style>
+        <p:txBody>
+          <a:bodyPr rtlCol="0" anchor="ctr"/>
+          <a:lstStyle/>
+          <a:p>
+            <a:pPr algn="ctr"/>
+            <a:r>
+              <a:rPr lang="fr-FR" dirty="0"/>
+              <a:t>Mardi</a:t>
+            </a:r>
+          </a:p>
+        </p:txBody>
+      </p:sp>
+      <p:sp>
+        <p:nvSpPr>
+          <p:cNvPr id="30" name="Rectangle 29"/>
+          <p:cNvSpPr/>
+          <p:nvPr/>
+        </p:nvSpPr>
+        <p:spPr>
+          <a:xfrm>
+            <a:off x="5799712" y="2556959"/>
+            <a:ext cx="1336010" cy="268297"/>
+          </a:xfrm>
+          <a:prstGeom prst="rect">
+            <a:avLst/>
+          </a:prstGeom>
+          <a:solidFill>
+            <a:srgbClr val="C00000"/>
+          </a:solidFill>
+        </p:spPr>
+        <p:style>
+          <a:lnRef idx="2">
+            <a:schemeClr val="accent2">
+              <a:shade val="50000"/>
+            </a:schemeClr>
+          </a:lnRef>
+          <a:fillRef idx="1">
+            <a:schemeClr val="accent2"/>
+          </a:fillRef>
+          <a:effectRef idx="0">
+            <a:schemeClr val="accent2"/>
+          </a:effectRef>
+          <a:fontRef idx="minor">
+            <a:schemeClr val="lt1"/>
+          </a:fontRef>
+        </p:style>
+        <p:txBody>
+          <a:bodyPr rtlCol="0" anchor="ctr"/>
+          <a:lstStyle/>
+          <a:p>
+            <a:pPr algn="ctr"/>
+            <a:r>
+              <a:rPr lang="fr-FR" dirty="0"/>
+              <a:t>Mercredi</a:t>
+            </a:r>
+          </a:p>
+        </p:txBody>
+      </p:sp>
+      <p:sp>
+        <p:nvSpPr>
+          <p:cNvPr id="31" name="Rectangle 30"/>
+          <p:cNvSpPr/>
+          <p:nvPr/>
+        </p:nvSpPr>
+        <p:spPr>
+          <a:xfrm>
+            <a:off x="7403106" y="2556959"/>
+            <a:ext cx="1336010" cy="268297"/>
+          </a:xfrm>
+          <a:prstGeom prst="rect">
+            <a:avLst/>
+          </a:prstGeom>
+          <a:solidFill>
+            <a:srgbClr val="C00000"/>
+          </a:solidFill>
+        </p:spPr>
+        <p:style>
+          <a:lnRef idx="2">
+            <a:schemeClr val="accent2">
+              <a:shade val="50000"/>
+            </a:schemeClr>
+          </a:lnRef>
+          <a:fillRef idx="1">
+            <a:schemeClr val="accent2"/>
+          </a:fillRef>
+          <a:effectRef idx="0">
+            <a:schemeClr val="accent2"/>
+          </a:effectRef>
+          <a:fontRef idx="minor">
+            <a:schemeClr val="lt1"/>
+          </a:fontRef>
+        </p:style>
+        <p:txBody>
+          <a:bodyPr rtlCol="0" anchor="ctr"/>
+          <a:lstStyle/>
+          <a:p>
+            <a:pPr algn="ctr"/>
+            <a:r>
+              <a:rPr lang="fr-FR" dirty="0"/>
+              <a:t>Jeudi</a:t>
+            </a:r>
+          </a:p>
+        </p:txBody>
+      </p:sp>
+      <p:sp>
+        <p:nvSpPr>
+          <p:cNvPr id="32" name="Rectangle 31"/>
+          <p:cNvSpPr/>
+          <p:nvPr/>
+        </p:nvSpPr>
+        <p:spPr>
+          <a:xfrm>
+            <a:off x="9006500" y="2556959"/>
+            <a:ext cx="1336010" cy="268297"/>
+          </a:xfrm>
+          <a:prstGeom prst="rect">
+            <a:avLst/>
+          </a:prstGeom>
+          <a:solidFill>
+            <a:srgbClr val="C00000"/>
+          </a:solidFill>
+        </p:spPr>
+        <p:style>
+          <a:lnRef idx="2">
+            <a:schemeClr val="accent2">
+              <a:shade val="50000"/>
+            </a:schemeClr>
+          </a:lnRef>
+          <a:fillRef idx="1">
+            <a:schemeClr val="accent2"/>
+          </a:fillRef>
+          <a:effectRef idx="0">
+            <a:schemeClr val="accent2"/>
+          </a:effectRef>
+          <a:fontRef idx="minor">
+            <a:schemeClr val="lt1"/>
+          </a:fontRef>
+        </p:style>
+        <p:txBody>
+          <a:bodyPr rtlCol="0" anchor="ctr"/>
+          <a:lstStyle/>
+          <a:p>
+            <a:pPr algn="ctr"/>
+            <a:r>
+              <a:rPr lang="fr-FR" dirty="0"/>
+              <a:t>Vendredi</a:t>
+            </a:r>
+          </a:p>
+        </p:txBody>
+      </p:sp>
+    </p:spTree>
+    <p:extLst>
+      <p:ext uri="{BB962C8B-B14F-4D97-AF65-F5344CB8AC3E}">
+        <p14:creationId xmlns:p14="http://schemas.microsoft.com/office/powerpoint/2010/main" val="1332731715"/>
+      </p:ext>
+    </p:extLst>
+  </p:cSld>
+  <p:clrMapOvr>
+    <a:masterClrMapping/>
+  </p:clrMapOvr>
+</p:sld>
+</file>
+
+<file path=ppt/slides/slide16.xml><?xml version="1.0" encoding="utf-8"?>
+<p:sld xmlns:a="http://schemas.openxmlformats.org/drawingml/2006/main" xmlns:r="http://schemas.openxmlformats.org/officeDocument/2006/relationships" xmlns:p="http://schemas.openxmlformats.org/presentationml/2006/main">
+  <p:cSld>
+    <p:spTree>
+      <p:nvGrpSpPr>
+        <p:cNvPr id="1" name=""/>
+        <p:cNvGrpSpPr/>
+        <p:nvPr/>
+      </p:nvGrpSpPr>
+      <p:grpSpPr>
+        <a:xfrm>
+          <a:off x="0" y="0"/>
+          <a:ext cx="0" cy="0"/>
+          <a:chOff x="0" y="0"/>
+          <a:chExt cx="0" cy="0"/>
+        </a:xfrm>
+      </p:grpSpPr>
+      <p:sp>
+        <p:nvSpPr>
+          <p:cNvPr id="2" name="Titre 1"/>
+          <p:cNvSpPr>
+            <a:spLocks noGrp="1"/>
+          </p:cNvSpPr>
+          <p:nvPr>
+            <p:ph type="title"/>
+          </p:nvPr>
+        </p:nvSpPr>
+        <p:spPr>
+          <a:xfrm>
+            <a:off x="2592924" y="624110"/>
+            <a:ext cx="8911687" cy="668096"/>
+          </a:xfrm>
+        </p:spPr>
+        <p:txBody>
+          <a:bodyPr/>
+          <a:lstStyle/>
+          <a:p>
+            <a:r>
+              <a:rPr lang="fr-FR" dirty="0"/>
+              <a:t>3.8 – Supports d’apprentissage</a:t>
+            </a:r>
+          </a:p>
+        </p:txBody>
+      </p:sp>
+      <p:sp>
+        <p:nvSpPr>
+          <p:cNvPr id="3" name="Espace réservé du numéro de diapositive 2"/>
+          <p:cNvSpPr>
+            <a:spLocks noGrp="1"/>
+          </p:cNvSpPr>
+          <p:nvPr>
+            <p:ph type="sldNum" sz="quarter" idx="12"/>
+          </p:nvPr>
+        </p:nvSpPr>
+        <p:spPr/>
+        <p:txBody>
+          <a:bodyPr/>
+          <a:lstStyle/>
+          <a:p>
+            <a:fld id="{D57F1E4F-1CFF-5643-939E-217C01CDF565}" type="slidenum">
+              <a:rPr lang="en-US" smtClean="0"/>
+              <a:pPr/>
+              <a:t>16</a:t>
+            </a:fld>
+            <a:endParaRPr lang="en-US" dirty="0"/>
+          </a:p>
+        </p:txBody>
+      </p:sp>
+      <p:sp>
+        <p:nvSpPr>
+          <p:cNvPr id="5" name="ZoneTexte 4"/>
+          <p:cNvSpPr txBox="1"/>
+          <p:nvPr/>
+        </p:nvSpPr>
+        <p:spPr>
+          <a:xfrm>
+            <a:off x="2928133" y="2684111"/>
+            <a:ext cx="8577989" cy="1200329"/>
+          </a:xfrm>
+          <a:prstGeom prst="rect">
+            <a:avLst/>
+          </a:prstGeom>
+          <a:noFill/>
+        </p:spPr>
+        <p:txBody>
+          <a:bodyPr wrap="none" rtlCol="0">
+            <a:spAutoFit/>
+          </a:bodyPr>
+          <a:lstStyle/>
+          <a:p>
+            <a:r>
+              <a:rPr lang="fr-FR" dirty="0"/>
+              <a:t>Attention au nombre de support dispo</a:t>
+            </a:r>
+          </a:p>
+          <a:p>
+            <a:r>
+              <a:rPr lang="fr-FR" dirty="0"/>
+              <a:t>(plusieurs supports peuvent conduire aux même apport de connaissance , </a:t>
+            </a:r>
+          </a:p>
+          <a:p>
+            <a:r>
+              <a:rPr lang="fr-FR" dirty="0"/>
+              <a:t>développement de compétences</a:t>
+            </a:r>
+          </a:p>
+          <a:p>
+            <a:endParaRPr lang="fr-FR" dirty="0"/>
+          </a:p>
+        </p:txBody>
+      </p:sp>
+    </p:spTree>
+    <p:extLst>
+      <p:ext uri="{BB962C8B-B14F-4D97-AF65-F5344CB8AC3E}">
+        <p14:creationId xmlns:p14="http://schemas.microsoft.com/office/powerpoint/2010/main" val="970161856"/>
+      </p:ext>
+    </p:extLst>
+  </p:cSld>
+  <p:clrMapOvr>
+    <a:masterClrMapping/>
+  </p:clrMapOvr>
+</p:sld>
+</file>
+
+<file path=ppt/slides/slide17.xml><?xml version="1.0" encoding="utf-8"?>
+<p:sld xmlns:a="http://schemas.openxmlformats.org/drawingml/2006/main" xmlns:r="http://schemas.openxmlformats.org/officeDocument/2006/relationships" xmlns:p="http://schemas.openxmlformats.org/presentationml/2006/main">
+  <p:cSld>
+    <p:spTree>
+      <p:nvGrpSpPr>
+        <p:cNvPr id="1" name=""/>
+        <p:cNvGrpSpPr/>
+        <p:nvPr/>
+      </p:nvGrpSpPr>
+      <p:grpSpPr>
+        <a:xfrm>
+          <a:off x="0" y="0"/>
+          <a:ext cx="0" cy="0"/>
+          <a:chOff x="0" y="0"/>
+          <a:chExt cx="0" cy="0"/>
+        </a:xfrm>
+      </p:grpSpPr>
+      <p:sp>
+        <p:nvSpPr>
+          <p:cNvPr id="2" name="Titre 1"/>
+          <p:cNvSpPr>
+            <a:spLocks noGrp="1"/>
+          </p:cNvSpPr>
+          <p:nvPr>
+            <p:ph type="title"/>
+          </p:nvPr>
+        </p:nvSpPr>
+        <p:spPr/>
+        <p:txBody>
+          <a:bodyPr/>
+          <a:lstStyle/>
+          <a:p>
+            <a:r>
+              <a:rPr lang="fr-FR" dirty="0"/>
+              <a:t>3.9 – Détail de la séance</a:t>
+            </a:r>
+          </a:p>
+        </p:txBody>
+      </p:sp>
+      <p:sp>
+        <p:nvSpPr>
+          <p:cNvPr id="3" name="Espace réservé du numéro de diapositive 2"/>
+          <p:cNvSpPr>
+            <a:spLocks noGrp="1"/>
+          </p:cNvSpPr>
+          <p:nvPr>
+            <p:ph type="sldNum" sz="quarter" idx="12"/>
+          </p:nvPr>
+        </p:nvSpPr>
+        <p:spPr/>
+        <p:txBody>
+          <a:bodyPr/>
+          <a:lstStyle/>
+          <a:p>
+            <a:fld id="{D57F1E4F-1CFF-5643-939E-217C01CDF565}" type="slidenum">
+              <a:rPr lang="en-US" smtClean="0"/>
+              <a:pPr/>
+              <a:t>17</a:t>
+            </a:fld>
+            <a:endParaRPr lang="en-US" dirty="0"/>
+          </a:p>
+        </p:txBody>
+      </p:sp>
+      <p:sp>
+        <p:nvSpPr>
+          <p:cNvPr id="4" name="ZoneTexte 3"/>
+          <p:cNvSpPr txBox="1"/>
+          <p:nvPr/>
+        </p:nvSpPr>
+        <p:spPr>
+          <a:xfrm>
+            <a:off x="3331400" y="1796952"/>
+            <a:ext cx="3639138" cy="1754326"/>
+          </a:xfrm>
+          <a:prstGeom prst="rect">
+            <a:avLst/>
+          </a:prstGeom>
+          <a:noFill/>
+        </p:spPr>
+        <p:txBody>
+          <a:bodyPr wrap="none" rtlCol="0">
+            <a:spAutoFit/>
+          </a:bodyPr>
+          <a:lstStyle/>
+          <a:p>
+            <a:r>
+              <a:rPr lang="fr-FR" dirty="0"/>
+              <a:t>3.9.1 : Objectifs visés</a:t>
+            </a:r>
+          </a:p>
+          <a:p>
+            <a:r>
+              <a:rPr lang="fr-FR" dirty="0"/>
+              <a:t>3.9.2 : Mise en situation</a:t>
+            </a:r>
+          </a:p>
+          <a:p>
+            <a:r>
+              <a:rPr lang="fr-FR" dirty="0"/>
+              <a:t>3.9.3 : Déroulé de l’activité </a:t>
+            </a:r>
+          </a:p>
+          <a:p>
+            <a:r>
+              <a:rPr lang="fr-FR" dirty="0"/>
+              <a:t>3.9.4 : Rendu élève</a:t>
+            </a:r>
+          </a:p>
+          <a:p>
+            <a:r>
+              <a:rPr lang="fr-FR" dirty="0"/>
+              <a:t>3.9.5 : Ingénierie pédagogique</a:t>
+            </a:r>
+          </a:p>
+          <a:p>
+            <a:r>
+              <a:rPr lang="fr-FR" dirty="0"/>
+              <a:t>3.9.6 : Différenciations possibles</a:t>
+            </a:r>
+          </a:p>
+        </p:txBody>
+      </p:sp>
+    </p:spTree>
+    <p:extLst>
+      <p:ext uri="{BB962C8B-B14F-4D97-AF65-F5344CB8AC3E}">
+        <p14:creationId xmlns:p14="http://schemas.microsoft.com/office/powerpoint/2010/main" val="1214008063"/>
+      </p:ext>
+    </p:extLst>
+  </p:cSld>
+  <p:clrMapOvr>
+    <a:masterClrMapping/>
+  </p:clrMapOvr>
+</p:sld>
+</file>
+
+<file path=ppt/slides/slide18.xml><?xml version="1.0" encoding="utf-8"?>
+<p:sld xmlns:a="http://schemas.openxmlformats.org/drawingml/2006/main" xmlns:r="http://schemas.openxmlformats.org/officeDocument/2006/relationships" xmlns:p="http://schemas.openxmlformats.org/presentationml/2006/main">
+  <p:cSld>
+    <p:spTree>
+      <p:nvGrpSpPr>
+        <p:cNvPr id="1" name=""/>
+        <p:cNvGrpSpPr/>
+        <p:nvPr/>
+      </p:nvGrpSpPr>
+      <p:grpSpPr>
+        <a:xfrm>
+          <a:off x="0" y="0"/>
+          <a:ext cx="0" cy="0"/>
+          <a:chOff x="0" y="0"/>
+          <a:chExt cx="0" cy="0"/>
+        </a:xfrm>
+      </p:grpSpPr>
+      <p:sp>
+        <p:nvSpPr>
+          <p:cNvPr id="2" name="Titre 1"/>
+          <p:cNvSpPr>
+            <a:spLocks noGrp="1"/>
+          </p:cNvSpPr>
+          <p:nvPr>
+            <p:ph type="title"/>
+          </p:nvPr>
+        </p:nvSpPr>
+        <p:spPr>
+          <a:xfrm>
+            <a:off x="2592924" y="624110"/>
+            <a:ext cx="9223095" cy="668096"/>
+          </a:xfrm>
+        </p:spPr>
+        <p:txBody>
+          <a:bodyPr>
+            <a:normAutofit/>
+          </a:bodyPr>
+          <a:lstStyle/>
+          <a:p>
+            <a:r>
+              <a:rPr lang="fr-FR" dirty="0"/>
+              <a:t>3.9.1 - Objectifs visés</a:t>
+            </a:r>
+          </a:p>
+        </p:txBody>
+      </p:sp>
+      <p:sp>
+        <p:nvSpPr>
+          <p:cNvPr id="3" name="Espace réservé du numéro de diapositive 2"/>
+          <p:cNvSpPr>
+            <a:spLocks noGrp="1"/>
+          </p:cNvSpPr>
+          <p:nvPr>
+            <p:ph type="sldNum" sz="quarter" idx="12"/>
+          </p:nvPr>
+        </p:nvSpPr>
+        <p:spPr/>
+        <p:txBody>
+          <a:bodyPr/>
+          <a:lstStyle/>
+          <a:p>
+            <a:fld id="{D57F1E4F-1CFF-5643-939E-217C01CDF565}" type="slidenum">
+              <a:rPr lang="en-US" smtClean="0"/>
+              <a:pPr/>
+              <a:t>18</a:t>
+            </a:fld>
+            <a:endParaRPr lang="en-US" dirty="0"/>
+          </a:p>
+        </p:txBody>
+      </p:sp>
+      <p:sp>
+        <p:nvSpPr>
+          <p:cNvPr id="6" name="ZoneTexte 5"/>
+          <p:cNvSpPr txBox="1"/>
+          <p:nvPr/>
+        </p:nvSpPr>
+        <p:spPr>
+          <a:xfrm>
+            <a:off x="3088153" y="1960211"/>
+            <a:ext cx="5522666" cy="1200329"/>
+          </a:xfrm>
+          <a:prstGeom prst="rect">
+            <a:avLst/>
+          </a:prstGeom>
+          <a:noFill/>
+        </p:spPr>
+        <p:txBody>
+          <a:bodyPr wrap="none" rtlCol="0">
+            <a:spAutoFit/>
+          </a:bodyPr>
+          <a:lstStyle/>
+          <a:p>
+            <a:r>
+              <a:rPr lang="fr-FR" dirty="0"/>
+              <a:t>Principales activité de la séance</a:t>
+            </a:r>
+          </a:p>
+          <a:p>
+            <a:endParaRPr lang="fr-FR" dirty="0"/>
+          </a:p>
+          <a:p>
+            <a:r>
+              <a:rPr lang="fr-FR" dirty="0"/>
+              <a:t>Compétences, savoir et savoir-faire à acquérir</a:t>
+            </a:r>
+          </a:p>
+          <a:p>
+            <a:endParaRPr lang="fr-FR" dirty="0"/>
+          </a:p>
+        </p:txBody>
+      </p:sp>
+    </p:spTree>
+    <p:extLst>
+      <p:ext uri="{BB962C8B-B14F-4D97-AF65-F5344CB8AC3E}">
+        <p14:creationId xmlns:p14="http://schemas.microsoft.com/office/powerpoint/2010/main" val="673099642"/>
+      </p:ext>
+    </p:extLst>
+  </p:cSld>
+  <p:clrMapOvr>
+    <a:masterClrMapping/>
+  </p:clrMapOvr>
+</p:sld>
+</file>
+
+<file path=ppt/slides/slide19.xml><?xml version="1.0" encoding="utf-8"?>
+<p:sld xmlns:a="http://schemas.openxmlformats.org/drawingml/2006/main" xmlns:r="http://schemas.openxmlformats.org/officeDocument/2006/relationships" xmlns:p="http://schemas.openxmlformats.org/presentationml/2006/main">
+  <p:cSld>
+    <p:spTree>
+      <p:nvGrpSpPr>
+        <p:cNvPr id="1" name=""/>
+        <p:cNvGrpSpPr/>
+        <p:nvPr/>
+      </p:nvGrpSpPr>
+      <p:grpSpPr>
+        <a:xfrm>
+          <a:off x="0" y="0"/>
+          <a:ext cx="0" cy="0"/>
+          <a:chOff x="0" y="0"/>
+          <a:chExt cx="0" cy="0"/>
+        </a:xfrm>
+      </p:grpSpPr>
+      <p:sp>
+        <p:nvSpPr>
+          <p:cNvPr id="2" name="Titre 1"/>
+          <p:cNvSpPr>
+            <a:spLocks noGrp="1"/>
+          </p:cNvSpPr>
+          <p:nvPr>
+            <p:ph type="title"/>
+          </p:nvPr>
+        </p:nvSpPr>
+        <p:spPr>
+          <a:xfrm>
+            <a:off x="2592924" y="624110"/>
+            <a:ext cx="9223095" cy="668096"/>
+          </a:xfrm>
+        </p:spPr>
+        <p:txBody>
+          <a:bodyPr>
+            <a:normAutofit/>
+          </a:bodyPr>
+          <a:lstStyle/>
+          <a:p>
+            <a:r>
+              <a:rPr lang="fr-FR" dirty="0"/>
+              <a:t>3.9.2 - Mise en situation</a:t>
+            </a:r>
+          </a:p>
+        </p:txBody>
+      </p:sp>
+      <p:sp>
+        <p:nvSpPr>
+          <p:cNvPr id="3" name="Espace réservé du numéro de diapositive 2"/>
+          <p:cNvSpPr>
+            <a:spLocks noGrp="1"/>
+          </p:cNvSpPr>
+          <p:nvPr>
+            <p:ph type="sldNum" sz="quarter" idx="12"/>
+          </p:nvPr>
+        </p:nvSpPr>
+        <p:spPr/>
+        <p:txBody>
+          <a:bodyPr/>
+          <a:lstStyle/>
+          <a:p>
+            <a:fld id="{D57F1E4F-1CFF-5643-939E-217C01CDF565}" type="slidenum">
+              <a:rPr lang="en-US" smtClean="0"/>
+              <a:pPr/>
+              <a:t>19</a:t>
+            </a:fld>
+            <a:endParaRPr lang="en-US" dirty="0"/>
+          </a:p>
+        </p:txBody>
+      </p:sp>
+      <p:sp>
+        <p:nvSpPr>
+          <p:cNvPr id="4" name="ZoneTexte 3"/>
+          <p:cNvSpPr txBox="1"/>
+          <p:nvPr/>
+        </p:nvSpPr>
+        <p:spPr>
+          <a:xfrm>
+            <a:off x="2661068" y="2546083"/>
+            <a:ext cx="9121408" cy="1754326"/>
+          </a:xfrm>
+          <a:prstGeom prst="rect">
+            <a:avLst/>
+          </a:prstGeom>
+          <a:noFill/>
+        </p:spPr>
+        <p:txBody>
+          <a:bodyPr wrap="none" rtlCol="0">
+            <a:spAutoFit/>
+          </a:bodyPr>
+          <a:lstStyle/>
+          <a:p>
+            <a:r>
+              <a:rPr lang="fr-FR" dirty="0"/>
+              <a:t>Fiche séance : </a:t>
+            </a:r>
+          </a:p>
+          <a:p>
+            <a:pPr marL="285750" indent="-285750">
+              <a:buFont typeface="Arial" panose="020B0604020202020204" pitchFamily="34" charset="0"/>
+              <a:buChar char="•"/>
+            </a:pPr>
+            <a:r>
+              <a:rPr lang="fr-FR" dirty="0"/>
+              <a:t>Organisation (individuel, binôme, trinôme)</a:t>
+            </a:r>
+          </a:p>
+          <a:p>
+            <a:pPr marL="285750" indent="-285750">
+              <a:buFont typeface="Arial" panose="020B0604020202020204" pitchFamily="34" charset="0"/>
+              <a:buChar char="•"/>
+            </a:pPr>
+            <a:r>
+              <a:rPr lang="fr-FR" dirty="0"/>
+              <a:t>Matériels logiciels nécessaire (dire si ces matériels ont déjà été utilisés ou non)</a:t>
+            </a:r>
+          </a:p>
+          <a:p>
+            <a:pPr marL="285750" indent="-285750">
+              <a:buFont typeface="Arial" panose="020B0604020202020204" pitchFamily="34" charset="0"/>
+              <a:buChar char="•"/>
+            </a:pPr>
+            <a:r>
+              <a:rPr lang="fr-FR" dirty="0"/>
+              <a:t>Penser aux matériels alternatif pour les autres groupes</a:t>
+            </a:r>
+          </a:p>
+          <a:p>
+            <a:pPr marL="285750" indent="-285750">
+              <a:buFont typeface="Arial" panose="020B0604020202020204" pitchFamily="34" charset="0"/>
+              <a:buChar char="•"/>
+            </a:pPr>
+            <a:r>
+              <a:rPr lang="fr-FR" dirty="0"/>
+              <a:t>Déroulé (synthétique)</a:t>
+            </a:r>
+          </a:p>
+          <a:p>
+            <a:pPr marL="285750" indent="-285750">
+              <a:buFont typeface="Arial" panose="020B0604020202020204" pitchFamily="34" charset="0"/>
+              <a:buChar char="•"/>
+            </a:pPr>
+            <a:r>
+              <a:rPr lang="fr-FR" dirty="0"/>
+              <a:t>Evaluation formative (</a:t>
+            </a:r>
+            <a:r>
+              <a:rPr lang="fr-FR" dirty="0" err="1"/>
+              <a:t>Plickers</a:t>
+            </a:r>
+            <a:r>
+              <a:rPr lang="fr-FR" dirty="0"/>
+              <a:t> + réponse aux questions)</a:t>
+            </a:r>
+          </a:p>
+        </p:txBody>
+      </p:sp>
+    </p:spTree>
+    <p:extLst>
+      <p:ext uri="{BB962C8B-B14F-4D97-AF65-F5344CB8AC3E}">
+        <p14:creationId xmlns:p14="http://schemas.microsoft.com/office/powerpoint/2010/main" val="1190763296"/>
       </p:ext>
     </p:extLst>
   </p:cSld>
@@ -8207,7 +11372,7 @@
         <p:spPr>
           <a:xfrm>
             <a:off x="3047999" y="1238250"/>
-            <a:ext cx="6486525" cy="4524315"/>
+            <a:ext cx="6486525" cy="3139321"/>
           </a:xfrm>
           <a:prstGeom prst="rect">
             <a:avLst/>
@@ -8221,26 +11386,17 @@
           <a:lstStyle/>
           <a:p>
             <a:r>
-              <a:rPr lang="fr-FR" dirty="0" smtClean="0"/>
+              <a:rPr lang="fr-FR" dirty="0"/>
               <a:t>Sommaire</a:t>
             </a:r>
           </a:p>
           <a:p>
-            <a:endParaRPr lang="fr-FR" dirty="0" smtClean="0"/>
-          </a:p>
-          <a:p>
-            <a:r>
-              <a:rPr lang="fr-FR" dirty="0" smtClean="0"/>
-              <a:t>1 – </a:t>
-            </a:r>
-          </a:p>
-          <a:p>
             <a:endParaRPr lang="fr-FR" dirty="0"/>
           </a:p>
           <a:p>
             <a:r>
-              <a:rPr lang="fr-FR" dirty="0" smtClean="0"/>
-              <a:t>2 – </a:t>
+              <a:rPr lang="fr-FR" dirty="0"/>
+              <a:t>1 – Fonctionnement et structure du système étudié</a:t>
             </a:r>
           </a:p>
           <a:p>
@@ -8248,22 +11404,17 @@
           </a:p>
           <a:p>
             <a:r>
-              <a:rPr lang="fr-FR" dirty="0" smtClean="0"/>
-              <a:t>3 </a:t>
-            </a:r>
-            <a:r>
-              <a:rPr lang="fr-FR" dirty="0" smtClean="0"/>
-              <a:t>-</a:t>
-            </a:r>
-            <a:endParaRPr lang="fr-FR" dirty="0" smtClean="0"/>
+              <a:rPr lang="fr-FR" dirty="0"/>
+              <a:t>2 – Autres pistes d’exploitation</a:t>
+            </a:r>
           </a:p>
           <a:p>
             <a:endParaRPr lang="fr-FR" dirty="0"/>
           </a:p>
           <a:p>
             <a:r>
-              <a:rPr lang="fr-FR" dirty="0" smtClean="0"/>
-              <a:t>4 – </a:t>
+              <a:rPr lang="fr-FR" dirty="0"/>
+              <a:t>3 - Proposition de séquence</a:t>
             </a:r>
           </a:p>
           <a:p>
@@ -8271,12 +11422,8 @@
           </a:p>
           <a:p>
             <a:r>
-              <a:rPr lang="fr-FR" dirty="0" smtClean="0"/>
-              <a:t>5 </a:t>
-            </a:r>
-            <a:r>
-              <a:rPr lang="fr-FR" dirty="0" smtClean="0"/>
-              <a:t>–</a:t>
+              <a:rPr lang="fr-FR" dirty="0"/>
+              <a:t>4 – Détail séance</a:t>
             </a:r>
           </a:p>
           <a:p>
@@ -8284,25 +11431,9 @@
           </a:p>
           <a:p>
             <a:r>
-              <a:rPr lang="fr-FR" dirty="0" smtClean="0"/>
-              <a:t>6 – </a:t>
-            </a:r>
-          </a:p>
-          <a:p>
-            <a:endParaRPr lang="fr-FR" dirty="0"/>
-          </a:p>
-          <a:p>
-            <a:r>
-              <a:rPr lang="fr-FR" dirty="0" smtClean="0"/>
-              <a:t>7 –</a:t>
-            </a:r>
-          </a:p>
-          <a:p>
-            <a:r>
-              <a:rPr lang="fr-FR" dirty="0" smtClean="0"/>
-              <a:t> </a:t>
-            </a:r>
-            <a:endParaRPr lang="fr-FR" dirty="0"/>
+              <a:rPr lang="fr-FR" dirty="0"/>
+              <a:t>5 – Conclusion </a:t>
+            </a:r>
           </a:p>
         </p:txBody>
       </p:sp>
@@ -8316,14 +11447,1209 @@
   <p:clrMapOvr>
     <a:masterClrMapping/>
   </p:clrMapOvr>
-  <mc:AlternateContent xmlns:mc="http://schemas.openxmlformats.org/markup-compatibility/2006" xmlns:p14="http://schemas.microsoft.com/office/powerpoint/2010/main">
-    <mc:Choice Requires="p14">
-      <p:transition spd="slow" p14:dur="2000"/>
-    </mc:Choice>
-    <mc:Fallback xmlns="">
-      <p:transition spd="slow"/>
-    </mc:Fallback>
-  </mc:AlternateContent>
+</p:sld>
+</file>
+
+<file path=ppt/slides/slide20.xml><?xml version="1.0" encoding="utf-8"?>
+<p:sld xmlns:a="http://schemas.openxmlformats.org/drawingml/2006/main" xmlns:r="http://schemas.openxmlformats.org/officeDocument/2006/relationships" xmlns:p="http://schemas.openxmlformats.org/presentationml/2006/main">
+  <p:cSld>
+    <p:spTree>
+      <p:nvGrpSpPr>
+        <p:cNvPr id="1" name=""/>
+        <p:cNvGrpSpPr/>
+        <p:nvPr/>
+      </p:nvGrpSpPr>
+      <p:grpSpPr>
+        <a:xfrm>
+          <a:off x="0" y="0"/>
+          <a:ext cx="0" cy="0"/>
+          <a:chOff x="0" y="0"/>
+          <a:chExt cx="0" cy="0"/>
+        </a:xfrm>
+      </p:grpSpPr>
+      <p:sp>
+        <p:nvSpPr>
+          <p:cNvPr id="2" name="Titre 1"/>
+          <p:cNvSpPr>
+            <a:spLocks noGrp="1"/>
+          </p:cNvSpPr>
+          <p:nvPr>
+            <p:ph type="title"/>
+          </p:nvPr>
+        </p:nvSpPr>
+        <p:spPr>
+          <a:xfrm>
+            <a:off x="2592924" y="624110"/>
+            <a:ext cx="9223095" cy="668096"/>
+          </a:xfrm>
+        </p:spPr>
+        <p:txBody>
+          <a:bodyPr>
+            <a:normAutofit/>
+          </a:bodyPr>
+          <a:lstStyle/>
+          <a:p>
+            <a:r>
+              <a:rPr lang="fr-FR" dirty="0"/>
+              <a:t>3.9.3 - Déroulé de l’activité</a:t>
+            </a:r>
+          </a:p>
+        </p:txBody>
+      </p:sp>
+      <p:sp>
+        <p:nvSpPr>
+          <p:cNvPr id="3" name="Espace réservé du numéro de diapositive 2"/>
+          <p:cNvSpPr>
+            <a:spLocks noGrp="1"/>
+          </p:cNvSpPr>
+          <p:nvPr>
+            <p:ph type="sldNum" sz="quarter" idx="12"/>
+          </p:nvPr>
+        </p:nvSpPr>
+        <p:spPr/>
+        <p:txBody>
+          <a:bodyPr/>
+          <a:lstStyle/>
+          <a:p>
+            <a:fld id="{D57F1E4F-1CFF-5643-939E-217C01CDF565}" type="slidenum">
+              <a:rPr lang="en-US" smtClean="0"/>
+              <a:pPr/>
+              <a:t>20</a:t>
+            </a:fld>
+            <a:endParaRPr lang="en-US" dirty="0"/>
+          </a:p>
+        </p:txBody>
+      </p:sp>
+      <p:sp>
+        <p:nvSpPr>
+          <p:cNvPr id="6" name="ZoneTexte 5"/>
+          <p:cNvSpPr txBox="1"/>
+          <p:nvPr/>
+        </p:nvSpPr>
+        <p:spPr>
+          <a:xfrm>
+            <a:off x="3263367" y="2140900"/>
+            <a:ext cx="4706738" cy="1200329"/>
+          </a:xfrm>
+          <a:prstGeom prst="rect">
+            <a:avLst/>
+          </a:prstGeom>
+          <a:noFill/>
+        </p:spPr>
+        <p:txBody>
+          <a:bodyPr wrap="none" rtlCol="0">
+            <a:spAutoFit/>
+          </a:bodyPr>
+          <a:lstStyle/>
+          <a:p>
+            <a:r>
+              <a:rPr lang="fr-FR" dirty="0"/>
+              <a:t>Si binôme trinôme : activité plutôt en //</a:t>
+            </a:r>
+          </a:p>
+          <a:p>
+            <a:r>
+              <a:rPr lang="fr-FR" dirty="0"/>
+              <a:t>Activité « bonus »</a:t>
+            </a:r>
+          </a:p>
+          <a:p>
+            <a:r>
+              <a:rPr lang="fr-FR" dirty="0"/>
+              <a:t>Donner les grands chapitres de l’activité</a:t>
+            </a:r>
+          </a:p>
+          <a:p>
+            <a:endParaRPr lang="fr-FR" dirty="0"/>
+          </a:p>
+        </p:txBody>
+      </p:sp>
+    </p:spTree>
+    <p:extLst>
+      <p:ext uri="{BB962C8B-B14F-4D97-AF65-F5344CB8AC3E}">
+        <p14:creationId xmlns:p14="http://schemas.microsoft.com/office/powerpoint/2010/main" val="3356884638"/>
+      </p:ext>
+    </p:extLst>
+  </p:cSld>
+  <p:clrMapOvr>
+    <a:masterClrMapping/>
+  </p:clrMapOvr>
+</p:sld>
+</file>
+
+<file path=ppt/slides/slide21.xml><?xml version="1.0" encoding="utf-8"?>
+<p:sld xmlns:a="http://schemas.openxmlformats.org/drawingml/2006/main" xmlns:r="http://schemas.openxmlformats.org/officeDocument/2006/relationships" xmlns:p="http://schemas.openxmlformats.org/presentationml/2006/main">
+  <p:cSld>
+    <p:spTree>
+      <p:nvGrpSpPr>
+        <p:cNvPr id="1" name=""/>
+        <p:cNvGrpSpPr/>
+        <p:nvPr/>
+      </p:nvGrpSpPr>
+      <p:grpSpPr>
+        <a:xfrm>
+          <a:off x="0" y="0"/>
+          <a:ext cx="0" cy="0"/>
+          <a:chOff x="0" y="0"/>
+          <a:chExt cx="0" cy="0"/>
+        </a:xfrm>
+      </p:grpSpPr>
+      <p:sp>
+        <p:nvSpPr>
+          <p:cNvPr id="2" name="Titre 1"/>
+          <p:cNvSpPr>
+            <a:spLocks noGrp="1"/>
+          </p:cNvSpPr>
+          <p:nvPr>
+            <p:ph type="title"/>
+          </p:nvPr>
+        </p:nvSpPr>
+        <p:spPr>
+          <a:xfrm>
+            <a:off x="2592924" y="624110"/>
+            <a:ext cx="9223095" cy="668096"/>
+          </a:xfrm>
+        </p:spPr>
+        <p:txBody>
+          <a:bodyPr>
+            <a:normAutofit/>
+          </a:bodyPr>
+          <a:lstStyle/>
+          <a:p>
+            <a:r>
+              <a:rPr lang="fr-FR" dirty="0"/>
+              <a:t>3.9.4 - Rendu élèves</a:t>
+            </a:r>
+          </a:p>
+        </p:txBody>
+      </p:sp>
+      <p:sp>
+        <p:nvSpPr>
+          <p:cNvPr id="3" name="Espace réservé du numéro de diapositive 2"/>
+          <p:cNvSpPr>
+            <a:spLocks noGrp="1"/>
+          </p:cNvSpPr>
+          <p:nvPr>
+            <p:ph type="sldNum" sz="quarter" idx="12"/>
+          </p:nvPr>
+        </p:nvSpPr>
+        <p:spPr/>
+        <p:txBody>
+          <a:bodyPr/>
+          <a:lstStyle/>
+          <a:p>
+            <a:fld id="{D57F1E4F-1CFF-5643-939E-217C01CDF565}" type="slidenum">
+              <a:rPr lang="en-US" smtClean="0"/>
+              <a:pPr/>
+              <a:t>21</a:t>
+            </a:fld>
+            <a:endParaRPr lang="en-US" dirty="0"/>
+          </a:p>
+        </p:txBody>
+      </p:sp>
+      <p:sp>
+        <p:nvSpPr>
+          <p:cNvPr id="4" name="ZoneTexte 3"/>
+          <p:cNvSpPr txBox="1"/>
+          <p:nvPr/>
+        </p:nvSpPr>
+        <p:spPr>
+          <a:xfrm>
+            <a:off x="3542616" y="2458477"/>
+            <a:ext cx="4944159" cy="1200329"/>
+          </a:xfrm>
+          <a:prstGeom prst="rect">
+            <a:avLst/>
+          </a:prstGeom>
+          <a:noFill/>
+        </p:spPr>
+        <p:txBody>
+          <a:bodyPr wrap="square" rtlCol="0">
+            <a:spAutoFit/>
+          </a:bodyPr>
+          <a:lstStyle/>
+          <a:p>
+            <a:r>
+              <a:rPr lang="fr-FR" dirty="0"/>
+              <a:t>CR oral de l’activité – de ce qu’il faut retenir pour eux?</a:t>
+            </a:r>
+          </a:p>
+          <a:p>
+            <a:r>
+              <a:rPr lang="fr-FR" dirty="0"/>
+              <a:t>(pyramide des apprentissages : on retient mieux lorsque l’on apprend aux autres)</a:t>
+            </a:r>
+          </a:p>
+        </p:txBody>
+      </p:sp>
+    </p:spTree>
+    <p:extLst>
+      <p:ext uri="{BB962C8B-B14F-4D97-AF65-F5344CB8AC3E}">
+        <p14:creationId xmlns:p14="http://schemas.microsoft.com/office/powerpoint/2010/main" val="1379571086"/>
+      </p:ext>
+    </p:extLst>
+  </p:cSld>
+  <p:clrMapOvr>
+    <a:masterClrMapping/>
+  </p:clrMapOvr>
+</p:sld>
+</file>
+
+<file path=ppt/slides/slide22.xml><?xml version="1.0" encoding="utf-8"?>
+<p:sld xmlns:a="http://schemas.openxmlformats.org/drawingml/2006/main" xmlns:r="http://schemas.openxmlformats.org/officeDocument/2006/relationships" xmlns:p="http://schemas.openxmlformats.org/presentationml/2006/main">
+  <p:cSld>
+    <p:spTree>
+      <p:nvGrpSpPr>
+        <p:cNvPr id="1" name=""/>
+        <p:cNvGrpSpPr/>
+        <p:nvPr/>
+      </p:nvGrpSpPr>
+      <p:grpSpPr>
+        <a:xfrm>
+          <a:off x="0" y="0"/>
+          <a:ext cx="0" cy="0"/>
+          <a:chOff x="0" y="0"/>
+          <a:chExt cx="0" cy="0"/>
+        </a:xfrm>
+      </p:grpSpPr>
+      <p:sp>
+        <p:nvSpPr>
+          <p:cNvPr id="2" name="Titre 1"/>
+          <p:cNvSpPr>
+            <a:spLocks noGrp="1"/>
+          </p:cNvSpPr>
+          <p:nvPr>
+            <p:ph type="title"/>
+          </p:nvPr>
+        </p:nvSpPr>
+        <p:spPr>
+          <a:xfrm>
+            <a:off x="2592924" y="624110"/>
+            <a:ext cx="9223095" cy="668096"/>
+          </a:xfrm>
+        </p:spPr>
+        <p:txBody>
+          <a:bodyPr>
+            <a:normAutofit/>
+          </a:bodyPr>
+          <a:lstStyle/>
+          <a:p>
+            <a:r>
+              <a:rPr lang="fr-FR" dirty="0"/>
+              <a:t>3.9.5 - Ingénierie pédagogique</a:t>
+            </a:r>
+          </a:p>
+        </p:txBody>
+      </p:sp>
+      <p:sp>
+        <p:nvSpPr>
+          <p:cNvPr id="3" name="Espace réservé du numéro de diapositive 2"/>
+          <p:cNvSpPr>
+            <a:spLocks noGrp="1"/>
+          </p:cNvSpPr>
+          <p:nvPr>
+            <p:ph type="sldNum" sz="quarter" idx="12"/>
+          </p:nvPr>
+        </p:nvSpPr>
+        <p:spPr/>
+        <p:txBody>
+          <a:bodyPr/>
+          <a:lstStyle/>
+          <a:p>
+            <a:fld id="{D57F1E4F-1CFF-5643-939E-217C01CDF565}" type="slidenum">
+              <a:rPr lang="en-US" smtClean="0"/>
+              <a:pPr/>
+              <a:t>22</a:t>
+            </a:fld>
+            <a:endParaRPr lang="en-US" dirty="0"/>
+          </a:p>
+        </p:txBody>
+      </p:sp>
+    </p:spTree>
+    <p:extLst>
+      <p:ext uri="{BB962C8B-B14F-4D97-AF65-F5344CB8AC3E}">
+        <p14:creationId xmlns:p14="http://schemas.microsoft.com/office/powerpoint/2010/main" val="3528735941"/>
+      </p:ext>
+    </p:extLst>
+  </p:cSld>
+  <p:clrMapOvr>
+    <a:masterClrMapping/>
+  </p:clrMapOvr>
+</p:sld>
+</file>
+
+<file path=ppt/slides/slide23.xml><?xml version="1.0" encoding="utf-8"?>
+<p:sld xmlns:a="http://schemas.openxmlformats.org/drawingml/2006/main" xmlns:r="http://schemas.openxmlformats.org/officeDocument/2006/relationships" xmlns:p="http://schemas.openxmlformats.org/presentationml/2006/main">
+  <p:cSld>
+    <p:spTree>
+      <p:nvGrpSpPr>
+        <p:cNvPr id="1" name=""/>
+        <p:cNvGrpSpPr/>
+        <p:nvPr/>
+      </p:nvGrpSpPr>
+      <p:grpSpPr>
+        <a:xfrm>
+          <a:off x="0" y="0"/>
+          <a:ext cx="0" cy="0"/>
+          <a:chOff x="0" y="0"/>
+          <a:chExt cx="0" cy="0"/>
+        </a:xfrm>
+      </p:grpSpPr>
+      <p:sp>
+        <p:nvSpPr>
+          <p:cNvPr id="2" name="Titre 1"/>
+          <p:cNvSpPr>
+            <a:spLocks noGrp="1"/>
+          </p:cNvSpPr>
+          <p:nvPr>
+            <p:ph type="title"/>
+          </p:nvPr>
+        </p:nvSpPr>
+        <p:spPr>
+          <a:xfrm>
+            <a:off x="2592924" y="624110"/>
+            <a:ext cx="9223095" cy="668096"/>
+          </a:xfrm>
+        </p:spPr>
+        <p:txBody>
+          <a:bodyPr>
+            <a:normAutofit/>
+          </a:bodyPr>
+          <a:lstStyle/>
+          <a:p>
+            <a:r>
+              <a:rPr lang="fr-FR" dirty="0"/>
+              <a:t>3.9.6 - Différenciations possibles</a:t>
+            </a:r>
+          </a:p>
+        </p:txBody>
+      </p:sp>
+      <p:sp>
+        <p:nvSpPr>
+          <p:cNvPr id="3" name="Espace réservé du numéro de diapositive 2"/>
+          <p:cNvSpPr>
+            <a:spLocks noGrp="1"/>
+          </p:cNvSpPr>
+          <p:nvPr>
+            <p:ph type="sldNum" sz="quarter" idx="12"/>
+          </p:nvPr>
+        </p:nvSpPr>
+        <p:spPr/>
+        <p:txBody>
+          <a:bodyPr/>
+          <a:lstStyle/>
+          <a:p>
+            <a:fld id="{D57F1E4F-1CFF-5643-939E-217C01CDF565}" type="slidenum">
+              <a:rPr lang="en-US" smtClean="0"/>
+              <a:pPr/>
+              <a:t>23</a:t>
+            </a:fld>
+            <a:endParaRPr lang="en-US" dirty="0"/>
+          </a:p>
+        </p:txBody>
+      </p:sp>
+      <p:sp>
+        <p:nvSpPr>
+          <p:cNvPr id="4" name="ZoneTexte 3"/>
+          <p:cNvSpPr txBox="1"/>
+          <p:nvPr/>
+        </p:nvSpPr>
+        <p:spPr>
+          <a:xfrm>
+            <a:off x="3564518" y="2453001"/>
+            <a:ext cx="1606530" cy="1200329"/>
+          </a:xfrm>
+          <a:prstGeom prst="rect">
+            <a:avLst/>
+          </a:prstGeom>
+          <a:noFill/>
+        </p:spPr>
+        <p:txBody>
+          <a:bodyPr wrap="none" rtlCol="0">
+            <a:spAutoFit/>
+          </a:bodyPr>
+          <a:lstStyle/>
+          <a:p>
+            <a:r>
+              <a:rPr lang="fr-FR" dirty="0"/>
+              <a:t>Contenu</a:t>
+            </a:r>
+          </a:p>
+          <a:p>
+            <a:r>
+              <a:rPr lang="fr-FR" dirty="0"/>
+              <a:t>Rendu élève</a:t>
+            </a:r>
+          </a:p>
+          <a:p>
+            <a:r>
+              <a:rPr lang="fr-FR" dirty="0"/>
+              <a:t>Processus</a:t>
+            </a:r>
+          </a:p>
+          <a:p>
+            <a:r>
+              <a:rPr lang="fr-FR" dirty="0"/>
+              <a:t>Temps</a:t>
+            </a:r>
+          </a:p>
+        </p:txBody>
+      </p:sp>
+    </p:spTree>
+    <p:extLst>
+      <p:ext uri="{BB962C8B-B14F-4D97-AF65-F5344CB8AC3E}">
+        <p14:creationId xmlns:p14="http://schemas.microsoft.com/office/powerpoint/2010/main" val="2384591684"/>
+      </p:ext>
+    </p:extLst>
+  </p:cSld>
+  <p:clrMapOvr>
+    <a:masterClrMapping/>
+  </p:clrMapOvr>
+</p:sld>
+</file>
+
+<file path=ppt/slides/slide24.xml><?xml version="1.0" encoding="utf-8"?>
+<p:sld xmlns:a="http://schemas.openxmlformats.org/drawingml/2006/main" xmlns:r="http://schemas.openxmlformats.org/officeDocument/2006/relationships" xmlns:p="http://schemas.openxmlformats.org/presentationml/2006/main">
+  <p:cSld>
+    <p:spTree>
+      <p:nvGrpSpPr>
+        <p:cNvPr id="1" name=""/>
+        <p:cNvGrpSpPr/>
+        <p:nvPr/>
+      </p:nvGrpSpPr>
+      <p:grpSpPr>
+        <a:xfrm>
+          <a:off x="0" y="0"/>
+          <a:ext cx="0" cy="0"/>
+          <a:chOff x="0" y="0"/>
+          <a:chExt cx="0" cy="0"/>
+        </a:xfrm>
+      </p:grpSpPr>
+      <p:sp>
+        <p:nvSpPr>
+          <p:cNvPr id="2" name="Titre 1"/>
+          <p:cNvSpPr>
+            <a:spLocks noGrp="1"/>
+          </p:cNvSpPr>
+          <p:nvPr>
+            <p:ph type="title"/>
+          </p:nvPr>
+        </p:nvSpPr>
+        <p:spPr>
+          <a:xfrm>
+            <a:off x="2592924" y="624110"/>
+            <a:ext cx="9223095" cy="668096"/>
+          </a:xfrm>
+        </p:spPr>
+        <p:txBody>
+          <a:bodyPr>
+            <a:normAutofit/>
+          </a:bodyPr>
+          <a:lstStyle/>
+          <a:p>
+            <a:r>
+              <a:rPr lang="fr-FR" dirty="0"/>
+              <a:t>3.10 - </a:t>
+            </a:r>
+            <a:r>
+              <a:rPr lang="fr-FR" dirty="0" err="1"/>
+              <a:t>Remédiation</a:t>
+            </a:r>
+            <a:endParaRPr lang="fr-FR" dirty="0"/>
+          </a:p>
+        </p:txBody>
+      </p:sp>
+      <p:sp>
+        <p:nvSpPr>
+          <p:cNvPr id="3" name="Espace réservé du numéro de diapositive 2"/>
+          <p:cNvSpPr>
+            <a:spLocks noGrp="1"/>
+          </p:cNvSpPr>
+          <p:nvPr>
+            <p:ph type="sldNum" sz="quarter" idx="12"/>
+          </p:nvPr>
+        </p:nvSpPr>
+        <p:spPr/>
+        <p:txBody>
+          <a:bodyPr/>
+          <a:lstStyle/>
+          <a:p>
+            <a:fld id="{D57F1E4F-1CFF-5643-939E-217C01CDF565}" type="slidenum">
+              <a:rPr lang="en-US" smtClean="0"/>
+              <a:pPr/>
+              <a:t>24</a:t>
+            </a:fld>
+            <a:endParaRPr lang="en-US" dirty="0"/>
+          </a:p>
+        </p:txBody>
+      </p:sp>
+      <p:sp>
+        <p:nvSpPr>
+          <p:cNvPr id="5" name="ZoneTexte 4"/>
+          <p:cNvSpPr txBox="1"/>
+          <p:nvPr/>
+        </p:nvSpPr>
+        <p:spPr>
+          <a:xfrm>
+            <a:off x="3088153" y="1960211"/>
+            <a:ext cx="8730275" cy="2308324"/>
+          </a:xfrm>
+          <a:prstGeom prst="rect">
+            <a:avLst/>
+          </a:prstGeom>
+          <a:noFill/>
+        </p:spPr>
+        <p:txBody>
+          <a:bodyPr wrap="none" rtlCol="0">
+            <a:spAutoFit/>
+          </a:bodyPr>
+          <a:lstStyle/>
+          <a:p>
+            <a:r>
+              <a:rPr lang="fr-FR" dirty="0"/>
+              <a:t>Plus faibles : Activités complémentaire avec aide enseignant</a:t>
+            </a:r>
+          </a:p>
+          <a:p>
+            <a:r>
+              <a:rPr lang="fr-FR" dirty="0"/>
+              <a:t>Plus forts : Travail en autonomie (carte heuristique, préparer un quizz </a:t>
+            </a:r>
+            <a:r>
+              <a:rPr lang="fr-FR" dirty="0" err="1"/>
+              <a:t>plickers</a:t>
+            </a:r>
+            <a:r>
+              <a:rPr lang="fr-FR" dirty="0"/>
+              <a:t>)</a:t>
+            </a:r>
+          </a:p>
+          <a:p>
+            <a:endParaRPr lang="fr-FR" dirty="0"/>
+          </a:p>
+          <a:p>
+            <a:r>
+              <a:rPr lang="fr-FR" u="sng" dirty="0"/>
+              <a:t>Exemple de </a:t>
+            </a:r>
+            <a:r>
+              <a:rPr lang="fr-FR" u="sng" dirty="0" err="1"/>
+              <a:t>remédiation</a:t>
+            </a:r>
+            <a:r>
+              <a:rPr lang="fr-FR" u="sng" dirty="0"/>
+              <a:t> possible</a:t>
+            </a:r>
+          </a:p>
+          <a:p>
+            <a:pPr lvl="1">
+              <a:buFont typeface="Arial" pitchFamily="34" charset="0"/>
+              <a:buChar char="•"/>
+            </a:pPr>
+            <a:r>
+              <a:rPr lang="fr-FR" dirty="0"/>
+              <a:t>Rappels des points importants de la séquence</a:t>
+            </a:r>
+          </a:p>
+          <a:p>
+            <a:pPr lvl="1">
+              <a:buFont typeface="Arial" pitchFamily="34" charset="0"/>
+              <a:buChar char="•"/>
+            </a:pPr>
+            <a:r>
+              <a:rPr lang="fr-FR" dirty="0"/>
+              <a:t>Etablissement d’une fiche de synthèse par élèves. </a:t>
+            </a:r>
+          </a:p>
+          <a:p>
+            <a:pPr lvl="1">
+              <a:buFont typeface="Arial" pitchFamily="34" charset="0"/>
+              <a:buChar char="•"/>
+            </a:pPr>
+            <a:r>
+              <a:rPr lang="fr-FR" dirty="0"/>
+              <a:t>Brassage des fiches et distribution à l’ensemble de la classe</a:t>
+            </a:r>
+          </a:p>
+          <a:p>
+            <a:pPr lvl="1">
+              <a:buFont typeface="Arial" pitchFamily="34" charset="0"/>
+              <a:buChar char="•"/>
+            </a:pPr>
+            <a:r>
+              <a:rPr lang="fr-FR" dirty="0"/>
+              <a:t>QCM </a:t>
+            </a:r>
+            <a:r>
+              <a:rPr lang="fr-FR" dirty="0" err="1"/>
+              <a:t>Plickers</a:t>
+            </a:r>
+            <a:endParaRPr lang="fr-FR" dirty="0"/>
+          </a:p>
+        </p:txBody>
+      </p:sp>
+    </p:spTree>
+    <p:extLst>
+      <p:ext uri="{BB962C8B-B14F-4D97-AF65-F5344CB8AC3E}">
+        <p14:creationId xmlns:p14="http://schemas.microsoft.com/office/powerpoint/2010/main" val="873783962"/>
+      </p:ext>
+    </p:extLst>
+  </p:cSld>
+  <p:clrMapOvr>
+    <a:masterClrMapping/>
+  </p:clrMapOvr>
+</p:sld>
+</file>
+
+<file path=ppt/slides/slide25.xml><?xml version="1.0" encoding="utf-8"?>
+<p:sld xmlns:a="http://schemas.openxmlformats.org/drawingml/2006/main" xmlns:r="http://schemas.openxmlformats.org/officeDocument/2006/relationships" xmlns:p="http://schemas.openxmlformats.org/presentationml/2006/main">
+  <p:cSld>
+    <p:spTree>
+      <p:nvGrpSpPr>
+        <p:cNvPr id="1" name=""/>
+        <p:cNvGrpSpPr/>
+        <p:nvPr/>
+      </p:nvGrpSpPr>
+      <p:grpSpPr>
+        <a:xfrm>
+          <a:off x="0" y="0"/>
+          <a:ext cx="0" cy="0"/>
+          <a:chOff x="0" y="0"/>
+          <a:chExt cx="0" cy="0"/>
+        </a:xfrm>
+      </p:grpSpPr>
+      <p:sp>
+        <p:nvSpPr>
+          <p:cNvPr id="2" name="Titre 1"/>
+          <p:cNvSpPr>
+            <a:spLocks noGrp="1"/>
+          </p:cNvSpPr>
+          <p:nvPr>
+            <p:ph type="title"/>
+          </p:nvPr>
+        </p:nvSpPr>
+        <p:spPr>
+          <a:xfrm>
+            <a:off x="2592924" y="624110"/>
+            <a:ext cx="9223095" cy="668096"/>
+          </a:xfrm>
+        </p:spPr>
+        <p:txBody>
+          <a:bodyPr>
+            <a:normAutofit/>
+          </a:bodyPr>
+          <a:lstStyle/>
+          <a:p>
+            <a:r>
+              <a:rPr lang="fr-FR" dirty="0"/>
+              <a:t>5 – Conclusion</a:t>
+            </a:r>
+          </a:p>
+        </p:txBody>
+      </p:sp>
+      <p:sp>
+        <p:nvSpPr>
+          <p:cNvPr id="3" name="Espace réservé du numéro de diapositive 2"/>
+          <p:cNvSpPr>
+            <a:spLocks noGrp="1"/>
+          </p:cNvSpPr>
+          <p:nvPr>
+            <p:ph type="sldNum" sz="quarter" idx="12"/>
+          </p:nvPr>
+        </p:nvSpPr>
+        <p:spPr/>
+        <p:txBody>
+          <a:bodyPr/>
+          <a:lstStyle/>
+          <a:p>
+            <a:fld id="{D57F1E4F-1CFF-5643-939E-217C01CDF565}" type="slidenum">
+              <a:rPr lang="en-US" smtClean="0"/>
+              <a:pPr/>
+              <a:t>25</a:t>
+            </a:fld>
+            <a:endParaRPr lang="en-US" dirty="0"/>
+          </a:p>
+        </p:txBody>
+      </p:sp>
+      <p:sp>
+        <p:nvSpPr>
+          <p:cNvPr id="4" name="ZoneTexte 3"/>
+          <p:cNvSpPr txBox="1"/>
+          <p:nvPr/>
+        </p:nvSpPr>
+        <p:spPr>
+          <a:xfrm>
+            <a:off x="2592924" y="2039000"/>
+            <a:ext cx="6642210" cy="1754326"/>
+          </a:xfrm>
+          <a:prstGeom prst="rect">
+            <a:avLst/>
+          </a:prstGeom>
+          <a:noFill/>
+        </p:spPr>
+        <p:txBody>
+          <a:bodyPr wrap="square" rtlCol="0">
+            <a:spAutoFit/>
+          </a:bodyPr>
+          <a:lstStyle/>
+          <a:p>
+            <a:r>
+              <a:rPr lang="fr-FR" dirty="0"/>
+              <a:t>Apport de ce support pédagogique</a:t>
+            </a:r>
+          </a:p>
+          <a:p>
+            <a:r>
+              <a:rPr lang="fr-FR" dirty="0"/>
+              <a:t>Elargissement à d’autres niveaux</a:t>
+            </a:r>
+          </a:p>
+          <a:p>
+            <a:r>
+              <a:rPr lang="fr-FR" dirty="0"/>
+              <a:t>Autres possibilité d’exploitation du support </a:t>
+            </a:r>
+            <a:r>
+              <a:rPr lang="fr-FR" dirty="0" err="1"/>
+              <a:t>péda</a:t>
+            </a:r>
+            <a:endParaRPr lang="fr-FR" dirty="0"/>
+          </a:p>
+          <a:p>
+            <a:r>
+              <a:rPr lang="fr-FR" dirty="0"/>
+              <a:t>Cout du système</a:t>
+            </a:r>
+          </a:p>
+          <a:p>
+            <a:r>
+              <a:rPr lang="fr-FR" dirty="0"/>
+              <a:t>Alternatives possible pour arriver aux même résultats</a:t>
+            </a:r>
+          </a:p>
+          <a:p>
+            <a:r>
+              <a:rPr lang="fr-FR" dirty="0"/>
+              <a:t>Possibilité de </a:t>
+            </a:r>
+            <a:r>
+              <a:rPr lang="fr-FR" dirty="0" err="1"/>
+              <a:t>distanciel</a:t>
+            </a:r>
+            <a:r>
+              <a:rPr lang="fr-FR" dirty="0"/>
+              <a:t> pour certains aspects</a:t>
+            </a:r>
+          </a:p>
+        </p:txBody>
+      </p:sp>
+    </p:spTree>
+    <p:extLst>
+      <p:ext uri="{BB962C8B-B14F-4D97-AF65-F5344CB8AC3E}">
+        <p14:creationId xmlns:p14="http://schemas.microsoft.com/office/powerpoint/2010/main" val="1951364868"/>
+      </p:ext>
+    </p:extLst>
+  </p:cSld>
+  <p:clrMapOvr>
+    <a:masterClrMapping/>
+  </p:clrMapOvr>
+</p:sld>
+</file>
+
+<file path=ppt/slides/slide26.xml><?xml version="1.0" encoding="utf-8"?>
+<p:sld xmlns:a="http://schemas.openxmlformats.org/drawingml/2006/main" xmlns:r="http://schemas.openxmlformats.org/officeDocument/2006/relationships" xmlns:p="http://schemas.openxmlformats.org/presentationml/2006/main">
+  <p:cSld>
+    <p:spTree>
+      <p:nvGrpSpPr>
+        <p:cNvPr id="1" name=""/>
+        <p:cNvGrpSpPr/>
+        <p:nvPr/>
+      </p:nvGrpSpPr>
+      <p:grpSpPr>
+        <a:xfrm>
+          <a:off x="0" y="0"/>
+          <a:ext cx="0" cy="0"/>
+          <a:chOff x="0" y="0"/>
+          <a:chExt cx="0" cy="0"/>
+        </a:xfrm>
+      </p:grpSpPr>
+      <p:sp>
+        <p:nvSpPr>
+          <p:cNvPr id="3" name="Espace réservé du numéro de diapositive 2"/>
+          <p:cNvSpPr>
+            <a:spLocks noGrp="1"/>
+          </p:cNvSpPr>
+          <p:nvPr>
+            <p:ph type="sldNum" sz="quarter" idx="12"/>
+          </p:nvPr>
+        </p:nvSpPr>
+        <p:spPr/>
+        <p:txBody>
+          <a:bodyPr/>
+          <a:lstStyle/>
+          <a:p>
+            <a:fld id="{D57F1E4F-1CFF-5643-939E-217C01CDF565}" type="slidenum">
+              <a:rPr lang="en-US" smtClean="0"/>
+              <a:pPr/>
+              <a:t>26</a:t>
+            </a:fld>
+            <a:endParaRPr lang="en-US" dirty="0"/>
+          </a:p>
+        </p:txBody>
+      </p:sp>
+      <p:sp>
+        <p:nvSpPr>
+          <p:cNvPr id="4" name="ZoneTexte 3"/>
+          <p:cNvSpPr txBox="1"/>
+          <p:nvPr/>
+        </p:nvSpPr>
+        <p:spPr>
+          <a:xfrm>
+            <a:off x="1709557" y="259406"/>
+            <a:ext cx="10237872" cy="6186309"/>
+          </a:xfrm>
+          <a:prstGeom prst="rect">
+            <a:avLst/>
+          </a:prstGeom>
+          <a:noFill/>
+        </p:spPr>
+        <p:txBody>
+          <a:bodyPr wrap="square" rtlCol="0">
+            <a:spAutoFit/>
+          </a:bodyPr>
+          <a:lstStyle/>
+          <a:p>
+            <a:pPr marL="285750" indent="-285750">
+              <a:buFont typeface="Arial" panose="020B0604020202020204" pitchFamily="34" charset="0"/>
+              <a:buChar char="•"/>
+            </a:pPr>
+            <a:r>
+              <a:rPr lang="fr-FR" b="1" dirty="0"/>
+              <a:t>Zone Proximale de Développement</a:t>
+            </a:r>
+          </a:p>
+          <a:p>
+            <a:pPr marL="285750" indent="-285750">
+              <a:buFont typeface="Arial" panose="020B0604020202020204" pitchFamily="34" charset="0"/>
+              <a:buChar char="•"/>
+            </a:pPr>
+            <a:r>
+              <a:rPr lang="fr-FR" b="1" dirty="0"/>
+              <a:t>Approche behavioriste : </a:t>
+            </a:r>
+            <a:r>
+              <a:rPr lang="fr-FR" dirty="0"/>
+              <a:t>observation et expérimentation empiriques des phénomènes comportementaux</a:t>
+            </a:r>
+            <a:r>
+              <a:rPr lang="fr-FR" b="1" dirty="0"/>
+              <a:t> </a:t>
+            </a:r>
+          </a:p>
+          <a:p>
+            <a:pPr marL="285750" indent="-285750">
+              <a:buFont typeface="Arial" panose="020B0604020202020204" pitchFamily="34" charset="0"/>
+              <a:buChar char="•"/>
+            </a:pPr>
+            <a:r>
+              <a:rPr lang="fr-FR" b="1" dirty="0"/>
+              <a:t>Compétences</a:t>
+            </a:r>
+            <a:r>
+              <a:rPr lang="fr-FR" dirty="0"/>
+              <a:t> (savoirs + savoir-faire)</a:t>
+            </a:r>
+          </a:p>
+          <a:p>
+            <a:pPr marL="285750" indent="-285750">
+              <a:buFont typeface="Arial" panose="020B0604020202020204" pitchFamily="34" charset="0"/>
+              <a:buChar char="•"/>
+            </a:pPr>
+            <a:r>
+              <a:rPr lang="fr-FR" b="1" dirty="0"/>
+              <a:t>Mémoire explicite </a:t>
+            </a:r>
+            <a:r>
+              <a:rPr lang="fr-FR" dirty="0"/>
+              <a:t>(sémantique + épisodique évènementielle)</a:t>
+            </a:r>
+          </a:p>
+          <a:p>
+            <a:pPr marL="285750" indent="-285750">
+              <a:buFont typeface="Arial" panose="020B0604020202020204" pitchFamily="34" charset="0"/>
+              <a:buChar char="•"/>
+            </a:pPr>
+            <a:r>
+              <a:rPr lang="fr-FR" b="1" dirty="0"/>
+              <a:t>Mémoire implicite </a:t>
+            </a:r>
+            <a:r>
+              <a:rPr lang="fr-FR" dirty="0"/>
+              <a:t>(procédurale+ émotionnel)</a:t>
+            </a:r>
+          </a:p>
+          <a:p>
+            <a:pPr marL="285750" indent="-285750">
+              <a:buFont typeface="Arial" panose="020B0604020202020204" pitchFamily="34" charset="0"/>
+              <a:buChar char="•"/>
+            </a:pPr>
+            <a:r>
+              <a:rPr lang="fr-FR" b="1" dirty="0"/>
+              <a:t>Protocole expérimental</a:t>
+            </a:r>
+          </a:p>
+          <a:p>
+            <a:pPr marL="285750" indent="-285750">
+              <a:buFont typeface="Arial" panose="020B0604020202020204" pitchFamily="34" charset="0"/>
+              <a:buChar char="•"/>
+            </a:pPr>
+            <a:r>
+              <a:rPr lang="fr-FR" b="1" dirty="0"/>
+              <a:t>Savoir notionnel </a:t>
+            </a:r>
+            <a:r>
+              <a:rPr lang="fr-FR" dirty="0"/>
+              <a:t>(mémoire explicite – Se travaille en mettant des mots)</a:t>
+            </a:r>
+          </a:p>
+          <a:p>
+            <a:pPr marL="285750" indent="-285750">
+              <a:buFont typeface="Arial" panose="020B0604020202020204" pitchFamily="34" charset="0"/>
+              <a:buChar char="•"/>
+            </a:pPr>
+            <a:r>
+              <a:rPr lang="fr-FR" b="1" dirty="0"/>
+              <a:t>Méta cognition </a:t>
+            </a:r>
+            <a:r>
+              <a:rPr lang="fr-FR" dirty="0"/>
+              <a:t>(représentation que l’élève a des connaissances qu’il possède et de la façon dont il peut les construire et les utiliser)</a:t>
+            </a:r>
+          </a:p>
+          <a:p>
+            <a:pPr marL="285750" indent="-285750">
+              <a:buFont typeface="Arial" panose="020B0604020202020204" pitchFamily="34" charset="0"/>
+              <a:buChar char="•"/>
+            </a:pPr>
+            <a:r>
+              <a:rPr lang="fr-FR" dirty="0"/>
+              <a:t>Démarches</a:t>
+            </a:r>
+          </a:p>
+          <a:p>
+            <a:pPr marL="742950" lvl="1" indent="-285750">
+              <a:buFont typeface="Arial" panose="020B0604020202020204" pitchFamily="34" charset="0"/>
+              <a:buChar char="•"/>
+            </a:pPr>
+            <a:r>
+              <a:rPr lang="fr-FR" u="sng" dirty="0"/>
+              <a:t>Investigation</a:t>
+            </a:r>
+            <a:r>
+              <a:rPr lang="fr-FR" dirty="0"/>
+              <a:t> (++situation analyse / compréhension)</a:t>
+            </a:r>
+          </a:p>
+          <a:p>
+            <a:pPr marL="742950" lvl="1" indent="-285750">
+              <a:buFont typeface="Arial" panose="020B0604020202020204" pitchFamily="34" charset="0"/>
+              <a:buChar char="•"/>
+            </a:pPr>
+            <a:r>
+              <a:rPr lang="fr-FR" u="sng" dirty="0"/>
+              <a:t>Résolution de </a:t>
+            </a:r>
+            <a:r>
+              <a:rPr lang="fr-FR" u="sng" dirty="0" err="1"/>
+              <a:t>pb</a:t>
+            </a:r>
+            <a:r>
+              <a:rPr lang="fr-FR" u="sng" dirty="0"/>
+              <a:t> </a:t>
+            </a:r>
+            <a:r>
+              <a:rPr lang="fr-FR" dirty="0"/>
+              <a:t>(++ création, organisation, réalisation)</a:t>
+            </a:r>
+          </a:p>
+          <a:p>
+            <a:pPr marL="742950" lvl="1" indent="-285750">
+              <a:buFont typeface="Arial" panose="020B0604020202020204" pitchFamily="34" charset="0"/>
+              <a:buChar char="•"/>
+            </a:pPr>
+            <a:r>
+              <a:rPr lang="fr-FR" u="sng" dirty="0"/>
+              <a:t>De projet</a:t>
+            </a:r>
+          </a:p>
+          <a:p>
+            <a:pPr marL="285750" indent="-285750">
+              <a:buFont typeface="Arial" panose="020B0604020202020204" pitchFamily="34" charset="0"/>
+              <a:buChar char="•"/>
+            </a:pPr>
+            <a:r>
+              <a:rPr lang="fr-FR" b="1" dirty="0"/>
+              <a:t>Coup de pouce </a:t>
+            </a:r>
+            <a:r>
+              <a:rPr lang="fr-FR" dirty="0"/>
+              <a:t>: expliquer les savoirs fondamentaux </a:t>
+            </a:r>
+          </a:p>
+          <a:p>
+            <a:pPr marL="285750" indent="-285750">
+              <a:buFont typeface="Arial" panose="020B0604020202020204" pitchFamily="34" charset="0"/>
+              <a:buChar char="•"/>
+            </a:pPr>
+            <a:r>
+              <a:rPr lang="fr-FR" b="1" dirty="0"/>
+              <a:t>Fiche ressources </a:t>
+            </a:r>
+            <a:r>
+              <a:rPr lang="fr-FR" dirty="0"/>
+              <a:t>: pour réaliser une procédure</a:t>
+            </a:r>
+          </a:p>
+          <a:p>
+            <a:pPr marL="285750" indent="-285750">
+              <a:buFont typeface="Arial" panose="020B0604020202020204" pitchFamily="34" charset="0"/>
+              <a:buChar char="•"/>
+            </a:pPr>
+            <a:r>
+              <a:rPr lang="fr-FR" b="1" dirty="0"/>
+              <a:t>Questions </a:t>
+            </a:r>
+            <a:r>
+              <a:rPr lang="fr-FR" b="1" dirty="0" err="1"/>
+              <a:t>élucidantes</a:t>
+            </a:r>
+            <a:r>
+              <a:rPr lang="fr-FR" b="1" dirty="0"/>
+              <a:t> </a:t>
+            </a:r>
+            <a:r>
+              <a:rPr lang="fr-FR" dirty="0"/>
+              <a:t>: permet aux élèves d’utiliser les savoirs fondamentaux et de les contextualiser.</a:t>
+            </a:r>
+          </a:p>
+          <a:p>
+            <a:pPr marL="285750" indent="-285750">
+              <a:buFont typeface="Arial" panose="020B0604020202020204" pitchFamily="34" charset="0"/>
+              <a:buChar char="•"/>
+            </a:pPr>
+            <a:r>
+              <a:rPr lang="fr-FR" b="1" dirty="0"/>
+              <a:t>Synthèse</a:t>
+            </a:r>
+            <a:r>
+              <a:rPr lang="fr-FR" dirty="0"/>
+              <a:t> comporte une </a:t>
+            </a:r>
+            <a:r>
+              <a:rPr lang="fr-FR" dirty="0" err="1"/>
+              <a:t>décontextualisations</a:t>
+            </a:r>
+            <a:r>
+              <a:rPr lang="fr-FR" dirty="0"/>
+              <a:t> des connaissances </a:t>
+            </a:r>
+            <a:r>
+              <a:rPr lang="fr-FR" dirty="0">
+                <a:sym typeface="Wingdings" panose="05000000000000000000" pitchFamily="2" charset="2"/>
+              </a:rPr>
+              <a:t> permet la formalisation et le </a:t>
+            </a:r>
+            <a:r>
+              <a:rPr lang="fr-FR" dirty="0" err="1">
+                <a:sym typeface="Wingdings" panose="05000000000000000000" pitchFamily="2" charset="2"/>
+              </a:rPr>
+              <a:t>réinvestissment</a:t>
+            </a:r>
+            <a:r>
+              <a:rPr lang="fr-FR" dirty="0">
+                <a:sym typeface="Wingdings" panose="05000000000000000000" pitchFamily="2" charset="2"/>
+              </a:rPr>
+              <a:t>.</a:t>
+            </a:r>
+            <a:endParaRPr lang="fr-FR" dirty="0"/>
+          </a:p>
+          <a:p>
+            <a:pPr marL="285750" indent="-285750">
+              <a:buFont typeface="Arial" panose="020B0604020202020204" pitchFamily="34" charset="0"/>
+              <a:buChar char="•"/>
+            </a:pPr>
+            <a:r>
+              <a:rPr lang="fr-FR" b="1" dirty="0"/>
+              <a:t>Activation</a:t>
+            </a:r>
+            <a:r>
+              <a:rPr lang="fr-FR" dirty="0"/>
+              <a:t> : J’ai un problème sur un système existant</a:t>
+            </a:r>
+          </a:p>
+          <a:p>
+            <a:pPr marL="285750" indent="-285750">
+              <a:buFont typeface="Arial" panose="020B0604020202020204" pitchFamily="34" charset="0"/>
+              <a:buChar char="•"/>
+            </a:pPr>
+            <a:r>
+              <a:rPr lang="fr-FR" b="1" dirty="0"/>
+              <a:t>ENT</a:t>
+            </a:r>
+            <a:r>
+              <a:rPr lang="fr-FR" dirty="0"/>
+              <a:t> : </a:t>
+            </a:r>
+            <a:r>
+              <a:rPr lang="fr-FR" dirty="0" err="1"/>
+              <a:t>Moddle</a:t>
+            </a:r>
+            <a:r>
+              <a:rPr lang="fr-FR" dirty="0"/>
+              <a:t>, </a:t>
+            </a:r>
+            <a:r>
+              <a:rPr lang="fr-FR" dirty="0" err="1"/>
+              <a:t>Plickers</a:t>
+            </a:r>
+            <a:r>
+              <a:rPr lang="fr-FR" dirty="0"/>
+              <a:t>, </a:t>
+            </a:r>
+            <a:r>
+              <a:rPr lang="fr-FR" dirty="0" err="1"/>
+              <a:t>woop</a:t>
+            </a:r>
+            <a:r>
+              <a:rPr lang="fr-FR" dirty="0"/>
+              <a:t>, </a:t>
+            </a:r>
+            <a:r>
+              <a:rPr lang="fr-FR" dirty="0" err="1"/>
+              <a:t>Kaout</a:t>
+            </a:r>
+            <a:r>
+              <a:rPr lang="fr-FR" dirty="0"/>
+              <a:t>, </a:t>
+            </a:r>
+            <a:r>
+              <a:rPr lang="fr-FR" dirty="0" err="1"/>
+              <a:t>paddlet</a:t>
+            </a:r>
+            <a:endParaRPr lang="fr-FR" dirty="0"/>
+          </a:p>
+        </p:txBody>
+      </p:sp>
+    </p:spTree>
+    <p:extLst>
+      <p:ext uri="{BB962C8B-B14F-4D97-AF65-F5344CB8AC3E}">
+        <p14:creationId xmlns:p14="http://schemas.microsoft.com/office/powerpoint/2010/main" val="2781516662"/>
+      </p:ext>
+    </p:extLst>
+  </p:cSld>
+  <p:clrMapOvr>
+    <a:masterClrMapping/>
+  </p:clrMapOvr>
 </p:sld>
 </file>
 
@@ -8360,10 +12686,9 @@
           <a:lstStyle/>
           <a:p>
             <a:r>
-              <a:rPr lang="fr-FR" dirty="0" smtClean="0"/>
-              <a:t>1 – </a:t>
-            </a:r>
-            <a:endParaRPr lang="fr-FR" dirty="0"/>
+              <a:rPr lang="fr-FR" dirty="0"/>
+              <a:t>1 – Fonctionnement et structure du système étudié</a:t>
+            </a:r>
           </a:p>
         </p:txBody>
       </p:sp>
@@ -8388,6 +12713,95 @@
               <a:t>3</a:t>
             </a:fld>
             <a:endParaRPr lang="en-US" dirty="0"/>
+          </a:p>
+        </p:txBody>
+      </p:sp>
+      <p:sp>
+        <p:nvSpPr>
+          <p:cNvPr id="4" name="Rectangle 3"/>
+          <p:cNvSpPr/>
+          <p:nvPr/>
+        </p:nvSpPr>
+        <p:spPr>
+          <a:xfrm>
+            <a:off x="2825332" y="2151851"/>
+            <a:ext cx="2305164" cy="1675488"/>
+          </a:xfrm>
+          <a:prstGeom prst="rect">
+            <a:avLst/>
+          </a:prstGeom>
+        </p:spPr>
+        <p:style>
+          <a:lnRef idx="2">
+            <a:schemeClr val="accent1">
+              <a:shade val="50000"/>
+            </a:schemeClr>
+          </a:lnRef>
+          <a:fillRef idx="1">
+            <a:schemeClr val="accent1"/>
+          </a:fillRef>
+          <a:effectRef idx="0">
+            <a:schemeClr val="accent1"/>
+          </a:effectRef>
+          <a:fontRef idx="minor">
+            <a:schemeClr val="lt1"/>
+          </a:fontRef>
+        </p:style>
+        <p:txBody>
+          <a:bodyPr rtlCol="0" anchor="ctr"/>
+          <a:lstStyle/>
+          <a:p>
+            <a:pPr algn="ctr"/>
+            <a:r>
+              <a:rPr lang="fr-FR" dirty="0"/>
+              <a:t>Visuel </a:t>
+            </a:r>
+          </a:p>
+        </p:txBody>
+      </p:sp>
+      <p:sp>
+        <p:nvSpPr>
+          <p:cNvPr id="5" name="ZoneTexte 4"/>
+          <p:cNvSpPr txBox="1"/>
+          <p:nvPr/>
+        </p:nvSpPr>
+        <p:spPr>
+          <a:xfrm>
+            <a:off x="6389849" y="2387296"/>
+            <a:ext cx="5001690" cy="923330"/>
+          </a:xfrm>
+          <a:prstGeom prst="rect">
+            <a:avLst/>
+          </a:prstGeom>
+          <a:noFill/>
+        </p:spPr>
+        <p:txBody>
+          <a:bodyPr wrap="none" rtlCol="0">
+            <a:spAutoFit/>
+          </a:bodyPr>
+          <a:lstStyle/>
+          <a:p>
+            <a:r>
+              <a:rPr lang="fr-FR" dirty="0"/>
+              <a:t>Fonction du système </a:t>
+            </a:r>
+          </a:p>
+          <a:p>
+            <a:r>
+              <a:rPr lang="fr-FR" dirty="0"/>
+              <a:t>Réel et/ou </a:t>
+            </a:r>
+            <a:r>
+              <a:rPr lang="fr-FR" dirty="0" err="1"/>
+              <a:t>didactisé</a:t>
+            </a:r>
+            <a:endParaRPr lang="fr-FR" dirty="0"/>
+          </a:p>
+          <a:p>
+            <a:r>
+              <a:rPr lang="fr-FR" dirty="0"/>
+              <a:t>Principaux thèmes abordés par ce système</a:t>
+            </a:r>
           </a:p>
         </p:txBody>
       </p:sp>
@@ -8438,17 +12852,8 @@
           <a:p>
             <a:r>
               <a:rPr lang="fr-FR" dirty="0"/>
-              <a:t>2</a:t>
-            </a:r>
-            <a:r>
-              <a:rPr lang="fr-FR" dirty="0" smtClean="0"/>
-              <a:t> </a:t>
-            </a:r>
-            <a:r>
-              <a:rPr lang="fr-FR" dirty="0" smtClean="0"/>
-              <a:t>– </a:t>
-            </a:r>
-            <a:endParaRPr lang="fr-FR" dirty="0"/>
+              <a:t>2 – Autres pistes d’exploitation</a:t>
+            </a:r>
           </a:p>
         </p:txBody>
       </p:sp>
@@ -8476,10 +12881,190 @@
           </a:p>
         </p:txBody>
       </p:sp>
+      <p:sp>
+        <p:nvSpPr>
+          <p:cNvPr id="4" name="Rectangle 3"/>
+          <p:cNvSpPr/>
+          <p:nvPr/>
+        </p:nvSpPr>
+        <p:spPr>
+          <a:xfrm>
+            <a:off x="9061868" y="1544074"/>
+            <a:ext cx="2305164" cy="1675488"/>
+          </a:xfrm>
+          <a:prstGeom prst="rect">
+            <a:avLst/>
+          </a:prstGeom>
+        </p:spPr>
+        <p:style>
+          <a:lnRef idx="2">
+            <a:schemeClr val="accent1">
+              <a:shade val="50000"/>
+            </a:schemeClr>
+          </a:lnRef>
+          <a:fillRef idx="1">
+            <a:schemeClr val="accent1"/>
+          </a:fillRef>
+          <a:effectRef idx="0">
+            <a:schemeClr val="accent1"/>
+          </a:effectRef>
+          <a:fontRef idx="minor">
+            <a:schemeClr val="lt1"/>
+          </a:fontRef>
+        </p:style>
+        <p:txBody>
+          <a:bodyPr rtlCol="0" anchor="ctr"/>
+          <a:lstStyle/>
+          <a:p>
+            <a:pPr algn="ctr"/>
+            <a:r>
+              <a:rPr lang="fr-FR" dirty="0"/>
+              <a:t>Résultat activité 1 </a:t>
+            </a:r>
+          </a:p>
+        </p:txBody>
+      </p:sp>
+      <p:sp>
+        <p:nvSpPr>
+          <p:cNvPr id="5" name="ZoneTexte 4"/>
+          <p:cNvSpPr txBox="1"/>
+          <p:nvPr/>
+        </p:nvSpPr>
+        <p:spPr>
+          <a:xfrm>
+            <a:off x="3136345" y="1781654"/>
+            <a:ext cx="3703258" cy="1200329"/>
+          </a:xfrm>
+          <a:prstGeom prst="rect">
+            <a:avLst/>
+          </a:prstGeom>
+          <a:noFill/>
+        </p:spPr>
+        <p:txBody>
+          <a:bodyPr wrap="none" rtlCol="0">
+            <a:spAutoFit/>
+          </a:bodyPr>
+          <a:lstStyle/>
+          <a:p>
+            <a:r>
+              <a:rPr lang="fr-FR" dirty="0"/>
+              <a:t>Action 1 effectuée</a:t>
+            </a:r>
+          </a:p>
+          <a:p>
+            <a:r>
+              <a:rPr lang="fr-FR" dirty="0"/>
+              <a:t>Résultats obtenus</a:t>
+            </a:r>
+          </a:p>
+          <a:p>
+            <a:r>
+              <a:rPr lang="fr-FR" dirty="0"/>
+              <a:t>Compétence mobilisée</a:t>
+            </a:r>
+          </a:p>
+          <a:p>
+            <a:r>
+              <a:rPr lang="fr-FR" dirty="0"/>
+              <a:t>Limites , contraintes éventuelles</a:t>
+            </a:r>
+          </a:p>
+        </p:txBody>
+      </p:sp>
+      <p:sp>
+        <p:nvSpPr>
+          <p:cNvPr id="6" name="ZoneTexte 5"/>
+          <p:cNvSpPr txBox="1"/>
+          <p:nvPr/>
+        </p:nvSpPr>
+        <p:spPr>
+          <a:xfrm>
+            <a:off x="3136345" y="4518466"/>
+            <a:ext cx="3703258" cy="1200329"/>
+          </a:xfrm>
+          <a:prstGeom prst="rect">
+            <a:avLst/>
+          </a:prstGeom>
+          <a:noFill/>
+        </p:spPr>
+        <p:txBody>
+          <a:bodyPr wrap="none" rtlCol="0">
+            <a:spAutoFit/>
+          </a:bodyPr>
+          <a:lstStyle/>
+          <a:p>
+            <a:r>
+              <a:rPr lang="fr-FR" dirty="0"/>
+              <a:t>Action 2 effectuée</a:t>
+            </a:r>
+          </a:p>
+          <a:p>
+            <a:r>
+              <a:rPr lang="fr-FR" dirty="0"/>
+              <a:t>Résultats obtenus</a:t>
+            </a:r>
+          </a:p>
+          <a:p>
+            <a:r>
+              <a:rPr lang="fr-FR" dirty="0"/>
+              <a:t>Compétence mobilisée</a:t>
+            </a:r>
+          </a:p>
+          <a:p>
+            <a:r>
+              <a:rPr lang="fr-FR" dirty="0"/>
+              <a:t>Limites , contraintes éventuelles</a:t>
+            </a:r>
+          </a:p>
+        </p:txBody>
+      </p:sp>
+      <p:sp>
+        <p:nvSpPr>
+          <p:cNvPr id="7" name="Rectangle 6"/>
+          <p:cNvSpPr/>
+          <p:nvPr/>
+        </p:nvSpPr>
+        <p:spPr>
+          <a:xfrm>
+            <a:off x="9061868" y="4280886"/>
+            <a:ext cx="2305164" cy="1675488"/>
+          </a:xfrm>
+          <a:prstGeom prst="rect">
+            <a:avLst/>
+          </a:prstGeom>
+        </p:spPr>
+        <p:style>
+          <a:lnRef idx="2">
+            <a:schemeClr val="accent1">
+              <a:shade val="50000"/>
+            </a:schemeClr>
+          </a:lnRef>
+          <a:fillRef idx="1">
+            <a:schemeClr val="accent1"/>
+          </a:fillRef>
+          <a:effectRef idx="0">
+            <a:schemeClr val="accent1"/>
+          </a:effectRef>
+          <a:fontRef idx="minor">
+            <a:schemeClr val="lt1"/>
+          </a:fontRef>
+        </p:style>
+        <p:txBody>
+          <a:bodyPr rtlCol="0" anchor="ctr"/>
+          <a:lstStyle/>
+          <a:p>
+            <a:pPr algn="ctr"/>
+            <a:r>
+              <a:rPr lang="fr-FR" dirty="0"/>
+              <a:t>Résultat activité 2 </a:t>
+            </a:r>
+          </a:p>
+        </p:txBody>
+      </p:sp>
     </p:spTree>
     <p:extLst>
       <p:ext uri="{BB962C8B-B14F-4D97-AF65-F5344CB8AC3E}">
-        <p14:creationId xmlns:p14="http://schemas.microsoft.com/office/powerpoint/2010/main" val="2515394299"/>
+        <p14:creationId xmlns:p14="http://schemas.microsoft.com/office/powerpoint/2010/main" val="1009299664"/>
       </p:ext>
     </p:extLst>
   </p:cSld>
@@ -8522,14 +13107,9 @@
           <a:lstStyle/>
           <a:p>
             <a:r>
-              <a:rPr lang="fr-FR" dirty="0" smtClean="0"/>
-              <a:t>3 </a:t>
-            </a:r>
-            <a:r>
-              <a:rPr lang="fr-FR" dirty="0" smtClean="0"/>
-              <a:t>– </a:t>
-            </a:r>
-            <a:endParaRPr lang="fr-FR" dirty="0"/>
+              <a:rPr lang="fr-FR" dirty="0"/>
+              <a:t>3 – Construction de la séquence</a:t>
+            </a:r>
           </a:p>
         </p:txBody>
       </p:sp>
@@ -8557,10 +13137,98 @@
           </a:p>
         </p:txBody>
       </p:sp>
+      <p:sp>
+        <p:nvSpPr>
+          <p:cNvPr id="4" name="ZoneTexte 3"/>
+          <p:cNvSpPr txBox="1"/>
+          <p:nvPr/>
+        </p:nvSpPr>
+        <p:spPr>
+          <a:xfrm>
+            <a:off x="2779494" y="1794775"/>
+            <a:ext cx="7883890" cy="2862322"/>
+          </a:xfrm>
+          <a:prstGeom prst="rect">
+            <a:avLst/>
+          </a:prstGeom>
+          <a:noFill/>
+        </p:spPr>
+        <p:txBody>
+          <a:bodyPr wrap="none" rtlCol="0">
+            <a:spAutoFit/>
+          </a:bodyPr>
+          <a:lstStyle/>
+          <a:p>
+            <a:r>
+              <a:rPr lang="fr-FR" dirty="0"/>
+              <a:t>3.1 : Rappel - Eléments de contexte – Démarche de ma présentation</a:t>
+            </a:r>
+          </a:p>
+          <a:p>
+            <a:r>
+              <a:rPr lang="fr-FR" dirty="0"/>
+              <a:t>3.2 : Compétences et connaissances du programme à faire acquérir</a:t>
+            </a:r>
+          </a:p>
+          <a:p>
+            <a:r>
+              <a:rPr lang="fr-FR" dirty="0"/>
+              <a:t>3.3 : Pré requis nécessaires</a:t>
+            </a:r>
+          </a:p>
+          <a:p>
+            <a:r>
+              <a:rPr lang="fr-FR" dirty="0"/>
+              <a:t>3.4 : Planification dans l’année</a:t>
+            </a:r>
+          </a:p>
+          <a:p>
+            <a:r>
+              <a:rPr lang="fr-FR" dirty="0"/>
+              <a:t>3.5 : Synthèse - Structuration des connaissances</a:t>
+            </a:r>
+          </a:p>
+          <a:p>
+            <a:r>
+              <a:rPr lang="fr-FR" dirty="0"/>
+              <a:t>3.6 : Evaluation</a:t>
+            </a:r>
+          </a:p>
+          <a:p>
+            <a:r>
+              <a:rPr lang="fr-FR" dirty="0"/>
+              <a:t>3.7 : Séquence </a:t>
+            </a:r>
+          </a:p>
+          <a:p>
+            <a:r>
+              <a:rPr lang="fr-FR" dirty="0"/>
+              <a:t>3.8 : Définition des supports d’apprentissage </a:t>
+            </a:r>
+          </a:p>
+          <a:p>
+            <a:r>
+              <a:rPr lang="fr-FR" dirty="0"/>
+              <a:t>3.9 : Séance</a:t>
+            </a:r>
+          </a:p>
+          <a:p>
+            <a:r>
+              <a:rPr lang="fr-FR" dirty="0"/>
+              <a:t>3.10 : </a:t>
+            </a:r>
+            <a:r>
+              <a:rPr lang="fr-FR" dirty="0" err="1"/>
+              <a:t>Remédiation</a:t>
+            </a:r>
+            <a:endParaRPr lang="fr-FR" dirty="0"/>
+          </a:p>
+        </p:txBody>
+      </p:sp>
     </p:spTree>
     <p:extLst>
       <p:ext uri="{BB962C8B-B14F-4D97-AF65-F5344CB8AC3E}">
-        <p14:creationId xmlns:p14="http://schemas.microsoft.com/office/powerpoint/2010/main" val="658415724"/>
+        <p14:creationId xmlns:p14="http://schemas.microsoft.com/office/powerpoint/2010/main" val="3093220461"/>
       </p:ext>
     </p:extLst>
   </p:cSld>
@@ -8597,19 +13265,32 @@
             <p:ph type="title"/>
           </p:nvPr>
         </p:nvSpPr>
-        <p:spPr/>
-        <p:txBody>
-          <a:bodyPr/>
-          <a:lstStyle/>
-          <a:p>
-            <a:r>
-              <a:rPr lang="fr-FR" dirty="0" smtClean="0"/>
-              <a:t>4 </a:t>
-            </a:r>
-            <a:r>
-              <a:rPr lang="fr-FR" dirty="0" smtClean="0"/>
-              <a:t>– </a:t>
-            </a:r>
+        <p:spPr>
+          <a:xfrm>
+            <a:off x="2592924" y="624110"/>
+            <a:ext cx="8911687" cy="668096"/>
+          </a:xfrm>
+        </p:spPr>
+        <p:txBody>
+          <a:bodyPr>
+            <a:normAutofit fontScale="90000"/>
+          </a:bodyPr>
+          <a:lstStyle/>
+          <a:p>
+            <a:r>
+              <a:rPr lang="fr-FR" dirty="0"/>
+              <a:t>3.1 – Rappels des éléments de contexte</a:t>
+            </a:r>
+            <a:br>
+              <a:rPr lang="fr-FR" dirty="0"/>
+            </a:br>
+            <a:r>
+              <a:rPr lang="fr-FR" dirty="0"/>
+              <a:t>		 Démarche de ma présentation</a:t>
+            </a:r>
+            <a:br>
+              <a:rPr lang="fr-FR" dirty="0"/>
+            </a:br>
             <a:endParaRPr lang="fr-FR" dirty="0"/>
           </a:p>
         </p:txBody>
@@ -8638,10 +13319,145 @@
           </a:p>
         </p:txBody>
       </p:sp>
+      <p:sp>
+        <p:nvSpPr>
+          <p:cNvPr id="5" name="ZoneTexte 4"/>
+          <p:cNvSpPr txBox="1"/>
+          <p:nvPr/>
+        </p:nvSpPr>
+        <p:spPr>
+          <a:xfrm>
+            <a:off x="1737950" y="1975309"/>
+            <a:ext cx="4902304" cy="2308324"/>
+          </a:xfrm>
+          <a:prstGeom prst="rect">
+            <a:avLst/>
+          </a:prstGeom>
+          <a:noFill/>
+        </p:spPr>
+        <p:txBody>
+          <a:bodyPr wrap="none" rtlCol="0">
+            <a:spAutoFit/>
+          </a:bodyPr>
+          <a:lstStyle/>
+          <a:p>
+            <a:r>
+              <a:rPr lang="fr-FR" dirty="0"/>
+              <a:t>Titre de la séquence  :</a:t>
+            </a:r>
+          </a:p>
+          <a:p>
+            <a:r>
+              <a:rPr lang="fr-FR" dirty="0"/>
+              <a:t>Classe :</a:t>
+            </a:r>
+          </a:p>
+          <a:p>
+            <a:r>
+              <a:rPr lang="fr-FR" dirty="0"/>
+              <a:t>Volume horaire – Classe entière / Groupe</a:t>
+            </a:r>
+          </a:p>
+          <a:p>
+            <a:r>
+              <a:rPr lang="fr-FR" dirty="0"/>
+              <a:t>Situer le séquence dans le référentiel :</a:t>
+            </a:r>
+          </a:p>
+          <a:p>
+            <a:r>
+              <a:rPr lang="fr-FR" dirty="0"/>
+              <a:t>Type de séquence : Complexe ou critique</a:t>
+            </a:r>
+          </a:p>
+          <a:p>
+            <a:endParaRPr lang="fr-FR" dirty="0"/>
+          </a:p>
+          <a:p>
+            <a:endParaRPr lang="fr-FR" dirty="0"/>
+          </a:p>
+          <a:p>
+            <a:r>
+              <a:rPr lang="fr-FR" dirty="0"/>
+              <a:t>+ planification ? </a:t>
+            </a:r>
+          </a:p>
+        </p:txBody>
+      </p:sp>
+      <p:sp>
+        <p:nvSpPr>
+          <p:cNvPr id="6" name="ZoneTexte 5"/>
+          <p:cNvSpPr txBox="1"/>
+          <p:nvPr/>
+        </p:nvSpPr>
+        <p:spPr>
+          <a:xfrm>
+            <a:off x="1737949" y="4476677"/>
+            <a:ext cx="8763962" cy="1477328"/>
+          </a:xfrm>
+          <a:prstGeom prst="rect">
+            <a:avLst/>
+          </a:prstGeom>
+          <a:noFill/>
+        </p:spPr>
+        <p:txBody>
+          <a:bodyPr wrap="square" rtlCol="0">
+            <a:spAutoFit/>
+          </a:bodyPr>
+          <a:lstStyle/>
+          <a:p>
+            <a:r>
+              <a:rPr lang="fr-FR" dirty="0"/>
+              <a:t>Identification des compétences (savoirs + savoir-faire)</a:t>
+            </a:r>
+          </a:p>
+          <a:p>
+            <a:r>
+              <a:rPr lang="fr-FR" dirty="0"/>
+              <a:t>Structuration des connaissances</a:t>
+            </a:r>
+          </a:p>
+          <a:p>
+            <a:r>
+              <a:rPr lang="fr-FR" dirty="0"/>
+              <a:t>Evaluations sommative</a:t>
+            </a:r>
+          </a:p>
+          <a:p>
+            <a:r>
+              <a:rPr lang="fr-FR" dirty="0"/>
+              <a:t>Identification d’un </a:t>
+            </a:r>
+            <a:r>
+              <a:rPr lang="fr-FR" dirty="0" err="1"/>
+              <a:t>pb</a:t>
+            </a:r>
+            <a:r>
+              <a:rPr lang="fr-FR" dirty="0"/>
+              <a:t> technologique </a:t>
+            </a:r>
+            <a:r>
+              <a:rPr lang="fr-FR" dirty="0">
+                <a:sym typeface="Wingdings" panose="05000000000000000000" pitchFamily="2" charset="2"/>
+              </a:rPr>
+              <a:t> situation déclenchante</a:t>
+            </a:r>
+          </a:p>
+          <a:p>
+            <a:r>
+              <a:rPr lang="fr-FR" dirty="0">
+                <a:sym typeface="Wingdings" panose="05000000000000000000" pitchFamily="2" charset="2"/>
+              </a:rPr>
+              <a:t>Activité d’apprentissage</a:t>
+            </a:r>
+            <a:endParaRPr lang="fr-FR" dirty="0"/>
+          </a:p>
+        </p:txBody>
+      </p:sp>
     </p:spTree>
     <p:extLst>
       <p:ext uri="{BB962C8B-B14F-4D97-AF65-F5344CB8AC3E}">
-        <p14:creationId xmlns:p14="http://schemas.microsoft.com/office/powerpoint/2010/main" val="1949486404"/>
+        <p14:creationId xmlns:p14="http://schemas.microsoft.com/office/powerpoint/2010/main" val="614804212"/>
       </p:ext>
     </p:extLst>
   </p:cSld>
@@ -8678,20 +13494,22 @@
             <p:ph type="title"/>
           </p:nvPr>
         </p:nvSpPr>
-        <p:spPr/>
-        <p:txBody>
-          <a:bodyPr/>
-          <a:lstStyle/>
-          <a:p>
-            <a:r>
-              <a:rPr lang="fr-FR" dirty="0" smtClean="0"/>
-              <a:t>5 </a:t>
-            </a:r>
-            <a:r>
-              <a:rPr lang="fr-FR" dirty="0" smtClean="0"/>
-              <a:t>– </a:t>
-            </a:r>
-            <a:endParaRPr lang="fr-FR" dirty="0"/>
+        <p:spPr>
+          <a:xfrm>
+            <a:off x="2592924" y="624110"/>
+            <a:ext cx="8911687" cy="668096"/>
+          </a:xfrm>
+        </p:spPr>
+        <p:txBody>
+          <a:bodyPr>
+            <a:normAutofit fontScale="90000"/>
+          </a:bodyPr>
+          <a:lstStyle/>
+          <a:p>
+            <a:r>
+              <a:rPr lang="fr-FR" dirty="0"/>
+              <a:t>3.2 – Compétences et connaissances à faire acquérir</a:t>
+            </a:r>
           </a:p>
         </p:txBody>
       </p:sp>
@@ -8719,10 +13537,45 @@
           </a:p>
         </p:txBody>
       </p:sp>
+      <p:sp>
+        <p:nvSpPr>
+          <p:cNvPr id="5" name="ZoneTexte 4"/>
+          <p:cNvSpPr txBox="1"/>
+          <p:nvPr/>
+        </p:nvSpPr>
+        <p:spPr>
+          <a:xfrm>
+            <a:off x="3006569" y="2384949"/>
+            <a:ext cx="4871847" cy="646331"/>
+          </a:xfrm>
+          <a:prstGeom prst="rect">
+            <a:avLst/>
+          </a:prstGeom>
+          <a:noFill/>
+        </p:spPr>
+        <p:txBody>
+          <a:bodyPr wrap="none" rtlCol="0">
+            <a:spAutoFit/>
+          </a:bodyPr>
+          <a:lstStyle/>
+          <a:p>
+            <a:r>
+              <a:rPr lang="fr-FR" dirty="0"/>
+              <a:t>Compétences (principales et secondaire)</a:t>
+            </a:r>
+          </a:p>
+          <a:p>
+            <a:r>
+              <a:rPr lang="fr-FR" dirty="0"/>
+              <a:t>Taxonomie éventuellement</a:t>
+            </a:r>
+          </a:p>
+        </p:txBody>
+      </p:sp>
     </p:spTree>
     <p:extLst>
       <p:ext uri="{BB962C8B-B14F-4D97-AF65-F5344CB8AC3E}">
-        <p14:creationId xmlns:p14="http://schemas.microsoft.com/office/powerpoint/2010/main" val="128839448"/>
+        <p14:creationId xmlns:p14="http://schemas.microsoft.com/office/powerpoint/2010/main" val="4118914796"/>
       </p:ext>
     </p:extLst>
   </p:cSld>
@@ -8759,20 +13612,20 @@
             <p:ph type="title"/>
           </p:nvPr>
         </p:nvSpPr>
-        <p:spPr/>
+        <p:spPr>
+          <a:xfrm>
+            <a:off x="2592924" y="624110"/>
+            <a:ext cx="8911687" cy="668096"/>
+          </a:xfrm>
+        </p:spPr>
         <p:txBody>
           <a:bodyPr/>
           <a:lstStyle/>
           <a:p>
             <a:r>
-              <a:rPr lang="fr-FR" dirty="0" smtClean="0"/>
-              <a:t>6 </a:t>
-            </a:r>
-            <a:r>
-              <a:rPr lang="fr-FR" dirty="0" smtClean="0"/>
-              <a:t>– </a:t>
-            </a:r>
-            <a:endParaRPr lang="fr-FR" dirty="0"/>
+              <a:rPr lang="fr-FR" dirty="0"/>
+              <a:t>3.3 – Stratégie pédagogique</a:t>
+            </a:r>
           </a:p>
         </p:txBody>
       </p:sp>
@@ -8800,10 +13653,71 @@
           </a:p>
         </p:txBody>
       </p:sp>
+      <p:sp>
+        <p:nvSpPr>
+          <p:cNvPr id="5" name="ZoneTexte 4"/>
+          <p:cNvSpPr txBox="1"/>
+          <p:nvPr/>
+        </p:nvSpPr>
+        <p:spPr>
+          <a:xfrm>
+            <a:off x="2969408" y="1292206"/>
+            <a:ext cx="6419641" cy="1477328"/>
+          </a:xfrm>
+          <a:prstGeom prst="rect">
+            <a:avLst/>
+          </a:prstGeom>
+          <a:noFill/>
+        </p:spPr>
+        <p:txBody>
+          <a:bodyPr wrap="square" rtlCol="0">
+            <a:spAutoFit/>
+          </a:bodyPr>
+          <a:lstStyle/>
+          <a:p>
+            <a:r>
+              <a:rPr lang="fr-FR" dirty="0"/>
+              <a:t>Une stratégie pédagogique est un ensemble de méthodes et de démarches, qui vont déterminer des choix de techniques, de matériels et de situations pédagogiques, par rapport à l'objet, au but de l'apprentissage.  Jean-Claude </a:t>
+            </a:r>
+            <a:r>
+              <a:rPr lang="fr-FR" dirty="0" err="1"/>
+              <a:t>Maurin</a:t>
+            </a:r>
+            <a:r>
+              <a:rPr lang="fr-FR" dirty="0"/>
+              <a:t>. 2000 </a:t>
+            </a:r>
+          </a:p>
+        </p:txBody>
+      </p:sp>
+      <p:pic>
+        <p:nvPicPr>
+          <p:cNvPr id="4" name="Image 3"/>
+          <p:cNvPicPr>
+            <a:picLocks noChangeAspect="1"/>
+          </p:cNvPicPr>
+          <p:nvPr/>
+        </p:nvPicPr>
+        <p:blipFill>
+          <a:blip r:embed="rId2"/>
+          <a:stretch>
+            <a:fillRect/>
+          </a:stretch>
+        </p:blipFill>
+        <p:spPr>
+          <a:xfrm>
+            <a:off x="3030845" y="2769534"/>
+            <a:ext cx="5264460" cy="4016714"/>
+          </a:xfrm>
+          <a:prstGeom prst="rect">
+            <a:avLst/>
+          </a:prstGeom>
+        </p:spPr>
+      </p:pic>
     </p:spTree>
     <p:extLst>
       <p:ext uri="{BB962C8B-B14F-4D97-AF65-F5344CB8AC3E}">
-        <p14:creationId xmlns:p14="http://schemas.microsoft.com/office/powerpoint/2010/main" val="681031899"/>
+        <p14:creationId xmlns:p14="http://schemas.microsoft.com/office/powerpoint/2010/main" val="1626070407"/>
       </p:ext>
     </p:extLst>
   </p:cSld>
@@ -8840,20 +13754,20 @@
             <p:ph type="title"/>
           </p:nvPr>
         </p:nvSpPr>
-        <p:spPr/>
+        <p:spPr>
+          <a:xfrm>
+            <a:off x="2592924" y="624110"/>
+            <a:ext cx="8911687" cy="668096"/>
+          </a:xfrm>
+        </p:spPr>
         <p:txBody>
           <a:bodyPr/>
           <a:lstStyle/>
           <a:p>
             <a:r>
-              <a:rPr lang="fr-FR" dirty="0" smtClean="0"/>
-              <a:t>7 </a:t>
-            </a:r>
-            <a:r>
-              <a:rPr lang="fr-FR" dirty="0" smtClean="0"/>
-              <a:t>– </a:t>
-            </a:r>
-            <a:endParaRPr lang="fr-FR" dirty="0"/>
+              <a:rPr lang="fr-FR" dirty="0"/>
+              <a:t>3.3 – Pré requis nécessaires</a:t>
+            </a:r>
           </a:p>
         </p:txBody>
       </p:sp>
@@ -8881,10 +13795,77 @@
           </a:p>
         </p:txBody>
       </p:sp>
+      <p:sp>
+        <p:nvSpPr>
+          <p:cNvPr id="5" name="ZoneTexte 4"/>
+          <p:cNvSpPr txBox="1"/>
+          <p:nvPr/>
+        </p:nvSpPr>
+        <p:spPr>
+          <a:xfrm>
+            <a:off x="3088153" y="1960211"/>
+            <a:ext cx="8315097" cy="923330"/>
+          </a:xfrm>
+          <a:prstGeom prst="rect">
+            <a:avLst/>
+          </a:prstGeom>
+          <a:noFill/>
+        </p:spPr>
+        <p:txBody>
+          <a:bodyPr wrap="none" rtlCol="0">
+            <a:spAutoFit/>
+          </a:bodyPr>
+          <a:lstStyle/>
+          <a:p>
+            <a:r>
+              <a:rPr lang="fr-FR" dirty="0"/>
+              <a:t>De la discipline </a:t>
+            </a:r>
+          </a:p>
+          <a:p>
+            <a:r>
+              <a:rPr lang="fr-FR" dirty="0"/>
+              <a:t>D’autres disciplines (Maths, </a:t>
+            </a:r>
+            <a:r>
+              <a:rPr lang="fr-FR" dirty="0" err="1"/>
+              <a:t>Sc</a:t>
+            </a:r>
+            <a:r>
+              <a:rPr lang="fr-FR" dirty="0"/>
+              <a:t> </a:t>
+            </a:r>
+            <a:r>
+              <a:rPr lang="fr-FR" dirty="0" err="1"/>
+              <a:t>Phy</a:t>
+            </a:r>
+            <a:r>
+              <a:rPr lang="fr-FR" dirty="0"/>
+              <a:t>) [interdisciplinarité] </a:t>
+            </a:r>
+          </a:p>
+          <a:p>
+            <a:r>
+              <a:rPr lang="fr-FR" dirty="0"/>
+              <a:t>	</a:t>
+            </a:r>
+            <a:r>
+              <a:rPr lang="fr-FR" dirty="0">
+                <a:sym typeface="Wingdings" pitchFamily="2" charset="2"/>
+              </a:rPr>
+              <a:t> </a:t>
+            </a:r>
+            <a:r>
+              <a:rPr lang="fr-FR" dirty="0"/>
+              <a:t>attention à la planification de ces séquences  / celle développée</a:t>
+            </a:r>
+          </a:p>
+        </p:txBody>
+      </p:sp>
     </p:spTree>
     <p:extLst>
       <p:ext uri="{BB962C8B-B14F-4D97-AF65-F5344CB8AC3E}">
-        <p14:creationId xmlns:p14="http://schemas.microsoft.com/office/powerpoint/2010/main" val="3063610257"/>
+        <p14:creationId xmlns:p14="http://schemas.microsoft.com/office/powerpoint/2010/main" val="3574017169"/>
       </p:ext>
     </p:extLst>
   </p:cSld>
